--- a/presentation/MDSD-Abschlusspraesentation.pptx
+++ b/presentation/MDSD-Abschlusspraesentation.pptx
@@ -5,10 +5,10 @@
     <p:sldMasterId id="2147483648" r:id="rId1"/>
   </p:sldMasterIdLst>
   <p:notesMasterIdLst>
-    <p:notesMasterId r:id="rId10"/>
+    <p:notesMasterId r:id="rId18"/>
   </p:notesMasterIdLst>
   <p:handoutMasterIdLst>
-    <p:handoutMasterId r:id="rId11"/>
+    <p:handoutMasterId r:id="rId19"/>
   </p:handoutMasterIdLst>
   <p:sldIdLst>
     <p:sldId id="256" r:id="rId2"/>
@@ -17,8 +17,16 @@
     <p:sldId id="300" r:id="rId5"/>
     <p:sldId id="301" r:id="rId6"/>
     <p:sldId id="302" r:id="rId7"/>
-    <p:sldId id="303" r:id="rId8"/>
-    <p:sldId id="304" r:id="rId9"/>
+    <p:sldId id="309" r:id="rId8"/>
+    <p:sldId id="310" r:id="rId9"/>
+    <p:sldId id="312" r:id="rId10"/>
+    <p:sldId id="311" r:id="rId11"/>
+    <p:sldId id="303" r:id="rId12"/>
+    <p:sldId id="305" r:id="rId13"/>
+    <p:sldId id="306" r:id="rId14"/>
+    <p:sldId id="307" r:id="rId15"/>
+    <p:sldId id="308" r:id="rId16"/>
+    <p:sldId id="304" r:id="rId17"/>
   </p:sldIdLst>
   <p:sldSz cx="9144000" cy="6858000" type="screen4x3"/>
   <p:notesSz cx="6858000" cy="9144000"/>
@@ -128,7 +136,15 @@
             <p14:sldId id="300"/>
             <p14:sldId id="301"/>
             <p14:sldId id="302"/>
+            <p14:sldId id="309"/>
+            <p14:sldId id="310"/>
+            <p14:sldId id="312"/>
+            <p14:sldId id="311"/>
             <p14:sldId id="303"/>
+            <p14:sldId id="305"/>
+            <p14:sldId id="306"/>
+            <p14:sldId id="307"/>
+            <p14:sldId id="308"/>
             <p14:sldId id="304"/>
           </p14:sldIdLst>
         </p14:section>
@@ -220,7 +236,7 @@
           <a:p>
             <a:fld id="{36729675-C644-6E46-8A9C-6A4F26267E24}" type="datetimeFigureOut">
               <a:rPr lang="de-DE" smtClean="0"/>
-              <a:t>13.07.16</a:t>
+              <a:t>18.07.16</a:t>
             </a:fld>
             <a:endParaRPr lang="de-DE"/>
           </a:p>
@@ -386,7 +402,7 @@
           <a:p>
             <a:fld id="{0EA486D8-2136-344F-A443-C62CACD96E34}" type="datetimeFigureOut">
               <a:rPr lang="de-DE" smtClean="0"/>
-              <a:t>13.07.16</a:t>
+              <a:t>18.07.16</a:t>
             </a:fld>
             <a:endParaRPr lang="de-DE"/>
           </a:p>
@@ -858,7 +874,7 @@
                 <a:latin typeface="Fira Sans SemiBold Italic"/>
                 <a:cs typeface="Fira Sans SemiBold Italic"/>
               </a:rPr>
-              <a:t>Mittwoch, 13. Juli 16</a:t>
+              <a:t>Montag, 18. Juli 16</a:t>
             </a:fld>
             <a:endParaRPr lang="de-DE" b="0" i="0" dirty="0">
               <a:solidFill>
@@ -3253,6 +3269,1801 @@
 </p:sld>
 </file>
 
+<file path=ppt/slides/slide10.xml><?xml version="1.0" encoding="utf-8"?>
+<p:sld xmlns:a="http://schemas.openxmlformats.org/drawingml/2006/main" xmlns:r="http://schemas.openxmlformats.org/officeDocument/2006/relationships" xmlns:p="http://schemas.openxmlformats.org/presentationml/2006/main">
+  <p:cSld>
+    <p:spTree>
+      <p:nvGrpSpPr>
+        <p:cNvPr id="1" name=""/>
+        <p:cNvGrpSpPr/>
+        <p:nvPr/>
+      </p:nvGrpSpPr>
+      <p:grpSpPr>
+        <a:xfrm>
+          <a:off x="0" y="0"/>
+          <a:ext cx="0" cy="0"/>
+          <a:chOff x="0" y="0"/>
+          <a:chExt cx="0" cy="0"/>
+        </a:xfrm>
+      </p:grpSpPr>
+      <p:sp>
+        <p:nvSpPr>
+          <p:cNvPr id="2" name="Titel 1"/>
+          <p:cNvSpPr>
+            <a:spLocks noGrp="1"/>
+          </p:cNvSpPr>
+          <p:nvPr>
+            <p:ph type="title"/>
+          </p:nvPr>
+        </p:nvSpPr>
+        <p:spPr/>
+        <p:txBody>
+          <a:bodyPr/>
+          <a:lstStyle/>
+          <a:p>
+            <a:r>
+              <a:rPr lang="de-DE" dirty="0" smtClean="0"/>
+              <a:t>Was haben wir bei dieser Aufgabe gelernt?</a:t>
+            </a:r>
+            <a:endParaRPr lang="de-DE" dirty="0"/>
+          </a:p>
+        </p:txBody>
+      </p:sp>
+      <p:sp>
+        <p:nvSpPr>
+          <p:cNvPr id="3" name="Inhaltsplatzhalter 2"/>
+          <p:cNvSpPr>
+            <a:spLocks noGrp="1"/>
+          </p:cNvSpPr>
+          <p:nvPr>
+            <p:ph idx="1"/>
+          </p:nvPr>
+        </p:nvSpPr>
+        <p:spPr>
+          <a:xfrm>
+            <a:off x="693942" y="2099733"/>
+            <a:ext cx="7992858" cy="4026430"/>
+          </a:xfrm>
+        </p:spPr>
+        <p:txBody>
+          <a:bodyPr>
+            <a:normAutofit fontScale="92500" lnSpcReduction="20000"/>
+          </a:bodyPr>
+          <a:lstStyle/>
+          <a:p>
+            <a:pPr>
+              <a:lnSpc>
+                <a:spcPct val="120000"/>
+              </a:lnSpc>
+              <a:spcAft>
+                <a:spcPts val="600"/>
+              </a:spcAft>
+            </a:pPr>
+            <a:r>
+              <a:rPr lang="de-DE" dirty="0" smtClean="0"/>
+              <a:t>Dokumentation zeigt oft nur „einfache“ Beispiele ohne Eingabemodelle</a:t>
+            </a:r>
+          </a:p>
+          <a:p>
+            <a:pPr lvl="1">
+              <a:lnSpc>
+                <a:spcPct val="120000"/>
+              </a:lnSpc>
+              <a:spcAft>
+                <a:spcPts val="600"/>
+              </a:spcAft>
+            </a:pPr>
+            <a:r>
+              <a:rPr lang="de-DE" dirty="0" smtClean="0"/>
+              <a:t>lange Fehlersuche</a:t>
+            </a:r>
+          </a:p>
+          <a:p>
+            <a:pPr lvl="1">
+              <a:lnSpc>
+                <a:spcPct val="120000"/>
+              </a:lnSpc>
+              <a:spcAft>
+                <a:spcPts val="600"/>
+              </a:spcAft>
+            </a:pPr>
+            <a:r>
+              <a:rPr lang="de-DE" dirty="0" smtClean="0"/>
+              <a:t>viel „Ausprobieren“</a:t>
+            </a:r>
+          </a:p>
+          <a:p>
+            <a:pPr>
+              <a:lnSpc>
+                <a:spcPct val="120000"/>
+              </a:lnSpc>
+              <a:spcAft>
+                <a:spcPts val="600"/>
+              </a:spcAft>
+            </a:pPr>
+            <a:r>
+              <a:rPr lang="de-DE" dirty="0" smtClean="0"/>
+              <a:t>Handhabung von Zeilenumbrüchen mit </a:t>
+            </a:r>
+            <a:r>
+              <a:rPr lang="de-DE" dirty="0" err="1" smtClean="0"/>
+              <a:t>Xtend</a:t>
+            </a:r>
+            <a:r>
+              <a:rPr lang="de-DE" dirty="0" smtClean="0"/>
+              <a:t> recht aufwendig</a:t>
+            </a:r>
+          </a:p>
+          <a:p>
+            <a:pPr lvl="1">
+              <a:lnSpc>
+                <a:spcPct val="120000"/>
+              </a:lnSpc>
+              <a:spcAft>
+                <a:spcPts val="600"/>
+              </a:spcAft>
+            </a:pPr>
+            <a:r>
+              <a:rPr lang="de-DE" dirty="0" smtClean="0"/>
+              <a:t>einige unschöne Workarounds</a:t>
+            </a:r>
+          </a:p>
+        </p:txBody>
+      </p:sp>
+      <p:sp>
+        <p:nvSpPr>
+          <p:cNvPr id="4" name="Foliennummernplatzhalter 3"/>
+          <p:cNvSpPr>
+            <a:spLocks noGrp="1"/>
+          </p:cNvSpPr>
+          <p:nvPr>
+            <p:ph type="sldNum" sz="quarter" idx="10"/>
+          </p:nvPr>
+        </p:nvSpPr>
+        <p:spPr/>
+        <p:txBody>
+          <a:bodyPr/>
+          <a:lstStyle/>
+          <a:p>
+            <a:fld id="{1215FA07-EE23-A948-A6ED-56C5FE5A7EE4}" type="slidenum">
+              <a:rPr lang="de-DE" smtClean="0"/>
+              <a:t>10</a:t>
+            </a:fld>
+            <a:endParaRPr lang="de-DE"/>
+          </a:p>
+        </p:txBody>
+      </p:sp>
+    </p:spTree>
+    <p:extLst>
+      <p:ext uri="{BB962C8B-B14F-4D97-AF65-F5344CB8AC3E}">
+        <p14:creationId xmlns:p14="http://schemas.microsoft.com/office/powerpoint/2010/main" val="2815964202"/>
+      </p:ext>
+    </p:extLst>
+  </p:cSld>
+  <p:clrMapOvr>
+    <a:masterClrMapping/>
+  </p:clrMapOvr>
+  <p:timing>
+    <p:tnLst>
+      <p:par>
+        <p:cTn xmlns:p14="http://schemas.microsoft.com/office/powerpoint/2010/main" id="1" dur="indefinite" restart="never" nodeType="tmRoot"/>
+      </p:par>
+    </p:tnLst>
+  </p:timing>
+</p:sld>
+</file>
+
+<file path=ppt/slides/slide11.xml><?xml version="1.0" encoding="utf-8"?>
+<p:sld xmlns:a="http://schemas.openxmlformats.org/drawingml/2006/main" xmlns:r="http://schemas.openxmlformats.org/officeDocument/2006/relationships" xmlns:p="http://schemas.openxmlformats.org/presentationml/2006/main">
+  <p:cSld>
+    <p:spTree>
+      <p:nvGrpSpPr>
+        <p:cNvPr id="1" name=""/>
+        <p:cNvGrpSpPr/>
+        <p:nvPr/>
+      </p:nvGrpSpPr>
+      <p:grpSpPr>
+        <a:xfrm>
+          <a:off x="0" y="0"/>
+          <a:ext cx="0" cy="0"/>
+          <a:chOff x="0" y="0"/>
+          <a:chExt cx="0" cy="0"/>
+        </a:xfrm>
+      </p:grpSpPr>
+      <p:sp>
+        <p:nvSpPr>
+          <p:cNvPr id="2" name="Titel 1"/>
+          <p:cNvSpPr>
+            <a:spLocks noGrp="1"/>
+          </p:cNvSpPr>
+          <p:nvPr>
+            <p:ph type="title"/>
+          </p:nvPr>
+        </p:nvSpPr>
+        <p:spPr/>
+        <p:txBody>
+          <a:bodyPr/>
+          <a:lstStyle/>
+          <a:p>
+            <a:r>
+              <a:rPr lang="de-DE" dirty="0" smtClean="0"/>
+              <a:t>grafischer Editor (Sirius)</a:t>
+            </a:r>
+            <a:endParaRPr lang="de-DE" dirty="0"/>
+          </a:p>
+        </p:txBody>
+      </p:sp>
+    </p:spTree>
+    <p:extLst>
+      <p:ext uri="{BB962C8B-B14F-4D97-AF65-F5344CB8AC3E}">
+        <p14:creationId xmlns:p14="http://schemas.microsoft.com/office/powerpoint/2010/main" val="3791329346"/>
+      </p:ext>
+    </p:extLst>
+  </p:cSld>
+  <p:clrMapOvr>
+    <a:masterClrMapping/>
+  </p:clrMapOvr>
+  <p:timing>
+    <p:tnLst>
+      <p:par>
+        <p:cTn xmlns:p14="http://schemas.microsoft.com/office/powerpoint/2010/main" id="1" dur="indefinite" restart="never" nodeType="tmRoot"/>
+      </p:par>
+    </p:tnLst>
+  </p:timing>
+</p:sld>
+</file>
+
+<file path=ppt/slides/slide12.xml><?xml version="1.0" encoding="utf-8"?>
+<p:sld xmlns:a="http://schemas.openxmlformats.org/drawingml/2006/main" xmlns:r="http://schemas.openxmlformats.org/officeDocument/2006/relationships" xmlns:p="http://schemas.openxmlformats.org/presentationml/2006/main">
+  <p:cSld>
+    <p:spTree>
+      <p:nvGrpSpPr>
+        <p:cNvPr id="1" name=""/>
+        <p:cNvGrpSpPr/>
+        <p:nvPr/>
+      </p:nvGrpSpPr>
+      <p:grpSpPr>
+        <a:xfrm>
+          <a:off x="0" y="0"/>
+          <a:ext cx="0" cy="0"/>
+          <a:chOff x="0" y="0"/>
+          <a:chExt cx="0" cy="0"/>
+        </a:xfrm>
+      </p:grpSpPr>
+      <p:sp>
+        <p:nvSpPr>
+          <p:cNvPr id="3" name="Titel 2"/>
+          <p:cNvSpPr>
+            <a:spLocks noGrp="1"/>
+          </p:cNvSpPr>
+          <p:nvPr>
+            <p:ph type="title"/>
+          </p:nvPr>
+        </p:nvSpPr>
+        <p:spPr/>
+        <p:txBody>
+          <a:bodyPr/>
+          <a:lstStyle/>
+          <a:p>
+            <a:r>
+              <a:rPr lang="de-DE" dirty="0"/>
+              <a:t>g</a:t>
+            </a:r>
+            <a:r>
+              <a:rPr lang="de-DE" dirty="0" smtClean="0"/>
+              <a:t>rafische Darstellung</a:t>
+            </a:r>
+            <a:endParaRPr lang="de-DE" dirty="0"/>
+          </a:p>
+        </p:txBody>
+      </p:sp>
+      <p:pic>
+        <p:nvPicPr>
+          <p:cNvPr id="5" name="Bild 4" descr="Bildschirmfoto 2016-07-18 um 18.41.55.png"/>
+          <p:cNvPicPr>
+            <a:picLocks noChangeAspect="1"/>
+          </p:cNvPicPr>
+          <p:nvPr/>
+        </p:nvPicPr>
+        <p:blipFill>
+          <a:blip r:embed="rId2">
+            <a:extLst>
+              <a:ext uri="{28A0092B-C50C-407E-A947-70E740481C1C}">
+                <a14:useLocalDpi xmlns:a14="http://schemas.microsoft.com/office/drawing/2010/main" val="0"/>
+              </a:ext>
+            </a:extLst>
+          </a:blip>
+          <a:stretch>
+            <a:fillRect/>
+          </a:stretch>
+        </p:blipFill>
+        <p:spPr>
+          <a:xfrm>
+            <a:off x="1221627" y="1039323"/>
+            <a:ext cx="6720107" cy="5327606"/>
+          </a:xfrm>
+          <a:prstGeom prst="rect">
+            <a:avLst/>
+          </a:prstGeom>
+        </p:spPr>
+      </p:pic>
+    </p:spTree>
+    <p:extLst>
+      <p:ext uri="{BB962C8B-B14F-4D97-AF65-F5344CB8AC3E}">
+        <p14:creationId xmlns:p14="http://schemas.microsoft.com/office/powerpoint/2010/main" val="2034413672"/>
+      </p:ext>
+    </p:extLst>
+  </p:cSld>
+  <p:clrMapOvr>
+    <a:masterClrMapping/>
+  </p:clrMapOvr>
+  <p:timing>
+    <p:tnLst>
+      <p:par>
+        <p:cTn xmlns:p14="http://schemas.microsoft.com/office/powerpoint/2010/main" id="1" dur="indefinite" restart="never" nodeType="tmRoot"/>
+      </p:par>
+    </p:tnLst>
+  </p:timing>
+</p:sld>
+</file>
+
+<file path=ppt/slides/slide13.xml><?xml version="1.0" encoding="utf-8"?>
+<p:sld xmlns:a="http://schemas.openxmlformats.org/drawingml/2006/main" xmlns:r="http://schemas.openxmlformats.org/officeDocument/2006/relationships" xmlns:p="http://schemas.openxmlformats.org/presentationml/2006/main">
+  <p:cSld>
+    <p:spTree>
+      <p:nvGrpSpPr>
+        <p:cNvPr id="1" name=""/>
+        <p:cNvGrpSpPr/>
+        <p:nvPr/>
+      </p:nvGrpSpPr>
+      <p:grpSpPr>
+        <a:xfrm>
+          <a:off x="0" y="0"/>
+          <a:ext cx="0" cy="0"/>
+          <a:chOff x="0" y="0"/>
+          <a:chExt cx="0" cy="0"/>
+        </a:xfrm>
+      </p:grpSpPr>
+      <p:sp>
+        <p:nvSpPr>
+          <p:cNvPr id="2" name="Titel 1"/>
+          <p:cNvSpPr>
+            <a:spLocks noGrp="1"/>
+          </p:cNvSpPr>
+          <p:nvPr>
+            <p:ph type="title"/>
+          </p:nvPr>
+        </p:nvSpPr>
+        <p:spPr/>
+        <p:txBody>
+          <a:bodyPr/>
+          <a:lstStyle/>
+          <a:p>
+            <a:r>
+              <a:rPr lang="de-DE" dirty="0" smtClean="0"/>
+              <a:t>Darstellung der Signaturen</a:t>
+            </a:r>
+            <a:endParaRPr lang="de-DE" dirty="0"/>
+          </a:p>
+        </p:txBody>
+      </p:sp>
+      <p:sp>
+        <p:nvSpPr>
+          <p:cNvPr id="4" name="Foliennummernplatzhalter 3"/>
+          <p:cNvSpPr>
+            <a:spLocks noGrp="1"/>
+          </p:cNvSpPr>
+          <p:nvPr>
+            <p:ph type="sldNum" sz="quarter" idx="10"/>
+          </p:nvPr>
+        </p:nvSpPr>
+        <p:spPr/>
+        <p:txBody>
+          <a:bodyPr/>
+          <a:lstStyle/>
+          <a:p>
+            <a:fld id="{1215FA07-EE23-A948-A6ED-56C5FE5A7EE4}" type="slidenum">
+              <a:rPr lang="de-DE" smtClean="0"/>
+              <a:t>13</a:t>
+            </a:fld>
+            <a:endParaRPr lang="de-DE"/>
+          </a:p>
+        </p:txBody>
+      </p:sp>
+      <p:pic>
+        <p:nvPicPr>
+          <p:cNvPr id="5" name="Bild 4" descr="Bildschirmfoto 2016-07-18 um 18.41.55.png"/>
+          <p:cNvPicPr>
+            <a:picLocks noChangeAspect="1"/>
+          </p:cNvPicPr>
+          <p:nvPr/>
+        </p:nvPicPr>
+        <p:blipFill rotWithShape="1">
+          <a:blip r:embed="rId2">
+            <a:extLst>
+              <a:ext uri="{28A0092B-C50C-407E-A947-70E740481C1C}">
+                <a14:useLocalDpi xmlns:a14="http://schemas.microsoft.com/office/drawing/2010/main" val="0"/>
+              </a:ext>
+            </a:extLst>
+          </a:blip>
+          <a:srcRect l="37257" t="59318" r="34773" b="3496"/>
+          <a:stretch/>
+        </p:blipFill>
+        <p:spPr>
+          <a:xfrm>
+            <a:off x="6079068" y="2078863"/>
+            <a:ext cx="2607732" cy="2748692"/>
+          </a:xfrm>
+          <a:prstGeom prst="rect">
+            <a:avLst/>
+          </a:prstGeom>
+        </p:spPr>
+      </p:pic>
+      <p:grpSp>
+        <p:nvGrpSpPr>
+          <p:cNvPr id="17" name="Gruppierung 16"/>
+          <p:cNvGrpSpPr/>
+          <p:nvPr/>
+        </p:nvGrpSpPr>
+        <p:grpSpPr>
+          <a:xfrm>
+            <a:off x="745067" y="2184402"/>
+            <a:ext cx="1774139" cy="2370665"/>
+            <a:chOff x="-30004" y="2184402"/>
+            <a:chExt cx="1774139" cy="2370665"/>
+          </a:xfrm>
+        </p:grpSpPr>
+        <p:sp>
+          <p:nvSpPr>
+            <p:cNvPr id="12" name="Textfeld 11"/>
+            <p:cNvSpPr txBox="1"/>
+            <p:nvPr/>
+          </p:nvSpPr>
+          <p:spPr>
+            <a:xfrm>
+              <a:off x="-30004" y="3032500"/>
+              <a:ext cx="1520137" cy="646331"/>
+            </a:xfrm>
+            <a:prstGeom prst="rect">
+              <a:avLst/>
+            </a:prstGeom>
+            <a:noFill/>
+          </p:spPr>
+          <p:txBody>
+            <a:bodyPr wrap="square" rtlCol="0">
+              <a:spAutoFit/>
+            </a:bodyPr>
+            <a:lstStyle>
+              <a:defPPr>
+                <a:defRPr lang="de-DE"/>
+              </a:defPPr>
+              <a:lvl1pPr>
+                <a:defRPr>
+                  <a:latin typeface="Fira Sans Medium"/>
+                  <a:cs typeface="Fira Sans Medium"/>
+                </a:defRPr>
+              </a:lvl1pPr>
+            </a:lstStyle>
+            <a:p>
+              <a:r>
+                <a:rPr lang="de-DE" dirty="0"/>
+                <a:t>Interface-</a:t>
+              </a:r>
+              <a:r>
+                <a:rPr lang="de-DE" dirty="0">
+                  <a:latin typeface="Fira Mono OT"/>
+                  <a:cs typeface="Fira Mono OT"/>
+                </a:rPr>
+                <a:t>Container</a:t>
+              </a:r>
+            </a:p>
+          </p:txBody>
+        </p:sp>
+        <p:sp>
+          <p:nvSpPr>
+            <p:cNvPr id="13" name="Geschweifte Klammer links 12"/>
+            <p:cNvSpPr/>
+            <p:nvPr/>
+          </p:nvSpPr>
+          <p:spPr>
+            <a:xfrm>
+              <a:off x="1371602" y="2184402"/>
+              <a:ext cx="372533" cy="2370665"/>
+            </a:xfrm>
+            <a:prstGeom prst="leftBrace">
+              <a:avLst/>
+            </a:prstGeom>
+          </p:spPr>
+          <p:style>
+            <a:lnRef idx="2">
+              <a:schemeClr val="accent1"/>
+            </a:lnRef>
+            <a:fillRef idx="0">
+              <a:schemeClr val="accent1"/>
+            </a:fillRef>
+            <a:effectRef idx="1">
+              <a:schemeClr val="accent1"/>
+            </a:effectRef>
+            <a:fontRef idx="minor">
+              <a:schemeClr val="tx1"/>
+            </a:fontRef>
+          </p:style>
+          <p:txBody>
+            <a:bodyPr rtlCol="0" anchor="ctr"/>
+            <a:lstStyle/>
+            <a:p>
+              <a:pPr algn="ctr"/>
+              <a:endParaRPr lang="de-DE"/>
+            </a:p>
+          </p:txBody>
+        </p:sp>
+      </p:grpSp>
+      <p:grpSp>
+        <p:nvGrpSpPr>
+          <p:cNvPr id="18" name="Gruppierung 17"/>
+          <p:cNvGrpSpPr/>
+          <p:nvPr/>
+        </p:nvGrpSpPr>
+        <p:grpSpPr>
+          <a:xfrm>
+            <a:off x="2519206" y="2623235"/>
+            <a:ext cx="1683894" cy="1055595"/>
+            <a:chOff x="60241" y="2184402"/>
+            <a:chExt cx="1683894" cy="1055595"/>
+          </a:xfrm>
+        </p:grpSpPr>
+        <p:sp>
+          <p:nvSpPr>
+            <p:cNvPr id="19" name="Textfeld 18"/>
+            <p:cNvSpPr txBox="1"/>
+            <p:nvPr/>
+          </p:nvSpPr>
+          <p:spPr>
+            <a:xfrm>
+              <a:off x="60241" y="2405967"/>
+              <a:ext cx="1429892" cy="646331"/>
+            </a:xfrm>
+            <a:prstGeom prst="rect">
+              <a:avLst/>
+            </a:prstGeom>
+            <a:noFill/>
+          </p:spPr>
+          <p:txBody>
+            <a:bodyPr wrap="square" rtlCol="0">
+              <a:spAutoFit/>
+            </a:bodyPr>
+            <a:lstStyle>
+              <a:defPPr>
+                <a:defRPr lang="de-DE"/>
+              </a:defPPr>
+              <a:lvl1pPr>
+                <a:defRPr>
+                  <a:latin typeface="Fira Sans Medium"/>
+                  <a:cs typeface="Fira Sans Medium"/>
+                </a:defRPr>
+              </a:lvl1pPr>
+            </a:lstStyle>
+            <a:p>
+              <a:r>
+                <a:rPr lang="de-DE" dirty="0" smtClean="0"/>
+                <a:t>Signatur-</a:t>
+              </a:r>
+              <a:r>
+                <a:rPr lang="de-DE" dirty="0">
+                  <a:latin typeface="Fira Mono OT"/>
+                  <a:cs typeface="Fira Mono OT"/>
+                </a:rPr>
+                <a:t>Container</a:t>
+              </a:r>
+            </a:p>
+          </p:txBody>
+        </p:sp>
+        <p:sp>
+          <p:nvSpPr>
+            <p:cNvPr id="20" name="Geschweifte Klammer links 19"/>
+            <p:cNvSpPr/>
+            <p:nvPr/>
+          </p:nvSpPr>
+          <p:spPr>
+            <a:xfrm>
+              <a:off x="1371602" y="2184402"/>
+              <a:ext cx="372533" cy="1055595"/>
+            </a:xfrm>
+            <a:prstGeom prst="leftBrace">
+              <a:avLst/>
+            </a:prstGeom>
+          </p:spPr>
+          <p:style>
+            <a:lnRef idx="2">
+              <a:schemeClr val="accent1"/>
+            </a:lnRef>
+            <a:fillRef idx="0">
+              <a:schemeClr val="accent1"/>
+            </a:fillRef>
+            <a:effectRef idx="1">
+              <a:schemeClr val="accent1"/>
+            </a:effectRef>
+            <a:fontRef idx="minor">
+              <a:schemeClr val="tx1"/>
+            </a:fontRef>
+          </p:style>
+          <p:txBody>
+            <a:bodyPr rtlCol="0" anchor="ctr"/>
+            <a:lstStyle/>
+            <a:p>
+              <a:pPr algn="ctr"/>
+              <a:endParaRPr lang="de-DE"/>
+            </a:p>
+          </p:txBody>
+        </p:sp>
+      </p:grpSp>
+      <p:grpSp>
+        <p:nvGrpSpPr>
+          <p:cNvPr id="23" name="Gruppierung 22"/>
+          <p:cNvGrpSpPr/>
+          <p:nvPr/>
+        </p:nvGrpSpPr>
+        <p:grpSpPr>
+          <a:xfrm>
+            <a:off x="2519206" y="3729633"/>
+            <a:ext cx="1683894" cy="825434"/>
+            <a:chOff x="60241" y="2184403"/>
+            <a:chExt cx="1683894" cy="825434"/>
+          </a:xfrm>
+        </p:grpSpPr>
+        <p:sp>
+          <p:nvSpPr>
+            <p:cNvPr id="24" name="Textfeld 23"/>
+            <p:cNvSpPr txBox="1"/>
+            <p:nvPr/>
+          </p:nvSpPr>
+          <p:spPr>
+            <a:xfrm>
+              <a:off x="60241" y="2270503"/>
+              <a:ext cx="1429892" cy="646331"/>
+            </a:xfrm>
+            <a:prstGeom prst="rect">
+              <a:avLst/>
+            </a:prstGeom>
+            <a:noFill/>
+          </p:spPr>
+          <p:txBody>
+            <a:bodyPr wrap="square" rtlCol="0">
+              <a:spAutoFit/>
+            </a:bodyPr>
+            <a:lstStyle>
+              <a:defPPr>
+                <a:defRPr lang="de-DE"/>
+              </a:defPPr>
+              <a:lvl1pPr>
+                <a:defRPr>
+                  <a:latin typeface="Fira Sans Medium"/>
+                  <a:cs typeface="Fira Sans Medium"/>
+                </a:defRPr>
+              </a:lvl1pPr>
+            </a:lstStyle>
+            <a:p>
+              <a:r>
+                <a:rPr lang="de-DE" dirty="0" smtClean="0"/>
+                <a:t>Signatur-</a:t>
+              </a:r>
+              <a:r>
+                <a:rPr lang="de-DE" dirty="0">
+                  <a:latin typeface="Fira Mono OT"/>
+                  <a:cs typeface="Fira Mono OT"/>
+                </a:rPr>
+                <a:t>Container</a:t>
+              </a:r>
+            </a:p>
+          </p:txBody>
+        </p:sp>
+        <p:sp>
+          <p:nvSpPr>
+            <p:cNvPr id="25" name="Geschweifte Klammer links 24"/>
+            <p:cNvSpPr/>
+            <p:nvPr/>
+          </p:nvSpPr>
+          <p:spPr>
+            <a:xfrm>
+              <a:off x="1371602" y="2184403"/>
+              <a:ext cx="372533" cy="825434"/>
+            </a:xfrm>
+            <a:prstGeom prst="leftBrace">
+              <a:avLst/>
+            </a:prstGeom>
+          </p:spPr>
+          <p:style>
+            <a:lnRef idx="2">
+              <a:schemeClr val="accent1"/>
+            </a:lnRef>
+            <a:fillRef idx="0">
+              <a:schemeClr val="accent1"/>
+            </a:fillRef>
+            <a:effectRef idx="1">
+              <a:schemeClr val="accent1"/>
+            </a:effectRef>
+            <a:fontRef idx="minor">
+              <a:schemeClr val="tx1"/>
+            </a:fontRef>
+          </p:style>
+          <p:txBody>
+            <a:bodyPr rtlCol="0" anchor="ctr"/>
+            <a:lstStyle/>
+            <a:p>
+              <a:pPr algn="ctr"/>
+              <a:endParaRPr lang="de-DE"/>
+            </a:p>
+          </p:txBody>
+        </p:sp>
+      </p:grpSp>
+      <p:grpSp>
+        <p:nvGrpSpPr>
+          <p:cNvPr id="30" name="Gruppierung 29"/>
+          <p:cNvGrpSpPr/>
+          <p:nvPr/>
+        </p:nvGrpSpPr>
+        <p:grpSpPr>
+          <a:xfrm>
+            <a:off x="4381867" y="3064933"/>
+            <a:ext cx="1565364" cy="646331"/>
+            <a:chOff x="381967" y="2473699"/>
+            <a:chExt cx="1565364" cy="646331"/>
+          </a:xfrm>
+        </p:grpSpPr>
+        <p:sp>
+          <p:nvSpPr>
+            <p:cNvPr id="31" name="Textfeld 30"/>
+            <p:cNvSpPr txBox="1"/>
+            <p:nvPr/>
+          </p:nvSpPr>
+          <p:spPr>
+            <a:xfrm>
+              <a:off x="381967" y="2473699"/>
+              <a:ext cx="1565364" cy="646331"/>
+            </a:xfrm>
+            <a:prstGeom prst="rect">
+              <a:avLst/>
+            </a:prstGeom>
+            <a:noFill/>
+          </p:spPr>
+          <p:txBody>
+            <a:bodyPr wrap="square" rtlCol="0">
+              <a:spAutoFit/>
+            </a:bodyPr>
+            <a:lstStyle>
+              <a:defPPr>
+                <a:defRPr lang="de-DE"/>
+              </a:defPPr>
+              <a:lvl1pPr>
+                <a:defRPr>
+                  <a:latin typeface="Fira Sans Medium"/>
+                  <a:cs typeface="Fira Sans Medium"/>
+                </a:defRPr>
+              </a:lvl1pPr>
+            </a:lstStyle>
+            <a:p>
+              <a:r>
+                <a:rPr lang="de-DE" dirty="0" smtClean="0"/>
+                <a:t>Parameter-</a:t>
+              </a:r>
+              <a:r>
+                <a:rPr lang="de-DE" dirty="0" smtClean="0">
+                  <a:latin typeface="Fira Mono OT"/>
+                  <a:cs typeface="Fira Mono OT"/>
+                </a:rPr>
+                <a:t>Nodes</a:t>
+              </a:r>
+              <a:endParaRPr lang="de-DE" dirty="0">
+                <a:latin typeface="Fira Mono OT"/>
+                <a:cs typeface="Fira Mono OT"/>
+              </a:endParaRPr>
+            </a:p>
+          </p:txBody>
+        </p:sp>
+        <p:sp>
+          <p:nvSpPr>
+            <p:cNvPr id="32" name="Geschweifte Klammer links 31"/>
+            <p:cNvSpPr/>
+            <p:nvPr/>
+          </p:nvSpPr>
+          <p:spPr>
+            <a:xfrm>
+              <a:off x="1744135" y="2592233"/>
+              <a:ext cx="186263" cy="460066"/>
+            </a:xfrm>
+            <a:prstGeom prst="leftBrace">
+              <a:avLst/>
+            </a:prstGeom>
+          </p:spPr>
+          <p:style>
+            <a:lnRef idx="2">
+              <a:schemeClr val="accent1"/>
+            </a:lnRef>
+            <a:fillRef idx="0">
+              <a:schemeClr val="accent1"/>
+            </a:fillRef>
+            <a:effectRef idx="1">
+              <a:schemeClr val="accent1"/>
+            </a:effectRef>
+            <a:fontRef idx="minor">
+              <a:schemeClr val="tx1"/>
+            </a:fontRef>
+          </p:style>
+          <p:txBody>
+            <a:bodyPr rtlCol="0" anchor="ctr"/>
+            <a:lstStyle/>
+            <a:p>
+              <a:pPr algn="ctr"/>
+              <a:endParaRPr lang="de-DE"/>
+            </a:p>
+          </p:txBody>
+        </p:sp>
+      </p:grpSp>
+    </p:spTree>
+    <p:extLst>
+      <p:ext uri="{BB962C8B-B14F-4D97-AF65-F5344CB8AC3E}">
+        <p14:creationId xmlns:p14="http://schemas.microsoft.com/office/powerpoint/2010/main" val="3807551519"/>
+      </p:ext>
+    </p:extLst>
+  </p:cSld>
+  <p:clrMapOvr>
+    <a:masterClrMapping/>
+  </p:clrMapOvr>
+  <p:timing>
+    <p:tnLst>
+      <p:par>
+        <p:cTn xmlns:p14="http://schemas.microsoft.com/office/powerpoint/2010/main" id="1" dur="indefinite" restart="never" nodeType="tmRoot">
+          <p:childTnLst>
+            <p:seq concurrent="1" nextAc="seek">
+              <p:cTn id="2" dur="indefinite" nodeType="mainSeq">
+                <p:childTnLst>
+                  <p:par>
+                    <p:cTn id="3" fill="hold">
+                      <p:stCondLst>
+                        <p:cond delay="indefinite"/>
+                      </p:stCondLst>
+                      <p:childTnLst>
+                        <p:par>
+                          <p:cTn id="4" fill="hold">
+                            <p:stCondLst>
+                              <p:cond delay="0"/>
+                            </p:stCondLst>
+                            <p:childTnLst>
+                              <p:par>
+                                <p:cTn id="5" presetID="1" presetClass="entr" presetSubtype="0" fill="hold" nodeType="clickEffect">
+                                  <p:stCondLst>
+                                    <p:cond delay="0"/>
+                                  </p:stCondLst>
+                                  <p:childTnLst>
+                                    <p:set>
+                                      <p:cBhvr>
+                                        <p:cTn id="6" dur="1" fill="hold">
+                                          <p:stCondLst>
+                                            <p:cond delay="0"/>
+                                          </p:stCondLst>
+                                        </p:cTn>
+                                        <p:tgtEl>
+                                          <p:spTgt spid="17"/>
+                                        </p:tgtEl>
+                                        <p:attrNameLst>
+                                          <p:attrName>style.visibility</p:attrName>
+                                        </p:attrNameLst>
+                                      </p:cBhvr>
+                                      <p:to>
+                                        <p:strVal val="visible"/>
+                                      </p:to>
+                                    </p:set>
+                                  </p:childTnLst>
+                                </p:cTn>
+                              </p:par>
+                            </p:childTnLst>
+                          </p:cTn>
+                        </p:par>
+                      </p:childTnLst>
+                    </p:cTn>
+                  </p:par>
+                  <p:par>
+                    <p:cTn id="7" fill="hold">
+                      <p:stCondLst>
+                        <p:cond delay="indefinite"/>
+                      </p:stCondLst>
+                      <p:childTnLst>
+                        <p:par>
+                          <p:cTn id="8" fill="hold">
+                            <p:stCondLst>
+                              <p:cond delay="0"/>
+                            </p:stCondLst>
+                            <p:childTnLst>
+                              <p:par>
+                                <p:cTn id="9" presetID="1" presetClass="entr" presetSubtype="0" fill="hold" nodeType="clickEffect">
+                                  <p:stCondLst>
+                                    <p:cond delay="0"/>
+                                  </p:stCondLst>
+                                  <p:childTnLst>
+                                    <p:set>
+                                      <p:cBhvr>
+                                        <p:cTn id="10" dur="1" fill="hold">
+                                          <p:stCondLst>
+                                            <p:cond delay="0"/>
+                                          </p:stCondLst>
+                                        </p:cTn>
+                                        <p:tgtEl>
+                                          <p:spTgt spid="18"/>
+                                        </p:tgtEl>
+                                        <p:attrNameLst>
+                                          <p:attrName>style.visibility</p:attrName>
+                                        </p:attrNameLst>
+                                      </p:cBhvr>
+                                      <p:to>
+                                        <p:strVal val="visible"/>
+                                      </p:to>
+                                    </p:set>
+                                  </p:childTnLst>
+                                </p:cTn>
+                              </p:par>
+                              <p:par>
+                                <p:cTn id="11" presetID="1" presetClass="entr" presetSubtype="0" fill="hold" nodeType="withEffect">
+                                  <p:stCondLst>
+                                    <p:cond delay="0"/>
+                                  </p:stCondLst>
+                                  <p:childTnLst>
+                                    <p:set>
+                                      <p:cBhvr>
+                                        <p:cTn id="12" dur="1" fill="hold">
+                                          <p:stCondLst>
+                                            <p:cond delay="0"/>
+                                          </p:stCondLst>
+                                        </p:cTn>
+                                        <p:tgtEl>
+                                          <p:spTgt spid="23"/>
+                                        </p:tgtEl>
+                                        <p:attrNameLst>
+                                          <p:attrName>style.visibility</p:attrName>
+                                        </p:attrNameLst>
+                                      </p:cBhvr>
+                                      <p:to>
+                                        <p:strVal val="visible"/>
+                                      </p:to>
+                                    </p:set>
+                                  </p:childTnLst>
+                                </p:cTn>
+                              </p:par>
+                            </p:childTnLst>
+                          </p:cTn>
+                        </p:par>
+                      </p:childTnLst>
+                    </p:cTn>
+                  </p:par>
+                  <p:par>
+                    <p:cTn id="13" fill="hold">
+                      <p:stCondLst>
+                        <p:cond delay="indefinite"/>
+                      </p:stCondLst>
+                      <p:childTnLst>
+                        <p:par>
+                          <p:cTn id="14" fill="hold">
+                            <p:stCondLst>
+                              <p:cond delay="0"/>
+                            </p:stCondLst>
+                            <p:childTnLst>
+                              <p:par>
+                                <p:cTn id="15" presetID="1" presetClass="entr" presetSubtype="0" fill="hold" nodeType="clickEffect">
+                                  <p:stCondLst>
+                                    <p:cond delay="0"/>
+                                  </p:stCondLst>
+                                  <p:childTnLst>
+                                    <p:set>
+                                      <p:cBhvr>
+                                        <p:cTn id="16" dur="1" fill="hold">
+                                          <p:stCondLst>
+                                            <p:cond delay="0"/>
+                                          </p:stCondLst>
+                                        </p:cTn>
+                                        <p:tgtEl>
+                                          <p:spTgt spid="30"/>
+                                        </p:tgtEl>
+                                        <p:attrNameLst>
+                                          <p:attrName>style.visibility</p:attrName>
+                                        </p:attrNameLst>
+                                      </p:cBhvr>
+                                      <p:to>
+                                        <p:strVal val="visible"/>
+                                      </p:to>
+                                    </p:set>
+                                  </p:childTnLst>
+                                </p:cTn>
+                              </p:par>
+                            </p:childTnLst>
+                          </p:cTn>
+                        </p:par>
+                      </p:childTnLst>
+                    </p:cTn>
+                  </p:par>
+                </p:childTnLst>
+              </p:cTn>
+              <p:prevCondLst>
+                <p:cond evt="onPrev" delay="0">
+                  <p:tgtEl>
+                    <p:sldTgt/>
+                  </p:tgtEl>
+                </p:cond>
+              </p:prevCondLst>
+              <p:nextCondLst>
+                <p:cond evt="onNext" delay="0">
+                  <p:tgtEl>
+                    <p:sldTgt/>
+                  </p:tgtEl>
+                </p:cond>
+              </p:nextCondLst>
+            </p:seq>
+          </p:childTnLst>
+        </p:cTn>
+      </p:par>
+    </p:tnLst>
+  </p:timing>
+</p:sld>
+</file>
+
+<file path=ppt/slides/slide14.xml><?xml version="1.0" encoding="utf-8"?>
+<p:sld xmlns:a="http://schemas.openxmlformats.org/drawingml/2006/main" xmlns:r="http://schemas.openxmlformats.org/officeDocument/2006/relationships" xmlns:p="http://schemas.openxmlformats.org/presentationml/2006/main">
+  <p:cSld>
+    <p:spTree>
+      <p:nvGrpSpPr>
+        <p:cNvPr id="1" name=""/>
+        <p:cNvGrpSpPr/>
+        <p:nvPr/>
+      </p:nvGrpSpPr>
+      <p:grpSpPr>
+        <a:xfrm>
+          <a:off x="0" y="0"/>
+          <a:ext cx="0" cy="0"/>
+          <a:chOff x="0" y="0"/>
+          <a:chExt cx="0" cy="0"/>
+        </a:xfrm>
+      </p:grpSpPr>
+      <p:sp>
+        <p:nvSpPr>
+          <p:cNvPr id="2" name="Titel 1"/>
+          <p:cNvSpPr>
+            <a:spLocks noGrp="1"/>
+          </p:cNvSpPr>
+          <p:nvPr>
+            <p:ph type="title"/>
+          </p:nvPr>
+        </p:nvSpPr>
+        <p:spPr/>
+        <p:txBody>
+          <a:bodyPr/>
+          <a:lstStyle/>
+          <a:p>
+            <a:r>
+              <a:rPr lang="de-DE" dirty="0" smtClean="0">
+                <a:latin typeface="Fira Mono OT"/>
+                <a:cs typeface="Fira Mono OT"/>
+              </a:rPr>
+              <a:t>«</a:t>
+            </a:r>
+            <a:r>
+              <a:rPr lang="de-DE" dirty="0" err="1" smtClean="0">
+                <a:latin typeface="Fira Mono OT"/>
+                <a:cs typeface="Fira Mono OT"/>
+              </a:rPr>
+              <a:t>requires</a:t>
+            </a:r>
+            <a:r>
+              <a:rPr lang="de-DE" dirty="0" smtClean="0">
+                <a:latin typeface="Fira Mono OT"/>
+                <a:cs typeface="Fira Mono OT"/>
+              </a:rPr>
+              <a:t>» </a:t>
+            </a:r>
+            <a:r>
+              <a:rPr lang="de-DE" dirty="0" smtClean="0"/>
+              <a:t>und </a:t>
+            </a:r>
+            <a:r>
+              <a:rPr lang="de-DE" dirty="0" smtClean="0">
+                <a:latin typeface="Fira Mono OT"/>
+                <a:cs typeface="Fira Mono OT"/>
+              </a:rPr>
+              <a:t>«</a:t>
+            </a:r>
+            <a:r>
+              <a:rPr lang="de-DE" dirty="0" err="1" smtClean="0">
+                <a:latin typeface="Fira Mono OT"/>
+                <a:cs typeface="Fira Mono OT"/>
+              </a:rPr>
+              <a:t>provides</a:t>
+            </a:r>
+            <a:r>
+              <a:rPr lang="de-DE" dirty="0" smtClean="0">
+                <a:latin typeface="Fira Mono OT"/>
+                <a:cs typeface="Fira Mono OT"/>
+              </a:rPr>
+              <a:t>» </a:t>
+            </a:r>
+            <a:r>
+              <a:rPr lang="de-DE" dirty="0" smtClean="0"/>
+              <a:t>Beziehungen</a:t>
+            </a:r>
+            <a:endParaRPr lang="de-DE" dirty="0"/>
+          </a:p>
+        </p:txBody>
+      </p:sp>
+      <p:sp>
+        <p:nvSpPr>
+          <p:cNvPr id="4" name="Foliennummernplatzhalter 3"/>
+          <p:cNvSpPr>
+            <a:spLocks noGrp="1"/>
+          </p:cNvSpPr>
+          <p:nvPr>
+            <p:ph type="sldNum" sz="quarter" idx="10"/>
+          </p:nvPr>
+        </p:nvSpPr>
+        <p:spPr/>
+        <p:txBody>
+          <a:bodyPr/>
+          <a:lstStyle/>
+          <a:p>
+            <a:fld id="{1215FA07-EE23-A948-A6ED-56C5FE5A7EE4}" type="slidenum">
+              <a:rPr lang="de-DE" smtClean="0"/>
+              <a:t>14</a:t>
+            </a:fld>
+            <a:endParaRPr lang="de-DE"/>
+          </a:p>
+        </p:txBody>
+      </p:sp>
+      <p:pic>
+        <p:nvPicPr>
+          <p:cNvPr id="5" name="Bild 4" descr="Bildschirmfoto 2016-07-18 um 18.41.55.png"/>
+          <p:cNvPicPr>
+            <a:picLocks noChangeAspect="1"/>
+          </p:cNvPicPr>
+          <p:nvPr/>
+        </p:nvPicPr>
+        <p:blipFill rotWithShape="1">
+          <a:blip r:embed="rId2">
+            <a:extLst>
+              <a:ext uri="{28A0092B-C50C-407E-A947-70E740481C1C}">
+                <a14:useLocalDpi xmlns:a14="http://schemas.microsoft.com/office/drawing/2010/main" val="0"/>
+              </a:ext>
+            </a:extLst>
+          </a:blip>
+          <a:srcRect t="9228" r="33803"/>
+          <a:stretch/>
+        </p:blipFill>
+        <p:spPr>
+          <a:xfrm>
+            <a:off x="931333" y="1676400"/>
+            <a:ext cx="4758266" cy="5172742"/>
+          </a:xfrm>
+          <a:prstGeom prst="corner">
+            <a:avLst>
+              <a:gd name="adj1" fmla="val 51834"/>
+              <a:gd name="adj2" fmla="val 42195"/>
+            </a:avLst>
+          </a:prstGeom>
+        </p:spPr>
+      </p:pic>
+      <p:grpSp>
+        <p:nvGrpSpPr>
+          <p:cNvPr id="8" name="Gruppierung 7"/>
+          <p:cNvGrpSpPr/>
+          <p:nvPr/>
+        </p:nvGrpSpPr>
+        <p:grpSpPr>
+          <a:xfrm>
+            <a:off x="4978400" y="1238720"/>
+            <a:ext cx="3928535" cy="3011795"/>
+            <a:chOff x="4978400" y="1238720"/>
+            <a:chExt cx="3928535" cy="3011795"/>
+          </a:xfrm>
+        </p:grpSpPr>
+        <p:pic>
+          <p:nvPicPr>
+            <p:cNvPr id="6" name="Bild 5" descr="Bildschirmfoto 2016-07-18 um 19.27.08.png"/>
+            <p:cNvPicPr>
+              <a:picLocks noChangeAspect="1"/>
+            </p:cNvPicPr>
+            <p:nvPr/>
+          </p:nvPicPr>
+          <p:blipFill rotWithShape="1">
+            <a:blip r:embed="rId3">
+              <a:extLst>
+                <a:ext uri="{28A0092B-C50C-407E-A947-70E740481C1C}">
+                  <a14:useLocalDpi xmlns:a14="http://schemas.microsoft.com/office/drawing/2010/main" val="0"/>
+                </a:ext>
+              </a:extLst>
+            </a:blip>
+            <a:srcRect l="10186" r="14258"/>
+            <a:stretch/>
+          </p:blipFill>
+          <p:spPr>
+            <a:xfrm>
+              <a:off x="4978400" y="1238720"/>
+              <a:ext cx="3928535" cy="2642463"/>
+            </a:xfrm>
+            <a:prstGeom prst="rect">
+              <a:avLst/>
+            </a:prstGeom>
+            <a:ln>
+              <a:solidFill>
+                <a:schemeClr val="bg1">
+                  <a:lumMod val="65000"/>
+                </a:schemeClr>
+              </a:solidFill>
+            </a:ln>
+          </p:spPr>
+        </p:pic>
+        <p:sp>
+          <p:nvSpPr>
+            <p:cNvPr id="7" name="Textfeld 6"/>
+            <p:cNvSpPr txBox="1"/>
+            <p:nvPr/>
+          </p:nvSpPr>
+          <p:spPr>
+            <a:xfrm>
+              <a:off x="7337276" y="3881183"/>
+              <a:ext cx="1569659" cy="369332"/>
+            </a:xfrm>
+            <a:prstGeom prst="rect">
+              <a:avLst/>
+            </a:prstGeom>
+            <a:noFill/>
+          </p:spPr>
+          <p:txBody>
+            <a:bodyPr wrap="none" rtlCol="0">
+              <a:spAutoFit/>
+            </a:bodyPr>
+            <a:lstStyle/>
+            <a:p>
+              <a:pPr algn="r"/>
+              <a:r>
+                <a:rPr lang="de-DE" dirty="0" smtClean="0">
+                  <a:solidFill>
+                    <a:schemeClr val="bg1">
+                      <a:lumMod val="50000"/>
+                    </a:schemeClr>
+                  </a:solidFill>
+                  <a:latin typeface="Fira Mono OT"/>
+                  <a:cs typeface="Fira Mono OT"/>
+                </a:rPr>
+                <a:t>Metamodell</a:t>
+              </a:r>
+              <a:endParaRPr lang="de-DE" dirty="0">
+                <a:solidFill>
+                  <a:schemeClr val="bg1">
+                    <a:lumMod val="50000"/>
+                  </a:schemeClr>
+                </a:solidFill>
+                <a:latin typeface="Fira Mono OT"/>
+                <a:cs typeface="Fira Mono OT"/>
+              </a:endParaRPr>
+            </a:p>
+          </p:txBody>
+        </p:sp>
+      </p:grpSp>
+      <p:grpSp>
+        <p:nvGrpSpPr>
+          <p:cNvPr id="16" name="Gruppierung 15"/>
+          <p:cNvGrpSpPr/>
+          <p:nvPr/>
+        </p:nvGrpSpPr>
+        <p:grpSpPr>
+          <a:xfrm>
+            <a:off x="1439333" y="3132667"/>
+            <a:ext cx="5897943" cy="2201334"/>
+            <a:chOff x="1439333" y="3132667"/>
+            <a:chExt cx="5897943" cy="2201334"/>
+          </a:xfrm>
+        </p:grpSpPr>
+        <p:cxnSp>
+          <p:nvCxnSpPr>
+            <p:cNvPr id="10" name="Gerade Verbindung 9"/>
+            <p:cNvCxnSpPr/>
+            <p:nvPr/>
+          </p:nvCxnSpPr>
+          <p:spPr>
+            <a:xfrm flipV="1">
+              <a:off x="1439333" y="3132667"/>
+              <a:ext cx="3962400" cy="948266"/>
+            </a:xfrm>
+            <a:prstGeom prst="line">
+              <a:avLst/>
+            </a:prstGeom>
+            <a:ln>
+              <a:prstDash val="dash"/>
+            </a:ln>
+          </p:spPr>
+          <p:style>
+            <a:lnRef idx="2">
+              <a:schemeClr val="accent1"/>
+            </a:lnRef>
+            <a:fillRef idx="0">
+              <a:schemeClr val="accent1"/>
+            </a:fillRef>
+            <a:effectRef idx="1">
+              <a:schemeClr val="accent1"/>
+            </a:effectRef>
+            <a:fontRef idx="minor">
+              <a:schemeClr val="tx1"/>
+            </a:fontRef>
+          </p:style>
+        </p:cxnSp>
+        <p:cxnSp>
+          <p:nvCxnSpPr>
+            <p:cNvPr id="11" name="Gerade Verbindung 10"/>
+            <p:cNvCxnSpPr/>
+            <p:nvPr/>
+          </p:nvCxnSpPr>
+          <p:spPr>
+            <a:xfrm flipV="1">
+              <a:off x="3098800" y="3132667"/>
+              <a:ext cx="4238476" cy="2201334"/>
+            </a:xfrm>
+            <a:prstGeom prst="line">
+              <a:avLst/>
+            </a:prstGeom>
+            <a:ln>
+              <a:prstDash val="dash"/>
+            </a:ln>
+          </p:spPr>
+          <p:style>
+            <a:lnRef idx="2">
+              <a:schemeClr val="accent1"/>
+            </a:lnRef>
+            <a:fillRef idx="0">
+              <a:schemeClr val="accent1"/>
+            </a:fillRef>
+            <a:effectRef idx="1">
+              <a:schemeClr val="accent1"/>
+            </a:effectRef>
+            <a:fontRef idx="minor">
+              <a:schemeClr val="tx1"/>
+            </a:fontRef>
+          </p:style>
+        </p:cxnSp>
+      </p:grpSp>
+    </p:spTree>
+    <p:extLst>
+      <p:ext uri="{BB962C8B-B14F-4D97-AF65-F5344CB8AC3E}">
+        <p14:creationId xmlns:p14="http://schemas.microsoft.com/office/powerpoint/2010/main" val="1417512992"/>
+      </p:ext>
+    </p:extLst>
+  </p:cSld>
+  <p:clrMapOvr>
+    <a:masterClrMapping/>
+  </p:clrMapOvr>
+  <p:timing>
+    <p:tnLst>
+      <p:par>
+        <p:cTn xmlns:p14="http://schemas.microsoft.com/office/powerpoint/2010/main" id="1" dur="indefinite" restart="never" nodeType="tmRoot">
+          <p:childTnLst>
+            <p:seq concurrent="1" nextAc="seek">
+              <p:cTn id="2" dur="indefinite" nodeType="mainSeq">
+                <p:childTnLst>
+                  <p:par>
+                    <p:cTn id="3" fill="hold">
+                      <p:stCondLst>
+                        <p:cond delay="indefinite"/>
+                      </p:stCondLst>
+                      <p:childTnLst>
+                        <p:par>
+                          <p:cTn id="4" fill="hold">
+                            <p:stCondLst>
+                              <p:cond delay="0"/>
+                            </p:stCondLst>
+                            <p:childTnLst>
+                              <p:par>
+                                <p:cTn id="5" presetID="1" presetClass="entr" presetSubtype="0" fill="hold" nodeType="clickEffect">
+                                  <p:stCondLst>
+                                    <p:cond delay="0"/>
+                                  </p:stCondLst>
+                                  <p:childTnLst>
+                                    <p:set>
+                                      <p:cBhvr>
+                                        <p:cTn id="6" dur="1" fill="hold">
+                                          <p:stCondLst>
+                                            <p:cond delay="0"/>
+                                          </p:stCondLst>
+                                        </p:cTn>
+                                        <p:tgtEl>
+                                          <p:spTgt spid="8"/>
+                                        </p:tgtEl>
+                                        <p:attrNameLst>
+                                          <p:attrName>style.visibility</p:attrName>
+                                        </p:attrNameLst>
+                                      </p:cBhvr>
+                                      <p:to>
+                                        <p:strVal val="visible"/>
+                                      </p:to>
+                                    </p:set>
+                                  </p:childTnLst>
+                                </p:cTn>
+                              </p:par>
+                            </p:childTnLst>
+                          </p:cTn>
+                        </p:par>
+                      </p:childTnLst>
+                    </p:cTn>
+                  </p:par>
+                  <p:par>
+                    <p:cTn id="7" fill="hold">
+                      <p:stCondLst>
+                        <p:cond delay="indefinite"/>
+                      </p:stCondLst>
+                      <p:childTnLst>
+                        <p:par>
+                          <p:cTn id="8" fill="hold">
+                            <p:stCondLst>
+                              <p:cond delay="0"/>
+                            </p:stCondLst>
+                            <p:childTnLst>
+                              <p:par>
+                                <p:cTn id="9" presetID="1" presetClass="entr" presetSubtype="0" fill="hold" nodeType="clickEffect">
+                                  <p:stCondLst>
+                                    <p:cond delay="0"/>
+                                  </p:stCondLst>
+                                  <p:childTnLst>
+                                    <p:set>
+                                      <p:cBhvr>
+                                        <p:cTn id="10" dur="1" fill="hold">
+                                          <p:stCondLst>
+                                            <p:cond delay="0"/>
+                                          </p:stCondLst>
+                                        </p:cTn>
+                                        <p:tgtEl>
+                                          <p:spTgt spid="16"/>
+                                        </p:tgtEl>
+                                        <p:attrNameLst>
+                                          <p:attrName>style.visibility</p:attrName>
+                                        </p:attrNameLst>
+                                      </p:cBhvr>
+                                      <p:to>
+                                        <p:strVal val="visible"/>
+                                      </p:to>
+                                    </p:set>
+                                  </p:childTnLst>
+                                </p:cTn>
+                              </p:par>
+                            </p:childTnLst>
+                          </p:cTn>
+                        </p:par>
+                      </p:childTnLst>
+                    </p:cTn>
+                  </p:par>
+                </p:childTnLst>
+              </p:cTn>
+              <p:prevCondLst>
+                <p:cond evt="onPrev" delay="0">
+                  <p:tgtEl>
+                    <p:sldTgt/>
+                  </p:tgtEl>
+                </p:cond>
+              </p:prevCondLst>
+              <p:nextCondLst>
+                <p:cond evt="onNext" delay="0">
+                  <p:tgtEl>
+                    <p:sldTgt/>
+                  </p:tgtEl>
+                </p:cond>
+              </p:nextCondLst>
+            </p:seq>
+          </p:childTnLst>
+        </p:cTn>
+      </p:par>
+    </p:tnLst>
+  </p:timing>
+</p:sld>
+</file>
+
+<file path=ppt/slides/slide15.xml><?xml version="1.0" encoding="utf-8"?>
+<p:sld xmlns:a="http://schemas.openxmlformats.org/drawingml/2006/main" xmlns:r="http://schemas.openxmlformats.org/officeDocument/2006/relationships" xmlns:p="http://schemas.openxmlformats.org/presentationml/2006/main">
+  <p:cSld>
+    <p:spTree>
+      <p:nvGrpSpPr>
+        <p:cNvPr id="1" name=""/>
+        <p:cNvGrpSpPr/>
+        <p:nvPr/>
+      </p:nvGrpSpPr>
+      <p:grpSpPr>
+        <a:xfrm>
+          <a:off x="0" y="0"/>
+          <a:ext cx="0" cy="0"/>
+          <a:chOff x="0" y="0"/>
+          <a:chExt cx="0" cy="0"/>
+        </a:xfrm>
+      </p:grpSpPr>
+      <p:sp>
+        <p:nvSpPr>
+          <p:cNvPr id="2" name="Titel 1"/>
+          <p:cNvSpPr>
+            <a:spLocks noGrp="1"/>
+          </p:cNvSpPr>
+          <p:nvPr>
+            <p:ph type="title"/>
+          </p:nvPr>
+        </p:nvSpPr>
+        <p:spPr/>
+        <p:txBody>
+          <a:bodyPr/>
+          <a:lstStyle/>
+          <a:p>
+            <a:r>
+              <a:rPr lang="de-DE" dirty="0" smtClean="0"/>
+              <a:t>Was haben wir bei dieser Aufgabe gelernt?</a:t>
+            </a:r>
+            <a:endParaRPr lang="de-DE" dirty="0"/>
+          </a:p>
+        </p:txBody>
+      </p:sp>
+      <p:sp>
+        <p:nvSpPr>
+          <p:cNvPr id="3" name="Inhaltsplatzhalter 2"/>
+          <p:cNvSpPr>
+            <a:spLocks noGrp="1"/>
+          </p:cNvSpPr>
+          <p:nvPr>
+            <p:ph idx="1"/>
+          </p:nvPr>
+        </p:nvSpPr>
+        <p:spPr>
+          <a:xfrm>
+            <a:off x="693942" y="2099733"/>
+            <a:ext cx="7992858" cy="4026430"/>
+          </a:xfrm>
+        </p:spPr>
+        <p:txBody>
+          <a:bodyPr>
+            <a:normAutofit fontScale="70000" lnSpcReduction="20000"/>
+          </a:bodyPr>
+          <a:lstStyle/>
+          <a:p>
+            <a:pPr>
+              <a:lnSpc>
+                <a:spcPct val="120000"/>
+              </a:lnSpc>
+              <a:spcAft>
+                <a:spcPts val="600"/>
+              </a:spcAft>
+            </a:pPr>
+            <a:r>
+              <a:rPr lang="de-DE" dirty="0"/>
+              <a:t>e</a:t>
+            </a:r>
+            <a:r>
+              <a:rPr lang="de-DE" dirty="0" smtClean="0"/>
+              <a:t>igenes Layout der Elemente innerhalb eines Containers nur sehr schwer möglich</a:t>
+            </a:r>
+          </a:p>
+          <a:p>
+            <a:pPr lvl="1">
+              <a:lnSpc>
+                <a:spcPct val="120000"/>
+              </a:lnSpc>
+              <a:spcAft>
+                <a:spcPts val="600"/>
+              </a:spcAft>
+            </a:pPr>
+            <a:r>
+              <a:rPr lang="de-DE" dirty="0" smtClean="0">
+                <a:solidFill>
+                  <a:schemeClr val="bg1">
+                    <a:lumMod val="50000"/>
+                  </a:schemeClr>
+                </a:solidFill>
+              </a:rPr>
+              <a:t>Parameterliste der Signaturen</a:t>
+            </a:r>
+          </a:p>
+          <a:p>
+            <a:pPr>
+              <a:lnSpc>
+                <a:spcPct val="120000"/>
+              </a:lnSpc>
+              <a:spcAft>
+                <a:spcPts val="600"/>
+              </a:spcAft>
+            </a:pPr>
+            <a:r>
+              <a:rPr lang="de-DE" dirty="0" smtClean="0"/>
+              <a:t>Auswählen des richtigen Kontexts / der richtigen Elemente oft schwer</a:t>
+            </a:r>
+          </a:p>
+          <a:p>
+            <a:pPr lvl="1">
+              <a:lnSpc>
+                <a:spcPct val="120000"/>
+              </a:lnSpc>
+              <a:spcAft>
+                <a:spcPts val="600"/>
+              </a:spcAft>
+            </a:pPr>
+            <a:r>
+              <a:rPr lang="de-DE" dirty="0" err="1" smtClean="0">
+                <a:solidFill>
+                  <a:srgbClr val="7F7F7F"/>
+                </a:solidFill>
+              </a:rPr>
+              <a:t>Semantic</a:t>
+            </a:r>
+            <a:r>
+              <a:rPr lang="de-DE" dirty="0" smtClean="0">
+                <a:solidFill>
+                  <a:srgbClr val="7F7F7F"/>
+                </a:solidFill>
+              </a:rPr>
+              <a:t> </a:t>
+            </a:r>
+            <a:r>
+              <a:rPr lang="de-DE" dirty="0" err="1" smtClean="0">
+                <a:solidFill>
+                  <a:srgbClr val="7F7F7F"/>
+                </a:solidFill>
+              </a:rPr>
+              <a:t>Candidates</a:t>
+            </a:r>
+            <a:r>
+              <a:rPr lang="de-DE" dirty="0" smtClean="0">
+                <a:solidFill>
+                  <a:srgbClr val="7F7F7F"/>
+                </a:solidFill>
+              </a:rPr>
+              <a:t> Expression</a:t>
+            </a:r>
+          </a:p>
+          <a:p>
+            <a:pPr lvl="1">
+              <a:lnSpc>
+                <a:spcPct val="120000"/>
+              </a:lnSpc>
+              <a:spcAft>
+                <a:spcPts val="600"/>
+              </a:spcAft>
+            </a:pPr>
+            <a:r>
+              <a:rPr lang="de-DE" dirty="0" smtClean="0">
+                <a:solidFill>
+                  <a:srgbClr val="7F7F7F"/>
+                </a:solidFill>
+              </a:rPr>
+              <a:t>AQL</a:t>
+            </a:r>
+          </a:p>
+          <a:p>
+            <a:pPr>
+              <a:lnSpc>
+                <a:spcPct val="120000"/>
+              </a:lnSpc>
+              <a:spcAft>
+                <a:spcPts val="600"/>
+              </a:spcAft>
+            </a:pPr>
+            <a:r>
+              <a:rPr lang="de-DE" dirty="0" smtClean="0"/>
+              <a:t>Dokumentation nicht sehr umfangreich</a:t>
+            </a:r>
+          </a:p>
+          <a:p>
+            <a:pPr>
+              <a:lnSpc>
+                <a:spcPct val="120000"/>
+              </a:lnSpc>
+              <a:spcAft>
+                <a:spcPts val="600"/>
+              </a:spcAft>
+            </a:pPr>
+            <a:r>
+              <a:rPr lang="de-DE" dirty="0" smtClean="0"/>
+              <a:t>Wie so oft: Wenn es funktioniert eine nützliche Sache ;-)</a:t>
+            </a:r>
+            <a:endParaRPr lang="de-DE" dirty="0"/>
+          </a:p>
+        </p:txBody>
+      </p:sp>
+      <p:sp>
+        <p:nvSpPr>
+          <p:cNvPr id="4" name="Foliennummernplatzhalter 3"/>
+          <p:cNvSpPr>
+            <a:spLocks noGrp="1"/>
+          </p:cNvSpPr>
+          <p:nvPr>
+            <p:ph type="sldNum" sz="quarter" idx="10"/>
+          </p:nvPr>
+        </p:nvSpPr>
+        <p:spPr/>
+        <p:txBody>
+          <a:bodyPr/>
+          <a:lstStyle/>
+          <a:p>
+            <a:fld id="{1215FA07-EE23-A948-A6ED-56C5FE5A7EE4}" type="slidenum">
+              <a:rPr lang="de-DE" smtClean="0"/>
+              <a:t>15</a:t>
+            </a:fld>
+            <a:endParaRPr lang="de-DE"/>
+          </a:p>
+        </p:txBody>
+      </p:sp>
+    </p:spTree>
+    <p:extLst>
+      <p:ext uri="{BB962C8B-B14F-4D97-AF65-F5344CB8AC3E}">
+        <p14:creationId xmlns:p14="http://schemas.microsoft.com/office/powerpoint/2010/main" val="1135353530"/>
+      </p:ext>
+    </p:extLst>
+  </p:cSld>
+  <p:clrMapOvr>
+    <a:masterClrMapping/>
+  </p:clrMapOvr>
+  <p:timing>
+    <p:tnLst>
+      <p:par>
+        <p:cTn xmlns:p14="http://schemas.microsoft.com/office/powerpoint/2010/main" id="1" dur="indefinite" restart="never" nodeType="tmRoot"/>
+      </p:par>
+    </p:tnLst>
+  </p:timing>
+</p:sld>
+</file>
+
+<file path=ppt/slides/slide16.xml><?xml version="1.0" encoding="utf-8"?>
+<p:sld xmlns:a="http://schemas.openxmlformats.org/drawingml/2006/main" xmlns:r="http://schemas.openxmlformats.org/officeDocument/2006/relationships" xmlns:p="http://schemas.openxmlformats.org/presentationml/2006/main">
+  <p:cSld>
+    <p:spTree>
+      <p:nvGrpSpPr>
+        <p:cNvPr id="1" name=""/>
+        <p:cNvGrpSpPr/>
+        <p:nvPr/>
+      </p:nvGrpSpPr>
+      <p:grpSpPr>
+        <a:xfrm>
+          <a:off x="0" y="0"/>
+          <a:ext cx="0" cy="0"/>
+          <a:chOff x="0" y="0"/>
+          <a:chExt cx="0" cy="0"/>
+        </a:xfrm>
+      </p:grpSpPr>
+      <p:sp>
+        <p:nvSpPr>
+          <p:cNvPr id="3" name="Titel 2"/>
+          <p:cNvSpPr>
+            <a:spLocks noGrp="1"/>
+          </p:cNvSpPr>
+          <p:nvPr>
+            <p:ph type="title"/>
+          </p:nvPr>
+        </p:nvSpPr>
+        <p:spPr/>
+        <p:txBody>
+          <a:bodyPr/>
+          <a:lstStyle/>
+          <a:p>
+            <a:r>
+              <a:rPr lang="de-DE" dirty="0" smtClean="0"/>
+              <a:t>Vielen Dank für die Aufmerksamkeit!</a:t>
+            </a:r>
+            <a:endParaRPr lang="de-DE" dirty="0"/>
+          </a:p>
+        </p:txBody>
+      </p:sp>
+    </p:spTree>
+    <p:extLst>
+      <p:ext uri="{BB962C8B-B14F-4D97-AF65-F5344CB8AC3E}">
+        <p14:creationId xmlns:p14="http://schemas.microsoft.com/office/powerpoint/2010/main" val="3593891134"/>
+      </p:ext>
+    </p:extLst>
+  </p:cSld>
+  <p:clrMapOvr>
+    <a:masterClrMapping/>
+  </p:clrMapOvr>
+  <p:timing>
+    <p:tnLst>
+      <p:par>
+        <p:cTn xmlns:p14="http://schemas.microsoft.com/office/powerpoint/2010/main" id="1" dur="indefinite" restart="never" nodeType="tmRoot"/>
+      </p:par>
+    </p:tnLst>
+  </p:timing>
+</p:sld>
+</file>
+
 <file path=ppt/slides/slide2.xml><?xml version="1.0" encoding="utf-8"?>
 <p:sld xmlns:a="http://schemas.openxmlformats.org/drawingml/2006/main" xmlns:r="http://schemas.openxmlformats.org/officeDocument/2006/relationships" xmlns:p="http://schemas.openxmlformats.org/presentationml/2006/main">
   <p:cSld>
@@ -3526,6 +5337,13 @@
   <p:clrMapOvr>
     <a:masterClrMapping/>
   </p:clrMapOvr>
+  <p:timing>
+    <p:tnLst>
+      <p:par>
+        <p:cTn xmlns:p14="http://schemas.microsoft.com/office/powerpoint/2010/main" id="1" dur="indefinite" restart="never" nodeType="tmRoot"/>
+      </p:par>
+    </p:tnLst>
+  </p:timing>
 </p:sld>
 </file>
 
@@ -3579,6 +5397,13 @@
   <p:clrMapOvr>
     <a:masterClrMapping/>
   </p:clrMapOvr>
+  <p:timing>
+    <p:tnLst>
+      <p:par>
+        <p:cTn xmlns:p14="http://schemas.microsoft.com/office/powerpoint/2010/main" id="1" dur="indefinite" restart="never" nodeType="tmRoot"/>
+      </p:par>
+    </p:tnLst>
+  </p:timing>
 </p:sld>
 </file>
 
@@ -3632,6 +5457,13 @@
   <p:clrMapOvr>
     <a:masterClrMapping/>
   </p:clrMapOvr>
+  <p:timing>
+    <p:tnLst>
+      <p:par>
+        <p:cTn xmlns:p14="http://schemas.microsoft.com/office/powerpoint/2010/main" id="1" dur="indefinite" restart="never" nodeType="tmRoot"/>
+      </p:par>
+    </p:tnLst>
+  </p:timing>
 </p:sld>
 </file>
 
@@ -3654,7 +5486,7 @@
       </p:grpSpPr>
       <p:sp>
         <p:nvSpPr>
-          <p:cNvPr id="2" name="Titel 1"/>
+          <p:cNvPr id="3" name="Titel 2"/>
           <p:cNvSpPr>
             <a:spLocks noGrp="1"/>
           </p:cNvSpPr>
@@ -3669,16 +5501,164 @@
           <a:p>
             <a:r>
               <a:rPr lang="de-DE" dirty="0" smtClean="0"/>
-              <a:t>grafischer Editor (Sirius)</a:t>
+              <a:t>Probleme mit MWE2-Workflow</a:t>
             </a:r>
             <a:endParaRPr lang="de-DE" dirty="0"/>
+          </a:p>
+        </p:txBody>
+      </p:sp>
+      <p:sp>
+        <p:nvSpPr>
+          <p:cNvPr id="4" name="Inhaltsplatzhalter 3"/>
+          <p:cNvSpPr>
+            <a:spLocks noGrp="1"/>
+          </p:cNvSpPr>
+          <p:nvPr>
+            <p:ph idx="1"/>
+          </p:nvPr>
+        </p:nvSpPr>
+        <p:spPr/>
+        <p:txBody>
+          <a:bodyPr vert="horz" lIns="91440" tIns="45720" rIns="91440" bIns="45720" rtlCol="0">
+            <a:normAutofit/>
+          </a:bodyPr>
+          <a:lstStyle/>
+          <a:p>
+            <a:pPr>
+              <a:lnSpc>
+                <a:spcPct val="120000"/>
+              </a:lnSpc>
+              <a:spcAft>
+                <a:spcPts val="600"/>
+              </a:spcAft>
+            </a:pPr>
+            <a:r>
+              <a:rPr lang="de-DE" dirty="0"/>
+              <a:t>OCL muss in </a:t>
+            </a:r>
+            <a:r>
+              <a:rPr lang="de-DE" dirty="0" err="1"/>
+              <a:t>Standalone</a:t>
+            </a:r>
+            <a:r>
+              <a:rPr lang="de-DE" dirty="0"/>
+              <a:t> Umgebung manuell initialisiert werden</a:t>
+            </a:r>
+          </a:p>
+          <a:p>
+            <a:pPr lvl="1">
+              <a:lnSpc>
+                <a:spcPct val="120000"/>
+              </a:lnSpc>
+              <a:spcAft>
+                <a:spcPts val="600"/>
+              </a:spcAft>
+            </a:pPr>
+            <a:r>
+              <a:rPr lang="de-DE" dirty="0">
+                <a:solidFill>
+                  <a:schemeClr val="bg1">
+                    <a:lumMod val="50000"/>
+                  </a:schemeClr>
+                </a:solidFill>
+              </a:rPr>
+              <a:t>Ort der Initialisierung geht aus Dokumentation nicht genau hervor</a:t>
+            </a:r>
+          </a:p>
+          <a:p>
+            <a:pPr>
+              <a:lnSpc>
+                <a:spcPct val="120000"/>
+              </a:lnSpc>
+              <a:spcAft>
+                <a:spcPts val="600"/>
+              </a:spcAft>
+            </a:pPr>
+            <a:r>
+              <a:rPr lang="de-DE" dirty="0"/>
+              <a:t>Workflow lässt sich nicht ausführen</a:t>
+            </a:r>
+          </a:p>
+          <a:p>
+            <a:pPr lvl="1">
+              <a:lnSpc>
+                <a:spcPct val="120000"/>
+              </a:lnSpc>
+              <a:spcAft>
+                <a:spcPts val="600"/>
+              </a:spcAft>
+            </a:pPr>
+            <a:r>
+              <a:rPr lang="de-DE" dirty="0">
+                <a:solidFill>
+                  <a:schemeClr val="bg1">
+                    <a:lumMod val="50000"/>
+                  </a:schemeClr>
+                </a:solidFill>
+              </a:rPr>
+              <a:t>OCL </a:t>
+            </a:r>
+            <a:r>
+              <a:rPr lang="de-DE" dirty="0" err="1">
+                <a:solidFill>
+                  <a:schemeClr val="bg1">
+                    <a:lumMod val="50000"/>
+                  </a:schemeClr>
+                </a:solidFill>
+              </a:rPr>
+              <a:t>Constraints</a:t>
+            </a:r>
+            <a:r>
+              <a:rPr lang="de-DE" dirty="0">
+                <a:solidFill>
+                  <a:schemeClr val="bg1">
+                    <a:lumMod val="50000"/>
+                  </a:schemeClr>
+                </a:solidFill>
+              </a:rPr>
+              <a:t> im </a:t>
+            </a:r>
+            <a:r>
+              <a:rPr lang="de-DE" dirty="0">
+                <a:solidFill>
+                  <a:schemeClr val="bg1">
+                    <a:lumMod val="50000"/>
+                  </a:schemeClr>
+                </a:solidFill>
+                <a:latin typeface="Fira Mono OT"/>
+                <a:cs typeface="Fira Mono OT"/>
+              </a:rPr>
+              <a:t>.</a:t>
+            </a:r>
+            <a:r>
+              <a:rPr lang="de-DE" dirty="0" err="1">
+                <a:solidFill>
+                  <a:schemeClr val="bg1">
+                    <a:lumMod val="50000"/>
+                  </a:schemeClr>
+                </a:solidFill>
+                <a:latin typeface="Fira Mono OT"/>
+                <a:cs typeface="Fira Mono OT"/>
+              </a:rPr>
+              <a:t>ecore</a:t>
+            </a:r>
+            <a:r>
+              <a:rPr lang="de-DE" dirty="0">
+                <a:solidFill>
+                  <a:schemeClr val="bg1">
+                    <a:lumMod val="50000"/>
+                  </a:schemeClr>
+                </a:solidFill>
+              </a:rPr>
+              <a:t>-Modell können nicht interpretiert werden</a:t>
+            </a:r>
           </a:p>
         </p:txBody>
       </p:sp>
     </p:spTree>
     <p:extLst>
       <p:ext uri="{BB962C8B-B14F-4D97-AF65-F5344CB8AC3E}">
-        <p14:creationId xmlns:p14="http://schemas.microsoft.com/office/powerpoint/2010/main" val="3791329346"/>
+        <p14:creationId xmlns:p14="http://schemas.microsoft.com/office/powerpoint/2010/main" val="2834062446"/>
       </p:ext>
     </p:extLst>
   </p:cSld>
@@ -3714,7 +5694,7 @@
       </p:grpSpPr>
       <p:sp>
         <p:nvSpPr>
-          <p:cNvPr id="3" name="Titel 2"/>
+          <p:cNvPr id="2" name="Titel 1"/>
           <p:cNvSpPr>
             <a:spLocks noGrp="1"/>
           </p:cNvSpPr>
@@ -3729,7 +5709,380 @@
           <a:p>
             <a:r>
               <a:rPr lang="de-DE" dirty="0" smtClean="0"/>
-              <a:t>Vielen Dank für die Aufmerksamkeit!</a:t>
+              <a:t>Alternative</a:t>
+            </a:r>
+            <a:endParaRPr lang="de-DE" dirty="0"/>
+          </a:p>
+        </p:txBody>
+      </p:sp>
+      <p:sp>
+        <p:nvSpPr>
+          <p:cNvPr id="4" name="Foliennummernplatzhalter 3"/>
+          <p:cNvSpPr>
+            <a:spLocks noGrp="1"/>
+          </p:cNvSpPr>
+          <p:nvPr>
+            <p:ph type="sldNum" sz="quarter" idx="10"/>
+          </p:nvPr>
+        </p:nvSpPr>
+        <p:spPr/>
+        <p:txBody>
+          <a:bodyPr/>
+          <a:lstStyle/>
+          <a:p>
+            <a:fld id="{1215FA07-EE23-A948-A6ED-56C5FE5A7EE4}" type="slidenum">
+              <a:rPr lang="de-DE" smtClean="0"/>
+              <a:t>8</a:t>
+            </a:fld>
+            <a:endParaRPr lang="de-DE"/>
+          </a:p>
+        </p:txBody>
+      </p:sp>
+      <p:grpSp>
+        <p:nvGrpSpPr>
+          <p:cNvPr id="7" name="Gruppierung 6"/>
+          <p:cNvGrpSpPr/>
+          <p:nvPr/>
+        </p:nvGrpSpPr>
+        <p:grpSpPr>
+          <a:xfrm>
+            <a:off x="6574012" y="2034285"/>
+            <a:ext cx="1908213" cy="1174581"/>
+            <a:chOff x="6574012" y="2082800"/>
+            <a:chExt cx="1908213" cy="1174581"/>
+          </a:xfrm>
+        </p:grpSpPr>
+        <p:sp>
+          <p:nvSpPr>
+            <p:cNvPr id="5" name="Gefaltete Ecke 4"/>
+            <p:cNvSpPr/>
+            <p:nvPr/>
+          </p:nvSpPr>
+          <p:spPr>
+            <a:xfrm rot="10800000" flipH="1">
+              <a:off x="7213600" y="2082800"/>
+              <a:ext cx="660400" cy="829733"/>
+            </a:xfrm>
+            <a:prstGeom prst="foldedCorner">
+              <a:avLst>
+                <a:gd name="adj" fmla="val 29488"/>
+              </a:avLst>
+            </a:prstGeom>
+          </p:spPr>
+          <p:style>
+            <a:lnRef idx="1">
+              <a:schemeClr val="accent1"/>
+            </a:lnRef>
+            <a:fillRef idx="3">
+              <a:schemeClr val="accent1"/>
+            </a:fillRef>
+            <a:effectRef idx="2">
+              <a:schemeClr val="accent1"/>
+            </a:effectRef>
+            <a:fontRef idx="minor">
+              <a:schemeClr val="lt1"/>
+            </a:fontRef>
+          </p:style>
+          <p:txBody>
+            <a:bodyPr rtlCol="0" anchor="ctr"/>
+            <a:lstStyle/>
+            <a:p>
+              <a:pPr algn="ctr"/>
+              <a:endParaRPr lang="de-DE"/>
+            </a:p>
+          </p:txBody>
+        </p:sp>
+        <p:sp>
+          <p:nvSpPr>
+            <p:cNvPr id="6" name="Textfeld 5"/>
+            <p:cNvSpPr txBox="1"/>
+            <p:nvPr/>
+          </p:nvSpPr>
+          <p:spPr>
+            <a:xfrm>
+              <a:off x="6574012" y="2949604"/>
+              <a:ext cx="1908213" cy="307777"/>
+            </a:xfrm>
+            <a:prstGeom prst="rect">
+              <a:avLst/>
+            </a:prstGeom>
+            <a:noFill/>
+          </p:spPr>
+          <p:txBody>
+            <a:bodyPr wrap="none" rtlCol="0">
+              <a:spAutoFit/>
+            </a:bodyPr>
+            <a:lstStyle/>
+            <a:p>
+              <a:r>
+                <a:rPr lang="de-DE" sz="1400" dirty="0" err="1" smtClean="0">
+                  <a:solidFill>
+                    <a:srgbClr val="7F7F7F"/>
+                  </a:solidFill>
+                  <a:latin typeface="Fira Mono OT"/>
+                  <a:cs typeface="Fira Mono OT"/>
+                </a:rPr>
+                <a:t>Generation.xtend</a:t>
+              </a:r>
+              <a:endParaRPr lang="de-DE" sz="1400" dirty="0">
+                <a:solidFill>
+                  <a:srgbClr val="7F7F7F"/>
+                </a:solidFill>
+                <a:latin typeface="Fira Mono OT"/>
+                <a:cs typeface="Fira Mono OT"/>
+              </a:endParaRPr>
+            </a:p>
+          </p:txBody>
+        </p:sp>
+      </p:grpSp>
+      <p:grpSp>
+        <p:nvGrpSpPr>
+          <p:cNvPr id="8" name="Gruppierung 7"/>
+          <p:cNvGrpSpPr/>
+          <p:nvPr/>
+        </p:nvGrpSpPr>
+        <p:grpSpPr>
+          <a:xfrm>
+            <a:off x="6574012" y="3758509"/>
+            <a:ext cx="1800492" cy="1174581"/>
+            <a:chOff x="6574012" y="2082800"/>
+            <a:chExt cx="1800492" cy="1174581"/>
+          </a:xfrm>
+        </p:grpSpPr>
+        <p:sp>
+          <p:nvSpPr>
+            <p:cNvPr id="9" name="Gefaltete Ecke 8"/>
+            <p:cNvSpPr/>
+            <p:nvPr/>
+          </p:nvSpPr>
+          <p:spPr>
+            <a:xfrm rot="10800000" flipH="1">
+              <a:off x="7213600" y="2082800"/>
+              <a:ext cx="660400" cy="829733"/>
+            </a:xfrm>
+            <a:prstGeom prst="foldedCorner">
+              <a:avLst>
+                <a:gd name="adj" fmla="val 29488"/>
+              </a:avLst>
+            </a:prstGeom>
+          </p:spPr>
+          <p:style>
+            <a:lnRef idx="1">
+              <a:schemeClr val="accent1"/>
+            </a:lnRef>
+            <a:fillRef idx="3">
+              <a:schemeClr val="accent1"/>
+            </a:fillRef>
+            <a:effectRef idx="2">
+              <a:schemeClr val="accent1"/>
+            </a:effectRef>
+            <a:fontRef idx="minor">
+              <a:schemeClr val="lt1"/>
+            </a:fontRef>
+          </p:style>
+          <p:txBody>
+            <a:bodyPr rtlCol="0" anchor="ctr"/>
+            <a:lstStyle/>
+            <a:p>
+              <a:pPr algn="ctr"/>
+              <a:endParaRPr lang="de-DE"/>
+            </a:p>
+          </p:txBody>
+        </p:sp>
+        <p:sp>
+          <p:nvSpPr>
+            <p:cNvPr id="10" name="Textfeld 9"/>
+            <p:cNvSpPr txBox="1"/>
+            <p:nvPr/>
+          </p:nvSpPr>
+          <p:spPr>
+            <a:xfrm>
+              <a:off x="6574012" y="2949604"/>
+              <a:ext cx="1800492" cy="307777"/>
+            </a:xfrm>
+            <a:prstGeom prst="rect">
+              <a:avLst/>
+            </a:prstGeom>
+            <a:noFill/>
+          </p:spPr>
+          <p:txBody>
+            <a:bodyPr wrap="none" rtlCol="0">
+              <a:spAutoFit/>
+            </a:bodyPr>
+            <a:lstStyle/>
+            <a:p>
+              <a:r>
+                <a:rPr lang="de-DE" sz="1400" dirty="0" err="1" smtClean="0">
+                  <a:solidFill>
+                    <a:srgbClr val="7F7F7F"/>
+                  </a:solidFill>
+                  <a:latin typeface="Fira Mono OT"/>
+                  <a:cs typeface="Fira Mono OT"/>
+                </a:rPr>
+                <a:t>Generator.xtend</a:t>
+              </a:r>
+              <a:endParaRPr lang="de-DE" sz="1400" dirty="0">
+                <a:solidFill>
+                  <a:srgbClr val="7F7F7F"/>
+                </a:solidFill>
+                <a:latin typeface="Fira Mono OT"/>
+                <a:cs typeface="Fira Mono OT"/>
+              </a:endParaRPr>
+            </a:p>
+          </p:txBody>
+        </p:sp>
+      </p:grpSp>
+      <p:sp>
+        <p:nvSpPr>
+          <p:cNvPr id="11" name="Textfeld 10"/>
+          <p:cNvSpPr txBox="1"/>
+          <p:nvPr/>
+        </p:nvSpPr>
+        <p:spPr>
+          <a:xfrm>
+            <a:off x="314238" y="1856569"/>
+            <a:ext cx="6086562" cy="3440474"/>
+          </a:xfrm>
+          <a:prstGeom prst="rect">
+            <a:avLst/>
+          </a:prstGeom>
+        </p:spPr>
+        <p:txBody>
+          <a:bodyPr vert="horz" lIns="91440" tIns="45720" rIns="91440" bIns="45720" rtlCol="0">
+            <a:normAutofit/>
+          </a:bodyPr>
+          <a:lstStyle>
+            <a:lvl1pPr marL="342900" indent="-342900">
+              <a:lnSpc>
+                <a:spcPct val="120000"/>
+              </a:lnSpc>
+              <a:spcBef>
+                <a:spcPct val="20000"/>
+              </a:spcBef>
+              <a:spcAft>
+                <a:spcPts val="600"/>
+              </a:spcAft>
+              <a:buClr>
+                <a:schemeClr val="accent1"/>
+              </a:buClr>
+              <a:buFont typeface="Wingdings" charset="2"/>
+              <a:buChar char="§"/>
+              <a:defRPr sz="3200" b="0" i="0">
+                <a:latin typeface="Fira Sans"/>
+                <a:cs typeface="Fira Sans"/>
+              </a:defRPr>
+            </a:lvl1pPr>
+            <a:lvl2pPr marL="742950" indent="-285750">
+              <a:spcBef>
+                <a:spcPct val="20000"/>
+              </a:spcBef>
+              <a:buClr>
+                <a:schemeClr val="accent1"/>
+              </a:buClr>
+              <a:buFont typeface="Lucida Grande"/>
+              <a:buChar char="»"/>
+              <a:defRPr sz="2800" b="0" i="0">
+                <a:latin typeface="Fira Sans"/>
+                <a:cs typeface="Fira Sans"/>
+              </a:defRPr>
+            </a:lvl2pPr>
+            <a:lvl3pPr marL="1143000" indent="-228600">
+              <a:spcBef>
+                <a:spcPct val="20000"/>
+              </a:spcBef>
+              <a:buClr>
+                <a:schemeClr val="accent1"/>
+              </a:buClr>
+              <a:buFont typeface="Arial"/>
+              <a:buChar char="•"/>
+              <a:defRPr sz="2400" b="0" i="0">
+                <a:latin typeface="Fira Sans"/>
+                <a:cs typeface="Fira Sans"/>
+              </a:defRPr>
+            </a:lvl3pPr>
+            <a:lvl4pPr marL="1600200" indent="-228600">
+              <a:spcBef>
+                <a:spcPct val="20000"/>
+              </a:spcBef>
+              <a:buClr>
+                <a:schemeClr val="accent1"/>
+              </a:buClr>
+              <a:buFont typeface="Arial"/>
+              <a:buChar char="–"/>
+              <a:defRPr sz="2000" b="0" i="0">
+                <a:latin typeface="Fira Sans"/>
+                <a:cs typeface="Fira Sans"/>
+              </a:defRPr>
+            </a:lvl4pPr>
+            <a:lvl5pPr indent="0">
+              <a:spcBef>
+                <a:spcPct val="20000"/>
+              </a:spcBef>
+              <a:buClr>
+                <a:schemeClr val="accent1"/>
+              </a:buClr>
+              <a:buFontTx/>
+              <a:buNone/>
+              <a:defRPr sz="2000" b="0" i="0">
+                <a:latin typeface="Fira Sans"/>
+                <a:cs typeface="Fira Sans"/>
+              </a:defRPr>
+            </a:lvl5pPr>
+            <a:lvl6pPr marL="2514600" indent="-228600">
+              <a:spcBef>
+                <a:spcPct val="20000"/>
+              </a:spcBef>
+              <a:buFont typeface="Arial"/>
+              <a:buChar char="•"/>
+              <a:defRPr sz="2000"/>
+            </a:lvl6pPr>
+            <a:lvl7pPr marL="2971800" indent="-228600">
+              <a:spcBef>
+                <a:spcPct val="20000"/>
+              </a:spcBef>
+              <a:buFont typeface="Arial"/>
+              <a:buChar char="•"/>
+              <a:defRPr sz="2000"/>
+            </a:lvl7pPr>
+            <a:lvl8pPr marL="3429000" indent="-228600">
+              <a:spcBef>
+                <a:spcPct val="20000"/>
+              </a:spcBef>
+              <a:buFont typeface="Arial"/>
+              <a:buChar char="•"/>
+              <a:defRPr sz="2000"/>
+            </a:lvl8pPr>
+            <a:lvl9pPr marL="3886200" indent="-228600">
+              <a:spcBef>
+                <a:spcPct val="20000"/>
+              </a:spcBef>
+              <a:buFont typeface="Arial"/>
+              <a:buChar char="•"/>
+              <a:defRPr sz="2000"/>
+            </a:lvl9pPr>
+          </a:lstStyle>
+          <a:p>
+            <a:r>
+              <a:rPr lang="de-DE" dirty="0"/>
+              <a:t>Einlesen des Eingabemodells mit </a:t>
+            </a:r>
+            <a:r>
+              <a:rPr lang="de-DE" dirty="0" err="1" smtClean="0"/>
+              <a:t>Xtend</a:t>
+            </a:r>
+          </a:p>
+          <a:p>
+            <a:r>
+              <a:rPr lang="de-DE" dirty="0" smtClean="0"/>
+              <a:t>Ausführen des </a:t>
+            </a:r>
+            <a:r>
+              <a:rPr lang="de-DE" dirty="0" err="1" smtClean="0"/>
+              <a:t>IGenerator</a:t>
+            </a:r>
+            <a:r>
+              <a:rPr lang="de-DE" dirty="0" smtClean="0"/>
+              <a:t> mit der eigentlichen Code-Generierung</a:t>
             </a:r>
             <a:endParaRPr lang="de-DE" dirty="0"/>
           </a:p>
@@ -3738,7 +6091,7 @@
     </p:spTree>
     <p:extLst>
       <p:ext uri="{BB962C8B-B14F-4D97-AF65-F5344CB8AC3E}">
-        <p14:creationId xmlns:p14="http://schemas.microsoft.com/office/powerpoint/2010/main" val="3593891134"/>
+        <p14:creationId xmlns:p14="http://schemas.microsoft.com/office/powerpoint/2010/main" val="2150706580"/>
       </p:ext>
     </p:extLst>
   </p:cSld>
@@ -3748,9 +6101,1752 @@
   <p:timing>
     <p:tnLst>
       <p:par>
-        <p:cTn xmlns:p14="http://schemas.microsoft.com/office/powerpoint/2010/main" id="1" dur="indefinite" restart="never" nodeType="tmRoot"/>
+        <p:cTn xmlns:p14="http://schemas.microsoft.com/office/powerpoint/2010/main" id="1" dur="indefinite" restart="never" nodeType="tmRoot">
+          <p:childTnLst>
+            <p:seq concurrent="1" nextAc="seek">
+              <p:cTn id="2" dur="indefinite" nodeType="mainSeq">
+                <p:childTnLst>
+                  <p:par>
+                    <p:cTn id="3" fill="hold">
+                      <p:stCondLst>
+                        <p:cond delay="indefinite"/>
+                      </p:stCondLst>
+                      <p:childTnLst>
+                        <p:par>
+                          <p:cTn id="4" fill="hold">
+                            <p:stCondLst>
+                              <p:cond delay="0"/>
+                            </p:stCondLst>
+                            <p:childTnLst>
+                              <p:par>
+                                <p:cTn id="5" presetID="1" presetClass="entr" presetSubtype="0" fill="hold" nodeType="clickEffect">
+                                  <p:stCondLst>
+                                    <p:cond delay="0"/>
+                                  </p:stCondLst>
+                                  <p:childTnLst>
+                                    <p:set>
+                                      <p:cBhvr>
+                                        <p:cTn id="6" dur="1" fill="hold">
+                                          <p:stCondLst>
+                                            <p:cond delay="0"/>
+                                          </p:stCondLst>
+                                        </p:cTn>
+                                        <p:tgtEl>
+                                          <p:spTgt spid="11">
+                                            <p:txEl>
+                                              <p:pRg st="0" end="0"/>
+                                            </p:txEl>
+                                          </p:spTgt>
+                                        </p:tgtEl>
+                                        <p:attrNameLst>
+                                          <p:attrName>style.visibility</p:attrName>
+                                        </p:attrNameLst>
+                                      </p:cBhvr>
+                                      <p:to>
+                                        <p:strVal val="visible"/>
+                                      </p:to>
+                                    </p:set>
+                                  </p:childTnLst>
+                                </p:cTn>
+                              </p:par>
+                              <p:par>
+                                <p:cTn id="7" presetID="1" presetClass="entr" presetSubtype="0" fill="hold" nodeType="withEffect">
+                                  <p:stCondLst>
+                                    <p:cond delay="0"/>
+                                  </p:stCondLst>
+                                  <p:childTnLst>
+                                    <p:set>
+                                      <p:cBhvr>
+                                        <p:cTn id="8" dur="1" fill="hold">
+                                          <p:stCondLst>
+                                            <p:cond delay="0"/>
+                                          </p:stCondLst>
+                                        </p:cTn>
+                                        <p:tgtEl>
+                                          <p:spTgt spid="7"/>
+                                        </p:tgtEl>
+                                        <p:attrNameLst>
+                                          <p:attrName>style.visibility</p:attrName>
+                                        </p:attrNameLst>
+                                      </p:cBhvr>
+                                      <p:to>
+                                        <p:strVal val="visible"/>
+                                      </p:to>
+                                    </p:set>
+                                  </p:childTnLst>
+                                </p:cTn>
+                              </p:par>
+                            </p:childTnLst>
+                          </p:cTn>
+                        </p:par>
+                      </p:childTnLst>
+                    </p:cTn>
+                  </p:par>
+                  <p:par>
+                    <p:cTn id="9" fill="hold">
+                      <p:stCondLst>
+                        <p:cond delay="indefinite"/>
+                      </p:stCondLst>
+                      <p:childTnLst>
+                        <p:par>
+                          <p:cTn id="10" fill="hold">
+                            <p:stCondLst>
+                              <p:cond delay="0"/>
+                            </p:stCondLst>
+                            <p:childTnLst>
+                              <p:par>
+                                <p:cTn id="11" presetID="1" presetClass="entr" presetSubtype="0" fill="hold" nodeType="clickEffect">
+                                  <p:stCondLst>
+                                    <p:cond delay="0"/>
+                                  </p:stCondLst>
+                                  <p:childTnLst>
+                                    <p:set>
+                                      <p:cBhvr>
+                                        <p:cTn id="12" dur="1" fill="hold">
+                                          <p:stCondLst>
+                                            <p:cond delay="0"/>
+                                          </p:stCondLst>
+                                        </p:cTn>
+                                        <p:tgtEl>
+                                          <p:spTgt spid="11">
+                                            <p:txEl>
+                                              <p:pRg st="1" end="1"/>
+                                            </p:txEl>
+                                          </p:spTgt>
+                                        </p:tgtEl>
+                                        <p:attrNameLst>
+                                          <p:attrName>style.visibility</p:attrName>
+                                        </p:attrNameLst>
+                                      </p:cBhvr>
+                                      <p:to>
+                                        <p:strVal val="visible"/>
+                                      </p:to>
+                                    </p:set>
+                                  </p:childTnLst>
+                                </p:cTn>
+                              </p:par>
+                              <p:par>
+                                <p:cTn id="13" presetID="1" presetClass="entr" presetSubtype="0" fill="hold" nodeType="withEffect">
+                                  <p:stCondLst>
+                                    <p:cond delay="0"/>
+                                  </p:stCondLst>
+                                  <p:childTnLst>
+                                    <p:set>
+                                      <p:cBhvr>
+                                        <p:cTn id="14" dur="1" fill="hold">
+                                          <p:stCondLst>
+                                            <p:cond delay="0"/>
+                                          </p:stCondLst>
+                                        </p:cTn>
+                                        <p:tgtEl>
+                                          <p:spTgt spid="8"/>
+                                        </p:tgtEl>
+                                        <p:attrNameLst>
+                                          <p:attrName>style.visibility</p:attrName>
+                                        </p:attrNameLst>
+                                      </p:cBhvr>
+                                      <p:to>
+                                        <p:strVal val="visible"/>
+                                      </p:to>
+                                    </p:set>
+                                  </p:childTnLst>
+                                </p:cTn>
+                              </p:par>
+                            </p:childTnLst>
+                          </p:cTn>
+                        </p:par>
+                      </p:childTnLst>
+                    </p:cTn>
+                  </p:par>
+                </p:childTnLst>
+              </p:cTn>
+              <p:prevCondLst>
+                <p:cond evt="onPrev" delay="0">
+                  <p:tgtEl>
+                    <p:sldTgt/>
+                  </p:tgtEl>
+                </p:cond>
+              </p:prevCondLst>
+              <p:nextCondLst>
+                <p:cond evt="onNext" delay="0">
+                  <p:tgtEl>
+                    <p:sldTgt/>
+                  </p:tgtEl>
+                </p:cond>
+              </p:nextCondLst>
+            </p:seq>
+          </p:childTnLst>
+        </p:cTn>
       </p:par>
     </p:tnLst>
+  </p:timing>
+</p:sld>
+</file>
+
+<file path=ppt/slides/slide9.xml><?xml version="1.0" encoding="utf-8"?>
+<p:sld xmlns:a="http://schemas.openxmlformats.org/drawingml/2006/main" xmlns:r="http://schemas.openxmlformats.org/officeDocument/2006/relationships" xmlns:p="http://schemas.openxmlformats.org/presentationml/2006/main">
+  <p:cSld>
+    <p:spTree>
+      <p:nvGrpSpPr>
+        <p:cNvPr id="1" name=""/>
+        <p:cNvGrpSpPr/>
+        <p:nvPr/>
+      </p:nvGrpSpPr>
+      <p:grpSpPr>
+        <a:xfrm>
+          <a:off x="0" y="0"/>
+          <a:ext cx="0" cy="0"/>
+          <a:chOff x="0" y="0"/>
+          <a:chExt cx="0" cy="0"/>
+        </a:xfrm>
+      </p:grpSpPr>
+      <p:sp>
+        <p:nvSpPr>
+          <p:cNvPr id="2" name="Titel 1"/>
+          <p:cNvSpPr>
+            <a:spLocks noGrp="1"/>
+          </p:cNvSpPr>
+          <p:nvPr>
+            <p:ph type="title"/>
+          </p:nvPr>
+        </p:nvSpPr>
+        <p:spPr/>
+        <p:txBody>
+          <a:bodyPr/>
+          <a:lstStyle/>
+          <a:p>
+            <a:r>
+              <a:rPr lang="de-DE" dirty="0" smtClean="0"/>
+              <a:t>Ablauf</a:t>
+            </a:r>
+            <a:endParaRPr lang="de-DE" dirty="0"/>
+          </a:p>
+        </p:txBody>
+      </p:sp>
+      <p:sp>
+        <p:nvSpPr>
+          <p:cNvPr id="4" name="Foliennummernplatzhalter 3"/>
+          <p:cNvSpPr>
+            <a:spLocks noGrp="1"/>
+          </p:cNvSpPr>
+          <p:nvPr>
+            <p:ph type="sldNum" sz="quarter" idx="10"/>
+          </p:nvPr>
+        </p:nvSpPr>
+        <p:spPr/>
+        <p:txBody>
+          <a:bodyPr/>
+          <a:lstStyle/>
+          <a:p>
+            <a:fld id="{1215FA07-EE23-A948-A6ED-56C5FE5A7EE4}" type="slidenum">
+              <a:rPr lang="de-DE" smtClean="0"/>
+              <a:t>9</a:t>
+            </a:fld>
+            <a:endParaRPr lang="de-DE"/>
+          </a:p>
+        </p:txBody>
+      </p:sp>
+      <p:grpSp>
+        <p:nvGrpSpPr>
+          <p:cNvPr id="5" name="Gruppierung 4"/>
+          <p:cNvGrpSpPr/>
+          <p:nvPr/>
+        </p:nvGrpSpPr>
+        <p:grpSpPr>
+          <a:xfrm>
+            <a:off x="237069" y="1060485"/>
+            <a:ext cx="3093152" cy="864469"/>
+            <a:chOff x="6574012" y="2392912"/>
+            <a:chExt cx="3093152" cy="864469"/>
+          </a:xfrm>
+        </p:grpSpPr>
+        <p:sp>
+          <p:nvSpPr>
+            <p:cNvPr id="6" name="Gefaltete Ecke 5"/>
+            <p:cNvSpPr/>
+            <p:nvPr/>
+          </p:nvSpPr>
+          <p:spPr>
+            <a:xfrm rot="10800000" flipH="1">
+              <a:off x="7907864" y="2392912"/>
+              <a:ext cx="428976" cy="519620"/>
+            </a:xfrm>
+            <a:prstGeom prst="foldedCorner">
+              <a:avLst>
+                <a:gd name="adj" fmla="val 29488"/>
+              </a:avLst>
+            </a:prstGeom>
+          </p:spPr>
+          <p:style>
+            <a:lnRef idx="1">
+              <a:schemeClr val="accent4"/>
+            </a:lnRef>
+            <a:fillRef idx="3">
+              <a:schemeClr val="accent4"/>
+            </a:fillRef>
+            <a:effectRef idx="2">
+              <a:schemeClr val="accent4"/>
+            </a:effectRef>
+            <a:fontRef idx="minor">
+              <a:schemeClr val="lt1"/>
+            </a:fontRef>
+          </p:style>
+          <p:txBody>
+            <a:bodyPr rtlCol="0" anchor="ctr"/>
+            <a:lstStyle/>
+            <a:p>
+              <a:pPr algn="ctr"/>
+              <a:endParaRPr lang="de-DE"/>
+            </a:p>
+          </p:txBody>
+        </p:sp>
+        <p:sp>
+          <p:nvSpPr>
+            <p:cNvPr id="7" name="Textfeld 6"/>
+            <p:cNvSpPr txBox="1"/>
+            <p:nvPr/>
+          </p:nvSpPr>
+          <p:spPr>
+            <a:xfrm>
+              <a:off x="6574012" y="2949604"/>
+              <a:ext cx="3093152" cy="307777"/>
+            </a:xfrm>
+            <a:prstGeom prst="rect">
+              <a:avLst/>
+            </a:prstGeom>
+            <a:noFill/>
+          </p:spPr>
+          <p:txBody>
+            <a:bodyPr wrap="none" rtlCol="0">
+              <a:spAutoFit/>
+            </a:bodyPr>
+            <a:lstStyle/>
+            <a:p>
+              <a:r>
+                <a:rPr lang="de-DE" sz="1400" dirty="0" err="1" smtClean="0">
+                  <a:solidFill>
+                    <a:srgbClr val="7F7F7F"/>
+                  </a:solidFill>
+                  <a:latin typeface="Fira Mono OT"/>
+                  <a:cs typeface="Fira Mono OT"/>
+                </a:rPr>
+                <a:t>Modell.componentbasedsystem</a:t>
+              </a:r>
+              <a:endParaRPr lang="de-DE" sz="1400" dirty="0">
+                <a:solidFill>
+                  <a:srgbClr val="7F7F7F"/>
+                </a:solidFill>
+                <a:latin typeface="Fira Mono OT"/>
+                <a:cs typeface="Fira Mono OT"/>
+              </a:endParaRPr>
+            </a:p>
+          </p:txBody>
+        </p:sp>
+      </p:grpSp>
+      <p:sp>
+        <p:nvSpPr>
+          <p:cNvPr id="8" name="Pfeil nach unten 7"/>
+          <p:cNvSpPr/>
+          <p:nvPr/>
+        </p:nvSpPr>
+        <p:spPr>
+          <a:xfrm>
+            <a:off x="1486257" y="2087542"/>
+            <a:ext cx="660400" cy="457200"/>
+          </a:xfrm>
+          <a:prstGeom prst="downArrow">
+            <a:avLst/>
+          </a:prstGeom>
+        </p:spPr>
+        <p:style>
+          <a:lnRef idx="2">
+            <a:schemeClr val="dk1"/>
+          </a:lnRef>
+          <a:fillRef idx="1">
+            <a:schemeClr val="lt1"/>
+          </a:fillRef>
+          <a:effectRef idx="0">
+            <a:schemeClr val="dk1"/>
+          </a:effectRef>
+          <a:fontRef idx="minor">
+            <a:schemeClr val="dk1"/>
+          </a:fontRef>
+        </p:style>
+        <p:txBody>
+          <a:bodyPr rtlCol="0" anchor="ctr"/>
+          <a:lstStyle/>
+          <a:p>
+            <a:pPr algn="ctr"/>
+            <a:endParaRPr lang="de-DE"/>
+          </a:p>
+        </p:txBody>
+      </p:sp>
+      <p:grpSp>
+        <p:nvGrpSpPr>
+          <p:cNvPr id="9" name="Gruppierung 8"/>
+          <p:cNvGrpSpPr/>
+          <p:nvPr/>
+        </p:nvGrpSpPr>
+        <p:grpSpPr>
+          <a:xfrm>
+            <a:off x="863602" y="2753823"/>
+            <a:ext cx="1908213" cy="880535"/>
+            <a:chOff x="6574012" y="2376846"/>
+            <a:chExt cx="1908213" cy="880535"/>
+          </a:xfrm>
+        </p:grpSpPr>
+        <p:sp>
+          <p:nvSpPr>
+            <p:cNvPr id="10" name="Gefaltete Ecke 9"/>
+            <p:cNvSpPr/>
+            <p:nvPr/>
+          </p:nvSpPr>
+          <p:spPr>
+            <a:xfrm rot="10800000" flipH="1">
+              <a:off x="7349064" y="2376846"/>
+              <a:ext cx="395109" cy="535686"/>
+            </a:xfrm>
+            <a:prstGeom prst="foldedCorner">
+              <a:avLst>
+                <a:gd name="adj" fmla="val 29488"/>
+              </a:avLst>
+            </a:prstGeom>
+          </p:spPr>
+          <p:style>
+            <a:lnRef idx="1">
+              <a:schemeClr val="accent1"/>
+            </a:lnRef>
+            <a:fillRef idx="3">
+              <a:schemeClr val="accent1"/>
+            </a:fillRef>
+            <a:effectRef idx="2">
+              <a:schemeClr val="accent1"/>
+            </a:effectRef>
+            <a:fontRef idx="minor">
+              <a:schemeClr val="lt1"/>
+            </a:fontRef>
+          </p:style>
+          <p:txBody>
+            <a:bodyPr rtlCol="0" anchor="ctr"/>
+            <a:lstStyle/>
+            <a:p>
+              <a:pPr algn="ctr"/>
+              <a:endParaRPr lang="de-DE"/>
+            </a:p>
+          </p:txBody>
+        </p:sp>
+        <p:sp>
+          <p:nvSpPr>
+            <p:cNvPr id="11" name="Textfeld 10"/>
+            <p:cNvSpPr txBox="1"/>
+            <p:nvPr/>
+          </p:nvSpPr>
+          <p:spPr>
+            <a:xfrm>
+              <a:off x="6574012" y="2949604"/>
+              <a:ext cx="1908213" cy="307777"/>
+            </a:xfrm>
+            <a:prstGeom prst="rect">
+              <a:avLst/>
+            </a:prstGeom>
+            <a:noFill/>
+          </p:spPr>
+          <p:txBody>
+            <a:bodyPr wrap="none" rtlCol="0">
+              <a:spAutoFit/>
+            </a:bodyPr>
+            <a:lstStyle/>
+            <a:p>
+              <a:r>
+                <a:rPr lang="de-DE" sz="1400" dirty="0" err="1" smtClean="0">
+                  <a:solidFill>
+                    <a:srgbClr val="7F7F7F"/>
+                  </a:solidFill>
+                  <a:latin typeface="Fira Mono OT"/>
+                  <a:cs typeface="Fira Mono OT"/>
+                </a:rPr>
+                <a:t>Generation.xtend</a:t>
+              </a:r>
+              <a:endParaRPr lang="de-DE" sz="1400" dirty="0">
+                <a:solidFill>
+                  <a:srgbClr val="7F7F7F"/>
+                </a:solidFill>
+                <a:latin typeface="Fira Mono OT"/>
+                <a:cs typeface="Fira Mono OT"/>
+              </a:endParaRPr>
+            </a:p>
+          </p:txBody>
+        </p:sp>
+      </p:grpSp>
+      <p:sp>
+        <p:nvSpPr>
+          <p:cNvPr id="12" name="Pfeil nach unten 11"/>
+          <p:cNvSpPr/>
+          <p:nvPr/>
+        </p:nvSpPr>
+        <p:spPr>
+          <a:xfrm>
+            <a:off x="1486257" y="3786755"/>
+            <a:ext cx="660400" cy="457200"/>
+          </a:xfrm>
+          <a:prstGeom prst="downArrow">
+            <a:avLst/>
+          </a:prstGeom>
+        </p:spPr>
+        <p:style>
+          <a:lnRef idx="2">
+            <a:schemeClr val="dk1"/>
+          </a:lnRef>
+          <a:fillRef idx="1">
+            <a:schemeClr val="lt1"/>
+          </a:fillRef>
+          <a:effectRef idx="0">
+            <a:schemeClr val="dk1"/>
+          </a:effectRef>
+          <a:fontRef idx="minor">
+            <a:schemeClr val="dk1"/>
+          </a:fontRef>
+        </p:style>
+        <p:txBody>
+          <a:bodyPr rtlCol="0" anchor="ctr"/>
+          <a:lstStyle/>
+          <a:p>
+            <a:pPr algn="ctr"/>
+            <a:endParaRPr lang="de-DE"/>
+          </a:p>
+        </p:txBody>
+      </p:sp>
+      <p:grpSp>
+        <p:nvGrpSpPr>
+          <p:cNvPr id="13" name="Gruppierung 12"/>
+          <p:cNvGrpSpPr/>
+          <p:nvPr/>
+        </p:nvGrpSpPr>
+        <p:grpSpPr>
+          <a:xfrm>
+            <a:off x="931335" y="4494978"/>
+            <a:ext cx="1800492" cy="866807"/>
+            <a:chOff x="6574012" y="2390574"/>
+            <a:chExt cx="1800492" cy="866807"/>
+          </a:xfrm>
+        </p:grpSpPr>
+        <p:sp>
+          <p:nvSpPr>
+            <p:cNvPr id="14" name="Gefaltete Ecke 13"/>
+            <p:cNvSpPr/>
+            <p:nvPr/>
+          </p:nvSpPr>
+          <p:spPr>
+            <a:xfrm rot="10800000" flipH="1">
+              <a:off x="7281332" y="2390574"/>
+              <a:ext cx="395109" cy="521958"/>
+            </a:xfrm>
+            <a:prstGeom prst="foldedCorner">
+              <a:avLst>
+                <a:gd name="adj" fmla="val 29488"/>
+              </a:avLst>
+            </a:prstGeom>
+          </p:spPr>
+          <p:style>
+            <a:lnRef idx="1">
+              <a:schemeClr val="accent1"/>
+            </a:lnRef>
+            <a:fillRef idx="3">
+              <a:schemeClr val="accent1"/>
+            </a:fillRef>
+            <a:effectRef idx="2">
+              <a:schemeClr val="accent1"/>
+            </a:effectRef>
+            <a:fontRef idx="minor">
+              <a:schemeClr val="lt1"/>
+            </a:fontRef>
+          </p:style>
+          <p:txBody>
+            <a:bodyPr rtlCol="0" anchor="ctr"/>
+            <a:lstStyle/>
+            <a:p>
+              <a:pPr algn="ctr"/>
+              <a:endParaRPr lang="de-DE"/>
+            </a:p>
+          </p:txBody>
+        </p:sp>
+        <p:sp>
+          <p:nvSpPr>
+            <p:cNvPr id="15" name="Textfeld 14"/>
+            <p:cNvSpPr txBox="1"/>
+            <p:nvPr/>
+          </p:nvSpPr>
+          <p:spPr>
+            <a:xfrm>
+              <a:off x="6574012" y="2949604"/>
+              <a:ext cx="1800492" cy="307777"/>
+            </a:xfrm>
+            <a:prstGeom prst="rect">
+              <a:avLst/>
+            </a:prstGeom>
+            <a:noFill/>
+          </p:spPr>
+          <p:txBody>
+            <a:bodyPr wrap="none" rtlCol="0">
+              <a:spAutoFit/>
+            </a:bodyPr>
+            <a:lstStyle/>
+            <a:p>
+              <a:r>
+                <a:rPr lang="de-DE" sz="1400" dirty="0" err="1" smtClean="0">
+                  <a:solidFill>
+                    <a:srgbClr val="7F7F7F"/>
+                  </a:solidFill>
+                  <a:latin typeface="Fira Mono OT"/>
+                  <a:cs typeface="Fira Mono OT"/>
+                </a:rPr>
+                <a:t>Generator.xtend</a:t>
+              </a:r>
+              <a:endParaRPr lang="de-DE" sz="1400" dirty="0">
+                <a:solidFill>
+                  <a:srgbClr val="7F7F7F"/>
+                </a:solidFill>
+                <a:latin typeface="Fira Mono OT"/>
+                <a:cs typeface="Fira Mono OT"/>
+              </a:endParaRPr>
+            </a:p>
+          </p:txBody>
+        </p:sp>
+      </p:grpSp>
+      <p:sp>
+        <p:nvSpPr>
+          <p:cNvPr id="16" name="Pfeil nach unten 15"/>
+          <p:cNvSpPr/>
+          <p:nvPr/>
+        </p:nvSpPr>
+        <p:spPr>
+          <a:xfrm>
+            <a:off x="1486257" y="5522424"/>
+            <a:ext cx="660400" cy="457200"/>
+          </a:xfrm>
+          <a:prstGeom prst="downArrow">
+            <a:avLst/>
+          </a:prstGeom>
+        </p:spPr>
+        <p:style>
+          <a:lnRef idx="2">
+            <a:schemeClr val="dk1"/>
+          </a:lnRef>
+          <a:fillRef idx="1">
+            <a:schemeClr val="lt1"/>
+          </a:fillRef>
+          <a:effectRef idx="0">
+            <a:schemeClr val="dk1"/>
+          </a:effectRef>
+          <a:fontRef idx="minor">
+            <a:schemeClr val="dk1"/>
+          </a:fontRef>
+        </p:style>
+        <p:txBody>
+          <a:bodyPr rtlCol="0" anchor="ctr"/>
+          <a:lstStyle/>
+          <a:p>
+            <a:pPr algn="ctr"/>
+            <a:endParaRPr lang="de-DE"/>
+          </a:p>
+        </p:txBody>
+      </p:sp>
+      <p:grpSp>
+        <p:nvGrpSpPr>
+          <p:cNvPr id="21" name="Gruppierung 20"/>
+          <p:cNvGrpSpPr/>
+          <p:nvPr/>
+        </p:nvGrpSpPr>
+        <p:grpSpPr>
+          <a:xfrm>
+            <a:off x="558626" y="5808053"/>
+            <a:ext cx="2506559" cy="944528"/>
+            <a:chOff x="3322635" y="5723471"/>
+            <a:chExt cx="2506559" cy="944528"/>
+          </a:xfrm>
+        </p:grpSpPr>
+        <p:sp>
+          <p:nvSpPr>
+            <p:cNvPr id="19" name="Gefaltete Ecke 18"/>
+            <p:cNvSpPr/>
+            <p:nvPr/>
+          </p:nvSpPr>
+          <p:spPr>
+            <a:xfrm rot="10800000" flipH="1">
+              <a:off x="3475035" y="5723471"/>
+              <a:ext cx="449088" cy="546597"/>
+            </a:xfrm>
+            <a:prstGeom prst="foldedCorner">
+              <a:avLst>
+                <a:gd name="adj" fmla="val 29488"/>
+              </a:avLst>
+            </a:prstGeom>
+          </p:spPr>
+          <p:style>
+            <a:lnRef idx="1">
+              <a:schemeClr val="accent6"/>
+            </a:lnRef>
+            <a:fillRef idx="3">
+              <a:schemeClr val="accent6"/>
+            </a:fillRef>
+            <a:effectRef idx="2">
+              <a:schemeClr val="accent6"/>
+            </a:effectRef>
+            <a:fontRef idx="minor">
+              <a:schemeClr val="lt1"/>
+            </a:fontRef>
+          </p:style>
+          <p:txBody>
+            <a:bodyPr rtlCol="0" anchor="ctr"/>
+            <a:lstStyle/>
+            <a:p>
+              <a:pPr algn="ctr"/>
+              <a:endParaRPr lang="de-DE"/>
+            </a:p>
+          </p:txBody>
+        </p:sp>
+        <p:sp>
+          <p:nvSpPr>
+            <p:cNvPr id="18" name="Gefaltete Ecke 17"/>
+            <p:cNvSpPr/>
+            <p:nvPr/>
+          </p:nvSpPr>
+          <p:spPr>
+            <a:xfrm rot="10800000" flipH="1">
+              <a:off x="3699579" y="5977470"/>
+              <a:ext cx="449088" cy="546597"/>
+            </a:xfrm>
+            <a:prstGeom prst="foldedCorner">
+              <a:avLst>
+                <a:gd name="adj" fmla="val 29488"/>
+              </a:avLst>
+            </a:prstGeom>
+          </p:spPr>
+          <p:style>
+            <a:lnRef idx="1">
+              <a:schemeClr val="accent6"/>
+            </a:lnRef>
+            <a:fillRef idx="3">
+              <a:schemeClr val="accent6"/>
+            </a:fillRef>
+            <a:effectRef idx="2">
+              <a:schemeClr val="accent6"/>
+            </a:effectRef>
+            <a:fontRef idx="minor">
+              <a:schemeClr val="lt1"/>
+            </a:fontRef>
+          </p:style>
+          <p:txBody>
+            <a:bodyPr rtlCol="0" anchor="ctr"/>
+            <a:lstStyle/>
+            <a:p>
+              <a:pPr algn="ctr"/>
+              <a:endParaRPr lang="de-DE"/>
+            </a:p>
+          </p:txBody>
+        </p:sp>
+        <p:sp>
+          <p:nvSpPr>
+            <p:cNvPr id="17" name="Gefaltete Ecke 16"/>
+            <p:cNvSpPr/>
+            <p:nvPr/>
+          </p:nvSpPr>
+          <p:spPr>
+            <a:xfrm rot="10800000" flipH="1">
+              <a:off x="3322635" y="6121402"/>
+              <a:ext cx="449088" cy="546597"/>
+            </a:xfrm>
+            <a:prstGeom prst="foldedCorner">
+              <a:avLst>
+                <a:gd name="adj" fmla="val 29488"/>
+              </a:avLst>
+            </a:prstGeom>
+          </p:spPr>
+          <p:style>
+            <a:lnRef idx="1">
+              <a:schemeClr val="accent6"/>
+            </a:lnRef>
+            <a:fillRef idx="3">
+              <a:schemeClr val="accent6"/>
+            </a:fillRef>
+            <a:effectRef idx="2">
+              <a:schemeClr val="accent6"/>
+            </a:effectRef>
+            <a:fontRef idx="minor">
+              <a:schemeClr val="lt1"/>
+            </a:fontRef>
+          </p:style>
+          <p:txBody>
+            <a:bodyPr rtlCol="0" anchor="ctr"/>
+            <a:lstStyle/>
+            <a:p>
+              <a:pPr algn="ctr"/>
+              <a:endParaRPr lang="de-DE"/>
+            </a:p>
+          </p:txBody>
+        </p:sp>
+        <p:sp>
+          <p:nvSpPr>
+            <p:cNvPr id="20" name="Textfeld 19"/>
+            <p:cNvSpPr txBox="1"/>
+            <p:nvPr/>
+          </p:nvSpPr>
+          <p:spPr>
+            <a:xfrm>
+              <a:off x="4351867" y="6116179"/>
+              <a:ext cx="1477327" cy="307777"/>
+            </a:xfrm>
+            <a:prstGeom prst="rect">
+              <a:avLst/>
+            </a:prstGeom>
+            <a:noFill/>
+          </p:spPr>
+          <p:txBody>
+            <a:bodyPr wrap="none" rtlCol="0">
+              <a:spAutoFit/>
+            </a:bodyPr>
+            <a:lstStyle/>
+            <a:p>
+              <a:r>
+                <a:rPr lang="de-DE" sz="1400" dirty="0" smtClean="0">
+                  <a:solidFill>
+                    <a:srgbClr val="7F7F7F"/>
+                  </a:solidFill>
+                  <a:latin typeface="Fira Mono OT"/>
+                  <a:cs typeface="Fira Mono OT"/>
+                </a:rPr>
+                <a:t>Java-Klassen</a:t>
+              </a:r>
+              <a:endParaRPr lang="de-DE" sz="1400" dirty="0">
+                <a:solidFill>
+                  <a:srgbClr val="7F7F7F"/>
+                </a:solidFill>
+                <a:latin typeface="Fira Mono OT"/>
+                <a:cs typeface="Fira Mono OT"/>
+              </a:endParaRPr>
+            </a:p>
+          </p:txBody>
+        </p:sp>
+      </p:grpSp>
+      <p:sp>
+        <p:nvSpPr>
+          <p:cNvPr id="23" name="Textfeld 22"/>
+          <p:cNvSpPr txBox="1"/>
+          <p:nvPr/>
+        </p:nvSpPr>
+        <p:spPr>
+          <a:xfrm>
+            <a:off x="4392916" y="1141187"/>
+            <a:ext cx="4523366" cy="666849"/>
+          </a:xfrm>
+          <a:prstGeom prst="rect">
+            <a:avLst/>
+          </a:prstGeom>
+        </p:spPr>
+        <p:txBody>
+          <a:bodyPr vert="horz" lIns="91440" tIns="45720" rIns="91440" bIns="45720" rtlCol="0">
+            <a:normAutofit fontScale="62500" lnSpcReduction="20000"/>
+          </a:bodyPr>
+          <a:lstStyle>
+            <a:lvl1pPr marL="342900" indent="-342900">
+              <a:lnSpc>
+                <a:spcPct val="120000"/>
+              </a:lnSpc>
+              <a:spcBef>
+                <a:spcPct val="20000"/>
+              </a:spcBef>
+              <a:spcAft>
+                <a:spcPts val="600"/>
+              </a:spcAft>
+              <a:buClr>
+                <a:schemeClr val="accent1"/>
+              </a:buClr>
+              <a:buFont typeface="Wingdings" charset="2"/>
+              <a:buChar char="§"/>
+              <a:defRPr sz="3200" b="0" i="0">
+                <a:latin typeface="Fira Sans"/>
+                <a:cs typeface="Fira Sans"/>
+              </a:defRPr>
+            </a:lvl1pPr>
+            <a:lvl2pPr marL="742950" lvl="1" indent="-285750">
+              <a:lnSpc>
+                <a:spcPct val="120000"/>
+              </a:lnSpc>
+              <a:spcBef>
+                <a:spcPct val="20000"/>
+              </a:spcBef>
+              <a:spcAft>
+                <a:spcPts val="600"/>
+              </a:spcAft>
+              <a:buClr>
+                <a:schemeClr val="accent1"/>
+              </a:buClr>
+              <a:buFont typeface="Lucida Grande"/>
+              <a:buChar char="»"/>
+              <a:defRPr sz="2800" b="0" i="0">
+                <a:solidFill>
+                  <a:schemeClr val="bg1">
+                    <a:lumMod val="50000"/>
+                  </a:schemeClr>
+                </a:solidFill>
+                <a:latin typeface="Fira Sans"/>
+                <a:cs typeface="Fira Sans"/>
+              </a:defRPr>
+            </a:lvl2pPr>
+            <a:lvl3pPr marL="1143000" indent="-228600">
+              <a:spcBef>
+                <a:spcPct val="20000"/>
+              </a:spcBef>
+              <a:buClr>
+                <a:schemeClr val="accent1"/>
+              </a:buClr>
+              <a:buFont typeface="Arial"/>
+              <a:buChar char="•"/>
+              <a:defRPr sz="2400" b="0" i="0">
+                <a:latin typeface="Fira Sans"/>
+                <a:cs typeface="Fira Sans"/>
+              </a:defRPr>
+            </a:lvl3pPr>
+            <a:lvl4pPr marL="1600200" indent="-228600">
+              <a:spcBef>
+                <a:spcPct val="20000"/>
+              </a:spcBef>
+              <a:buClr>
+                <a:schemeClr val="accent1"/>
+              </a:buClr>
+              <a:buFont typeface="Arial"/>
+              <a:buChar char="–"/>
+              <a:defRPr sz="2000" b="0" i="0">
+                <a:latin typeface="Fira Sans"/>
+                <a:cs typeface="Fira Sans"/>
+              </a:defRPr>
+            </a:lvl4pPr>
+            <a:lvl5pPr indent="0">
+              <a:spcBef>
+                <a:spcPct val="20000"/>
+              </a:spcBef>
+              <a:buClr>
+                <a:schemeClr val="accent1"/>
+              </a:buClr>
+              <a:buFontTx/>
+              <a:buNone/>
+              <a:defRPr sz="2000" b="0" i="0">
+                <a:latin typeface="Fira Sans"/>
+                <a:cs typeface="Fira Sans"/>
+              </a:defRPr>
+            </a:lvl5pPr>
+            <a:lvl6pPr marL="2514600" indent="-228600">
+              <a:spcBef>
+                <a:spcPct val="20000"/>
+              </a:spcBef>
+              <a:buFont typeface="Arial"/>
+              <a:buChar char="•"/>
+              <a:defRPr sz="2000"/>
+            </a:lvl6pPr>
+            <a:lvl7pPr marL="2971800" indent="-228600">
+              <a:spcBef>
+                <a:spcPct val="20000"/>
+              </a:spcBef>
+              <a:buFont typeface="Arial"/>
+              <a:buChar char="•"/>
+              <a:defRPr sz="2000"/>
+            </a:lvl7pPr>
+            <a:lvl8pPr marL="3429000" indent="-228600">
+              <a:spcBef>
+                <a:spcPct val="20000"/>
+              </a:spcBef>
+              <a:buFont typeface="Arial"/>
+              <a:buChar char="•"/>
+              <a:defRPr sz="2000"/>
+            </a:lvl8pPr>
+            <a:lvl9pPr marL="3886200" indent="-228600">
+              <a:spcBef>
+                <a:spcPct val="20000"/>
+              </a:spcBef>
+              <a:buFont typeface="Arial"/>
+              <a:buChar char="•"/>
+              <a:defRPr sz="2000"/>
+            </a:lvl9pPr>
+          </a:lstStyle>
+          <a:p>
+            <a:r>
+              <a:rPr lang="de-DE" dirty="0"/>
+              <a:t>Modell nach unserem Metamodell</a:t>
+            </a:r>
+          </a:p>
+        </p:txBody>
+      </p:sp>
+      <p:sp>
+        <p:nvSpPr>
+          <p:cNvPr id="25" name="Textfeld 24"/>
+          <p:cNvSpPr txBox="1"/>
+          <p:nvPr/>
+        </p:nvSpPr>
+        <p:spPr>
+          <a:xfrm>
+            <a:off x="4392916" y="2570398"/>
+            <a:ext cx="4523366" cy="1387977"/>
+          </a:xfrm>
+          <a:prstGeom prst="rect">
+            <a:avLst/>
+          </a:prstGeom>
+        </p:spPr>
+        <p:txBody>
+          <a:bodyPr vert="horz" lIns="91440" tIns="45720" rIns="91440" bIns="45720" rtlCol="0">
+            <a:normAutofit fontScale="55000" lnSpcReduction="20000"/>
+          </a:bodyPr>
+          <a:lstStyle>
+            <a:lvl1pPr marL="342900" indent="-342900">
+              <a:lnSpc>
+                <a:spcPct val="120000"/>
+              </a:lnSpc>
+              <a:spcBef>
+                <a:spcPct val="20000"/>
+              </a:spcBef>
+              <a:spcAft>
+                <a:spcPts val="600"/>
+              </a:spcAft>
+              <a:buClr>
+                <a:schemeClr val="accent1"/>
+              </a:buClr>
+              <a:buFont typeface="Wingdings" charset="2"/>
+              <a:buChar char="§"/>
+              <a:defRPr sz="3200" b="0" i="0">
+                <a:latin typeface="Fira Sans"/>
+                <a:cs typeface="Fira Sans"/>
+              </a:defRPr>
+            </a:lvl1pPr>
+            <a:lvl2pPr marL="742950" lvl="1" indent="-285750">
+              <a:lnSpc>
+                <a:spcPct val="120000"/>
+              </a:lnSpc>
+              <a:spcBef>
+                <a:spcPct val="20000"/>
+              </a:spcBef>
+              <a:spcAft>
+                <a:spcPts val="600"/>
+              </a:spcAft>
+              <a:buClr>
+                <a:schemeClr val="accent1"/>
+              </a:buClr>
+              <a:buFont typeface="Lucida Grande"/>
+              <a:buChar char="»"/>
+              <a:defRPr sz="2800" b="0" i="0">
+                <a:solidFill>
+                  <a:schemeClr val="bg1">
+                    <a:lumMod val="50000"/>
+                  </a:schemeClr>
+                </a:solidFill>
+                <a:latin typeface="Fira Sans"/>
+                <a:cs typeface="Fira Sans"/>
+              </a:defRPr>
+            </a:lvl2pPr>
+            <a:lvl3pPr marL="1143000" indent="-228600">
+              <a:spcBef>
+                <a:spcPct val="20000"/>
+              </a:spcBef>
+              <a:buClr>
+                <a:schemeClr val="accent1"/>
+              </a:buClr>
+              <a:buFont typeface="Arial"/>
+              <a:buChar char="•"/>
+              <a:defRPr sz="2400" b="0" i="0">
+                <a:latin typeface="Fira Sans"/>
+                <a:cs typeface="Fira Sans"/>
+              </a:defRPr>
+            </a:lvl3pPr>
+            <a:lvl4pPr marL="1600200" indent="-228600">
+              <a:spcBef>
+                <a:spcPct val="20000"/>
+              </a:spcBef>
+              <a:buClr>
+                <a:schemeClr val="accent1"/>
+              </a:buClr>
+              <a:buFont typeface="Arial"/>
+              <a:buChar char="–"/>
+              <a:defRPr sz="2000" b="0" i="0">
+                <a:latin typeface="Fira Sans"/>
+                <a:cs typeface="Fira Sans"/>
+              </a:defRPr>
+            </a:lvl4pPr>
+            <a:lvl5pPr indent="0">
+              <a:spcBef>
+                <a:spcPct val="20000"/>
+              </a:spcBef>
+              <a:buClr>
+                <a:schemeClr val="accent1"/>
+              </a:buClr>
+              <a:buFontTx/>
+              <a:buNone/>
+              <a:defRPr sz="2000" b="0" i="0">
+                <a:latin typeface="Fira Sans"/>
+                <a:cs typeface="Fira Sans"/>
+              </a:defRPr>
+            </a:lvl5pPr>
+            <a:lvl6pPr marL="2514600" indent="-228600">
+              <a:spcBef>
+                <a:spcPct val="20000"/>
+              </a:spcBef>
+              <a:buFont typeface="Arial"/>
+              <a:buChar char="•"/>
+              <a:defRPr sz="2000"/>
+            </a:lvl6pPr>
+            <a:lvl7pPr marL="2971800" indent="-228600">
+              <a:spcBef>
+                <a:spcPct val="20000"/>
+              </a:spcBef>
+              <a:buFont typeface="Arial"/>
+              <a:buChar char="•"/>
+              <a:defRPr sz="2000"/>
+            </a:lvl7pPr>
+            <a:lvl8pPr marL="3429000" indent="-228600">
+              <a:spcBef>
+                <a:spcPct val="20000"/>
+              </a:spcBef>
+              <a:buFont typeface="Arial"/>
+              <a:buChar char="•"/>
+              <a:defRPr sz="2000"/>
+            </a:lvl8pPr>
+            <a:lvl9pPr marL="3886200" indent="-228600">
+              <a:spcBef>
+                <a:spcPct val="20000"/>
+              </a:spcBef>
+              <a:buFont typeface="Arial"/>
+              <a:buChar char="•"/>
+              <a:defRPr sz="2000"/>
+            </a:lvl9pPr>
+          </a:lstStyle>
+          <a:p>
+            <a:r>
+              <a:rPr lang="de-DE" dirty="0" err="1" smtClean="0"/>
+              <a:t>ePackages</a:t>
+            </a:r>
+            <a:r>
+              <a:rPr lang="de-DE" dirty="0" smtClean="0"/>
+              <a:t> des .</a:t>
+            </a:r>
+            <a:r>
+              <a:rPr lang="de-DE" dirty="0" err="1" smtClean="0"/>
+              <a:t>ecore</a:t>
+            </a:r>
+            <a:r>
+              <a:rPr lang="de-DE" dirty="0" smtClean="0"/>
+              <a:t>-Modells laden</a:t>
+            </a:r>
+          </a:p>
+          <a:p>
+            <a:r>
+              <a:rPr lang="de-DE" dirty="0" smtClean="0"/>
+              <a:t>Modell einlesen</a:t>
+            </a:r>
+          </a:p>
+          <a:p>
+            <a:r>
+              <a:rPr lang="de-DE" dirty="0" smtClean="0"/>
+              <a:t>Code-Generator aufrufen</a:t>
+            </a:r>
+            <a:endParaRPr lang="de-DE" dirty="0"/>
+          </a:p>
+        </p:txBody>
+      </p:sp>
+      <p:sp>
+        <p:nvSpPr>
+          <p:cNvPr id="26" name="Textfeld 25"/>
+          <p:cNvSpPr txBox="1"/>
+          <p:nvPr/>
+        </p:nvSpPr>
+        <p:spPr>
+          <a:xfrm>
+            <a:off x="4392916" y="4600232"/>
+            <a:ext cx="4523366" cy="833408"/>
+          </a:xfrm>
+          <a:prstGeom prst="rect">
+            <a:avLst/>
+          </a:prstGeom>
+        </p:spPr>
+        <p:txBody>
+          <a:bodyPr vert="horz" lIns="91440" tIns="45720" rIns="91440" bIns="45720" rtlCol="0">
+            <a:normAutofit fontScale="55000" lnSpcReduction="20000"/>
+          </a:bodyPr>
+          <a:lstStyle>
+            <a:lvl1pPr marL="342900" indent="-342900">
+              <a:lnSpc>
+                <a:spcPct val="120000"/>
+              </a:lnSpc>
+              <a:spcBef>
+                <a:spcPct val="20000"/>
+              </a:spcBef>
+              <a:spcAft>
+                <a:spcPts val="600"/>
+              </a:spcAft>
+              <a:buClr>
+                <a:schemeClr val="accent1"/>
+              </a:buClr>
+              <a:buFont typeface="Wingdings" charset="2"/>
+              <a:buChar char="§"/>
+              <a:defRPr sz="3200" b="0" i="0">
+                <a:latin typeface="Fira Sans"/>
+                <a:cs typeface="Fira Sans"/>
+              </a:defRPr>
+            </a:lvl1pPr>
+            <a:lvl2pPr marL="742950" lvl="1" indent="-285750">
+              <a:lnSpc>
+                <a:spcPct val="120000"/>
+              </a:lnSpc>
+              <a:spcBef>
+                <a:spcPct val="20000"/>
+              </a:spcBef>
+              <a:spcAft>
+                <a:spcPts val="600"/>
+              </a:spcAft>
+              <a:buClr>
+                <a:schemeClr val="accent1"/>
+              </a:buClr>
+              <a:buFont typeface="Lucida Grande"/>
+              <a:buChar char="»"/>
+              <a:defRPr sz="2800" b="0" i="0">
+                <a:solidFill>
+                  <a:schemeClr val="bg1">
+                    <a:lumMod val="50000"/>
+                  </a:schemeClr>
+                </a:solidFill>
+                <a:latin typeface="Fira Sans"/>
+                <a:cs typeface="Fira Sans"/>
+              </a:defRPr>
+            </a:lvl2pPr>
+            <a:lvl3pPr marL="1143000" indent="-228600">
+              <a:spcBef>
+                <a:spcPct val="20000"/>
+              </a:spcBef>
+              <a:buClr>
+                <a:schemeClr val="accent1"/>
+              </a:buClr>
+              <a:buFont typeface="Arial"/>
+              <a:buChar char="•"/>
+              <a:defRPr sz="2400" b="0" i="0">
+                <a:latin typeface="Fira Sans"/>
+                <a:cs typeface="Fira Sans"/>
+              </a:defRPr>
+            </a:lvl3pPr>
+            <a:lvl4pPr marL="1600200" indent="-228600">
+              <a:spcBef>
+                <a:spcPct val="20000"/>
+              </a:spcBef>
+              <a:buClr>
+                <a:schemeClr val="accent1"/>
+              </a:buClr>
+              <a:buFont typeface="Arial"/>
+              <a:buChar char="–"/>
+              <a:defRPr sz="2000" b="0" i="0">
+                <a:latin typeface="Fira Sans"/>
+                <a:cs typeface="Fira Sans"/>
+              </a:defRPr>
+            </a:lvl4pPr>
+            <a:lvl5pPr indent="0">
+              <a:spcBef>
+                <a:spcPct val="20000"/>
+              </a:spcBef>
+              <a:buClr>
+                <a:schemeClr val="accent1"/>
+              </a:buClr>
+              <a:buFontTx/>
+              <a:buNone/>
+              <a:defRPr sz="2000" b="0" i="0">
+                <a:latin typeface="Fira Sans"/>
+                <a:cs typeface="Fira Sans"/>
+              </a:defRPr>
+            </a:lvl5pPr>
+            <a:lvl6pPr marL="2514600" indent="-228600">
+              <a:spcBef>
+                <a:spcPct val="20000"/>
+              </a:spcBef>
+              <a:buFont typeface="Arial"/>
+              <a:buChar char="•"/>
+              <a:defRPr sz="2000"/>
+            </a:lvl6pPr>
+            <a:lvl7pPr marL="2971800" indent="-228600">
+              <a:spcBef>
+                <a:spcPct val="20000"/>
+              </a:spcBef>
+              <a:buFont typeface="Arial"/>
+              <a:buChar char="•"/>
+              <a:defRPr sz="2000"/>
+            </a:lvl7pPr>
+            <a:lvl8pPr marL="3429000" indent="-228600">
+              <a:spcBef>
+                <a:spcPct val="20000"/>
+              </a:spcBef>
+              <a:buFont typeface="Arial"/>
+              <a:buChar char="•"/>
+              <a:defRPr sz="2000"/>
+            </a:lvl8pPr>
+            <a:lvl9pPr marL="3886200" indent="-228600">
+              <a:spcBef>
+                <a:spcPct val="20000"/>
+              </a:spcBef>
+              <a:buFont typeface="Arial"/>
+              <a:buChar char="•"/>
+              <a:defRPr sz="2000"/>
+            </a:lvl9pPr>
+          </a:lstStyle>
+          <a:p>
+            <a:r>
+              <a:rPr lang="de-DE" dirty="0" smtClean="0"/>
+              <a:t>Code Templates</a:t>
+            </a:r>
+          </a:p>
+          <a:p>
+            <a:r>
+              <a:rPr lang="de-DE" dirty="0" smtClean="0"/>
+              <a:t>Export in Java-Dateien</a:t>
+            </a:r>
+            <a:endParaRPr lang="de-DE" dirty="0"/>
+          </a:p>
+        </p:txBody>
+      </p:sp>
+    </p:spTree>
+    <p:extLst>
+      <p:ext uri="{BB962C8B-B14F-4D97-AF65-F5344CB8AC3E}">
+        <p14:creationId xmlns:p14="http://schemas.microsoft.com/office/powerpoint/2010/main" val="2077834166"/>
+      </p:ext>
+    </p:extLst>
+  </p:cSld>
+  <p:clrMapOvr>
+    <a:masterClrMapping/>
+  </p:clrMapOvr>
+  <p:timing>
+    <p:tnLst>
+      <p:par>
+        <p:cTn xmlns:p14="http://schemas.microsoft.com/office/powerpoint/2010/main" id="1" dur="indefinite" restart="never" nodeType="tmRoot">
+          <p:childTnLst>
+            <p:seq concurrent="1" nextAc="seek">
+              <p:cTn id="2" dur="indefinite" nodeType="mainSeq">
+                <p:childTnLst>
+                  <p:par>
+                    <p:cTn id="3" fill="hold">
+                      <p:stCondLst>
+                        <p:cond delay="indefinite"/>
+                      </p:stCondLst>
+                      <p:childTnLst>
+                        <p:par>
+                          <p:cTn id="4" fill="hold">
+                            <p:stCondLst>
+                              <p:cond delay="0"/>
+                            </p:stCondLst>
+                            <p:childTnLst>
+                              <p:par>
+                                <p:cTn id="5" presetID="1" presetClass="entr" presetSubtype="0" fill="hold" nodeType="clickEffect">
+                                  <p:stCondLst>
+                                    <p:cond delay="0"/>
+                                  </p:stCondLst>
+                                  <p:childTnLst>
+                                    <p:set>
+                                      <p:cBhvr>
+                                        <p:cTn id="6" dur="1" fill="hold">
+                                          <p:stCondLst>
+                                            <p:cond delay="0"/>
+                                          </p:stCondLst>
+                                        </p:cTn>
+                                        <p:tgtEl>
+                                          <p:spTgt spid="5"/>
+                                        </p:tgtEl>
+                                        <p:attrNameLst>
+                                          <p:attrName>style.visibility</p:attrName>
+                                        </p:attrNameLst>
+                                      </p:cBhvr>
+                                      <p:to>
+                                        <p:strVal val="visible"/>
+                                      </p:to>
+                                    </p:set>
+                                  </p:childTnLst>
+                                </p:cTn>
+                              </p:par>
+                            </p:childTnLst>
+                          </p:cTn>
+                        </p:par>
+                      </p:childTnLst>
+                    </p:cTn>
+                  </p:par>
+                  <p:par>
+                    <p:cTn id="7" fill="hold">
+                      <p:stCondLst>
+                        <p:cond delay="indefinite"/>
+                      </p:stCondLst>
+                      <p:childTnLst>
+                        <p:par>
+                          <p:cTn id="8" fill="hold">
+                            <p:stCondLst>
+                              <p:cond delay="0"/>
+                            </p:stCondLst>
+                            <p:childTnLst>
+                              <p:par>
+                                <p:cTn id="9" presetID="1" presetClass="entr" presetSubtype="0" fill="hold" grpId="0" nodeType="clickEffect">
+                                  <p:stCondLst>
+                                    <p:cond delay="0"/>
+                                  </p:stCondLst>
+                                  <p:childTnLst>
+                                    <p:set>
+                                      <p:cBhvr>
+                                        <p:cTn id="10" dur="1" fill="hold">
+                                          <p:stCondLst>
+                                            <p:cond delay="0"/>
+                                          </p:stCondLst>
+                                        </p:cTn>
+                                        <p:tgtEl>
+                                          <p:spTgt spid="23"/>
+                                        </p:tgtEl>
+                                        <p:attrNameLst>
+                                          <p:attrName>style.visibility</p:attrName>
+                                        </p:attrNameLst>
+                                      </p:cBhvr>
+                                      <p:to>
+                                        <p:strVal val="visible"/>
+                                      </p:to>
+                                    </p:set>
+                                  </p:childTnLst>
+                                </p:cTn>
+                              </p:par>
+                            </p:childTnLst>
+                          </p:cTn>
+                        </p:par>
+                      </p:childTnLst>
+                    </p:cTn>
+                  </p:par>
+                  <p:par>
+                    <p:cTn id="11" fill="hold">
+                      <p:stCondLst>
+                        <p:cond delay="indefinite"/>
+                      </p:stCondLst>
+                      <p:childTnLst>
+                        <p:par>
+                          <p:cTn id="12" fill="hold">
+                            <p:stCondLst>
+                              <p:cond delay="0"/>
+                            </p:stCondLst>
+                            <p:childTnLst>
+                              <p:par>
+                                <p:cTn id="13" presetID="1" presetClass="entr" presetSubtype="0" fill="hold" grpId="0" nodeType="clickEffect">
+                                  <p:stCondLst>
+                                    <p:cond delay="0"/>
+                                  </p:stCondLst>
+                                  <p:childTnLst>
+                                    <p:set>
+                                      <p:cBhvr>
+                                        <p:cTn id="14" dur="1" fill="hold">
+                                          <p:stCondLst>
+                                            <p:cond delay="0"/>
+                                          </p:stCondLst>
+                                        </p:cTn>
+                                        <p:tgtEl>
+                                          <p:spTgt spid="8"/>
+                                        </p:tgtEl>
+                                        <p:attrNameLst>
+                                          <p:attrName>style.visibility</p:attrName>
+                                        </p:attrNameLst>
+                                      </p:cBhvr>
+                                      <p:to>
+                                        <p:strVal val="visible"/>
+                                      </p:to>
+                                    </p:set>
+                                  </p:childTnLst>
+                                </p:cTn>
+                              </p:par>
+                              <p:par>
+                                <p:cTn id="15" presetID="1" presetClass="entr" presetSubtype="0" fill="hold" nodeType="withEffect">
+                                  <p:stCondLst>
+                                    <p:cond delay="0"/>
+                                  </p:stCondLst>
+                                  <p:childTnLst>
+                                    <p:set>
+                                      <p:cBhvr>
+                                        <p:cTn id="16" dur="1" fill="hold">
+                                          <p:stCondLst>
+                                            <p:cond delay="0"/>
+                                          </p:stCondLst>
+                                        </p:cTn>
+                                        <p:tgtEl>
+                                          <p:spTgt spid="9"/>
+                                        </p:tgtEl>
+                                        <p:attrNameLst>
+                                          <p:attrName>style.visibility</p:attrName>
+                                        </p:attrNameLst>
+                                      </p:cBhvr>
+                                      <p:to>
+                                        <p:strVal val="visible"/>
+                                      </p:to>
+                                    </p:set>
+                                  </p:childTnLst>
+                                </p:cTn>
+                              </p:par>
+                            </p:childTnLst>
+                          </p:cTn>
+                        </p:par>
+                      </p:childTnLst>
+                    </p:cTn>
+                  </p:par>
+                  <p:par>
+                    <p:cTn id="17" fill="hold">
+                      <p:stCondLst>
+                        <p:cond delay="indefinite"/>
+                      </p:stCondLst>
+                      <p:childTnLst>
+                        <p:par>
+                          <p:cTn id="18" fill="hold">
+                            <p:stCondLst>
+                              <p:cond delay="0"/>
+                            </p:stCondLst>
+                            <p:childTnLst>
+                              <p:par>
+                                <p:cTn id="19" presetID="1" presetClass="entr" presetSubtype="0" fill="hold" grpId="0" nodeType="clickEffect">
+                                  <p:stCondLst>
+                                    <p:cond delay="0"/>
+                                  </p:stCondLst>
+                                  <p:childTnLst>
+                                    <p:set>
+                                      <p:cBhvr>
+                                        <p:cTn id="20" dur="1" fill="hold">
+                                          <p:stCondLst>
+                                            <p:cond delay="0"/>
+                                          </p:stCondLst>
+                                        </p:cTn>
+                                        <p:tgtEl>
+                                          <p:spTgt spid="25"/>
+                                        </p:tgtEl>
+                                        <p:attrNameLst>
+                                          <p:attrName>style.visibility</p:attrName>
+                                        </p:attrNameLst>
+                                      </p:cBhvr>
+                                      <p:to>
+                                        <p:strVal val="visible"/>
+                                      </p:to>
+                                    </p:set>
+                                  </p:childTnLst>
+                                </p:cTn>
+                              </p:par>
+                            </p:childTnLst>
+                          </p:cTn>
+                        </p:par>
+                      </p:childTnLst>
+                    </p:cTn>
+                  </p:par>
+                  <p:par>
+                    <p:cTn id="21" fill="hold">
+                      <p:stCondLst>
+                        <p:cond delay="indefinite"/>
+                      </p:stCondLst>
+                      <p:childTnLst>
+                        <p:par>
+                          <p:cTn id="22" fill="hold">
+                            <p:stCondLst>
+                              <p:cond delay="0"/>
+                            </p:stCondLst>
+                            <p:childTnLst>
+                              <p:par>
+                                <p:cTn id="23" presetID="1" presetClass="entr" presetSubtype="0" fill="hold" grpId="0" nodeType="clickEffect">
+                                  <p:stCondLst>
+                                    <p:cond delay="0"/>
+                                  </p:stCondLst>
+                                  <p:childTnLst>
+                                    <p:set>
+                                      <p:cBhvr>
+                                        <p:cTn id="24" dur="1" fill="hold">
+                                          <p:stCondLst>
+                                            <p:cond delay="0"/>
+                                          </p:stCondLst>
+                                        </p:cTn>
+                                        <p:tgtEl>
+                                          <p:spTgt spid="12"/>
+                                        </p:tgtEl>
+                                        <p:attrNameLst>
+                                          <p:attrName>style.visibility</p:attrName>
+                                        </p:attrNameLst>
+                                      </p:cBhvr>
+                                      <p:to>
+                                        <p:strVal val="visible"/>
+                                      </p:to>
+                                    </p:set>
+                                  </p:childTnLst>
+                                </p:cTn>
+                              </p:par>
+                              <p:par>
+                                <p:cTn id="25" presetID="1" presetClass="entr" presetSubtype="0" fill="hold" nodeType="withEffect">
+                                  <p:stCondLst>
+                                    <p:cond delay="0"/>
+                                  </p:stCondLst>
+                                  <p:childTnLst>
+                                    <p:set>
+                                      <p:cBhvr>
+                                        <p:cTn id="26" dur="1" fill="hold">
+                                          <p:stCondLst>
+                                            <p:cond delay="0"/>
+                                          </p:stCondLst>
+                                        </p:cTn>
+                                        <p:tgtEl>
+                                          <p:spTgt spid="13"/>
+                                        </p:tgtEl>
+                                        <p:attrNameLst>
+                                          <p:attrName>style.visibility</p:attrName>
+                                        </p:attrNameLst>
+                                      </p:cBhvr>
+                                      <p:to>
+                                        <p:strVal val="visible"/>
+                                      </p:to>
+                                    </p:set>
+                                  </p:childTnLst>
+                                </p:cTn>
+                              </p:par>
+                            </p:childTnLst>
+                          </p:cTn>
+                        </p:par>
+                      </p:childTnLst>
+                    </p:cTn>
+                  </p:par>
+                  <p:par>
+                    <p:cTn id="27" fill="hold">
+                      <p:stCondLst>
+                        <p:cond delay="indefinite"/>
+                      </p:stCondLst>
+                      <p:childTnLst>
+                        <p:par>
+                          <p:cTn id="28" fill="hold">
+                            <p:stCondLst>
+                              <p:cond delay="0"/>
+                            </p:stCondLst>
+                            <p:childTnLst>
+                              <p:par>
+                                <p:cTn id="29" presetID="1" presetClass="entr" presetSubtype="0" fill="hold" grpId="0" nodeType="clickEffect">
+                                  <p:stCondLst>
+                                    <p:cond delay="0"/>
+                                  </p:stCondLst>
+                                  <p:childTnLst>
+                                    <p:set>
+                                      <p:cBhvr>
+                                        <p:cTn id="30" dur="1" fill="hold">
+                                          <p:stCondLst>
+                                            <p:cond delay="0"/>
+                                          </p:stCondLst>
+                                        </p:cTn>
+                                        <p:tgtEl>
+                                          <p:spTgt spid="26"/>
+                                        </p:tgtEl>
+                                        <p:attrNameLst>
+                                          <p:attrName>style.visibility</p:attrName>
+                                        </p:attrNameLst>
+                                      </p:cBhvr>
+                                      <p:to>
+                                        <p:strVal val="visible"/>
+                                      </p:to>
+                                    </p:set>
+                                  </p:childTnLst>
+                                </p:cTn>
+                              </p:par>
+                            </p:childTnLst>
+                          </p:cTn>
+                        </p:par>
+                      </p:childTnLst>
+                    </p:cTn>
+                  </p:par>
+                  <p:par>
+                    <p:cTn id="31" fill="hold">
+                      <p:stCondLst>
+                        <p:cond delay="indefinite"/>
+                      </p:stCondLst>
+                      <p:childTnLst>
+                        <p:par>
+                          <p:cTn id="32" fill="hold">
+                            <p:stCondLst>
+                              <p:cond delay="0"/>
+                            </p:stCondLst>
+                            <p:childTnLst>
+                              <p:par>
+                                <p:cTn id="33" presetID="1" presetClass="entr" presetSubtype="0" fill="hold" grpId="0" nodeType="clickEffect">
+                                  <p:stCondLst>
+                                    <p:cond delay="0"/>
+                                  </p:stCondLst>
+                                  <p:childTnLst>
+                                    <p:set>
+                                      <p:cBhvr>
+                                        <p:cTn id="34" dur="1" fill="hold">
+                                          <p:stCondLst>
+                                            <p:cond delay="0"/>
+                                          </p:stCondLst>
+                                        </p:cTn>
+                                        <p:tgtEl>
+                                          <p:spTgt spid="16"/>
+                                        </p:tgtEl>
+                                        <p:attrNameLst>
+                                          <p:attrName>style.visibility</p:attrName>
+                                        </p:attrNameLst>
+                                      </p:cBhvr>
+                                      <p:to>
+                                        <p:strVal val="visible"/>
+                                      </p:to>
+                                    </p:set>
+                                  </p:childTnLst>
+                                </p:cTn>
+                              </p:par>
+                              <p:par>
+                                <p:cTn id="35" presetID="1" presetClass="entr" presetSubtype="0" fill="hold" nodeType="withEffect">
+                                  <p:stCondLst>
+                                    <p:cond delay="0"/>
+                                  </p:stCondLst>
+                                  <p:childTnLst>
+                                    <p:set>
+                                      <p:cBhvr>
+                                        <p:cTn id="36" dur="1" fill="hold">
+                                          <p:stCondLst>
+                                            <p:cond delay="0"/>
+                                          </p:stCondLst>
+                                        </p:cTn>
+                                        <p:tgtEl>
+                                          <p:spTgt spid="21"/>
+                                        </p:tgtEl>
+                                        <p:attrNameLst>
+                                          <p:attrName>style.visibility</p:attrName>
+                                        </p:attrNameLst>
+                                      </p:cBhvr>
+                                      <p:to>
+                                        <p:strVal val="visible"/>
+                                      </p:to>
+                                    </p:set>
+                                  </p:childTnLst>
+                                </p:cTn>
+                              </p:par>
+                            </p:childTnLst>
+                          </p:cTn>
+                        </p:par>
+                      </p:childTnLst>
+                    </p:cTn>
+                  </p:par>
+                </p:childTnLst>
+              </p:cTn>
+              <p:prevCondLst>
+                <p:cond evt="onPrev" delay="0">
+                  <p:tgtEl>
+                    <p:sldTgt/>
+                  </p:tgtEl>
+                </p:cond>
+              </p:prevCondLst>
+              <p:nextCondLst>
+                <p:cond evt="onNext" delay="0">
+                  <p:tgtEl>
+                    <p:sldTgt/>
+                  </p:tgtEl>
+                </p:cond>
+              </p:nextCondLst>
+            </p:seq>
+          </p:childTnLst>
+        </p:cTn>
+      </p:par>
+    </p:tnLst>
+    <p:bldLst>
+      <p:bldP spid="8" grpId="0" animBg="1"/>
+      <p:bldP spid="12" grpId="0" animBg="1"/>
+      <p:bldP spid="16" grpId="0" animBg="1"/>
+      <p:bldP spid="23" grpId="0"/>
+      <p:bldP spid="25" grpId="0"/>
+      <p:bldP spid="26" grpId="0"/>
+    </p:bldLst>
   </p:timing>
 </p:sld>
 </file>

--- a/presentation/MDSD-Abschlusspraesentation.pptx
+++ b/presentation/MDSD-Abschlusspraesentation.pptx
@@ -5,10 +5,10 @@
     <p:sldMasterId id="2147483648" r:id="rId1"/>
   </p:sldMasterIdLst>
   <p:notesMasterIdLst>
-    <p:notesMasterId r:id="rId18"/>
+    <p:notesMasterId r:id="rId19"/>
   </p:notesMasterIdLst>
   <p:handoutMasterIdLst>
-    <p:handoutMasterId r:id="rId19"/>
+    <p:handoutMasterId r:id="rId20"/>
   </p:handoutMasterIdLst>
   <p:sldIdLst>
     <p:sldId id="256" r:id="rId2"/>
@@ -25,8 +25,9 @@
     <p:sldId id="305" r:id="rId13"/>
     <p:sldId id="306" r:id="rId14"/>
     <p:sldId id="307" r:id="rId15"/>
-    <p:sldId id="308" r:id="rId16"/>
-    <p:sldId id="304" r:id="rId17"/>
+    <p:sldId id="313" r:id="rId16"/>
+    <p:sldId id="308" r:id="rId17"/>
+    <p:sldId id="304" r:id="rId18"/>
   </p:sldIdLst>
   <p:sldSz cx="9144000" cy="6858000" type="screen4x3"/>
   <p:notesSz cx="6858000" cy="9144000"/>
@@ -144,6 +145,7 @@
             <p14:sldId id="305"/>
             <p14:sldId id="306"/>
             <p14:sldId id="307"/>
+            <p14:sldId id="313"/>
             <p14:sldId id="308"/>
             <p14:sldId id="304"/>
           </p14:sldIdLst>
@@ -236,7 +238,7 @@
           <a:p>
             <a:fld id="{36729675-C644-6E46-8A9C-6A4F26267E24}" type="datetimeFigureOut">
               <a:rPr lang="de-DE" smtClean="0"/>
-              <a:t>18.07.16</a:t>
+              <a:t>20.07.16</a:t>
             </a:fld>
             <a:endParaRPr lang="de-DE"/>
           </a:p>
@@ -402,7 +404,7 @@
           <a:p>
             <a:fld id="{0EA486D8-2136-344F-A443-C62CACD96E34}" type="datetimeFigureOut">
               <a:rPr lang="de-DE" smtClean="0"/>
-              <a:t>18.07.16</a:t>
+              <a:t>20.07.16</a:t>
             </a:fld>
             <a:endParaRPr lang="de-DE"/>
           </a:p>
@@ -874,7 +876,7 @@
                 <a:latin typeface="Fira Sans SemiBold Italic"/>
                 <a:cs typeface="Fira Sans SemiBold Italic"/>
               </a:rPr>
-              <a:t>Montag, 18. Juli 16</a:t>
+              <a:t>Mittwoch, 20. Juli 16</a:t>
             </a:fld>
             <a:endParaRPr lang="de-DE" b="0" i="0" dirty="0">
               <a:solidFill>
@@ -4791,6 +4793,201 @@
           <a:p>
             <a:r>
               <a:rPr lang="de-DE" dirty="0" smtClean="0"/>
+              <a:t>Vererbung für Interfaces</a:t>
+            </a:r>
+            <a:endParaRPr lang="de-DE" dirty="0"/>
+          </a:p>
+        </p:txBody>
+      </p:sp>
+      <p:sp>
+        <p:nvSpPr>
+          <p:cNvPr id="3" name="Inhaltsplatzhalter 2"/>
+          <p:cNvSpPr>
+            <a:spLocks noGrp="1"/>
+          </p:cNvSpPr>
+          <p:nvPr>
+            <p:ph idx="1"/>
+          </p:nvPr>
+        </p:nvSpPr>
+        <p:spPr/>
+        <p:txBody>
+          <a:bodyPr vert="horz" lIns="91440" tIns="45720" rIns="91440" bIns="45720" rtlCol="0">
+            <a:normAutofit/>
+          </a:bodyPr>
+          <a:lstStyle/>
+          <a:p>
+            <a:pPr>
+              <a:lnSpc>
+                <a:spcPct val="120000"/>
+              </a:lnSpc>
+              <a:spcAft>
+                <a:spcPts val="600"/>
+              </a:spcAft>
+            </a:pPr>
+            <a:r>
+              <a:rPr lang="de-DE" dirty="0"/>
+              <a:t>Anpassung im editor-</a:t>
+            </a:r>
+            <a:r>
+              <a:rPr lang="de-DE" dirty="0" err="1"/>
+              <a:t>Branch</a:t>
+            </a:r>
+            <a:endParaRPr lang="de-DE" dirty="0"/>
+          </a:p>
+          <a:p>
+            <a:pPr lvl="1">
+              <a:lnSpc>
+                <a:spcPct val="120000"/>
+              </a:lnSpc>
+              <a:spcAft>
+                <a:spcPts val="600"/>
+              </a:spcAft>
+            </a:pPr>
+            <a:r>
+              <a:rPr lang="de-DE" dirty="0">
+                <a:solidFill>
+                  <a:schemeClr val="bg1">
+                    <a:lumMod val="50000"/>
+                  </a:schemeClr>
+                </a:solidFill>
+              </a:rPr>
+              <a:t>Selbstreferenzierung von Interfaces</a:t>
+            </a:r>
+          </a:p>
+          <a:p>
+            <a:pPr>
+              <a:lnSpc>
+                <a:spcPct val="120000"/>
+              </a:lnSpc>
+              <a:spcAft>
+                <a:spcPts val="600"/>
+              </a:spcAft>
+            </a:pPr>
+            <a:r>
+              <a:rPr lang="de-DE" dirty="0"/>
+              <a:t>OCL-</a:t>
+            </a:r>
+            <a:r>
+              <a:rPr lang="de-DE" dirty="0" err="1"/>
+              <a:t>Constraint</a:t>
+            </a:r>
+            <a:r>
+              <a:rPr lang="de-DE" dirty="0"/>
+              <a:t> für zyklische Abhängigkeiten</a:t>
+            </a:r>
+          </a:p>
+          <a:p>
+            <a:pPr lvl="1">
+              <a:lnSpc>
+                <a:spcPct val="120000"/>
+              </a:lnSpc>
+              <a:spcAft>
+                <a:spcPts val="600"/>
+              </a:spcAft>
+            </a:pPr>
+            <a:r>
+              <a:rPr lang="de-DE" dirty="0">
+                <a:solidFill>
+                  <a:schemeClr val="bg1">
+                    <a:lumMod val="50000"/>
+                  </a:schemeClr>
+                </a:solidFill>
+              </a:rPr>
+              <a:t>direkte Selbstreferenz</a:t>
+            </a:r>
+          </a:p>
+          <a:p>
+            <a:pPr lvl="1">
+              <a:lnSpc>
+                <a:spcPct val="120000"/>
+              </a:lnSpc>
+              <a:spcAft>
+                <a:spcPts val="600"/>
+              </a:spcAft>
+            </a:pPr>
+            <a:r>
+              <a:rPr lang="de-DE" dirty="0">
+                <a:solidFill>
+                  <a:schemeClr val="bg1">
+                    <a:lumMod val="50000"/>
+                  </a:schemeClr>
+                </a:solidFill>
+              </a:rPr>
+              <a:t>rekursives Prüfen auf Schleifen</a:t>
+            </a:r>
+          </a:p>
+        </p:txBody>
+      </p:sp>
+      <p:sp>
+        <p:nvSpPr>
+          <p:cNvPr id="4" name="Foliennummernplatzhalter 3"/>
+          <p:cNvSpPr>
+            <a:spLocks noGrp="1"/>
+          </p:cNvSpPr>
+          <p:nvPr>
+            <p:ph type="sldNum" sz="quarter" idx="10"/>
+          </p:nvPr>
+        </p:nvSpPr>
+        <p:spPr/>
+        <p:txBody>
+          <a:bodyPr/>
+          <a:lstStyle/>
+          <a:p>
+            <a:fld id="{1215FA07-EE23-A948-A6ED-56C5FE5A7EE4}" type="slidenum">
+              <a:rPr lang="de-DE" smtClean="0"/>
+              <a:t>15</a:t>
+            </a:fld>
+            <a:endParaRPr lang="de-DE"/>
+          </a:p>
+        </p:txBody>
+      </p:sp>
+    </p:spTree>
+    <p:extLst>
+      <p:ext uri="{BB962C8B-B14F-4D97-AF65-F5344CB8AC3E}">
+        <p14:creationId xmlns:p14="http://schemas.microsoft.com/office/powerpoint/2010/main" val="1161926502"/>
+      </p:ext>
+    </p:extLst>
+  </p:cSld>
+  <p:clrMapOvr>
+    <a:masterClrMapping/>
+  </p:clrMapOvr>
+</p:sld>
+</file>
+
+<file path=ppt/slides/slide16.xml><?xml version="1.0" encoding="utf-8"?>
+<p:sld xmlns:a="http://schemas.openxmlformats.org/drawingml/2006/main" xmlns:r="http://schemas.openxmlformats.org/officeDocument/2006/relationships" xmlns:p="http://schemas.openxmlformats.org/presentationml/2006/main">
+  <p:cSld>
+    <p:spTree>
+      <p:nvGrpSpPr>
+        <p:cNvPr id="1" name=""/>
+        <p:cNvGrpSpPr/>
+        <p:nvPr/>
+      </p:nvGrpSpPr>
+      <p:grpSpPr>
+        <a:xfrm>
+          <a:off x="0" y="0"/>
+          <a:ext cx="0" cy="0"/>
+          <a:chOff x="0" y="0"/>
+          <a:chExt cx="0" cy="0"/>
+        </a:xfrm>
+      </p:grpSpPr>
+      <p:sp>
+        <p:nvSpPr>
+          <p:cNvPr id="2" name="Titel 1"/>
+          <p:cNvSpPr>
+            <a:spLocks noGrp="1"/>
+          </p:cNvSpPr>
+          <p:nvPr>
+            <p:ph type="title"/>
+          </p:nvPr>
+        </p:nvSpPr>
+        <p:spPr/>
+        <p:txBody>
+          <a:bodyPr/>
+          <a:lstStyle/>
+          <a:p>
+            <a:r>
+              <a:rPr lang="de-DE" dirty="0" smtClean="0"/>
               <a:t>Was haben wir bei dieser Aufgabe gelernt?</a:t>
             </a:r>
             <a:endParaRPr lang="de-DE" dirty="0"/>
@@ -4978,7 +5175,7 @@
           <a:p>
             <a:fld id="{1215FA07-EE23-A948-A6ED-56C5FE5A7EE4}" type="slidenum">
               <a:rPr lang="de-DE" smtClean="0"/>
-              <a:t>15</a:t>
+              <a:t>16</a:t>
             </a:fld>
             <a:endParaRPr lang="de-DE"/>
           </a:p>
@@ -5004,7 +5201,7 @@
 </p:sld>
 </file>
 
-<file path=ppt/slides/slide16.xml><?xml version="1.0" encoding="utf-8"?>
+<file path=ppt/slides/slide17.xml><?xml version="1.0" encoding="utf-8"?>
 <p:sld xmlns:a="http://schemas.openxmlformats.org/drawingml/2006/main" xmlns:r="http://schemas.openxmlformats.org/officeDocument/2006/relationships" xmlns:p="http://schemas.openxmlformats.org/presentationml/2006/main">
   <p:cSld>
     <p:spTree>

--- a/presentation/MDSD-Abschlusspraesentation.pptx
+++ b/presentation/MDSD-Abschlusspraesentation.pptx
@@ -3304,8 +3304,20 @@
           <a:lstStyle/>
           <a:p>
             <a:r>
+              <a:rPr lang="de-DE" dirty="0" err="1" smtClean="0"/>
+              <a:t>Lessons</a:t>
+            </a:r>
+            <a:r>
               <a:rPr lang="de-DE" dirty="0" smtClean="0"/>
-              <a:t>Was haben wir bei dieser Aufgabe gelernt?</a:t>
+              <a:t> </a:t>
+            </a:r>
+            <a:r>
+              <a:rPr lang="de-DE" dirty="0" err="1"/>
+              <a:t>L</a:t>
+            </a:r>
+            <a:r>
+              <a:rPr lang="de-DE" dirty="0" err="1" smtClean="0"/>
+              <a:t>earned</a:t>
             </a:r>
             <a:endParaRPr lang="de-DE" dirty="0"/>
           </a:p>
@@ -3323,13 +3335,13 @@
         </p:nvSpPr>
         <p:spPr>
           <a:xfrm>
-            <a:off x="693942" y="2099733"/>
-            <a:ext cx="7992858" cy="4026430"/>
+            <a:off x="693942" y="1492720"/>
+            <a:ext cx="7992858" cy="4633443"/>
           </a:xfrm>
         </p:spPr>
         <p:txBody>
           <a:bodyPr>
-            <a:normAutofit fontScale="92500" lnSpcReduction="20000"/>
+            <a:normAutofit/>
           </a:bodyPr>
           <a:lstStyle/>
           <a:p>
@@ -3709,7 +3721,7 @@
         </p:nvGrpSpPr>
         <p:grpSpPr>
           <a:xfrm>
-            <a:off x="745067" y="2184402"/>
+            <a:off x="475658" y="2184402"/>
             <a:ext cx="1774139" cy="2370665"/>
             <a:chOff x="-30004" y="2184402"/>
             <a:chExt cx="1774139" cy="2370665"/>
@@ -3808,7 +3820,7 @@
         </p:nvGrpSpPr>
         <p:grpSpPr>
           <a:xfrm>
-            <a:off x="2519206" y="2623235"/>
+            <a:off x="2442232" y="2623235"/>
             <a:ext cx="1683894" cy="1055595"/>
             <a:chOff x="60241" y="2184402"/>
             <a:chExt cx="1683894" cy="1055595"/>
@@ -3907,7 +3919,7 @@
         </p:nvGrpSpPr>
         <p:grpSpPr>
           <a:xfrm>
-            <a:off x="2519206" y="3729633"/>
+            <a:off x="2442232" y="3729633"/>
             <a:ext cx="1683894" cy="825434"/>
             <a:chOff x="60241" y="2184403"/>
             <a:chExt cx="1683894" cy="825434"/>
@@ -4826,7 +4838,18 @@
             </a:pPr>
             <a:r>
               <a:rPr lang="de-DE" dirty="0"/>
-              <a:t>Anpassung im editor-</a:t>
+              <a:t>Anpassung im </a:t>
+            </a:r>
+            <a:r>
+              <a:rPr lang="de-DE" dirty="0">
+                <a:latin typeface="Fira Mono OT"/>
+                <a:cs typeface="Fira Mono OT"/>
+              </a:rPr>
+              <a:t>editor</a:t>
+            </a:r>
+            <a:r>
+              <a:rPr lang="de-DE" dirty="0"/>
+              <a:t>-</a:t>
             </a:r>
             <a:r>
               <a:rPr lang="de-DE" dirty="0" err="1"/>
@@ -4951,6 +4974,13 @@
   <p:clrMapOvr>
     <a:masterClrMapping/>
   </p:clrMapOvr>
+  <p:timing>
+    <p:tnLst>
+      <p:par>
+        <p:cTn xmlns:p14="http://schemas.microsoft.com/office/powerpoint/2010/main" id="1" dur="indefinite" restart="never" nodeType="tmRoot"/>
+      </p:par>
+    </p:tnLst>
+  </p:timing>
 </p:sld>
 </file>
 
@@ -4987,8 +5017,16 @@
           <a:lstStyle/>
           <a:p>
             <a:r>
+              <a:rPr lang="de-DE" dirty="0" err="1" smtClean="0"/>
+              <a:t>Lessons</a:t>
+            </a:r>
+            <a:r>
               <a:rPr lang="de-DE" dirty="0" smtClean="0"/>
-              <a:t>Was haben wir bei dieser Aufgabe gelernt?</a:t>
+              <a:t> </a:t>
+            </a:r>
+            <a:r>
+              <a:rPr lang="de-DE" dirty="0" err="1" smtClean="0"/>
+              <a:t>Learned</a:t>
             </a:r>
             <a:endParaRPr lang="de-DE" dirty="0"/>
           </a:p>
@@ -5006,8 +5044,8 @@
         </p:nvSpPr>
         <p:spPr>
           <a:xfrm>
-            <a:off x="693942" y="2099733"/>
-            <a:ext cx="7992858" cy="4026430"/>
+            <a:off x="693942" y="1492720"/>
+            <a:ext cx="7992858" cy="4633443"/>
           </a:xfrm>
         </p:spPr>
         <p:txBody>
@@ -6274,7 +6312,10 @@
               <a:t>Ausführen des </a:t>
             </a:r>
             <a:r>
-              <a:rPr lang="de-DE" dirty="0" err="1" smtClean="0"/>
+              <a:rPr lang="de-DE" dirty="0" err="1" smtClean="0">
+                <a:latin typeface="Fira Mono OT"/>
+                <a:cs typeface="Fira Mono OT"/>
+              </a:rPr>
               <a:t>IGenerator</a:t>
             </a:r>
             <a:r>
@@ -7420,10 +7461,20 @@
             </a:r>
             <a:r>
               <a:rPr lang="de-DE" dirty="0" smtClean="0"/>
-              <a:t> des .</a:t>
-            </a:r>
-            <a:r>
-              <a:rPr lang="de-DE" dirty="0" err="1" smtClean="0"/>
+              <a:t> des </a:t>
+            </a:r>
+            <a:r>
+              <a:rPr lang="de-DE" dirty="0" smtClean="0">
+                <a:latin typeface="Fira Mono OT"/>
+                <a:cs typeface="Fira Mono OT"/>
+              </a:rPr>
+              <a:t>.</a:t>
+            </a:r>
+            <a:r>
+              <a:rPr lang="de-DE" dirty="0" err="1" smtClean="0">
+                <a:latin typeface="Fira Mono OT"/>
+                <a:cs typeface="Fira Mono OT"/>
+              </a:rPr>
               <a:t>ecore</a:t>
             </a:r>
             <a:r>

--- a/presentation/MDSD-Abschlusspraesentation.pptx
+++ b/presentation/MDSD-Abschlusspraesentation.pptx
@@ -3341,7 +3341,7 @@
         </p:spPr>
         <p:txBody>
           <a:bodyPr>
-            <a:normAutofit/>
+            <a:normAutofit fontScale="92500" lnSpcReduction="20000"/>
           </a:bodyPr>
           <a:lstStyle/>
           <a:p>
@@ -3419,8 +3419,27 @@
             </a:pPr>
             <a:r>
               <a:rPr lang="de-DE" dirty="0" smtClean="0"/>
-              <a:t>einige unschöne Workarounds</a:t>
-            </a:r>
+              <a:t>einige unschöne </a:t>
+            </a:r>
+            <a:r>
+              <a:rPr lang="de-DE" dirty="0" smtClean="0"/>
+              <a:t>Workarounds</a:t>
+            </a:r>
+          </a:p>
+          <a:p>
+            <a:pPr>
+              <a:lnSpc>
+                <a:spcPct val="120000"/>
+              </a:lnSpc>
+              <a:spcAft>
+                <a:spcPts val="600"/>
+              </a:spcAft>
+            </a:pPr>
+            <a:r>
+              <a:rPr lang="de-DE" dirty="0" smtClean="0"/>
+              <a:t>Templates sind eine gute Sache</a:t>
+            </a:r>
+            <a:endParaRPr lang="de-DE" dirty="0" smtClean="0"/>
           </a:p>
         </p:txBody>
       </p:sp>

--- a/presentation/MDSD-Abschlusspraesentation.pptx
+++ b/presentation/MDSD-Abschlusspraesentation.pptx
@@ -5,29 +5,33 @@
     <p:sldMasterId id="2147483648" r:id="rId1"/>
   </p:sldMasterIdLst>
   <p:notesMasterIdLst>
-    <p:notesMasterId r:id="rId19"/>
+    <p:notesMasterId r:id="rId23"/>
   </p:notesMasterIdLst>
   <p:handoutMasterIdLst>
-    <p:handoutMasterId r:id="rId20"/>
+    <p:handoutMasterId r:id="rId24"/>
   </p:handoutMasterIdLst>
   <p:sldIdLst>
-    <p:sldId id="256" r:id="rId2"/>
-    <p:sldId id="299" r:id="rId3"/>
-    <p:sldId id="298" r:id="rId4"/>
-    <p:sldId id="300" r:id="rId5"/>
-    <p:sldId id="301" r:id="rId6"/>
-    <p:sldId id="302" r:id="rId7"/>
-    <p:sldId id="309" r:id="rId8"/>
-    <p:sldId id="310" r:id="rId9"/>
-    <p:sldId id="312" r:id="rId10"/>
-    <p:sldId id="311" r:id="rId11"/>
-    <p:sldId id="303" r:id="rId12"/>
-    <p:sldId id="305" r:id="rId13"/>
-    <p:sldId id="306" r:id="rId14"/>
-    <p:sldId id="307" r:id="rId15"/>
-    <p:sldId id="313" r:id="rId16"/>
-    <p:sldId id="308" r:id="rId17"/>
-    <p:sldId id="304" r:id="rId18"/>
+    <p:sldId id="314" r:id="rId2"/>
+    <p:sldId id="315" r:id="rId3"/>
+    <p:sldId id="316" r:id="rId4"/>
+    <p:sldId id="298" r:id="rId5"/>
+    <p:sldId id="300" r:id="rId6"/>
+    <p:sldId id="317" r:id="rId7"/>
+    <p:sldId id="301" r:id="rId8"/>
+    <p:sldId id="318" r:id="rId9"/>
+    <p:sldId id="319" r:id="rId10"/>
+    <p:sldId id="302" r:id="rId11"/>
+    <p:sldId id="309" r:id="rId12"/>
+    <p:sldId id="310" r:id="rId13"/>
+    <p:sldId id="312" r:id="rId14"/>
+    <p:sldId id="311" r:id="rId15"/>
+    <p:sldId id="303" r:id="rId16"/>
+    <p:sldId id="305" r:id="rId17"/>
+    <p:sldId id="306" r:id="rId18"/>
+    <p:sldId id="307" r:id="rId19"/>
+    <p:sldId id="313" r:id="rId20"/>
+    <p:sldId id="308" r:id="rId21"/>
+    <p:sldId id="304" r:id="rId22"/>
   </p:sldIdLst>
   <p:sldSz cx="9144000" cy="6858000" type="screen4x3"/>
   <p:notesSz cx="6858000" cy="9144000"/>
@@ -131,11 +135,15 @@
       <p14:sectionLst xmlns:p14="http://schemas.microsoft.com/office/powerpoint/2010/main">
         <p14:section name="Standardabschnitt" id="{D574FB51-1A4B-3A45-BE68-3A5A218ACA2E}">
           <p14:sldIdLst>
-            <p14:sldId id="256"/>
-            <p14:sldId id="299"/>
+            <p14:sldId id="314"/>
+            <p14:sldId id="315"/>
+            <p14:sldId id="316"/>
             <p14:sldId id="298"/>
             <p14:sldId id="300"/>
+            <p14:sldId id="317"/>
             <p14:sldId id="301"/>
+            <p14:sldId id="318"/>
+            <p14:sldId id="319"/>
             <p14:sldId id="302"/>
             <p14:sldId id="309"/>
             <p14:sldId id="310"/>
@@ -151,6 +159,20 @@
           </p14:sldIdLst>
         </p14:section>
       </p14:sectionLst>
+    </p:ext>
+    <p:ext uri="{EFAFB233-063F-42B5-8137-9DF3F51BA10A}">
+      <p15:sldGuideLst xmlns:p15="http://schemas.microsoft.com/office/powerpoint/2012/main">
+        <p15:guide id="1" orient="horz" pos="2160">
+          <p15:clr>
+            <a:srgbClr val="A4A3A4"/>
+          </p15:clr>
+        </p15:guide>
+        <p15:guide id="2" pos="2880">
+          <p15:clr>
+            <a:srgbClr val="A4A3A4"/>
+          </p15:clr>
+        </p15:guide>
+      </p15:sldGuideLst>
     </p:ext>
   </p:extLst>
 </p:presentation>
@@ -238,7 +260,7 @@
           <a:p>
             <a:fld id="{36729675-C644-6E46-8A9C-6A4F26267E24}" type="datetimeFigureOut">
               <a:rPr lang="de-DE" smtClean="0"/>
-              <a:t>20.07.16</a:t>
+              <a:t>20.07.2016</a:t>
             </a:fld>
             <a:endParaRPr lang="de-DE"/>
           </a:p>
@@ -404,7 +426,7 @@
           <a:p>
             <a:fld id="{0EA486D8-2136-344F-A443-C62CACD96E34}" type="datetimeFigureOut">
               <a:rPr lang="de-DE" smtClean="0"/>
-              <a:t>20.07.16</a:t>
+              <a:t>20.07.2016</a:t>
             </a:fld>
             <a:endParaRPr lang="de-DE"/>
           </a:p>
@@ -876,7 +898,7 @@
                 <a:latin typeface="Fira Sans SemiBold Italic"/>
                 <a:cs typeface="Fira Sans SemiBold Italic"/>
               </a:rPr>
-              <a:t>Mittwoch, 20. Juli 16</a:t>
+              <a:t>Mittwoch, 20. Juli 2016</a:t>
             </a:fld>
             <a:endParaRPr lang="de-DE" b="0" i="0" dirty="0">
               <a:solidFill>
@@ -967,7 +989,7 @@
   <p:timing>
     <p:tnLst>
       <p:par>
-        <p:cTn xmlns:p14="http://schemas.microsoft.com/office/powerpoint/2010/main" id="1" dur="indefinite" restart="never" nodeType="tmRoot"/>
+        <p:cTn id="1" dur="indefinite" restart="never" nodeType="tmRoot"/>
       </p:par>
     </p:tnLst>
   </p:timing>
@@ -1133,7 +1155,7 @@
   <p:timing>
     <p:tnLst>
       <p:par>
-        <p:cTn xmlns:p14="http://schemas.microsoft.com/office/powerpoint/2010/main" id="1" dur="indefinite" restart="never" nodeType="tmRoot">
+        <p:cTn id="1" dur="indefinite" restart="never" nodeType="tmRoot">
           <p:childTnLst>
             <p:seq concurrent="1" nextAc="seek">
               <p:cTn id="2" dur="indefinite" nodeType="mainSeq">
@@ -1338,7 +1360,7 @@
           <p:tmpl lvl="1">
             <p:tnLst>
               <p:par>
-                <p:cTn xmlns:p14="http://schemas.microsoft.com/office/powerpoint/2010/main" presetID="1" presetClass="entr" presetSubtype="0" fill="hold" nodeType="clickEffect">
+                <p:cTn presetID="1" presetClass="entr" presetSubtype="0" fill="hold" nodeType="clickEffect">
                   <p:stCondLst>
                     <p:cond delay="0"/>
                   </p:stCondLst>
@@ -1369,7 +1391,7 @@
           <p:tmpl lvl="2">
             <p:tnLst>
               <p:par>
-                <p:cTn xmlns:p14="http://schemas.microsoft.com/office/powerpoint/2010/main" presetID="1" presetClass="entr" presetSubtype="0" fill="hold" nodeType="withEffect">
+                <p:cTn presetID="1" presetClass="entr" presetSubtype="0" fill="hold" nodeType="withEffect">
                   <p:stCondLst>
                     <p:cond delay="0"/>
                   </p:stCondLst>
@@ -1400,7 +1422,7 @@
           <p:tmpl lvl="3">
             <p:tnLst>
               <p:par>
-                <p:cTn xmlns:p14="http://schemas.microsoft.com/office/powerpoint/2010/main" presetID="1" presetClass="entr" presetSubtype="0" fill="hold" nodeType="withEffect">
+                <p:cTn presetID="1" presetClass="entr" presetSubtype="0" fill="hold" nodeType="withEffect">
                   <p:stCondLst>
                     <p:cond delay="0"/>
                   </p:stCondLst>
@@ -1431,7 +1453,7 @@
           <p:tmpl lvl="4">
             <p:tnLst>
               <p:par>
-                <p:cTn xmlns:p14="http://schemas.microsoft.com/office/powerpoint/2010/main" presetID="1" presetClass="entr" presetSubtype="0" fill="hold" nodeType="withEffect">
+                <p:cTn presetID="1" presetClass="entr" presetSubtype="0" fill="hold" nodeType="withEffect">
                   <p:stCondLst>
                     <p:cond delay="0"/>
                   </p:stCondLst>
@@ -1462,7 +1484,7 @@
           <p:tmpl lvl="5">
             <p:tnLst>
               <p:par>
-                <p:cTn xmlns:p14="http://schemas.microsoft.com/office/powerpoint/2010/main" presetID="1" presetClass="entr" presetSubtype="0" fill="hold" nodeType="withEffect">
+                <p:cTn presetID="1" presetClass="entr" presetSubtype="0" fill="hold" nodeType="withEffect">
                   <p:stCondLst>
                     <p:cond delay="0"/>
                   </p:stCondLst>
@@ -2626,7 +2648,7 @@
   <p:timing>
     <p:tnLst>
       <p:par>
-        <p:cTn xmlns:p14="http://schemas.microsoft.com/office/powerpoint/2010/main" id="1" dur="indefinite" restart="never" nodeType="tmRoot">
+        <p:cTn id="1" dur="indefinite" restart="never" nodeType="tmRoot">
           <p:childTnLst>
             <p:seq concurrent="1" nextAc="seek">
               <p:cTn id="2" dur="indefinite" nodeType="mainSeq">
@@ -2907,7 +2929,7 @@
   <p:timing>
     <p:tnLst>
       <p:par>
-        <p:cTn xmlns:p14="http://schemas.microsoft.com/office/powerpoint/2010/main" id="1" dur="indefinite" restart="never" nodeType="tmRoot"/>
+        <p:cTn id="1" dur="indefinite" restart="never" nodeType="tmRoot"/>
       </p:par>
     </p:tnLst>
   </p:timing>
@@ -3243,28 +3265,64 @@
           </a:p>
         </p:txBody>
       </p:sp>
+      <p:sp>
+        <p:nvSpPr>
+          <p:cNvPr id="4" name="Textfeld 3"/>
+          <p:cNvSpPr txBox="1"/>
+          <p:nvPr/>
+        </p:nvSpPr>
+        <p:spPr>
+          <a:xfrm>
+            <a:off x="379704" y="5508784"/>
+            <a:ext cx="5000016" cy="369332"/>
+          </a:xfrm>
+          <a:prstGeom prst="rect">
+            <a:avLst/>
+          </a:prstGeom>
+          <a:noFill/>
+        </p:spPr>
+        <p:txBody>
+          <a:bodyPr wrap="square" rtlCol="0">
+            <a:spAutoFit/>
+          </a:bodyPr>
+          <a:lstStyle/>
+          <a:p>
+            <a:r>
+              <a:rPr lang="de-DE" dirty="0" smtClean="0">
+                <a:latin typeface="Fira Sans" panose="020B0503050000020004" pitchFamily="34" charset="0"/>
+                <a:ea typeface="Fira Sans" panose="020B0503050000020004" pitchFamily="34" charset="0"/>
+              </a:rPr>
+              <a:t>Benjamin, Daniel &amp; Marc</a:t>
+            </a:r>
+            <a:endParaRPr lang="de-DE" dirty="0">
+              <a:latin typeface="Fira Sans" panose="020B0503050000020004" pitchFamily="34" charset="0"/>
+              <a:ea typeface="Fira Sans" panose="020B0503050000020004" pitchFamily="34" charset="0"/>
+            </a:endParaRPr>
+          </a:p>
+        </p:txBody>
+      </p:sp>
     </p:spTree>
     <p:extLst>
       <p:ext uri="{BB962C8B-B14F-4D97-AF65-F5344CB8AC3E}">
-        <p14:creationId xmlns:p14="http://schemas.microsoft.com/office/powerpoint/2010/main" val="3507221496"/>
+        <p14:creationId xmlns:p14="http://schemas.microsoft.com/office/powerpoint/2010/main" val="1806369775"/>
       </p:ext>
     </p:extLst>
   </p:cSld>
   <p:clrMapOvr>
     <a:masterClrMapping/>
   </p:clrMapOvr>
-  <mc:AlternateContent xmlns:mc="http://schemas.openxmlformats.org/markup-compatibility/2006" xmlns:p14="http://schemas.microsoft.com/office/powerpoint/2010/main">
-    <mc:Choice Requires="p14">
+  <mc:AlternateContent xmlns:mc="http://schemas.openxmlformats.org/markup-compatibility/2006">
+    <mc:Choice xmlns:p14="http://schemas.microsoft.com/office/powerpoint/2010/main" Requires="p14">
       <p:transition spd="slow" p14:dur="2000"/>
     </mc:Choice>
-    <mc:Fallback xmlns="">
-      <p:transition xmlns:p14="http://schemas.microsoft.com/office/powerpoint/2010/main" spd="slow"/>
+    <mc:Fallback>
+      <p:transition spd="slow"/>
     </mc:Fallback>
   </mc:AlternateContent>
   <p:timing>
     <p:tnLst>
       <p:par>
-        <p:cTn xmlns:p14="http://schemas.microsoft.com/office/powerpoint/2010/main" id="1" dur="indefinite" restart="never" nodeType="tmRoot"/>
+        <p:cTn id="1" dur="indefinite" restart="never" nodeType="tmRoot"/>
       </p:par>
     </p:tnLst>
   </p:timing>
@@ -3304,172 +3362,17 @@
           <a:lstStyle/>
           <a:p>
             <a:r>
-              <a:rPr lang="de-DE" dirty="0" err="1" smtClean="0"/>
-              <a:t>Lessons</a:t>
-            </a:r>
-            <a:r>
               <a:rPr lang="de-DE" dirty="0" smtClean="0"/>
-              <a:t> </a:t>
-            </a:r>
-            <a:r>
-              <a:rPr lang="de-DE" dirty="0" err="1"/>
-              <a:t>L</a:t>
-            </a:r>
-            <a:r>
-              <a:rPr lang="de-DE" dirty="0" err="1" smtClean="0"/>
-              <a:t>earned</a:t>
+              <a:t>Code-Generierung</a:t>
             </a:r>
             <a:endParaRPr lang="de-DE" dirty="0"/>
-          </a:p>
-        </p:txBody>
-      </p:sp>
-      <p:sp>
-        <p:nvSpPr>
-          <p:cNvPr id="3" name="Inhaltsplatzhalter 2"/>
-          <p:cNvSpPr>
-            <a:spLocks noGrp="1"/>
-          </p:cNvSpPr>
-          <p:nvPr>
-            <p:ph idx="1"/>
-          </p:nvPr>
-        </p:nvSpPr>
-        <p:spPr>
-          <a:xfrm>
-            <a:off x="693942" y="1492720"/>
-            <a:ext cx="7992858" cy="4633443"/>
-          </a:xfrm>
-        </p:spPr>
-        <p:txBody>
-          <a:bodyPr>
-            <a:normAutofit fontScale="92500" lnSpcReduction="20000"/>
-          </a:bodyPr>
-          <a:lstStyle/>
-          <a:p>
-            <a:pPr>
-              <a:lnSpc>
-                <a:spcPct val="120000"/>
-              </a:lnSpc>
-              <a:spcAft>
-                <a:spcPts val="600"/>
-              </a:spcAft>
-            </a:pPr>
-            <a:r>
-              <a:rPr lang="de-DE" dirty="0" smtClean="0"/>
-              <a:t>Dokumentation zeigt oft nur „einfache“ Beispiele ohne Eingabemodelle</a:t>
-            </a:r>
-          </a:p>
-          <a:p>
-            <a:pPr lvl="1">
-              <a:lnSpc>
-                <a:spcPct val="120000"/>
-              </a:lnSpc>
-              <a:spcAft>
-                <a:spcPts val="600"/>
-              </a:spcAft>
-            </a:pPr>
-            <a:r>
-              <a:rPr lang="de-DE" dirty="0" smtClean="0"/>
-              <a:t>lange Fehlersuche</a:t>
-            </a:r>
-          </a:p>
-          <a:p>
-            <a:pPr lvl="1">
-              <a:lnSpc>
-                <a:spcPct val="120000"/>
-              </a:lnSpc>
-              <a:spcAft>
-                <a:spcPts val="600"/>
-              </a:spcAft>
-            </a:pPr>
-            <a:r>
-              <a:rPr lang="de-DE" dirty="0" smtClean="0"/>
-              <a:t>viel „Ausprobieren“</a:t>
-            </a:r>
-          </a:p>
-          <a:p>
-            <a:pPr>
-              <a:lnSpc>
-                <a:spcPct val="120000"/>
-              </a:lnSpc>
-              <a:spcAft>
-                <a:spcPts val="600"/>
-              </a:spcAft>
-            </a:pPr>
-            <a:r>
-              <a:rPr lang="de-DE" dirty="0" smtClean="0"/>
-              <a:t>Handhabung von Zeilenumbrüchen mit </a:t>
-            </a:r>
-            <a:r>
-              <a:rPr lang="de-DE" dirty="0" err="1" smtClean="0"/>
-              <a:t>Xtend</a:t>
-            </a:r>
-            <a:r>
-              <a:rPr lang="de-DE" dirty="0" smtClean="0"/>
-              <a:t> recht aufwendig</a:t>
-            </a:r>
-          </a:p>
-          <a:p>
-            <a:pPr lvl="1">
-              <a:lnSpc>
-                <a:spcPct val="120000"/>
-              </a:lnSpc>
-              <a:spcAft>
-                <a:spcPts val="600"/>
-              </a:spcAft>
-            </a:pPr>
-            <a:r>
-              <a:rPr lang="de-DE" dirty="0" smtClean="0"/>
-              <a:t>einige unschöne </a:t>
-            </a:r>
-            <a:r>
-              <a:rPr lang="de-DE" dirty="0" smtClean="0"/>
-              <a:t>Workarounds</a:t>
-            </a:r>
-          </a:p>
-          <a:p>
-            <a:pPr>
-              <a:lnSpc>
-                <a:spcPct val="120000"/>
-              </a:lnSpc>
-              <a:spcAft>
-                <a:spcPts val="600"/>
-              </a:spcAft>
-            </a:pPr>
-            <a:r>
-              <a:rPr lang="de-DE" dirty="0" smtClean="0"/>
-              <a:t>Templates sind eine gute Sache</a:t>
-            </a:r>
-            <a:endParaRPr lang="de-DE" dirty="0" smtClean="0"/>
-          </a:p>
-        </p:txBody>
-      </p:sp>
-      <p:sp>
-        <p:nvSpPr>
-          <p:cNvPr id="4" name="Foliennummernplatzhalter 3"/>
-          <p:cNvSpPr>
-            <a:spLocks noGrp="1"/>
-          </p:cNvSpPr>
-          <p:nvPr>
-            <p:ph type="sldNum" sz="quarter" idx="10"/>
-          </p:nvPr>
-        </p:nvSpPr>
-        <p:spPr/>
-        <p:txBody>
-          <a:bodyPr/>
-          <a:lstStyle/>
-          <a:p>
-            <a:fld id="{1215FA07-EE23-A948-A6ED-56C5FE5A7EE4}" type="slidenum">
-              <a:rPr lang="de-DE" smtClean="0"/>
-              <a:t>10</a:t>
-            </a:fld>
-            <a:endParaRPr lang="de-DE"/>
           </a:p>
         </p:txBody>
       </p:sp>
     </p:spTree>
     <p:extLst>
       <p:ext uri="{BB962C8B-B14F-4D97-AF65-F5344CB8AC3E}">
-        <p14:creationId xmlns:p14="http://schemas.microsoft.com/office/powerpoint/2010/main" val="2815964202"/>
+        <p14:creationId xmlns:p14="http://schemas.microsoft.com/office/powerpoint/2010/main" val="2641901798"/>
       </p:ext>
     </p:extLst>
   </p:cSld>
@@ -3479,7 +3382,7 @@
   <p:timing>
     <p:tnLst>
       <p:par>
-        <p:cTn xmlns:p14="http://schemas.microsoft.com/office/powerpoint/2010/main" id="1" dur="indefinite" restart="never" nodeType="tmRoot"/>
+        <p:cTn id="1" dur="indefinite" restart="never" nodeType="tmRoot"/>
       </p:par>
     </p:tnLst>
   </p:timing>
@@ -3487,6 +3390,214 @@
 </file>
 
 <file path=ppt/slides/slide11.xml><?xml version="1.0" encoding="utf-8"?>
+<p:sld xmlns:a="http://schemas.openxmlformats.org/drawingml/2006/main" xmlns:r="http://schemas.openxmlformats.org/officeDocument/2006/relationships" xmlns:p="http://schemas.openxmlformats.org/presentationml/2006/main">
+  <p:cSld>
+    <p:spTree>
+      <p:nvGrpSpPr>
+        <p:cNvPr id="1" name=""/>
+        <p:cNvGrpSpPr/>
+        <p:nvPr/>
+      </p:nvGrpSpPr>
+      <p:grpSpPr>
+        <a:xfrm>
+          <a:off x="0" y="0"/>
+          <a:ext cx="0" cy="0"/>
+          <a:chOff x="0" y="0"/>
+          <a:chExt cx="0" cy="0"/>
+        </a:xfrm>
+      </p:grpSpPr>
+      <p:sp>
+        <p:nvSpPr>
+          <p:cNvPr id="3" name="Titel 2"/>
+          <p:cNvSpPr>
+            <a:spLocks noGrp="1"/>
+          </p:cNvSpPr>
+          <p:nvPr>
+            <p:ph type="title"/>
+          </p:nvPr>
+        </p:nvSpPr>
+        <p:spPr/>
+        <p:txBody>
+          <a:bodyPr/>
+          <a:lstStyle/>
+          <a:p>
+            <a:r>
+              <a:rPr lang="de-DE" dirty="0" smtClean="0"/>
+              <a:t>Probleme mit MWE2-Workflow</a:t>
+            </a:r>
+            <a:endParaRPr lang="de-DE" dirty="0"/>
+          </a:p>
+        </p:txBody>
+      </p:sp>
+      <p:sp>
+        <p:nvSpPr>
+          <p:cNvPr id="4" name="Inhaltsplatzhalter 3"/>
+          <p:cNvSpPr>
+            <a:spLocks noGrp="1"/>
+          </p:cNvSpPr>
+          <p:nvPr>
+            <p:ph idx="1"/>
+          </p:nvPr>
+        </p:nvSpPr>
+        <p:spPr/>
+        <p:txBody>
+          <a:bodyPr vert="horz" lIns="91440" tIns="45720" rIns="91440" bIns="45720" rtlCol="0">
+            <a:normAutofit/>
+          </a:bodyPr>
+          <a:lstStyle/>
+          <a:p>
+            <a:pPr>
+              <a:lnSpc>
+                <a:spcPct val="120000"/>
+              </a:lnSpc>
+              <a:spcAft>
+                <a:spcPts val="600"/>
+              </a:spcAft>
+            </a:pPr>
+            <a:r>
+              <a:rPr lang="de-DE" dirty="0"/>
+              <a:t>OCL muss in </a:t>
+            </a:r>
+            <a:r>
+              <a:rPr lang="de-DE" dirty="0" err="1"/>
+              <a:t>Standalone</a:t>
+            </a:r>
+            <a:r>
+              <a:rPr lang="de-DE" dirty="0"/>
+              <a:t> Umgebung manuell initialisiert werden</a:t>
+            </a:r>
+          </a:p>
+          <a:p>
+            <a:pPr lvl="1">
+              <a:lnSpc>
+                <a:spcPct val="120000"/>
+              </a:lnSpc>
+              <a:spcAft>
+                <a:spcPts val="600"/>
+              </a:spcAft>
+            </a:pPr>
+            <a:r>
+              <a:rPr lang="de-DE" dirty="0">
+                <a:solidFill>
+                  <a:schemeClr val="bg1">
+                    <a:lumMod val="50000"/>
+                  </a:schemeClr>
+                </a:solidFill>
+              </a:rPr>
+              <a:t>Ort der Initialisierung geht aus Dokumentation nicht genau hervor</a:t>
+            </a:r>
+          </a:p>
+          <a:p>
+            <a:pPr>
+              <a:lnSpc>
+                <a:spcPct val="120000"/>
+              </a:lnSpc>
+              <a:spcAft>
+                <a:spcPts val="600"/>
+              </a:spcAft>
+            </a:pPr>
+            <a:r>
+              <a:rPr lang="de-DE" dirty="0"/>
+              <a:t>Workflow lässt sich nicht ausführen</a:t>
+            </a:r>
+          </a:p>
+          <a:p>
+            <a:pPr lvl="1">
+              <a:lnSpc>
+                <a:spcPct val="120000"/>
+              </a:lnSpc>
+              <a:spcAft>
+                <a:spcPts val="600"/>
+              </a:spcAft>
+            </a:pPr>
+            <a:r>
+              <a:rPr lang="de-DE" dirty="0">
+                <a:solidFill>
+                  <a:schemeClr val="bg1">
+                    <a:lumMod val="50000"/>
+                  </a:schemeClr>
+                </a:solidFill>
+              </a:rPr>
+              <a:t>OCL </a:t>
+            </a:r>
+            <a:r>
+              <a:rPr lang="de-DE" dirty="0" err="1">
+                <a:solidFill>
+                  <a:schemeClr val="bg1">
+                    <a:lumMod val="50000"/>
+                  </a:schemeClr>
+                </a:solidFill>
+              </a:rPr>
+              <a:t>Constraints</a:t>
+            </a:r>
+            <a:r>
+              <a:rPr lang="de-DE" dirty="0">
+                <a:solidFill>
+                  <a:schemeClr val="bg1">
+                    <a:lumMod val="50000"/>
+                  </a:schemeClr>
+                </a:solidFill>
+              </a:rPr>
+              <a:t> im </a:t>
+            </a:r>
+            <a:r>
+              <a:rPr lang="de-DE" dirty="0">
+                <a:solidFill>
+                  <a:schemeClr val="bg1">
+                    <a:lumMod val="50000"/>
+                  </a:schemeClr>
+                </a:solidFill>
+                <a:latin typeface="Fira Mono OT"/>
+                <a:cs typeface="Fira Mono OT"/>
+              </a:rPr>
+              <a:t>.</a:t>
+            </a:r>
+            <a:r>
+              <a:rPr lang="de-DE" dirty="0" err="1">
+                <a:solidFill>
+                  <a:schemeClr val="bg1">
+                    <a:lumMod val="50000"/>
+                  </a:schemeClr>
+                </a:solidFill>
+                <a:latin typeface="Fira Mono OT"/>
+                <a:cs typeface="Fira Mono OT"/>
+              </a:rPr>
+              <a:t>ecore</a:t>
+            </a:r>
+            <a:r>
+              <a:rPr lang="de-DE" dirty="0">
+                <a:solidFill>
+                  <a:schemeClr val="bg1">
+                    <a:lumMod val="50000"/>
+                  </a:schemeClr>
+                </a:solidFill>
+              </a:rPr>
+              <a:t>-Modell können nicht interpretiert werden</a:t>
+            </a:r>
+          </a:p>
+        </p:txBody>
+      </p:sp>
+    </p:spTree>
+    <p:extLst>
+      <p:ext uri="{BB962C8B-B14F-4D97-AF65-F5344CB8AC3E}">
+        <p14:creationId xmlns:p14="http://schemas.microsoft.com/office/powerpoint/2010/main" val="2834062446"/>
+      </p:ext>
+    </p:extLst>
+  </p:cSld>
+  <p:clrMapOvr>
+    <a:masterClrMapping/>
+  </p:clrMapOvr>
+  <p:timing>
+    <p:tnLst>
+      <p:par>
+        <p:cTn id="1" dur="indefinite" restart="never" nodeType="tmRoot"/>
+      </p:par>
+    </p:tnLst>
+  </p:timing>
+</p:sld>
+</file>
+
+<file path=ppt/slides/slide12.xml><?xml version="1.0" encoding="utf-8"?>
 <p:sld xmlns:a="http://schemas.openxmlformats.org/drawingml/2006/main" xmlns:r="http://schemas.openxmlformats.org/officeDocument/2006/relationships" xmlns:p="http://schemas.openxmlformats.org/presentationml/2006/main">
   <p:cSld>
     <p:spTree>
@@ -3520,6 +3631,2405 @@
           <a:p>
             <a:r>
               <a:rPr lang="de-DE" dirty="0" smtClean="0"/>
+              <a:t>Alternative</a:t>
+            </a:r>
+            <a:endParaRPr lang="de-DE" dirty="0"/>
+          </a:p>
+        </p:txBody>
+      </p:sp>
+      <p:sp>
+        <p:nvSpPr>
+          <p:cNvPr id="4" name="Foliennummernplatzhalter 3"/>
+          <p:cNvSpPr>
+            <a:spLocks noGrp="1"/>
+          </p:cNvSpPr>
+          <p:nvPr>
+            <p:ph type="sldNum" sz="quarter" idx="10"/>
+          </p:nvPr>
+        </p:nvSpPr>
+        <p:spPr/>
+        <p:txBody>
+          <a:bodyPr/>
+          <a:lstStyle/>
+          <a:p>
+            <a:fld id="{1215FA07-EE23-A948-A6ED-56C5FE5A7EE4}" type="slidenum">
+              <a:rPr lang="de-DE" smtClean="0"/>
+              <a:t>12</a:t>
+            </a:fld>
+            <a:endParaRPr lang="de-DE"/>
+          </a:p>
+        </p:txBody>
+      </p:sp>
+      <p:grpSp>
+        <p:nvGrpSpPr>
+          <p:cNvPr id="7" name="Gruppierung 6"/>
+          <p:cNvGrpSpPr/>
+          <p:nvPr/>
+        </p:nvGrpSpPr>
+        <p:grpSpPr>
+          <a:xfrm>
+            <a:off x="6574012" y="2034285"/>
+            <a:ext cx="1908213" cy="1174581"/>
+            <a:chOff x="6574012" y="2082800"/>
+            <a:chExt cx="1908213" cy="1174581"/>
+          </a:xfrm>
+        </p:grpSpPr>
+        <p:sp>
+          <p:nvSpPr>
+            <p:cNvPr id="5" name="Gefaltete Ecke 4"/>
+            <p:cNvSpPr/>
+            <p:nvPr/>
+          </p:nvSpPr>
+          <p:spPr>
+            <a:xfrm rot="10800000" flipH="1">
+              <a:off x="7213600" y="2082800"/>
+              <a:ext cx="660400" cy="829733"/>
+            </a:xfrm>
+            <a:prstGeom prst="foldedCorner">
+              <a:avLst>
+                <a:gd name="adj" fmla="val 29488"/>
+              </a:avLst>
+            </a:prstGeom>
+          </p:spPr>
+          <p:style>
+            <a:lnRef idx="1">
+              <a:schemeClr val="accent1"/>
+            </a:lnRef>
+            <a:fillRef idx="3">
+              <a:schemeClr val="accent1"/>
+            </a:fillRef>
+            <a:effectRef idx="2">
+              <a:schemeClr val="accent1"/>
+            </a:effectRef>
+            <a:fontRef idx="minor">
+              <a:schemeClr val="lt1"/>
+            </a:fontRef>
+          </p:style>
+          <p:txBody>
+            <a:bodyPr rtlCol="0" anchor="ctr"/>
+            <a:lstStyle/>
+            <a:p>
+              <a:pPr algn="ctr"/>
+              <a:endParaRPr lang="de-DE"/>
+            </a:p>
+          </p:txBody>
+        </p:sp>
+        <p:sp>
+          <p:nvSpPr>
+            <p:cNvPr id="6" name="Textfeld 5"/>
+            <p:cNvSpPr txBox="1"/>
+            <p:nvPr/>
+          </p:nvSpPr>
+          <p:spPr>
+            <a:xfrm>
+              <a:off x="6574012" y="2949604"/>
+              <a:ext cx="1908213" cy="307777"/>
+            </a:xfrm>
+            <a:prstGeom prst="rect">
+              <a:avLst/>
+            </a:prstGeom>
+            <a:noFill/>
+          </p:spPr>
+          <p:txBody>
+            <a:bodyPr wrap="none" rtlCol="0">
+              <a:spAutoFit/>
+            </a:bodyPr>
+            <a:lstStyle/>
+            <a:p>
+              <a:r>
+                <a:rPr lang="de-DE" sz="1400" dirty="0" err="1" smtClean="0">
+                  <a:solidFill>
+                    <a:srgbClr val="7F7F7F"/>
+                  </a:solidFill>
+                  <a:latin typeface="Fira Mono OT"/>
+                  <a:cs typeface="Fira Mono OT"/>
+                </a:rPr>
+                <a:t>Generation.xtend</a:t>
+              </a:r>
+              <a:endParaRPr lang="de-DE" sz="1400" dirty="0">
+                <a:solidFill>
+                  <a:srgbClr val="7F7F7F"/>
+                </a:solidFill>
+                <a:latin typeface="Fira Mono OT"/>
+                <a:cs typeface="Fira Mono OT"/>
+              </a:endParaRPr>
+            </a:p>
+          </p:txBody>
+        </p:sp>
+      </p:grpSp>
+      <p:grpSp>
+        <p:nvGrpSpPr>
+          <p:cNvPr id="8" name="Gruppierung 7"/>
+          <p:cNvGrpSpPr/>
+          <p:nvPr/>
+        </p:nvGrpSpPr>
+        <p:grpSpPr>
+          <a:xfrm>
+            <a:off x="6574012" y="3758509"/>
+            <a:ext cx="1800492" cy="1174581"/>
+            <a:chOff x="6574012" y="2082800"/>
+            <a:chExt cx="1800492" cy="1174581"/>
+          </a:xfrm>
+        </p:grpSpPr>
+        <p:sp>
+          <p:nvSpPr>
+            <p:cNvPr id="9" name="Gefaltete Ecke 8"/>
+            <p:cNvSpPr/>
+            <p:nvPr/>
+          </p:nvSpPr>
+          <p:spPr>
+            <a:xfrm rot="10800000" flipH="1">
+              <a:off x="7213600" y="2082800"/>
+              <a:ext cx="660400" cy="829733"/>
+            </a:xfrm>
+            <a:prstGeom prst="foldedCorner">
+              <a:avLst>
+                <a:gd name="adj" fmla="val 29488"/>
+              </a:avLst>
+            </a:prstGeom>
+          </p:spPr>
+          <p:style>
+            <a:lnRef idx="1">
+              <a:schemeClr val="accent1"/>
+            </a:lnRef>
+            <a:fillRef idx="3">
+              <a:schemeClr val="accent1"/>
+            </a:fillRef>
+            <a:effectRef idx="2">
+              <a:schemeClr val="accent1"/>
+            </a:effectRef>
+            <a:fontRef idx="minor">
+              <a:schemeClr val="lt1"/>
+            </a:fontRef>
+          </p:style>
+          <p:txBody>
+            <a:bodyPr rtlCol="0" anchor="ctr"/>
+            <a:lstStyle/>
+            <a:p>
+              <a:pPr algn="ctr"/>
+              <a:endParaRPr lang="de-DE"/>
+            </a:p>
+          </p:txBody>
+        </p:sp>
+        <p:sp>
+          <p:nvSpPr>
+            <p:cNvPr id="10" name="Textfeld 9"/>
+            <p:cNvSpPr txBox="1"/>
+            <p:nvPr/>
+          </p:nvSpPr>
+          <p:spPr>
+            <a:xfrm>
+              <a:off x="6574012" y="2949604"/>
+              <a:ext cx="1800492" cy="307777"/>
+            </a:xfrm>
+            <a:prstGeom prst="rect">
+              <a:avLst/>
+            </a:prstGeom>
+            <a:noFill/>
+          </p:spPr>
+          <p:txBody>
+            <a:bodyPr wrap="none" rtlCol="0">
+              <a:spAutoFit/>
+            </a:bodyPr>
+            <a:lstStyle/>
+            <a:p>
+              <a:r>
+                <a:rPr lang="de-DE" sz="1400" dirty="0" err="1" smtClean="0">
+                  <a:solidFill>
+                    <a:srgbClr val="7F7F7F"/>
+                  </a:solidFill>
+                  <a:latin typeface="Fira Mono OT"/>
+                  <a:cs typeface="Fira Mono OT"/>
+                </a:rPr>
+                <a:t>Generator.xtend</a:t>
+              </a:r>
+              <a:endParaRPr lang="de-DE" sz="1400" dirty="0">
+                <a:solidFill>
+                  <a:srgbClr val="7F7F7F"/>
+                </a:solidFill>
+                <a:latin typeface="Fira Mono OT"/>
+                <a:cs typeface="Fira Mono OT"/>
+              </a:endParaRPr>
+            </a:p>
+          </p:txBody>
+        </p:sp>
+      </p:grpSp>
+      <p:sp>
+        <p:nvSpPr>
+          <p:cNvPr id="11" name="Textfeld 10"/>
+          <p:cNvSpPr txBox="1"/>
+          <p:nvPr/>
+        </p:nvSpPr>
+        <p:spPr>
+          <a:xfrm>
+            <a:off x="314238" y="1856569"/>
+            <a:ext cx="6086562" cy="3440474"/>
+          </a:xfrm>
+          <a:prstGeom prst="rect">
+            <a:avLst/>
+          </a:prstGeom>
+        </p:spPr>
+        <p:txBody>
+          <a:bodyPr vert="horz" lIns="91440" tIns="45720" rIns="91440" bIns="45720" rtlCol="0">
+            <a:normAutofit/>
+          </a:bodyPr>
+          <a:lstStyle>
+            <a:lvl1pPr marL="342900" indent="-342900">
+              <a:lnSpc>
+                <a:spcPct val="120000"/>
+              </a:lnSpc>
+              <a:spcBef>
+                <a:spcPct val="20000"/>
+              </a:spcBef>
+              <a:spcAft>
+                <a:spcPts val="600"/>
+              </a:spcAft>
+              <a:buClr>
+                <a:schemeClr val="accent1"/>
+              </a:buClr>
+              <a:buFont typeface="Wingdings" charset="2"/>
+              <a:buChar char="§"/>
+              <a:defRPr sz="3200" b="0" i="0">
+                <a:latin typeface="Fira Sans"/>
+                <a:cs typeface="Fira Sans"/>
+              </a:defRPr>
+            </a:lvl1pPr>
+            <a:lvl2pPr marL="742950" indent="-285750">
+              <a:spcBef>
+                <a:spcPct val="20000"/>
+              </a:spcBef>
+              <a:buClr>
+                <a:schemeClr val="accent1"/>
+              </a:buClr>
+              <a:buFont typeface="Lucida Grande"/>
+              <a:buChar char="»"/>
+              <a:defRPr sz="2800" b="0" i="0">
+                <a:latin typeface="Fira Sans"/>
+                <a:cs typeface="Fira Sans"/>
+              </a:defRPr>
+            </a:lvl2pPr>
+            <a:lvl3pPr marL="1143000" indent="-228600">
+              <a:spcBef>
+                <a:spcPct val="20000"/>
+              </a:spcBef>
+              <a:buClr>
+                <a:schemeClr val="accent1"/>
+              </a:buClr>
+              <a:buFont typeface="Arial"/>
+              <a:buChar char="•"/>
+              <a:defRPr sz="2400" b="0" i="0">
+                <a:latin typeface="Fira Sans"/>
+                <a:cs typeface="Fira Sans"/>
+              </a:defRPr>
+            </a:lvl3pPr>
+            <a:lvl4pPr marL="1600200" indent="-228600">
+              <a:spcBef>
+                <a:spcPct val="20000"/>
+              </a:spcBef>
+              <a:buClr>
+                <a:schemeClr val="accent1"/>
+              </a:buClr>
+              <a:buFont typeface="Arial"/>
+              <a:buChar char="–"/>
+              <a:defRPr sz="2000" b="0" i="0">
+                <a:latin typeface="Fira Sans"/>
+                <a:cs typeface="Fira Sans"/>
+              </a:defRPr>
+            </a:lvl4pPr>
+            <a:lvl5pPr indent="0">
+              <a:spcBef>
+                <a:spcPct val="20000"/>
+              </a:spcBef>
+              <a:buClr>
+                <a:schemeClr val="accent1"/>
+              </a:buClr>
+              <a:buFontTx/>
+              <a:buNone/>
+              <a:defRPr sz="2000" b="0" i="0">
+                <a:latin typeface="Fira Sans"/>
+                <a:cs typeface="Fira Sans"/>
+              </a:defRPr>
+            </a:lvl5pPr>
+            <a:lvl6pPr marL="2514600" indent="-228600">
+              <a:spcBef>
+                <a:spcPct val="20000"/>
+              </a:spcBef>
+              <a:buFont typeface="Arial"/>
+              <a:buChar char="•"/>
+              <a:defRPr sz="2000"/>
+            </a:lvl6pPr>
+            <a:lvl7pPr marL="2971800" indent="-228600">
+              <a:spcBef>
+                <a:spcPct val="20000"/>
+              </a:spcBef>
+              <a:buFont typeface="Arial"/>
+              <a:buChar char="•"/>
+              <a:defRPr sz="2000"/>
+            </a:lvl7pPr>
+            <a:lvl8pPr marL="3429000" indent="-228600">
+              <a:spcBef>
+                <a:spcPct val="20000"/>
+              </a:spcBef>
+              <a:buFont typeface="Arial"/>
+              <a:buChar char="•"/>
+              <a:defRPr sz="2000"/>
+            </a:lvl8pPr>
+            <a:lvl9pPr marL="3886200" indent="-228600">
+              <a:spcBef>
+                <a:spcPct val="20000"/>
+              </a:spcBef>
+              <a:buFont typeface="Arial"/>
+              <a:buChar char="•"/>
+              <a:defRPr sz="2000"/>
+            </a:lvl9pPr>
+          </a:lstStyle>
+          <a:p>
+            <a:r>
+              <a:rPr lang="de-DE" dirty="0"/>
+              <a:t>Einlesen des Eingabemodells mit </a:t>
+            </a:r>
+            <a:r>
+              <a:rPr lang="de-DE" dirty="0" err="1" smtClean="0"/>
+              <a:t>Xtend</a:t>
+            </a:r>
+          </a:p>
+          <a:p>
+            <a:r>
+              <a:rPr lang="de-DE" dirty="0" smtClean="0"/>
+              <a:t>Ausführen des </a:t>
+            </a:r>
+            <a:r>
+              <a:rPr lang="de-DE" dirty="0" err="1" smtClean="0">
+                <a:latin typeface="Fira Mono OT"/>
+                <a:cs typeface="Fira Mono OT"/>
+              </a:rPr>
+              <a:t>IGenerator</a:t>
+            </a:r>
+            <a:r>
+              <a:rPr lang="de-DE" dirty="0" smtClean="0"/>
+              <a:t> mit der eigentlichen Code-Generierung</a:t>
+            </a:r>
+            <a:endParaRPr lang="de-DE" dirty="0"/>
+          </a:p>
+        </p:txBody>
+      </p:sp>
+    </p:spTree>
+    <p:extLst>
+      <p:ext uri="{BB962C8B-B14F-4D97-AF65-F5344CB8AC3E}">
+        <p14:creationId xmlns:p14="http://schemas.microsoft.com/office/powerpoint/2010/main" val="2150706580"/>
+      </p:ext>
+    </p:extLst>
+  </p:cSld>
+  <p:clrMapOvr>
+    <a:masterClrMapping/>
+  </p:clrMapOvr>
+  <p:timing>
+    <p:tnLst>
+      <p:par>
+        <p:cTn id="1" dur="indefinite" restart="never" nodeType="tmRoot">
+          <p:childTnLst>
+            <p:seq concurrent="1" nextAc="seek">
+              <p:cTn id="2" dur="indefinite" nodeType="mainSeq">
+                <p:childTnLst>
+                  <p:par>
+                    <p:cTn id="3" fill="hold">
+                      <p:stCondLst>
+                        <p:cond delay="indefinite"/>
+                      </p:stCondLst>
+                      <p:childTnLst>
+                        <p:par>
+                          <p:cTn id="4" fill="hold">
+                            <p:stCondLst>
+                              <p:cond delay="0"/>
+                            </p:stCondLst>
+                            <p:childTnLst>
+                              <p:par>
+                                <p:cTn id="5" presetID="1" presetClass="entr" presetSubtype="0" fill="hold" nodeType="clickEffect">
+                                  <p:stCondLst>
+                                    <p:cond delay="0"/>
+                                  </p:stCondLst>
+                                  <p:childTnLst>
+                                    <p:set>
+                                      <p:cBhvr>
+                                        <p:cTn id="6" dur="1" fill="hold">
+                                          <p:stCondLst>
+                                            <p:cond delay="0"/>
+                                          </p:stCondLst>
+                                        </p:cTn>
+                                        <p:tgtEl>
+                                          <p:spTgt spid="11">
+                                            <p:txEl>
+                                              <p:pRg st="0" end="0"/>
+                                            </p:txEl>
+                                          </p:spTgt>
+                                        </p:tgtEl>
+                                        <p:attrNameLst>
+                                          <p:attrName>style.visibility</p:attrName>
+                                        </p:attrNameLst>
+                                      </p:cBhvr>
+                                      <p:to>
+                                        <p:strVal val="visible"/>
+                                      </p:to>
+                                    </p:set>
+                                  </p:childTnLst>
+                                </p:cTn>
+                              </p:par>
+                              <p:par>
+                                <p:cTn id="7" presetID="1" presetClass="entr" presetSubtype="0" fill="hold" nodeType="withEffect">
+                                  <p:stCondLst>
+                                    <p:cond delay="0"/>
+                                  </p:stCondLst>
+                                  <p:childTnLst>
+                                    <p:set>
+                                      <p:cBhvr>
+                                        <p:cTn id="8" dur="1" fill="hold">
+                                          <p:stCondLst>
+                                            <p:cond delay="0"/>
+                                          </p:stCondLst>
+                                        </p:cTn>
+                                        <p:tgtEl>
+                                          <p:spTgt spid="7"/>
+                                        </p:tgtEl>
+                                        <p:attrNameLst>
+                                          <p:attrName>style.visibility</p:attrName>
+                                        </p:attrNameLst>
+                                      </p:cBhvr>
+                                      <p:to>
+                                        <p:strVal val="visible"/>
+                                      </p:to>
+                                    </p:set>
+                                  </p:childTnLst>
+                                </p:cTn>
+                              </p:par>
+                            </p:childTnLst>
+                          </p:cTn>
+                        </p:par>
+                      </p:childTnLst>
+                    </p:cTn>
+                  </p:par>
+                  <p:par>
+                    <p:cTn id="9" fill="hold">
+                      <p:stCondLst>
+                        <p:cond delay="indefinite"/>
+                      </p:stCondLst>
+                      <p:childTnLst>
+                        <p:par>
+                          <p:cTn id="10" fill="hold">
+                            <p:stCondLst>
+                              <p:cond delay="0"/>
+                            </p:stCondLst>
+                            <p:childTnLst>
+                              <p:par>
+                                <p:cTn id="11" presetID="1" presetClass="entr" presetSubtype="0" fill="hold" nodeType="clickEffect">
+                                  <p:stCondLst>
+                                    <p:cond delay="0"/>
+                                  </p:stCondLst>
+                                  <p:childTnLst>
+                                    <p:set>
+                                      <p:cBhvr>
+                                        <p:cTn id="12" dur="1" fill="hold">
+                                          <p:stCondLst>
+                                            <p:cond delay="0"/>
+                                          </p:stCondLst>
+                                        </p:cTn>
+                                        <p:tgtEl>
+                                          <p:spTgt spid="11">
+                                            <p:txEl>
+                                              <p:pRg st="1" end="1"/>
+                                            </p:txEl>
+                                          </p:spTgt>
+                                        </p:tgtEl>
+                                        <p:attrNameLst>
+                                          <p:attrName>style.visibility</p:attrName>
+                                        </p:attrNameLst>
+                                      </p:cBhvr>
+                                      <p:to>
+                                        <p:strVal val="visible"/>
+                                      </p:to>
+                                    </p:set>
+                                  </p:childTnLst>
+                                </p:cTn>
+                              </p:par>
+                              <p:par>
+                                <p:cTn id="13" presetID="1" presetClass="entr" presetSubtype="0" fill="hold" nodeType="withEffect">
+                                  <p:stCondLst>
+                                    <p:cond delay="0"/>
+                                  </p:stCondLst>
+                                  <p:childTnLst>
+                                    <p:set>
+                                      <p:cBhvr>
+                                        <p:cTn id="14" dur="1" fill="hold">
+                                          <p:stCondLst>
+                                            <p:cond delay="0"/>
+                                          </p:stCondLst>
+                                        </p:cTn>
+                                        <p:tgtEl>
+                                          <p:spTgt spid="8"/>
+                                        </p:tgtEl>
+                                        <p:attrNameLst>
+                                          <p:attrName>style.visibility</p:attrName>
+                                        </p:attrNameLst>
+                                      </p:cBhvr>
+                                      <p:to>
+                                        <p:strVal val="visible"/>
+                                      </p:to>
+                                    </p:set>
+                                  </p:childTnLst>
+                                </p:cTn>
+                              </p:par>
+                            </p:childTnLst>
+                          </p:cTn>
+                        </p:par>
+                      </p:childTnLst>
+                    </p:cTn>
+                  </p:par>
+                </p:childTnLst>
+              </p:cTn>
+              <p:prevCondLst>
+                <p:cond evt="onPrev" delay="0">
+                  <p:tgtEl>
+                    <p:sldTgt/>
+                  </p:tgtEl>
+                </p:cond>
+              </p:prevCondLst>
+              <p:nextCondLst>
+                <p:cond evt="onNext" delay="0">
+                  <p:tgtEl>
+                    <p:sldTgt/>
+                  </p:tgtEl>
+                </p:cond>
+              </p:nextCondLst>
+            </p:seq>
+          </p:childTnLst>
+        </p:cTn>
+      </p:par>
+    </p:tnLst>
+  </p:timing>
+</p:sld>
+</file>
+
+<file path=ppt/slides/slide13.xml><?xml version="1.0" encoding="utf-8"?>
+<p:sld xmlns:a="http://schemas.openxmlformats.org/drawingml/2006/main" xmlns:r="http://schemas.openxmlformats.org/officeDocument/2006/relationships" xmlns:p="http://schemas.openxmlformats.org/presentationml/2006/main">
+  <p:cSld>
+    <p:spTree>
+      <p:nvGrpSpPr>
+        <p:cNvPr id="1" name=""/>
+        <p:cNvGrpSpPr/>
+        <p:nvPr/>
+      </p:nvGrpSpPr>
+      <p:grpSpPr>
+        <a:xfrm>
+          <a:off x="0" y="0"/>
+          <a:ext cx="0" cy="0"/>
+          <a:chOff x="0" y="0"/>
+          <a:chExt cx="0" cy="0"/>
+        </a:xfrm>
+      </p:grpSpPr>
+      <p:sp>
+        <p:nvSpPr>
+          <p:cNvPr id="2" name="Titel 1"/>
+          <p:cNvSpPr>
+            <a:spLocks noGrp="1"/>
+          </p:cNvSpPr>
+          <p:nvPr>
+            <p:ph type="title"/>
+          </p:nvPr>
+        </p:nvSpPr>
+        <p:spPr/>
+        <p:txBody>
+          <a:bodyPr/>
+          <a:lstStyle/>
+          <a:p>
+            <a:r>
+              <a:rPr lang="de-DE" dirty="0" smtClean="0"/>
+              <a:t>Ablauf</a:t>
+            </a:r>
+            <a:endParaRPr lang="de-DE" dirty="0"/>
+          </a:p>
+        </p:txBody>
+      </p:sp>
+      <p:sp>
+        <p:nvSpPr>
+          <p:cNvPr id="4" name="Foliennummernplatzhalter 3"/>
+          <p:cNvSpPr>
+            <a:spLocks noGrp="1"/>
+          </p:cNvSpPr>
+          <p:nvPr>
+            <p:ph type="sldNum" sz="quarter" idx="10"/>
+          </p:nvPr>
+        </p:nvSpPr>
+        <p:spPr/>
+        <p:txBody>
+          <a:bodyPr/>
+          <a:lstStyle/>
+          <a:p>
+            <a:fld id="{1215FA07-EE23-A948-A6ED-56C5FE5A7EE4}" type="slidenum">
+              <a:rPr lang="de-DE" smtClean="0"/>
+              <a:t>13</a:t>
+            </a:fld>
+            <a:endParaRPr lang="de-DE"/>
+          </a:p>
+        </p:txBody>
+      </p:sp>
+      <p:grpSp>
+        <p:nvGrpSpPr>
+          <p:cNvPr id="5" name="Gruppierung 4"/>
+          <p:cNvGrpSpPr/>
+          <p:nvPr/>
+        </p:nvGrpSpPr>
+        <p:grpSpPr>
+          <a:xfrm>
+            <a:off x="237069" y="1060485"/>
+            <a:ext cx="3093152" cy="864469"/>
+            <a:chOff x="6574012" y="2392912"/>
+            <a:chExt cx="3093152" cy="864469"/>
+          </a:xfrm>
+        </p:grpSpPr>
+        <p:sp>
+          <p:nvSpPr>
+            <p:cNvPr id="6" name="Gefaltete Ecke 5"/>
+            <p:cNvSpPr/>
+            <p:nvPr/>
+          </p:nvSpPr>
+          <p:spPr>
+            <a:xfrm rot="10800000" flipH="1">
+              <a:off x="7907864" y="2392912"/>
+              <a:ext cx="428976" cy="519620"/>
+            </a:xfrm>
+            <a:prstGeom prst="foldedCorner">
+              <a:avLst>
+                <a:gd name="adj" fmla="val 29488"/>
+              </a:avLst>
+            </a:prstGeom>
+          </p:spPr>
+          <p:style>
+            <a:lnRef idx="1">
+              <a:schemeClr val="accent4"/>
+            </a:lnRef>
+            <a:fillRef idx="3">
+              <a:schemeClr val="accent4"/>
+            </a:fillRef>
+            <a:effectRef idx="2">
+              <a:schemeClr val="accent4"/>
+            </a:effectRef>
+            <a:fontRef idx="minor">
+              <a:schemeClr val="lt1"/>
+            </a:fontRef>
+          </p:style>
+          <p:txBody>
+            <a:bodyPr rtlCol="0" anchor="ctr"/>
+            <a:lstStyle/>
+            <a:p>
+              <a:pPr algn="ctr"/>
+              <a:endParaRPr lang="de-DE"/>
+            </a:p>
+          </p:txBody>
+        </p:sp>
+        <p:sp>
+          <p:nvSpPr>
+            <p:cNvPr id="7" name="Textfeld 6"/>
+            <p:cNvSpPr txBox="1"/>
+            <p:nvPr/>
+          </p:nvSpPr>
+          <p:spPr>
+            <a:xfrm>
+              <a:off x="6574012" y="2949604"/>
+              <a:ext cx="3093152" cy="307777"/>
+            </a:xfrm>
+            <a:prstGeom prst="rect">
+              <a:avLst/>
+            </a:prstGeom>
+            <a:noFill/>
+          </p:spPr>
+          <p:txBody>
+            <a:bodyPr wrap="none" rtlCol="0">
+              <a:spAutoFit/>
+            </a:bodyPr>
+            <a:lstStyle/>
+            <a:p>
+              <a:r>
+                <a:rPr lang="de-DE" sz="1400" dirty="0" err="1" smtClean="0">
+                  <a:solidFill>
+                    <a:srgbClr val="7F7F7F"/>
+                  </a:solidFill>
+                  <a:latin typeface="Fira Mono OT"/>
+                  <a:cs typeface="Fira Mono OT"/>
+                </a:rPr>
+                <a:t>Modell.componentbasedsystem</a:t>
+              </a:r>
+              <a:endParaRPr lang="de-DE" sz="1400" dirty="0">
+                <a:solidFill>
+                  <a:srgbClr val="7F7F7F"/>
+                </a:solidFill>
+                <a:latin typeface="Fira Mono OT"/>
+                <a:cs typeface="Fira Mono OT"/>
+              </a:endParaRPr>
+            </a:p>
+          </p:txBody>
+        </p:sp>
+      </p:grpSp>
+      <p:sp>
+        <p:nvSpPr>
+          <p:cNvPr id="8" name="Pfeil nach unten 7"/>
+          <p:cNvSpPr/>
+          <p:nvPr/>
+        </p:nvSpPr>
+        <p:spPr>
+          <a:xfrm>
+            <a:off x="1486257" y="2087542"/>
+            <a:ext cx="660400" cy="457200"/>
+          </a:xfrm>
+          <a:prstGeom prst="downArrow">
+            <a:avLst/>
+          </a:prstGeom>
+        </p:spPr>
+        <p:style>
+          <a:lnRef idx="2">
+            <a:schemeClr val="dk1"/>
+          </a:lnRef>
+          <a:fillRef idx="1">
+            <a:schemeClr val="lt1"/>
+          </a:fillRef>
+          <a:effectRef idx="0">
+            <a:schemeClr val="dk1"/>
+          </a:effectRef>
+          <a:fontRef idx="minor">
+            <a:schemeClr val="dk1"/>
+          </a:fontRef>
+        </p:style>
+        <p:txBody>
+          <a:bodyPr rtlCol="0" anchor="ctr"/>
+          <a:lstStyle/>
+          <a:p>
+            <a:pPr algn="ctr"/>
+            <a:endParaRPr lang="de-DE"/>
+          </a:p>
+        </p:txBody>
+      </p:sp>
+      <p:grpSp>
+        <p:nvGrpSpPr>
+          <p:cNvPr id="9" name="Gruppierung 8"/>
+          <p:cNvGrpSpPr/>
+          <p:nvPr/>
+        </p:nvGrpSpPr>
+        <p:grpSpPr>
+          <a:xfrm>
+            <a:off x="863602" y="2753823"/>
+            <a:ext cx="1908213" cy="880535"/>
+            <a:chOff x="6574012" y="2376846"/>
+            <a:chExt cx="1908213" cy="880535"/>
+          </a:xfrm>
+        </p:grpSpPr>
+        <p:sp>
+          <p:nvSpPr>
+            <p:cNvPr id="10" name="Gefaltete Ecke 9"/>
+            <p:cNvSpPr/>
+            <p:nvPr/>
+          </p:nvSpPr>
+          <p:spPr>
+            <a:xfrm rot="10800000" flipH="1">
+              <a:off x="7349064" y="2376846"/>
+              <a:ext cx="395109" cy="535686"/>
+            </a:xfrm>
+            <a:prstGeom prst="foldedCorner">
+              <a:avLst>
+                <a:gd name="adj" fmla="val 29488"/>
+              </a:avLst>
+            </a:prstGeom>
+          </p:spPr>
+          <p:style>
+            <a:lnRef idx="1">
+              <a:schemeClr val="accent1"/>
+            </a:lnRef>
+            <a:fillRef idx="3">
+              <a:schemeClr val="accent1"/>
+            </a:fillRef>
+            <a:effectRef idx="2">
+              <a:schemeClr val="accent1"/>
+            </a:effectRef>
+            <a:fontRef idx="minor">
+              <a:schemeClr val="lt1"/>
+            </a:fontRef>
+          </p:style>
+          <p:txBody>
+            <a:bodyPr rtlCol="0" anchor="ctr"/>
+            <a:lstStyle/>
+            <a:p>
+              <a:pPr algn="ctr"/>
+              <a:endParaRPr lang="de-DE"/>
+            </a:p>
+          </p:txBody>
+        </p:sp>
+        <p:sp>
+          <p:nvSpPr>
+            <p:cNvPr id="11" name="Textfeld 10"/>
+            <p:cNvSpPr txBox="1"/>
+            <p:nvPr/>
+          </p:nvSpPr>
+          <p:spPr>
+            <a:xfrm>
+              <a:off x="6574012" y="2949604"/>
+              <a:ext cx="1908213" cy="307777"/>
+            </a:xfrm>
+            <a:prstGeom prst="rect">
+              <a:avLst/>
+            </a:prstGeom>
+            <a:noFill/>
+          </p:spPr>
+          <p:txBody>
+            <a:bodyPr wrap="none" rtlCol="0">
+              <a:spAutoFit/>
+            </a:bodyPr>
+            <a:lstStyle/>
+            <a:p>
+              <a:r>
+                <a:rPr lang="de-DE" sz="1400" dirty="0" err="1" smtClean="0">
+                  <a:solidFill>
+                    <a:srgbClr val="7F7F7F"/>
+                  </a:solidFill>
+                  <a:latin typeface="Fira Mono OT"/>
+                  <a:cs typeface="Fira Mono OT"/>
+                </a:rPr>
+                <a:t>Generation.xtend</a:t>
+              </a:r>
+              <a:endParaRPr lang="de-DE" sz="1400" dirty="0">
+                <a:solidFill>
+                  <a:srgbClr val="7F7F7F"/>
+                </a:solidFill>
+                <a:latin typeface="Fira Mono OT"/>
+                <a:cs typeface="Fira Mono OT"/>
+              </a:endParaRPr>
+            </a:p>
+          </p:txBody>
+        </p:sp>
+      </p:grpSp>
+      <p:sp>
+        <p:nvSpPr>
+          <p:cNvPr id="12" name="Pfeil nach unten 11"/>
+          <p:cNvSpPr/>
+          <p:nvPr/>
+        </p:nvSpPr>
+        <p:spPr>
+          <a:xfrm>
+            <a:off x="1486257" y="3786755"/>
+            <a:ext cx="660400" cy="457200"/>
+          </a:xfrm>
+          <a:prstGeom prst="downArrow">
+            <a:avLst/>
+          </a:prstGeom>
+        </p:spPr>
+        <p:style>
+          <a:lnRef idx="2">
+            <a:schemeClr val="dk1"/>
+          </a:lnRef>
+          <a:fillRef idx="1">
+            <a:schemeClr val="lt1"/>
+          </a:fillRef>
+          <a:effectRef idx="0">
+            <a:schemeClr val="dk1"/>
+          </a:effectRef>
+          <a:fontRef idx="minor">
+            <a:schemeClr val="dk1"/>
+          </a:fontRef>
+        </p:style>
+        <p:txBody>
+          <a:bodyPr rtlCol="0" anchor="ctr"/>
+          <a:lstStyle/>
+          <a:p>
+            <a:pPr algn="ctr"/>
+            <a:endParaRPr lang="de-DE"/>
+          </a:p>
+        </p:txBody>
+      </p:sp>
+      <p:grpSp>
+        <p:nvGrpSpPr>
+          <p:cNvPr id="13" name="Gruppierung 12"/>
+          <p:cNvGrpSpPr/>
+          <p:nvPr/>
+        </p:nvGrpSpPr>
+        <p:grpSpPr>
+          <a:xfrm>
+            <a:off x="931335" y="4494978"/>
+            <a:ext cx="1800492" cy="866807"/>
+            <a:chOff x="6574012" y="2390574"/>
+            <a:chExt cx="1800492" cy="866807"/>
+          </a:xfrm>
+        </p:grpSpPr>
+        <p:sp>
+          <p:nvSpPr>
+            <p:cNvPr id="14" name="Gefaltete Ecke 13"/>
+            <p:cNvSpPr/>
+            <p:nvPr/>
+          </p:nvSpPr>
+          <p:spPr>
+            <a:xfrm rot="10800000" flipH="1">
+              <a:off x="7281332" y="2390574"/>
+              <a:ext cx="395109" cy="521958"/>
+            </a:xfrm>
+            <a:prstGeom prst="foldedCorner">
+              <a:avLst>
+                <a:gd name="adj" fmla="val 29488"/>
+              </a:avLst>
+            </a:prstGeom>
+          </p:spPr>
+          <p:style>
+            <a:lnRef idx="1">
+              <a:schemeClr val="accent1"/>
+            </a:lnRef>
+            <a:fillRef idx="3">
+              <a:schemeClr val="accent1"/>
+            </a:fillRef>
+            <a:effectRef idx="2">
+              <a:schemeClr val="accent1"/>
+            </a:effectRef>
+            <a:fontRef idx="minor">
+              <a:schemeClr val="lt1"/>
+            </a:fontRef>
+          </p:style>
+          <p:txBody>
+            <a:bodyPr rtlCol="0" anchor="ctr"/>
+            <a:lstStyle/>
+            <a:p>
+              <a:pPr algn="ctr"/>
+              <a:endParaRPr lang="de-DE"/>
+            </a:p>
+          </p:txBody>
+        </p:sp>
+        <p:sp>
+          <p:nvSpPr>
+            <p:cNvPr id="15" name="Textfeld 14"/>
+            <p:cNvSpPr txBox="1"/>
+            <p:nvPr/>
+          </p:nvSpPr>
+          <p:spPr>
+            <a:xfrm>
+              <a:off x="6574012" y="2949604"/>
+              <a:ext cx="1800492" cy="307777"/>
+            </a:xfrm>
+            <a:prstGeom prst="rect">
+              <a:avLst/>
+            </a:prstGeom>
+            <a:noFill/>
+          </p:spPr>
+          <p:txBody>
+            <a:bodyPr wrap="none" rtlCol="0">
+              <a:spAutoFit/>
+            </a:bodyPr>
+            <a:lstStyle/>
+            <a:p>
+              <a:r>
+                <a:rPr lang="de-DE" sz="1400" dirty="0" err="1" smtClean="0">
+                  <a:solidFill>
+                    <a:srgbClr val="7F7F7F"/>
+                  </a:solidFill>
+                  <a:latin typeface="Fira Mono OT"/>
+                  <a:cs typeface="Fira Mono OT"/>
+                </a:rPr>
+                <a:t>Generator.xtend</a:t>
+              </a:r>
+              <a:endParaRPr lang="de-DE" sz="1400" dirty="0">
+                <a:solidFill>
+                  <a:srgbClr val="7F7F7F"/>
+                </a:solidFill>
+                <a:latin typeface="Fira Mono OT"/>
+                <a:cs typeface="Fira Mono OT"/>
+              </a:endParaRPr>
+            </a:p>
+          </p:txBody>
+        </p:sp>
+      </p:grpSp>
+      <p:sp>
+        <p:nvSpPr>
+          <p:cNvPr id="16" name="Pfeil nach unten 15"/>
+          <p:cNvSpPr/>
+          <p:nvPr/>
+        </p:nvSpPr>
+        <p:spPr>
+          <a:xfrm>
+            <a:off x="1486257" y="5522424"/>
+            <a:ext cx="660400" cy="457200"/>
+          </a:xfrm>
+          <a:prstGeom prst="downArrow">
+            <a:avLst/>
+          </a:prstGeom>
+        </p:spPr>
+        <p:style>
+          <a:lnRef idx="2">
+            <a:schemeClr val="dk1"/>
+          </a:lnRef>
+          <a:fillRef idx="1">
+            <a:schemeClr val="lt1"/>
+          </a:fillRef>
+          <a:effectRef idx="0">
+            <a:schemeClr val="dk1"/>
+          </a:effectRef>
+          <a:fontRef idx="minor">
+            <a:schemeClr val="dk1"/>
+          </a:fontRef>
+        </p:style>
+        <p:txBody>
+          <a:bodyPr rtlCol="0" anchor="ctr"/>
+          <a:lstStyle/>
+          <a:p>
+            <a:pPr algn="ctr"/>
+            <a:endParaRPr lang="de-DE"/>
+          </a:p>
+        </p:txBody>
+      </p:sp>
+      <p:grpSp>
+        <p:nvGrpSpPr>
+          <p:cNvPr id="21" name="Gruppierung 20"/>
+          <p:cNvGrpSpPr/>
+          <p:nvPr/>
+        </p:nvGrpSpPr>
+        <p:grpSpPr>
+          <a:xfrm>
+            <a:off x="558626" y="5808053"/>
+            <a:ext cx="2506559" cy="944528"/>
+            <a:chOff x="3322635" y="5723471"/>
+            <a:chExt cx="2506559" cy="944528"/>
+          </a:xfrm>
+        </p:grpSpPr>
+        <p:sp>
+          <p:nvSpPr>
+            <p:cNvPr id="19" name="Gefaltete Ecke 18"/>
+            <p:cNvSpPr/>
+            <p:nvPr/>
+          </p:nvSpPr>
+          <p:spPr>
+            <a:xfrm rot="10800000" flipH="1">
+              <a:off x="3475035" y="5723471"/>
+              <a:ext cx="449088" cy="546597"/>
+            </a:xfrm>
+            <a:prstGeom prst="foldedCorner">
+              <a:avLst>
+                <a:gd name="adj" fmla="val 29488"/>
+              </a:avLst>
+            </a:prstGeom>
+          </p:spPr>
+          <p:style>
+            <a:lnRef idx="1">
+              <a:schemeClr val="accent6"/>
+            </a:lnRef>
+            <a:fillRef idx="3">
+              <a:schemeClr val="accent6"/>
+            </a:fillRef>
+            <a:effectRef idx="2">
+              <a:schemeClr val="accent6"/>
+            </a:effectRef>
+            <a:fontRef idx="minor">
+              <a:schemeClr val="lt1"/>
+            </a:fontRef>
+          </p:style>
+          <p:txBody>
+            <a:bodyPr rtlCol="0" anchor="ctr"/>
+            <a:lstStyle/>
+            <a:p>
+              <a:pPr algn="ctr"/>
+              <a:endParaRPr lang="de-DE"/>
+            </a:p>
+          </p:txBody>
+        </p:sp>
+        <p:sp>
+          <p:nvSpPr>
+            <p:cNvPr id="18" name="Gefaltete Ecke 17"/>
+            <p:cNvSpPr/>
+            <p:nvPr/>
+          </p:nvSpPr>
+          <p:spPr>
+            <a:xfrm rot="10800000" flipH="1">
+              <a:off x="3699579" y="5977470"/>
+              <a:ext cx="449088" cy="546597"/>
+            </a:xfrm>
+            <a:prstGeom prst="foldedCorner">
+              <a:avLst>
+                <a:gd name="adj" fmla="val 29488"/>
+              </a:avLst>
+            </a:prstGeom>
+          </p:spPr>
+          <p:style>
+            <a:lnRef idx="1">
+              <a:schemeClr val="accent6"/>
+            </a:lnRef>
+            <a:fillRef idx="3">
+              <a:schemeClr val="accent6"/>
+            </a:fillRef>
+            <a:effectRef idx="2">
+              <a:schemeClr val="accent6"/>
+            </a:effectRef>
+            <a:fontRef idx="minor">
+              <a:schemeClr val="lt1"/>
+            </a:fontRef>
+          </p:style>
+          <p:txBody>
+            <a:bodyPr rtlCol="0" anchor="ctr"/>
+            <a:lstStyle/>
+            <a:p>
+              <a:pPr algn="ctr"/>
+              <a:endParaRPr lang="de-DE"/>
+            </a:p>
+          </p:txBody>
+        </p:sp>
+        <p:sp>
+          <p:nvSpPr>
+            <p:cNvPr id="17" name="Gefaltete Ecke 16"/>
+            <p:cNvSpPr/>
+            <p:nvPr/>
+          </p:nvSpPr>
+          <p:spPr>
+            <a:xfrm rot="10800000" flipH="1">
+              <a:off x="3322635" y="6121402"/>
+              <a:ext cx="449088" cy="546597"/>
+            </a:xfrm>
+            <a:prstGeom prst="foldedCorner">
+              <a:avLst>
+                <a:gd name="adj" fmla="val 29488"/>
+              </a:avLst>
+            </a:prstGeom>
+          </p:spPr>
+          <p:style>
+            <a:lnRef idx="1">
+              <a:schemeClr val="accent6"/>
+            </a:lnRef>
+            <a:fillRef idx="3">
+              <a:schemeClr val="accent6"/>
+            </a:fillRef>
+            <a:effectRef idx="2">
+              <a:schemeClr val="accent6"/>
+            </a:effectRef>
+            <a:fontRef idx="minor">
+              <a:schemeClr val="lt1"/>
+            </a:fontRef>
+          </p:style>
+          <p:txBody>
+            <a:bodyPr rtlCol="0" anchor="ctr"/>
+            <a:lstStyle/>
+            <a:p>
+              <a:pPr algn="ctr"/>
+              <a:endParaRPr lang="de-DE"/>
+            </a:p>
+          </p:txBody>
+        </p:sp>
+        <p:sp>
+          <p:nvSpPr>
+            <p:cNvPr id="20" name="Textfeld 19"/>
+            <p:cNvSpPr txBox="1"/>
+            <p:nvPr/>
+          </p:nvSpPr>
+          <p:spPr>
+            <a:xfrm>
+              <a:off x="4351867" y="6116179"/>
+              <a:ext cx="1477327" cy="307777"/>
+            </a:xfrm>
+            <a:prstGeom prst="rect">
+              <a:avLst/>
+            </a:prstGeom>
+            <a:noFill/>
+          </p:spPr>
+          <p:txBody>
+            <a:bodyPr wrap="none" rtlCol="0">
+              <a:spAutoFit/>
+            </a:bodyPr>
+            <a:lstStyle/>
+            <a:p>
+              <a:r>
+                <a:rPr lang="de-DE" sz="1400" dirty="0" smtClean="0">
+                  <a:solidFill>
+                    <a:srgbClr val="7F7F7F"/>
+                  </a:solidFill>
+                  <a:latin typeface="Fira Mono OT"/>
+                  <a:cs typeface="Fira Mono OT"/>
+                </a:rPr>
+                <a:t>Java-Klassen</a:t>
+              </a:r>
+              <a:endParaRPr lang="de-DE" sz="1400" dirty="0">
+                <a:solidFill>
+                  <a:srgbClr val="7F7F7F"/>
+                </a:solidFill>
+                <a:latin typeface="Fira Mono OT"/>
+                <a:cs typeface="Fira Mono OT"/>
+              </a:endParaRPr>
+            </a:p>
+          </p:txBody>
+        </p:sp>
+      </p:grpSp>
+      <p:sp>
+        <p:nvSpPr>
+          <p:cNvPr id="23" name="Textfeld 22"/>
+          <p:cNvSpPr txBox="1"/>
+          <p:nvPr/>
+        </p:nvSpPr>
+        <p:spPr>
+          <a:xfrm>
+            <a:off x="4392916" y="1141187"/>
+            <a:ext cx="4523366" cy="666849"/>
+          </a:xfrm>
+          <a:prstGeom prst="rect">
+            <a:avLst/>
+          </a:prstGeom>
+        </p:spPr>
+        <p:txBody>
+          <a:bodyPr vert="horz" lIns="91440" tIns="45720" rIns="91440" bIns="45720" rtlCol="0">
+            <a:normAutofit fontScale="62500" lnSpcReduction="20000"/>
+          </a:bodyPr>
+          <a:lstStyle>
+            <a:lvl1pPr marL="342900" indent="-342900">
+              <a:lnSpc>
+                <a:spcPct val="120000"/>
+              </a:lnSpc>
+              <a:spcBef>
+                <a:spcPct val="20000"/>
+              </a:spcBef>
+              <a:spcAft>
+                <a:spcPts val="600"/>
+              </a:spcAft>
+              <a:buClr>
+                <a:schemeClr val="accent1"/>
+              </a:buClr>
+              <a:buFont typeface="Wingdings" charset="2"/>
+              <a:buChar char="§"/>
+              <a:defRPr sz="3200" b="0" i="0">
+                <a:latin typeface="Fira Sans"/>
+                <a:cs typeface="Fira Sans"/>
+              </a:defRPr>
+            </a:lvl1pPr>
+            <a:lvl2pPr marL="742950" lvl="1" indent="-285750">
+              <a:lnSpc>
+                <a:spcPct val="120000"/>
+              </a:lnSpc>
+              <a:spcBef>
+                <a:spcPct val="20000"/>
+              </a:spcBef>
+              <a:spcAft>
+                <a:spcPts val="600"/>
+              </a:spcAft>
+              <a:buClr>
+                <a:schemeClr val="accent1"/>
+              </a:buClr>
+              <a:buFont typeface="Lucida Grande"/>
+              <a:buChar char="»"/>
+              <a:defRPr sz="2800" b="0" i="0">
+                <a:solidFill>
+                  <a:schemeClr val="bg1">
+                    <a:lumMod val="50000"/>
+                  </a:schemeClr>
+                </a:solidFill>
+                <a:latin typeface="Fira Sans"/>
+                <a:cs typeface="Fira Sans"/>
+              </a:defRPr>
+            </a:lvl2pPr>
+            <a:lvl3pPr marL="1143000" indent="-228600">
+              <a:spcBef>
+                <a:spcPct val="20000"/>
+              </a:spcBef>
+              <a:buClr>
+                <a:schemeClr val="accent1"/>
+              </a:buClr>
+              <a:buFont typeface="Arial"/>
+              <a:buChar char="•"/>
+              <a:defRPr sz="2400" b="0" i="0">
+                <a:latin typeface="Fira Sans"/>
+                <a:cs typeface="Fira Sans"/>
+              </a:defRPr>
+            </a:lvl3pPr>
+            <a:lvl4pPr marL="1600200" indent="-228600">
+              <a:spcBef>
+                <a:spcPct val="20000"/>
+              </a:spcBef>
+              <a:buClr>
+                <a:schemeClr val="accent1"/>
+              </a:buClr>
+              <a:buFont typeface="Arial"/>
+              <a:buChar char="–"/>
+              <a:defRPr sz="2000" b="0" i="0">
+                <a:latin typeface="Fira Sans"/>
+                <a:cs typeface="Fira Sans"/>
+              </a:defRPr>
+            </a:lvl4pPr>
+            <a:lvl5pPr indent="0">
+              <a:spcBef>
+                <a:spcPct val="20000"/>
+              </a:spcBef>
+              <a:buClr>
+                <a:schemeClr val="accent1"/>
+              </a:buClr>
+              <a:buFontTx/>
+              <a:buNone/>
+              <a:defRPr sz="2000" b="0" i="0">
+                <a:latin typeface="Fira Sans"/>
+                <a:cs typeface="Fira Sans"/>
+              </a:defRPr>
+            </a:lvl5pPr>
+            <a:lvl6pPr marL="2514600" indent="-228600">
+              <a:spcBef>
+                <a:spcPct val="20000"/>
+              </a:spcBef>
+              <a:buFont typeface="Arial"/>
+              <a:buChar char="•"/>
+              <a:defRPr sz="2000"/>
+            </a:lvl6pPr>
+            <a:lvl7pPr marL="2971800" indent="-228600">
+              <a:spcBef>
+                <a:spcPct val="20000"/>
+              </a:spcBef>
+              <a:buFont typeface="Arial"/>
+              <a:buChar char="•"/>
+              <a:defRPr sz="2000"/>
+            </a:lvl7pPr>
+            <a:lvl8pPr marL="3429000" indent="-228600">
+              <a:spcBef>
+                <a:spcPct val="20000"/>
+              </a:spcBef>
+              <a:buFont typeface="Arial"/>
+              <a:buChar char="•"/>
+              <a:defRPr sz="2000"/>
+            </a:lvl8pPr>
+            <a:lvl9pPr marL="3886200" indent="-228600">
+              <a:spcBef>
+                <a:spcPct val="20000"/>
+              </a:spcBef>
+              <a:buFont typeface="Arial"/>
+              <a:buChar char="•"/>
+              <a:defRPr sz="2000"/>
+            </a:lvl9pPr>
+          </a:lstStyle>
+          <a:p>
+            <a:r>
+              <a:rPr lang="de-DE" dirty="0"/>
+              <a:t>Modell nach unserem Metamodell</a:t>
+            </a:r>
+          </a:p>
+        </p:txBody>
+      </p:sp>
+      <p:sp>
+        <p:nvSpPr>
+          <p:cNvPr id="25" name="Textfeld 24"/>
+          <p:cNvSpPr txBox="1"/>
+          <p:nvPr/>
+        </p:nvSpPr>
+        <p:spPr>
+          <a:xfrm>
+            <a:off x="4392916" y="2570398"/>
+            <a:ext cx="4523366" cy="1387977"/>
+          </a:xfrm>
+          <a:prstGeom prst="rect">
+            <a:avLst/>
+          </a:prstGeom>
+        </p:spPr>
+        <p:txBody>
+          <a:bodyPr vert="horz" lIns="91440" tIns="45720" rIns="91440" bIns="45720" rtlCol="0">
+            <a:normAutofit fontScale="55000" lnSpcReduction="20000"/>
+          </a:bodyPr>
+          <a:lstStyle>
+            <a:lvl1pPr marL="342900" indent="-342900">
+              <a:lnSpc>
+                <a:spcPct val="120000"/>
+              </a:lnSpc>
+              <a:spcBef>
+                <a:spcPct val="20000"/>
+              </a:spcBef>
+              <a:spcAft>
+                <a:spcPts val="600"/>
+              </a:spcAft>
+              <a:buClr>
+                <a:schemeClr val="accent1"/>
+              </a:buClr>
+              <a:buFont typeface="Wingdings" charset="2"/>
+              <a:buChar char="§"/>
+              <a:defRPr sz="3200" b="0" i="0">
+                <a:latin typeface="Fira Sans"/>
+                <a:cs typeface="Fira Sans"/>
+              </a:defRPr>
+            </a:lvl1pPr>
+            <a:lvl2pPr marL="742950" lvl="1" indent="-285750">
+              <a:lnSpc>
+                <a:spcPct val="120000"/>
+              </a:lnSpc>
+              <a:spcBef>
+                <a:spcPct val="20000"/>
+              </a:spcBef>
+              <a:spcAft>
+                <a:spcPts val="600"/>
+              </a:spcAft>
+              <a:buClr>
+                <a:schemeClr val="accent1"/>
+              </a:buClr>
+              <a:buFont typeface="Lucida Grande"/>
+              <a:buChar char="»"/>
+              <a:defRPr sz="2800" b="0" i="0">
+                <a:solidFill>
+                  <a:schemeClr val="bg1">
+                    <a:lumMod val="50000"/>
+                  </a:schemeClr>
+                </a:solidFill>
+                <a:latin typeface="Fira Sans"/>
+                <a:cs typeface="Fira Sans"/>
+              </a:defRPr>
+            </a:lvl2pPr>
+            <a:lvl3pPr marL="1143000" indent="-228600">
+              <a:spcBef>
+                <a:spcPct val="20000"/>
+              </a:spcBef>
+              <a:buClr>
+                <a:schemeClr val="accent1"/>
+              </a:buClr>
+              <a:buFont typeface="Arial"/>
+              <a:buChar char="•"/>
+              <a:defRPr sz="2400" b="0" i="0">
+                <a:latin typeface="Fira Sans"/>
+                <a:cs typeface="Fira Sans"/>
+              </a:defRPr>
+            </a:lvl3pPr>
+            <a:lvl4pPr marL="1600200" indent="-228600">
+              <a:spcBef>
+                <a:spcPct val="20000"/>
+              </a:spcBef>
+              <a:buClr>
+                <a:schemeClr val="accent1"/>
+              </a:buClr>
+              <a:buFont typeface="Arial"/>
+              <a:buChar char="–"/>
+              <a:defRPr sz="2000" b="0" i="0">
+                <a:latin typeface="Fira Sans"/>
+                <a:cs typeface="Fira Sans"/>
+              </a:defRPr>
+            </a:lvl4pPr>
+            <a:lvl5pPr indent="0">
+              <a:spcBef>
+                <a:spcPct val="20000"/>
+              </a:spcBef>
+              <a:buClr>
+                <a:schemeClr val="accent1"/>
+              </a:buClr>
+              <a:buFontTx/>
+              <a:buNone/>
+              <a:defRPr sz="2000" b="0" i="0">
+                <a:latin typeface="Fira Sans"/>
+                <a:cs typeface="Fira Sans"/>
+              </a:defRPr>
+            </a:lvl5pPr>
+            <a:lvl6pPr marL="2514600" indent="-228600">
+              <a:spcBef>
+                <a:spcPct val="20000"/>
+              </a:spcBef>
+              <a:buFont typeface="Arial"/>
+              <a:buChar char="•"/>
+              <a:defRPr sz="2000"/>
+            </a:lvl6pPr>
+            <a:lvl7pPr marL="2971800" indent="-228600">
+              <a:spcBef>
+                <a:spcPct val="20000"/>
+              </a:spcBef>
+              <a:buFont typeface="Arial"/>
+              <a:buChar char="•"/>
+              <a:defRPr sz="2000"/>
+            </a:lvl7pPr>
+            <a:lvl8pPr marL="3429000" indent="-228600">
+              <a:spcBef>
+                <a:spcPct val="20000"/>
+              </a:spcBef>
+              <a:buFont typeface="Arial"/>
+              <a:buChar char="•"/>
+              <a:defRPr sz="2000"/>
+            </a:lvl8pPr>
+            <a:lvl9pPr marL="3886200" indent="-228600">
+              <a:spcBef>
+                <a:spcPct val="20000"/>
+              </a:spcBef>
+              <a:buFont typeface="Arial"/>
+              <a:buChar char="•"/>
+              <a:defRPr sz="2000"/>
+            </a:lvl9pPr>
+          </a:lstStyle>
+          <a:p>
+            <a:r>
+              <a:rPr lang="de-DE" dirty="0" err="1" smtClean="0"/>
+              <a:t>ePackages</a:t>
+            </a:r>
+            <a:r>
+              <a:rPr lang="de-DE" dirty="0" smtClean="0"/>
+              <a:t> des </a:t>
+            </a:r>
+            <a:r>
+              <a:rPr lang="de-DE" dirty="0" smtClean="0">
+                <a:latin typeface="Fira Mono OT"/>
+                <a:cs typeface="Fira Mono OT"/>
+              </a:rPr>
+              <a:t>.</a:t>
+            </a:r>
+            <a:r>
+              <a:rPr lang="de-DE" dirty="0" err="1" smtClean="0">
+                <a:latin typeface="Fira Mono OT"/>
+                <a:cs typeface="Fira Mono OT"/>
+              </a:rPr>
+              <a:t>ecore</a:t>
+            </a:r>
+            <a:r>
+              <a:rPr lang="de-DE" dirty="0" smtClean="0"/>
+              <a:t>-Modells laden</a:t>
+            </a:r>
+          </a:p>
+          <a:p>
+            <a:r>
+              <a:rPr lang="de-DE" dirty="0" smtClean="0"/>
+              <a:t>Modell einlesen</a:t>
+            </a:r>
+          </a:p>
+          <a:p>
+            <a:r>
+              <a:rPr lang="de-DE" dirty="0" smtClean="0"/>
+              <a:t>Code-Generator aufrufen</a:t>
+            </a:r>
+            <a:endParaRPr lang="de-DE" dirty="0"/>
+          </a:p>
+        </p:txBody>
+      </p:sp>
+      <p:sp>
+        <p:nvSpPr>
+          <p:cNvPr id="26" name="Textfeld 25"/>
+          <p:cNvSpPr txBox="1"/>
+          <p:nvPr/>
+        </p:nvSpPr>
+        <p:spPr>
+          <a:xfrm>
+            <a:off x="4392916" y="4600232"/>
+            <a:ext cx="4523366" cy="833408"/>
+          </a:xfrm>
+          <a:prstGeom prst="rect">
+            <a:avLst/>
+          </a:prstGeom>
+        </p:spPr>
+        <p:txBody>
+          <a:bodyPr vert="horz" lIns="91440" tIns="45720" rIns="91440" bIns="45720" rtlCol="0">
+            <a:normAutofit fontScale="55000" lnSpcReduction="20000"/>
+          </a:bodyPr>
+          <a:lstStyle>
+            <a:lvl1pPr marL="342900" indent="-342900">
+              <a:lnSpc>
+                <a:spcPct val="120000"/>
+              </a:lnSpc>
+              <a:spcBef>
+                <a:spcPct val="20000"/>
+              </a:spcBef>
+              <a:spcAft>
+                <a:spcPts val="600"/>
+              </a:spcAft>
+              <a:buClr>
+                <a:schemeClr val="accent1"/>
+              </a:buClr>
+              <a:buFont typeface="Wingdings" charset="2"/>
+              <a:buChar char="§"/>
+              <a:defRPr sz="3200" b="0" i="0">
+                <a:latin typeface="Fira Sans"/>
+                <a:cs typeface="Fira Sans"/>
+              </a:defRPr>
+            </a:lvl1pPr>
+            <a:lvl2pPr marL="742950" lvl="1" indent="-285750">
+              <a:lnSpc>
+                <a:spcPct val="120000"/>
+              </a:lnSpc>
+              <a:spcBef>
+                <a:spcPct val="20000"/>
+              </a:spcBef>
+              <a:spcAft>
+                <a:spcPts val="600"/>
+              </a:spcAft>
+              <a:buClr>
+                <a:schemeClr val="accent1"/>
+              </a:buClr>
+              <a:buFont typeface="Lucida Grande"/>
+              <a:buChar char="»"/>
+              <a:defRPr sz="2800" b="0" i="0">
+                <a:solidFill>
+                  <a:schemeClr val="bg1">
+                    <a:lumMod val="50000"/>
+                  </a:schemeClr>
+                </a:solidFill>
+                <a:latin typeface="Fira Sans"/>
+                <a:cs typeface="Fira Sans"/>
+              </a:defRPr>
+            </a:lvl2pPr>
+            <a:lvl3pPr marL="1143000" indent="-228600">
+              <a:spcBef>
+                <a:spcPct val="20000"/>
+              </a:spcBef>
+              <a:buClr>
+                <a:schemeClr val="accent1"/>
+              </a:buClr>
+              <a:buFont typeface="Arial"/>
+              <a:buChar char="•"/>
+              <a:defRPr sz="2400" b="0" i="0">
+                <a:latin typeface="Fira Sans"/>
+                <a:cs typeface="Fira Sans"/>
+              </a:defRPr>
+            </a:lvl3pPr>
+            <a:lvl4pPr marL="1600200" indent="-228600">
+              <a:spcBef>
+                <a:spcPct val="20000"/>
+              </a:spcBef>
+              <a:buClr>
+                <a:schemeClr val="accent1"/>
+              </a:buClr>
+              <a:buFont typeface="Arial"/>
+              <a:buChar char="–"/>
+              <a:defRPr sz="2000" b="0" i="0">
+                <a:latin typeface="Fira Sans"/>
+                <a:cs typeface="Fira Sans"/>
+              </a:defRPr>
+            </a:lvl4pPr>
+            <a:lvl5pPr indent="0">
+              <a:spcBef>
+                <a:spcPct val="20000"/>
+              </a:spcBef>
+              <a:buClr>
+                <a:schemeClr val="accent1"/>
+              </a:buClr>
+              <a:buFontTx/>
+              <a:buNone/>
+              <a:defRPr sz="2000" b="0" i="0">
+                <a:latin typeface="Fira Sans"/>
+                <a:cs typeface="Fira Sans"/>
+              </a:defRPr>
+            </a:lvl5pPr>
+            <a:lvl6pPr marL="2514600" indent="-228600">
+              <a:spcBef>
+                <a:spcPct val="20000"/>
+              </a:spcBef>
+              <a:buFont typeface="Arial"/>
+              <a:buChar char="•"/>
+              <a:defRPr sz="2000"/>
+            </a:lvl6pPr>
+            <a:lvl7pPr marL="2971800" indent="-228600">
+              <a:spcBef>
+                <a:spcPct val="20000"/>
+              </a:spcBef>
+              <a:buFont typeface="Arial"/>
+              <a:buChar char="•"/>
+              <a:defRPr sz="2000"/>
+            </a:lvl7pPr>
+            <a:lvl8pPr marL="3429000" indent="-228600">
+              <a:spcBef>
+                <a:spcPct val="20000"/>
+              </a:spcBef>
+              <a:buFont typeface="Arial"/>
+              <a:buChar char="•"/>
+              <a:defRPr sz="2000"/>
+            </a:lvl8pPr>
+            <a:lvl9pPr marL="3886200" indent="-228600">
+              <a:spcBef>
+                <a:spcPct val="20000"/>
+              </a:spcBef>
+              <a:buFont typeface="Arial"/>
+              <a:buChar char="•"/>
+              <a:defRPr sz="2000"/>
+            </a:lvl9pPr>
+          </a:lstStyle>
+          <a:p>
+            <a:r>
+              <a:rPr lang="de-DE" dirty="0" smtClean="0"/>
+              <a:t>Code Templates</a:t>
+            </a:r>
+          </a:p>
+          <a:p>
+            <a:r>
+              <a:rPr lang="de-DE" dirty="0" smtClean="0"/>
+              <a:t>Export in Java-Dateien</a:t>
+            </a:r>
+            <a:endParaRPr lang="de-DE" dirty="0"/>
+          </a:p>
+        </p:txBody>
+      </p:sp>
+    </p:spTree>
+    <p:extLst>
+      <p:ext uri="{BB962C8B-B14F-4D97-AF65-F5344CB8AC3E}">
+        <p14:creationId xmlns:p14="http://schemas.microsoft.com/office/powerpoint/2010/main" val="2077834166"/>
+      </p:ext>
+    </p:extLst>
+  </p:cSld>
+  <p:clrMapOvr>
+    <a:masterClrMapping/>
+  </p:clrMapOvr>
+  <p:timing>
+    <p:tnLst>
+      <p:par>
+        <p:cTn id="1" dur="indefinite" restart="never" nodeType="tmRoot">
+          <p:childTnLst>
+            <p:seq concurrent="1" nextAc="seek">
+              <p:cTn id="2" dur="indefinite" nodeType="mainSeq">
+                <p:childTnLst>
+                  <p:par>
+                    <p:cTn id="3" fill="hold">
+                      <p:stCondLst>
+                        <p:cond delay="indefinite"/>
+                      </p:stCondLst>
+                      <p:childTnLst>
+                        <p:par>
+                          <p:cTn id="4" fill="hold">
+                            <p:stCondLst>
+                              <p:cond delay="0"/>
+                            </p:stCondLst>
+                            <p:childTnLst>
+                              <p:par>
+                                <p:cTn id="5" presetID="1" presetClass="entr" presetSubtype="0" fill="hold" nodeType="clickEffect">
+                                  <p:stCondLst>
+                                    <p:cond delay="0"/>
+                                  </p:stCondLst>
+                                  <p:childTnLst>
+                                    <p:set>
+                                      <p:cBhvr>
+                                        <p:cTn id="6" dur="1" fill="hold">
+                                          <p:stCondLst>
+                                            <p:cond delay="0"/>
+                                          </p:stCondLst>
+                                        </p:cTn>
+                                        <p:tgtEl>
+                                          <p:spTgt spid="5"/>
+                                        </p:tgtEl>
+                                        <p:attrNameLst>
+                                          <p:attrName>style.visibility</p:attrName>
+                                        </p:attrNameLst>
+                                      </p:cBhvr>
+                                      <p:to>
+                                        <p:strVal val="visible"/>
+                                      </p:to>
+                                    </p:set>
+                                  </p:childTnLst>
+                                </p:cTn>
+                              </p:par>
+                            </p:childTnLst>
+                          </p:cTn>
+                        </p:par>
+                      </p:childTnLst>
+                    </p:cTn>
+                  </p:par>
+                  <p:par>
+                    <p:cTn id="7" fill="hold">
+                      <p:stCondLst>
+                        <p:cond delay="indefinite"/>
+                      </p:stCondLst>
+                      <p:childTnLst>
+                        <p:par>
+                          <p:cTn id="8" fill="hold">
+                            <p:stCondLst>
+                              <p:cond delay="0"/>
+                            </p:stCondLst>
+                            <p:childTnLst>
+                              <p:par>
+                                <p:cTn id="9" presetID="1" presetClass="entr" presetSubtype="0" fill="hold" grpId="0" nodeType="clickEffect">
+                                  <p:stCondLst>
+                                    <p:cond delay="0"/>
+                                  </p:stCondLst>
+                                  <p:childTnLst>
+                                    <p:set>
+                                      <p:cBhvr>
+                                        <p:cTn id="10" dur="1" fill="hold">
+                                          <p:stCondLst>
+                                            <p:cond delay="0"/>
+                                          </p:stCondLst>
+                                        </p:cTn>
+                                        <p:tgtEl>
+                                          <p:spTgt spid="23"/>
+                                        </p:tgtEl>
+                                        <p:attrNameLst>
+                                          <p:attrName>style.visibility</p:attrName>
+                                        </p:attrNameLst>
+                                      </p:cBhvr>
+                                      <p:to>
+                                        <p:strVal val="visible"/>
+                                      </p:to>
+                                    </p:set>
+                                  </p:childTnLst>
+                                </p:cTn>
+                              </p:par>
+                            </p:childTnLst>
+                          </p:cTn>
+                        </p:par>
+                      </p:childTnLst>
+                    </p:cTn>
+                  </p:par>
+                  <p:par>
+                    <p:cTn id="11" fill="hold">
+                      <p:stCondLst>
+                        <p:cond delay="indefinite"/>
+                      </p:stCondLst>
+                      <p:childTnLst>
+                        <p:par>
+                          <p:cTn id="12" fill="hold">
+                            <p:stCondLst>
+                              <p:cond delay="0"/>
+                            </p:stCondLst>
+                            <p:childTnLst>
+                              <p:par>
+                                <p:cTn id="13" presetID="1" presetClass="entr" presetSubtype="0" fill="hold" grpId="0" nodeType="clickEffect">
+                                  <p:stCondLst>
+                                    <p:cond delay="0"/>
+                                  </p:stCondLst>
+                                  <p:childTnLst>
+                                    <p:set>
+                                      <p:cBhvr>
+                                        <p:cTn id="14" dur="1" fill="hold">
+                                          <p:stCondLst>
+                                            <p:cond delay="0"/>
+                                          </p:stCondLst>
+                                        </p:cTn>
+                                        <p:tgtEl>
+                                          <p:spTgt spid="8"/>
+                                        </p:tgtEl>
+                                        <p:attrNameLst>
+                                          <p:attrName>style.visibility</p:attrName>
+                                        </p:attrNameLst>
+                                      </p:cBhvr>
+                                      <p:to>
+                                        <p:strVal val="visible"/>
+                                      </p:to>
+                                    </p:set>
+                                  </p:childTnLst>
+                                </p:cTn>
+                              </p:par>
+                              <p:par>
+                                <p:cTn id="15" presetID="1" presetClass="entr" presetSubtype="0" fill="hold" nodeType="withEffect">
+                                  <p:stCondLst>
+                                    <p:cond delay="0"/>
+                                  </p:stCondLst>
+                                  <p:childTnLst>
+                                    <p:set>
+                                      <p:cBhvr>
+                                        <p:cTn id="16" dur="1" fill="hold">
+                                          <p:stCondLst>
+                                            <p:cond delay="0"/>
+                                          </p:stCondLst>
+                                        </p:cTn>
+                                        <p:tgtEl>
+                                          <p:spTgt spid="9"/>
+                                        </p:tgtEl>
+                                        <p:attrNameLst>
+                                          <p:attrName>style.visibility</p:attrName>
+                                        </p:attrNameLst>
+                                      </p:cBhvr>
+                                      <p:to>
+                                        <p:strVal val="visible"/>
+                                      </p:to>
+                                    </p:set>
+                                  </p:childTnLst>
+                                </p:cTn>
+                              </p:par>
+                            </p:childTnLst>
+                          </p:cTn>
+                        </p:par>
+                      </p:childTnLst>
+                    </p:cTn>
+                  </p:par>
+                  <p:par>
+                    <p:cTn id="17" fill="hold">
+                      <p:stCondLst>
+                        <p:cond delay="indefinite"/>
+                      </p:stCondLst>
+                      <p:childTnLst>
+                        <p:par>
+                          <p:cTn id="18" fill="hold">
+                            <p:stCondLst>
+                              <p:cond delay="0"/>
+                            </p:stCondLst>
+                            <p:childTnLst>
+                              <p:par>
+                                <p:cTn id="19" presetID="1" presetClass="entr" presetSubtype="0" fill="hold" grpId="0" nodeType="clickEffect">
+                                  <p:stCondLst>
+                                    <p:cond delay="0"/>
+                                  </p:stCondLst>
+                                  <p:childTnLst>
+                                    <p:set>
+                                      <p:cBhvr>
+                                        <p:cTn id="20" dur="1" fill="hold">
+                                          <p:stCondLst>
+                                            <p:cond delay="0"/>
+                                          </p:stCondLst>
+                                        </p:cTn>
+                                        <p:tgtEl>
+                                          <p:spTgt spid="25"/>
+                                        </p:tgtEl>
+                                        <p:attrNameLst>
+                                          <p:attrName>style.visibility</p:attrName>
+                                        </p:attrNameLst>
+                                      </p:cBhvr>
+                                      <p:to>
+                                        <p:strVal val="visible"/>
+                                      </p:to>
+                                    </p:set>
+                                  </p:childTnLst>
+                                </p:cTn>
+                              </p:par>
+                            </p:childTnLst>
+                          </p:cTn>
+                        </p:par>
+                      </p:childTnLst>
+                    </p:cTn>
+                  </p:par>
+                  <p:par>
+                    <p:cTn id="21" fill="hold">
+                      <p:stCondLst>
+                        <p:cond delay="indefinite"/>
+                      </p:stCondLst>
+                      <p:childTnLst>
+                        <p:par>
+                          <p:cTn id="22" fill="hold">
+                            <p:stCondLst>
+                              <p:cond delay="0"/>
+                            </p:stCondLst>
+                            <p:childTnLst>
+                              <p:par>
+                                <p:cTn id="23" presetID="1" presetClass="entr" presetSubtype="0" fill="hold" grpId="0" nodeType="clickEffect">
+                                  <p:stCondLst>
+                                    <p:cond delay="0"/>
+                                  </p:stCondLst>
+                                  <p:childTnLst>
+                                    <p:set>
+                                      <p:cBhvr>
+                                        <p:cTn id="24" dur="1" fill="hold">
+                                          <p:stCondLst>
+                                            <p:cond delay="0"/>
+                                          </p:stCondLst>
+                                        </p:cTn>
+                                        <p:tgtEl>
+                                          <p:spTgt spid="12"/>
+                                        </p:tgtEl>
+                                        <p:attrNameLst>
+                                          <p:attrName>style.visibility</p:attrName>
+                                        </p:attrNameLst>
+                                      </p:cBhvr>
+                                      <p:to>
+                                        <p:strVal val="visible"/>
+                                      </p:to>
+                                    </p:set>
+                                  </p:childTnLst>
+                                </p:cTn>
+                              </p:par>
+                              <p:par>
+                                <p:cTn id="25" presetID="1" presetClass="entr" presetSubtype="0" fill="hold" nodeType="withEffect">
+                                  <p:stCondLst>
+                                    <p:cond delay="0"/>
+                                  </p:stCondLst>
+                                  <p:childTnLst>
+                                    <p:set>
+                                      <p:cBhvr>
+                                        <p:cTn id="26" dur="1" fill="hold">
+                                          <p:stCondLst>
+                                            <p:cond delay="0"/>
+                                          </p:stCondLst>
+                                        </p:cTn>
+                                        <p:tgtEl>
+                                          <p:spTgt spid="13"/>
+                                        </p:tgtEl>
+                                        <p:attrNameLst>
+                                          <p:attrName>style.visibility</p:attrName>
+                                        </p:attrNameLst>
+                                      </p:cBhvr>
+                                      <p:to>
+                                        <p:strVal val="visible"/>
+                                      </p:to>
+                                    </p:set>
+                                  </p:childTnLst>
+                                </p:cTn>
+                              </p:par>
+                            </p:childTnLst>
+                          </p:cTn>
+                        </p:par>
+                      </p:childTnLst>
+                    </p:cTn>
+                  </p:par>
+                  <p:par>
+                    <p:cTn id="27" fill="hold">
+                      <p:stCondLst>
+                        <p:cond delay="indefinite"/>
+                      </p:stCondLst>
+                      <p:childTnLst>
+                        <p:par>
+                          <p:cTn id="28" fill="hold">
+                            <p:stCondLst>
+                              <p:cond delay="0"/>
+                            </p:stCondLst>
+                            <p:childTnLst>
+                              <p:par>
+                                <p:cTn id="29" presetID="1" presetClass="entr" presetSubtype="0" fill="hold" grpId="0" nodeType="clickEffect">
+                                  <p:stCondLst>
+                                    <p:cond delay="0"/>
+                                  </p:stCondLst>
+                                  <p:childTnLst>
+                                    <p:set>
+                                      <p:cBhvr>
+                                        <p:cTn id="30" dur="1" fill="hold">
+                                          <p:stCondLst>
+                                            <p:cond delay="0"/>
+                                          </p:stCondLst>
+                                        </p:cTn>
+                                        <p:tgtEl>
+                                          <p:spTgt spid="26"/>
+                                        </p:tgtEl>
+                                        <p:attrNameLst>
+                                          <p:attrName>style.visibility</p:attrName>
+                                        </p:attrNameLst>
+                                      </p:cBhvr>
+                                      <p:to>
+                                        <p:strVal val="visible"/>
+                                      </p:to>
+                                    </p:set>
+                                  </p:childTnLst>
+                                </p:cTn>
+                              </p:par>
+                            </p:childTnLst>
+                          </p:cTn>
+                        </p:par>
+                      </p:childTnLst>
+                    </p:cTn>
+                  </p:par>
+                  <p:par>
+                    <p:cTn id="31" fill="hold">
+                      <p:stCondLst>
+                        <p:cond delay="indefinite"/>
+                      </p:stCondLst>
+                      <p:childTnLst>
+                        <p:par>
+                          <p:cTn id="32" fill="hold">
+                            <p:stCondLst>
+                              <p:cond delay="0"/>
+                            </p:stCondLst>
+                            <p:childTnLst>
+                              <p:par>
+                                <p:cTn id="33" presetID="1" presetClass="entr" presetSubtype="0" fill="hold" grpId="0" nodeType="clickEffect">
+                                  <p:stCondLst>
+                                    <p:cond delay="0"/>
+                                  </p:stCondLst>
+                                  <p:childTnLst>
+                                    <p:set>
+                                      <p:cBhvr>
+                                        <p:cTn id="34" dur="1" fill="hold">
+                                          <p:stCondLst>
+                                            <p:cond delay="0"/>
+                                          </p:stCondLst>
+                                        </p:cTn>
+                                        <p:tgtEl>
+                                          <p:spTgt spid="16"/>
+                                        </p:tgtEl>
+                                        <p:attrNameLst>
+                                          <p:attrName>style.visibility</p:attrName>
+                                        </p:attrNameLst>
+                                      </p:cBhvr>
+                                      <p:to>
+                                        <p:strVal val="visible"/>
+                                      </p:to>
+                                    </p:set>
+                                  </p:childTnLst>
+                                </p:cTn>
+                              </p:par>
+                              <p:par>
+                                <p:cTn id="35" presetID="1" presetClass="entr" presetSubtype="0" fill="hold" nodeType="withEffect">
+                                  <p:stCondLst>
+                                    <p:cond delay="0"/>
+                                  </p:stCondLst>
+                                  <p:childTnLst>
+                                    <p:set>
+                                      <p:cBhvr>
+                                        <p:cTn id="36" dur="1" fill="hold">
+                                          <p:stCondLst>
+                                            <p:cond delay="0"/>
+                                          </p:stCondLst>
+                                        </p:cTn>
+                                        <p:tgtEl>
+                                          <p:spTgt spid="21"/>
+                                        </p:tgtEl>
+                                        <p:attrNameLst>
+                                          <p:attrName>style.visibility</p:attrName>
+                                        </p:attrNameLst>
+                                      </p:cBhvr>
+                                      <p:to>
+                                        <p:strVal val="visible"/>
+                                      </p:to>
+                                    </p:set>
+                                  </p:childTnLst>
+                                </p:cTn>
+                              </p:par>
+                            </p:childTnLst>
+                          </p:cTn>
+                        </p:par>
+                      </p:childTnLst>
+                    </p:cTn>
+                  </p:par>
+                </p:childTnLst>
+              </p:cTn>
+              <p:prevCondLst>
+                <p:cond evt="onPrev" delay="0">
+                  <p:tgtEl>
+                    <p:sldTgt/>
+                  </p:tgtEl>
+                </p:cond>
+              </p:prevCondLst>
+              <p:nextCondLst>
+                <p:cond evt="onNext" delay="0">
+                  <p:tgtEl>
+                    <p:sldTgt/>
+                  </p:tgtEl>
+                </p:cond>
+              </p:nextCondLst>
+            </p:seq>
+          </p:childTnLst>
+        </p:cTn>
+      </p:par>
+    </p:tnLst>
+    <p:bldLst>
+      <p:bldP spid="8" grpId="0" animBg="1"/>
+      <p:bldP spid="12" grpId="0" animBg="1"/>
+      <p:bldP spid="16" grpId="0" animBg="1"/>
+      <p:bldP spid="23" grpId="0"/>
+      <p:bldP spid="25" grpId="0"/>
+      <p:bldP spid="26" grpId="0"/>
+    </p:bldLst>
+  </p:timing>
+</p:sld>
+</file>
+
+<file path=ppt/slides/slide14.xml><?xml version="1.0" encoding="utf-8"?>
+<p:sld xmlns:a="http://schemas.openxmlformats.org/drawingml/2006/main" xmlns:r="http://schemas.openxmlformats.org/officeDocument/2006/relationships" xmlns:p="http://schemas.openxmlformats.org/presentationml/2006/main">
+  <p:cSld>
+    <p:spTree>
+      <p:nvGrpSpPr>
+        <p:cNvPr id="1" name=""/>
+        <p:cNvGrpSpPr/>
+        <p:nvPr/>
+      </p:nvGrpSpPr>
+      <p:grpSpPr>
+        <a:xfrm>
+          <a:off x="0" y="0"/>
+          <a:ext cx="0" cy="0"/>
+          <a:chOff x="0" y="0"/>
+          <a:chExt cx="0" cy="0"/>
+        </a:xfrm>
+      </p:grpSpPr>
+      <p:sp>
+        <p:nvSpPr>
+          <p:cNvPr id="2" name="Titel 1"/>
+          <p:cNvSpPr>
+            <a:spLocks noGrp="1"/>
+          </p:cNvSpPr>
+          <p:nvPr>
+            <p:ph type="title"/>
+          </p:nvPr>
+        </p:nvSpPr>
+        <p:spPr/>
+        <p:txBody>
+          <a:bodyPr/>
+          <a:lstStyle/>
+          <a:p>
+            <a:r>
+              <a:rPr lang="de-DE" dirty="0" err="1" smtClean="0"/>
+              <a:t>Lessons</a:t>
+            </a:r>
+            <a:r>
+              <a:rPr lang="de-DE" dirty="0" smtClean="0"/>
+              <a:t> </a:t>
+            </a:r>
+            <a:r>
+              <a:rPr lang="de-DE" dirty="0" err="1"/>
+              <a:t>L</a:t>
+            </a:r>
+            <a:r>
+              <a:rPr lang="de-DE" dirty="0" err="1" smtClean="0"/>
+              <a:t>earned</a:t>
+            </a:r>
+            <a:endParaRPr lang="de-DE" dirty="0"/>
+          </a:p>
+        </p:txBody>
+      </p:sp>
+      <p:sp>
+        <p:nvSpPr>
+          <p:cNvPr id="3" name="Inhaltsplatzhalter 2"/>
+          <p:cNvSpPr>
+            <a:spLocks noGrp="1"/>
+          </p:cNvSpPr>
+          <p:nvPr>
+            <p:ph idx="1"/>
+          </p:nvPr>
+        </p:nvSpPr>
+        <p:spPr>
+          <a:xfrm>
+            <a:off x="693942" y="1492720"/>
+            <a:ext cx="7992858" cy="4633443"/>
+          </a:xfrm>
+        </p:spPr>
+        <p:txBody>
+          <a:bodyPr>
+            <a:normAutofit fontScale="92500" lnSpcReduction="20000"/>
+          </a:bodyPr>
+          <a:lstStyle/>
+          <a:p>
+            <a:pPr>
+              <a:lnSpc>
+                <a:spcPct val="120000"/>
+              </a:lnSpc>
+              <a:spcAft>
+                <a:spcPts val="600"/>
+              </a:spcAft>
+            </a:pPr>
+            <a:r>
+              <a:rPr lang="de-DE" dirty="0" smtClean="0"/>
+              <a:t>Dokumentation zeigt oft nur „einfache“ Beispiele ohne Eingabemodelle</a:t>
+            </a:r>
+          </a:p>
+          <a:p>
+            <a:pPr lvl="1">
+              <a:lnSpc>
+                <a:spcPct val="120000"/>
+              </a:lnSpc>
+              <a:spcAft>
+                <a:spcPts val="600"/>
+              </a:spcAft>
+            </a:pPr>
+            <a:r>
+              <a:rPr lang="de-DE" dirty="0" smtClean="0"/>
+              <a:t>lange Fehlersuche</a:t>
+            </a:r>
+          </a:p>
+          <a:p>
+            <a:pPr lvl="1">
+              <a:lnSpc>
+                <a:spcPct val="120000"/>
+              </a:lnSpc>
+              <a:spcAft>
+                <a:spcPts val="600"/>
+              </a:spcAft>
+            </a:pPr>
+            <a:r>
+              <a:rPr lang="de-DE" dirty="0" smtClean="0"/>
+              <a:t>viel „Ausprobieren“</a:t>
+            </a:r>
+          </a:p>
+          <a:p>
+            <a:pPr>
+              <a:lnSpc>
+                <a:spcPct val="120000"/>
+              </a:lnSpc>
+              <a:spcAft>
+                <a:spcPts val="600"/>
+              </a:spcAft>
+            </a:pPr>
+            <a:r>
+              <a:rPr lang="de-DE" dirty="0" smtClean="0"/>
+              <a:t>Handhabung von Zeilenumbrüchen mit </a:t>
+            </a:r>
+            <a:r>
+              <a:rPr lang="de-DE" dirty="0" err="1" smtClean="0"/>
+              <a:t>Xtend</a:t>
+            </a:r>
+            <a:r>
+              <a:rPr lang="de-DE" dirty="0" smtClean="0"/>
+              <a:t> recht aufwendig</a:t>
+            </a:r>
+          </a:p>
+          <a:p>
+            <a:pPr lvl="1">
+              <a:lnSpc>
+                <a:spcPct val="120000"/>
+              </a:lnSpc>
+              <a:spcAft>
+                <a:spcPts val="600"/>
+              </a:spcAft>
+            </a:pPr>
+            <a:r>
+              <a:rPr lang="de-DE" dirty="0" smtClean="0"/>
+              <a:t>einige unschöne Workarounds</a:t>
+            </a:r>
+          </a:p>
+          <a:p>
+            <a:pPr>
+              <a:lnSpc>
+                <a:spcPct val="120000"/>
+              </a:lnSpc>
+              <a:spcAft>
+                <a:spcPts val="600"/>
+              </a:spcAft>
+            </a:pPr>
+            <a:r>
+              <a:rPr lang="de-DE" dirty="0" smtClean="0"/>
+              <a:t>Templates sind eine gute Sache</a:t>
+            </a:r>
+          </a:p>
+        </p:txBody>
+      </p:sp>
+      <p:sp>
+        <p:nvSpPr>
+          <p:cNvPr id="4" name="Foliennummernplatzhalter 3"/>
+          <p:cNvSpPr>
+            <a:spLocks noGrp="1"/>
+          </p:cNvSpPr>
+          <p:nvPr>
+            <p:ph type="sldNum" sz="quarter" idx="10"/>
+          </p:nvPr>
+        </p:nvSpPr>
+        <p:spPr/>
+        <p:txBody>
+          <a:bodyPr/>
+          <a:lstStyle/>
+          <a:p>
+            <a:fld id="{1215FA07-EE23-A948-A6ED-56C5FE5A7EE4}" type="slidenum">
+              <a:rPr lang="de-DE" smtClean="0"/>
+              <a:t>14</a:t>
+            </a:fld>
+            <a:endParaRPr lang="de-DE"/>
+          </a:p>
+        </p:txBody>
+      </p:sp>
+    </p:spTree>
+    <p:extLst>
+      <p:ext uri="{BB962C8B-B14F-4D97-AF65-F5344CB8AC3E}">
+        <p14:creationId xmlns:p14="http://schemas.microsoft.com/office/powerpoint/2010/main" val="2815964202"/>
+      </p:ext>
+    </p:extLst>
+  </p:cSld>
+  <p:clrMapOvr>
+    <a:masterClrMapping/>
+  </p:clrMapOvr>
+  <p:timing>
+    <p:tnLst>
+      <p:par>
+        <p:cTn id="1" dur="indefinite" restart="never" nodeType="tmRoot"/>
+      </p:par>
+    </p:tnLst>
+  </p:timing>
+</p:sld>
+</file>
+
+<file path=ppt/slides/slide15.xml><?xml version="1.0" encoding="utf-8"?>
+<p:sld xmlns:a="http://schemas.openxmlformats.org/drawingml/2006/main" xmlns:r="http://schemas.openxmlformats.org/officeDocument/2006/relationships" xmlns:p="http://schemas.openxmlformats.org/presentationml/2006/main">
+  <p:cSld>
+    <p:spTree>
+      <p:nvGrpSpPr>
+        <p:cNvPr id="1" name=""/>
+        <p:cNvGrpSpPr/>
+        <p:nvPr/>
+      </p:nvGrpSpPr>
+      <p:grpSpPr>
+        <a:xfrm>
+          <a:off x="0" y="0"/>
+          <a:ext cx="0" cy="0"/>
+          <a:chOff x="0" y="0"/>
+          <a:chExt cx="0" cy="0"/>
+        </a:xfrm>
+      </p:grpSpPr>
+      <p:sp>
+        <p:nvSpPr>
+          <p:cNvPr id="2" name="Titel 1"/>
+          <p:cNvSpPr>
+            <a:spLocks noGrp="1"/>
+          </p:cNvSpPr>
+          <p:nvPr>
+            <p:ph type="title"/>
+          </p:nvPr>
+        </p:nvSpPr>
+        <p:spPr/>
+        <p:txBody>
+          <a:bodyPr/>
+          <a:lstStyle/>
+          <a:p>
+            <a:r>
+              <a:rPr lang="de-DE" dirty="0" smtClean="0"/>
               <a:t>grafischer Editor (Sirius)</a:t>
             </a:r>
             <a:endParaRPr lang="de-DE" dirty="0"/>
@@ -3539,14 +6049,14 @@
   <p:timing>
     <p:tnLst>
       <p:par>
-        <p:cTn xmlns:p14="http://schemas.microsoft.com/office/powerpoint/2010/main" id="1" dur="indefinite" restart="never" nodeType="tmRoot"/>
+        <p:cTn id="1" dur="indefinite" restart="never" nodeType="tmRoot"/>
       </p:par>
     </p:tnLst>
   </p:timing>
 </p:sld>
 </file>
 
-<file path=ppt/slides/slide12.xml><?xml version="1.0" encoding="utf-8"?>
+<file path=ppt/slides/slide16.xml><?xml version="1.0" encoding="utf-8"?>
 <p:sld xmlns:a="http://schemas.openxmlformats.org/drawingml/2006/main" xmlns:r="http://schemas.openxmlformats.org/officeDocument/2006/relationships" xmlns:p="http://schemas.openxmlformats.org/presentationml/2006/main">
   <p:cSld>
     <p:spTree>
@@ -3633,14 +6143,14 @@
   <p:timing>
     <p:tnLst>
       <p:par>
-        <p:cTn xmlns:p14="http://schemas.microsoft.com/office/powerpoint/2010/main" id="1" dur="indefinite" restart="never" nodeType="tmRoot"/>
+        <p:cTn id="1" dur="indefinite" restart="never" nodeType="tmRoot"/>
       </p:par>
     </p:tnLst>
   </p:timing>
 </p:sld>
 </file>
 
-<file path=ppt/slides/slide13.xml><?xml version="1.0" encoding="utf-8"?>
+<file path=ppt/slides/slide17.xml><?xml version="1.0" encoding="utf-8"?>
 <p:sld xmlns:a="http://schemas.openxmlformats.org/drawingml/2006/main" xmlns:r="http://schemas.openxmlformats.org/officeDocument/2006/relationships" xmlns:p="http://schemas.openxmlformats.org/presentationml/2006/main">
   <p:cSld>
     <p:spTree>
@@ -3697,7 +6207,7 @@
           <a:p>
             <a:fld id="{1215FA07-EE23-A948-A6ED-56C5FE5A7EE4}" type="slidenum">
               <a:rPr lang="de-DE" smtClean="0"/>
-              <a:t>13</a:t>
+              <a:t>17</a:t>
             </a:fld>
             <a:endParaRPr lang="de-DE"/>
           </a:p>
@@ -4145,7 +6655,7 @@
   <p:timing>
     <p:tnLst>
       <p:par>
-        <p:cTn xmlns:p14="http://schemas.microsoft.com/office/powerpoint/2010/main" id="1" dur="indefinite" restart="never" nodeType="tmRoot">
+        <p:cTn id="1" dur="indefinite" restart="never" nodeType="tmRoot">
           <p:childTnLst>
             <p:seq concurrent="1" nextAc="seek">
               <p:cTn id="2" dur="indefinite" nodeType="mainSeq">
@@ -4337,7 +6847,7 @@
 </p:sld>
 </file>
 
-<file path=ppt/slides/slide14.xml><?xml version="1.0" encoding="utf-8"?>
+<file path=ppt/slides/slide18.xml><?xml version="1.0" encoding="utf-8"?>
 <p:sld xmlns:a="http://schemas.openxmlformats.org/drawingml/2006/main" xmlns:r="http://schemas.openxmlformats.org/officeDocument/2006/relationships" xmlns:p="http://schemas.openxmlformats.org/presentationml/2006/main">
   <p:cSld>
     <p:spTree>
@@ -4440,7 +6950,7 @@
           <a:p>
             <a:fld id="{1215FA07-EE23-A948-A6ED-56C5FE5A7EE4}" type="slidenum">
               <a:rPr lang="de-DE" smtClean="0"/>
-              <a:t>14</a:t>
+              <a:t>18</a:t>
             </a:fld>
             <a:endParaRPr lang="de-DE"/>
           </a:p>
@@ -4670,7 +7180,7 @@
   <p:timing>
     <p:tnLst>
       <p:par>
-        <p:cTn xmlns:p14="http://schemas.microsoft.com/office/powerpoint/2010/main" id="1" dur="indefinite" restart="never" nodeType="tmRoot">
+        <p:cTn id="1" dur="indefinite" restart="never" nodeType="tmRoot">
           <p:childTnLst>
             <p:seq concurrent="1" nextAc="seek">
               <p:cTn id="2" dur="indefinite" nodeType="mainSeq">
@@ -4790,7 +7300,7 @@
 </p:sld>
 </file>
 
-<file path=ppt/slides/slide15.xml><?xml version="1.0" encoding="utf-8"?>
+<file path=ppt/slides/slide19.xml><?xml version="1.0" encoding="utf-8"?>
 <p:sld xmlns:a="http://schemas.openxmlformats.org/drawingml/2006/main" xmlns:r="http://schemas.openxmlformats.org/officeDocument/2006/relationships" xmlns:p="http://schemas.openxmlformats.org/presentationml/2006/main">
   <p:cSld>
     <p:spTree>
@@ -4977,7 +7487,7 @@
           <a:p>
             <a:fld id="{1215FA07-EE23-A948-A6ED-56C5FE5A7EE4}" type="slidenum">
               <a:rPr lang="de-DE" smtClean="0"/>
-              <a:t>15</a:t>
+              <a:t>19</a:t>
             </a:fld>
             <a:endParaRPr lang="de-DE"/>
           </a:p>
@@ -4996,322 +7506,7 @@
   <p:timing>
     <p:tnLst>
       <p:par>
-        <p:cTn xmlns:p14="http://schemas.microsoft.com/office/powerpoint/2010/main" id="1" dur="indefinite" restart="never" nodeType="tmRoot"/>
-      </p:par>
-    </p:tnLst>
-  </p:timing>
-</p:sld>
-</file>
-
-<file path=ppt/slides/slide16.xml><?xml version="1.0" encoding="utf-8"?>
-<p:sld xmlns:a="http://schemas.openxmlformats.org/drawingml/2006/main" xmlns:r="http://schemas.openxmlformats.org/officeDocument/2006/relationships" xmlns:p="http://schemas.openxmlformats.org/presentationml/2006/main">
-  <p:cSld>
-    <p:spTree>
-      <p:nvGrpSpPr>
-        <p:cNvPr id="1" name=""/>
-        <p:cNvGrpSpPr/>
-        <p:nvPr/>
-      </p:nvGrpSpPr>
-      <p:grpSpPr>
-        <a:xfrm>
-          <a:off x="0" y="0"/>
-          <a:ext cx="0" cy="0"/>
-          <a:chOff x="0" y="0"/>
-          <a:chExt cx="0" cy="0"/>
-        </a:xfrm>
-      </p:grpSpPr>
-      <p:sp>
-        <p:nvSpPr>
-          <p:cNvPr id="2" name="Titel 1"/>
-          <p:cNvSpPr>
-            <a:spLocks noGrp="1"/>
-          </p:cNvSpPr>
-          <p:nvPr>
-            <p:ph type="title"/>
-          </p:nvPr>
-        </p:nvSpPr>
-        <p:spPr/>
-        <p:txBody>
-          <a:bodyPr/>
-          <a:lstStyle/>
-          <a:p>
-            <a:r>
-              <a:rPr lang="de-DE" dirty="0" err="1" smtClean="0"/>
-              <a:t>Lessons</a:t>
-            </a:r>
-            <a:r>
-              <a:rPr lang="de-DE" dirty="0" smtClean="0"/>
-              <a:t> </a:t>
-            </a:r>
-            <a:r>
-              <a:rPr lang="de-DE" dirty="0" err="1" smtClean="0"/>
-              <a:t>Learned</a:t>
-            </a:r>
-            <a:endParaRPr lang="de-DE" dirty="0"/>
-          </a:p>
-        </p:txBody>
-      </p:sp>
-      <p:sp>
-        <p:nvSpPr>
-          <p:cNvPr id="3" name="Inhaltsplatzhalter 2"/>
-          <p:cNvSpPr>
-            <a:spLocks noGrp="1"/>
-          </p:cNvSpPr>
-          <p:nvPr>
-            <p:ph idx="1"/>
-          </p:nvPr>
-        </p:nvSpPr>
-        <p:spPr>
-          <a:xfrm>
-            <a:off x="693942" y="1492720"/>
-            <a:ext cx="7992858" cy="4633443"/>
-          </a:xfrm>
-        </p:spPr>
-        <p:txBody>
-          <a:bodyPr>
-            <a:normAutofit fontScale="70000" lnSpcReduction="20000"/>
-          </a:bodyPr>
-          <a:lstStyle/>
-          <a:p>
-            <a:pPr>
-              <a:lnSpc>
-                <a:spcPct val="120000"/>
-              </a:lnSpc>
-              <a:spcAft>
-                <a:spcPts val="600"/>
-              </a:spcAft>
-            </a:pPr>
-            <a:r>
-              <a:rPr lang="de-DE" dirty="0"/>
-              <a:t>e</a:t>
-            </a:r>
-            <a:r>
-              <a:rPr lang="de-DE" dirty="0" smtClean="0"/>
-              <a:t>igenes Layout der Elemente innerhalb eines Containers nur sehr schwer möglich</a:t>
-            </a:r>
-          </a:p>
-          <a:p>
-            <a:pPr lvl="1">
-              <a:lnSpc>
-                <a:spcPct val="120000"/>
-              </a:lnSpc>
-              <a:spcAft>
-                <a:spcPts val="600"/>
-              </a:spcAft>
-            </a:pPr>
-            <a:r>
-              <a:rPr lang="de-DE" dirty="0" smtClean="0">
-                <a:solidFill>
-                  <a:schemeClr val="bg1">
-                    <a:lumMod val="50000"/>
-                  </a:schemeClr>
-                </a:solidFill>
-              </a:rPr>
-              <a:t>Parameterliste der Signaturen</a:t>
-            </a:r>
-          </a:p>
-          <a:p>
-            <a:pPr>
-              <a:lnSpc>
-                <a:spcPct val="120000"/>
-              </a:lnSpc>
-              <a:spcAft>
-                <a:spcPts val="600"/>
-              </a:spcAft>
-            </a:pPr>
-            <a:r>
-              <a:rPr lang="de-DE" dirty="0" smtClean="0"/>
-              <a:t>Auswählen des richtigen Kontexts / der richtigen Elemente oft schwer</a:t>
-            </a:r>
-          </a:p>
-          <a:p>
-            <a:pPr lvl="1">
-              <a:lnSpc>
-                <a:spcPct val="120000"/>
-              </a:lnSpc>
-              <a:spcAft>
-                <a:spcPts val="600"/>
-              </a:spcAft>
-            </a:pPr>
-            <a:r>
-              <a:rPr lang="de-DE" dirty="0" err="1" smtClean="0">
-                <a:solidFill>
-                  <a:srgbClr val="7F7F7F"/>
-                </a:solidFill>
-              </a:rPr>
-              <a:t>Semantic</a:t>
-            </a:r>
-            <a:r>
-              <a:rPr lang="de-DE" dirty="0" smtClean="0">
-                <a:solidFill>
-                  <a:srgbClr val="7F7F7F"/>
-                </a:solidFill>
-              </a:rPr>
-              <a:t> </a:t>
-            </a:r>
-            <a:r>
-              <a:rPr lang="de-DE" dirty="0" err="1" smtClean="0">
-                <a:solidFill>
-                  <a:srgbClr val="7F7F7F"/>
-                </a:solidFill>
-              </a:rPr>
-              <a:t>Candidates</a:t>
-            </a:r>
-            <a:r>
-              <a:rPr lang="de-DE" dirty="0" smtClean="0">
-                <a:solidFill>
-                  <a:srgbClr val="7F7F7F"/>
-                </a:solidFill>
-              </a:rPr>
-              <a:t> Expression</a:t>
-            </a:r>
-          </a:p>
-          <a:p>
-            <a:pPr lvl="1">
-              <a:lnSpc>
-                <a:spcPct val="120000"/>
-              </a:lnSpc>
-              <a:spcAft>
-                <a:spcPts val="600"/>
-              </a:spcAft>
-            </a:pPr>
-            <a:r>
-              <a:rPr lang="de-DE" dirty="0" smtClean="0">
-                <a:solidFill>
-                  <a:srgbClr val="7F7F7F"/>
-                </a:solidFill>
-              </a:rPr>
-              <a:t>AQL</a:t>
-            </a:r>
-          </a:p>
-          <a:p>
-            <a:pPr>
-              <a:lnSpc>
-                <a:spcPct val="120000"/>
-              </a:lnSpc>
-              <a:spcAft>
-                <a:spcPts val="600"/>
-              </a:spcAft>
-            </a:pPr>
-            <a:r>
-              <a:rPr lang="de-DE" dirty="0" smtClean="0"/>
-              <a:t>Dokumentation nicht sehr umfangreich</a:t>
-            </a:r>
-          </a:p>
-          <a:p>
-            <a:pPr>
-              <a:lnSpc>
-                <a:spcPct val="120000"/>
-              </a:lnSpc>
-              <a:spcAft>
-                <a:spcPts val="600"/>
-              </a:spcAft>
-            </a:pPr>
-            <a:r>
-              <a:rPr lang="de-DE" dirty="0" smtClean="0"/>
-              <a:t>Wie so oft: Wenn es funktioniert eine nützliche Sache ;-)</a:t>
-            </a:r>
-            <a:endParaRPr lang="de-DE" dirty="0"/>
-          </a:p>
-        </p:txBody>
-      </p:sp>
-      <p:sp>
-        <p:nvSpPr>
-          <p:cNvPr id="4" name="Foliennummernplatzhalter 3"/>
-          <p:cNvSpPr>
-            <a:spLocks noGrp="1"/>
-          </p:cNvSpPr>
-          <p:nvPr>
-            <p:ph type="sldNum" sz="quarter" idx="10"/>
-          </p:nvPr>
-        </p:nvSpPr>
-        <p:spPr/>
-        <p:txBody>
-          <a:bodyPr/>
-          <a:lstStyle/>
-          <a:p>
-            <a:fld id="{1215FA07-EE23-A948-A6ED-56C5FE5A7EE4}" type="slidenum">
-              <a:rPr lang="de-DE" smtClean="0"/>
-              <a:t>16</a:t>
-            </a:fld>
-            <a:endParaRPr lang="de-DE"/>
-          </a:p>
-        </p:txBody>
-      </p:sp>
-    </p:spTree>
-    <p:extLst>
-      <p:ext uri="{BB962C8B-B14F-4D97-AF65-F5344CB8AC3E}">
-        <p14:creationId xmlns:p14="http://schemas.microsoft.com/office/powerpoint/2010/main" val="1135353530"/>
-      </p:ext>
-    </p:extLst>
-  </p:cSld>
-  <p:clrMapOvr>
-    <a:masterClrMapping/>
-  </p:clrMapOvr>
-  <p:timing>
-    <p:tnLst>
-      <p:par>
-        <p:cTn xmlns:p14="http://schemas.microsoft.com/office/powerpoint/2010/main" id="1" dur="indefinite" restart="never" nodeType="tmRoot"/>
-      </p:par>
-    </p:tnLst>
-  </p:timing>
-</p:sld>
-</file>
-
-<file path=ppt/slides/slide17.xml><?xml version="1.0" encoding="utf-8"?>
-<p:sld xmlns:a="http://schemas.openxmlformats.org/drawingml/2006/main" xmlns:r="http://schemas.openxmlformats.org/officeDocument/2006/relationships" xmlns:p="http://schemas.openxmlformats.org/presentationml/2006/main">
-  <p:cSld>
-    <p:spTree>
-      <p:nvGrpSpPr>
-        <p:cNvPr id="1" name=""/>
-        <p:cNvGrpSpPr/>
-        <p:nvPr/>
-      </p:nvGrpSpPr>
-      <p:grpSpPr>
-        <a:xfrm>
-          <a:off x="0" y="0"/>
-          <a:ext cx="0" cy="0"/>
-          <a:chOff x="0" y="0"/>
-          <a:chExt cx="0" cy="0"/>
-        </a:xfrm>
-      </p:grpSpPr>
-      <p:sp>
-        <p:nvSpPr>
-          <p:cNvPr id="3" name="Titel 2"/>
-          <p:cNvSpPr>
-            <a:spLocks noGrp="1"/>
-          </p:cNvSpPr>
-          <p:nvPr>
-            <p:ph type="title"/>
-          </p:nvPr>
-        </p:nvSpPr>
-        <p:spPr/>
-        <p:txBody>
-          <a:bodyPr/>
-          <a:lstStyle/>
-          <a:p>
-            <a:r>
-              <a:rPr lang="de-DE" dirty="0" smtClean="0"/>
-              <a:t>Vielen Dank für die Aufmerksamkeit!</a:t>
-            </a:r>
-            <a:endParaRPr lang="de-DE" dirty="0"/>
-          </a:p>
-        </p:txBody>
-      </p:sp>
-    </p:spTree>
-    <p:extLst>
-      <p:ext uri="{BB962C8B-B14F-4D97-AF65-F5344CB8AC3E}">
-        <p14:creationId xmlns:p14="http://schemas.microsoft.com/office/powerpoint/2010/main" val="3593891134"/>
-      </p:ext>
-    </p:extLst>
-  </p:cSld>
-  <p:clrMapOvr>
-    <a:masterClrMapping/>
-  </p:clrMapOvr>
-  <p:timing>
-    <p:tnLst>
-      <p:par>
-        <p:cTn xmlns:p14="http://schemas.microsoft.com/office/powerpoint/2010/main" id="1" dur="indefinite" restart="never" nodeType="tmRoot"/>
+        <p:cTn id="1" dur="indefinite" restart="never" nodeType="tmRoot"/>
       </p:par>
     </p:tnLst>
   </p:timing>
@@ -5368,10 +7563,28 @@
             <p:ph idx="1"/>
           </p:nvPr>
         </p:nvSpPr>
-        <p:spPr/>
+        <p:spPr>
+          <a:xfrm>
+            <a:off x="693942" y="1600200"/>
+            <a:ext cx="7992858" cy="4525963"/>
+          </a:xfrm>
+        </p:spPr>
         <p:txBody>
-          <a:bodyPr/>
+          <a:bodyPr>
+            <a:normAutofit fontScale="92500" lnSpcReduction="10000"/>
+          </a:bodyPr>
           <a:lstStyle/>
+          <a:p>
+            <a:pPr>
+              <a:lnSpc>
+                <a:spcPct val="150000"/>
+              </a:lnSpc>
+            </a:pPr>
+            <a:r>
+              <a:rPr lang="de-DE" dirty="0" smtClean="0"/>
+              <a:t>Projekt-Management</a:t>
+            </a:r>
+          </a:p>
           <a:p>
             <a:pPr>
               <a:lnSpc>
@@ -5456,7 +7669,7 @@
     </p:spTree>
     <p:extLst>
       <p:ext uri="{BB962C8B-B14F-4D97-AF65-F5344CB8AC3E}">
-        <p14:creationId xmlns:p14="http://schemas.microsoft.com/office/powerpoint/2010/main" val="3363270983"/>
+        <p14:creationId xmlns:p14="http://schemas.microsoft.com/office/powerpoint/2010/main" val="1998392040"/>
       </p:ext>
     </p:extLst>
   </p:cSld>
@@ -5466,7 +7679,322 @@
   <p:timing>
     <p:tnLst>
       <p:par>
-        <p:cTn xmlns:p14="http://schemas.microsoft.com/office/powerpoint/2010/main" id="1" dur="indefinite" restart="never" nodeType="tmRoot"/>
+        <p:cTn id="1" dur="indefinite" restart="never" nodeType="tmRoot"/>
+      </p:par>
+    </p:tnLst>
+  </p:timing>
+</p:sld>
+</file>
+
+<file path=ppt/slides/slide20.xml><?xml version="1.0" encoding="utf-8"?>
+<p:sld xmlns:a="http://schemas.openxmlformats.org/drawingml/2006/main" xmlns:r="http://schemas.openxmlformats.org/officeDocument/2006/relationships" xmlns:p="http://schemas.openxmlformats.org/presentationml/2006/main">
+  <p:cSld>
+    <p:spTree>
+      <p:nvGrpSpPr>
+        <p:cNvPr id="1" name=""/>
+        <p:cNvGrpSpPr/>
+        <p:nvPr/>
+      </p:nvGrpSpPr>
+      <p:grpSpPr>
+        <a:xfrm>
+          <a:off x="0" y="0"/>
+          <a:ext cx="0" cy="0"/>
+          <a:chOff x="0" y="0"/>
+          <a:chExt cx="0" cy="0"/>
+        </a:xfrm>
+      </p:grpSpPr>
+      <p:sp>
+        <p:nvSpPr>
+          <p:cNvPr id="2" name="Titel 1"/>
+          <p:cNvSpPr>
+            <a:spLocks noGrp="1"/>
+          </p:cNvSpPr>
+          <p:nvPr>
+            <p:ph type="title"/>
+          </p:nvPr>
+        </p:nvSpPr>
+        <p:spPr/>
+        <p:txBody>
+          <a:bodyPr/>
+          <a:lstStyle/>
+          <a:p>
+            <a:r>
+              <a:rPr lang="de-DE" dirty="0" err="1" smtClean="0"/>
+              <a:t>Lessons</a:t>
+            </a:r>
+            <a:r>
+              <a:rPr lang="de-DE" dirty="0" smtClean="0"/>
+              <a:t> </a:t>
+            </a:r>
+            <a:r>
+              <a:rPr lang="de-DE" dirty="0" err="1" smtClean="0"/>
+              <a:t>Learned</a:t>
+            </a:r>
+            <a:endParaRPr lang="de-DE" dirty="0"/>
+          </a:p>
+        </p:txBody>
+      </p:sp>
+      <p:sp>
+        <p:nvSpPr>
+          <p:cNvPr id="3" name="Inhaltsplatzhalter 2"/>
+          <p:cNvSpPr>
+            <a:spLocks noGrp="1"/>
+          </p:cNvSpPr>
+          <p:nvPr>
+            <p:ph idx="1"/>
+          </p:nvPr>
+        </p:nvSpPr>
+        <p:spPr>
+          <a:xfrm>
+            <a:off x="693942" y="1492720"/>
+            <a:ext cx="7992858" cy="4633443"/>
+          </a:xfrm>
+        </p:spPr>
+        <p:txBody>
+          <a:bodyPr>
+            <a:normAutofit fontScale="70000" lnSpcReduction="20000"/>
+          </a:bodyPr>
+          <a:lstStyle/>
+          <a:p>
+            <a:pPr>
+              <a:lnSpc>
+                <a:spcPct val="120000"/>
+              </a:lnSpc>
+              <a:spcAft>
+                <a:spcPts val="600"/>
+              </a:spcAft>
+            </a:pPr>
+            <a:r>
+              <a:rPr lang="de-DE" dirty="0"/>
+              <a:t>e</a:t>
+            </a:r>
+            <a:r>
+              <a:rPr lang="de-DE" dirty="0" smtClean="0"/>
+              <a:t>igenes Layout der Elemente innerhalb eines Containers nur sehr schwer möglich</a:t>
+            </a:r>
+          </a:p>
+          <a:p>
+            <a:pPr lvl="1">
+              <a:lnSpc>
+                <a:spcPct val="120000"/>
+              </a:lnSpc>
+              <a:spcAft>
+                <a:spcPts val="600"/>
+              </a:spcAft>
+            </a:pPr>
+            <a:r>
+              <a:rPr lang="de-DE" dirty="0" smtClean="0">
+                <a:solidFill>
+                  <a:schemeClr val="bg1">
+                    <a:lumMod val="50000"/>
+                  </a:schemeClr>
+                </a:solidFill>
+              </a:rPr>
+              <a:t>Parameterliste der Signaturen</a:t>
+            </a:r>
+          </a:p>
+          <a:p>
+            <a:pPr>
+              <a:lnSpc>
+                <a:spcPct val="120000"/>
+              </a:lnSpc>
+              <a:spcAft>
+                <a:spcPts val="600"/>
+              </a:spcAft>
+            </a:pPr>
+            <a:r>
+              <a:rPr lang="de-DE" dirty="0" smtClean="0"/>
+              <a:t>Auswählen des richtigen Kontexts / der richtigen Elemente oft schwer</a:t>
+            </a:r>
+          </a:p>
+          <a:p>
+            <a:pPr lvl="1">
+              <a:lnSpc>
+                <a:spcPct val="120000"/>
+              </a:lnSpc>
+              <a:spcAft>
+                <a:spcPts val="600"/>
+              </a:spcAft>
+            </a:pPr>
+            <a:r>
+              <a:rPr lang="de-DE" dirty="0" err="1" smtClean="0">
+                <a:solidFill>
+                  <a:srgbClr val="7F7F7F"/>
+                </a:solidFill>
+              </a:rPr>
+              <a:t>Semantic</a:t>
+            </a:r>
+            <a:r>
+              <a:rPr lang="de-DE" dirty="0" smtClean="0">
+                <a:solidFill>
+                  <a:srgbClr val="7F7F7F"/>
+                </a:solidFill>
+              </a:rPr>
+              <a:t> </a:t>
+            </a:r>
+            <a:r>
+              <a:rPr lang="de-DE" dirty="0" err="1" smtClean="0">
+                <a:solidFill>
+                  <a:srgbClr val="7F7F7F"/>
+                </a:solidFill>
+              </a:rPr>
+              <a:t>Candidates</a:t>
+            </a:r>
+            <a:r>
+              <a:rPr lang="de-DE" dirty="0" smtClean="0">
+                <a:solidFill>
+                  <a:srgbClr val="7F7F7F"/>
+                </a:solidFill>
+              </a:rPr>
+              <a:t> Expression</a:t>
+            </a:r>
+          </a:p>
+          <a:p>
+            <a:pPr lvl="1">
+              <a:lnSpc>
+                <a:spcPct val="120000"/>
+              </a:lnSpc>
+              <a:spcAft>
+                <a:spcPts val="600"/>
+              </a:spcAft>
+            </a:pPr>
+            <a:r>
+              <a:rPr lang="de-DE" dirty="0" smtClean="0">
+                <a:solidFill>
+                  <a:srgbClr val="7F7F7F"/>
+                </a:solidFill>
+              </a:rPr>
+              <a:t>AQL</a:t>
+            </a:r>
+          </a:p>
+          <a:p>
+            <a:pPr>
+              <a:lnSpc>
+                <a:spcPct val="120000"/>
+              </a:lnSpc>
+              <a:spcAft>
+                <a:spcPts val="600"/>
+              </a:spcAft>
+            </a:pPr>
+            <a:r>
+              <a:rPr lang="de-DE" dirty="0" smtClean="0"/>
+              <a:t>Dokumentation nicht sehr umfangreich</a:t>
+            </a:r>
+          </a:p>
+          <a:p>
+            <a:pPr>
+              <a:lnSpc>
+                <a:spcPct val="120000"/>
+              </a:lnSpc>
+              <a:spcAft>
+                <a:spcPts val="600"/>
+              </a:spcAft>
+            </a:pPr>
+            <a:r>
+              <a:rPr lang="de-DE" dirty="0" smtClean="0"/>
+              <a:t>Wie so oft: Wenn es funktioniert eine nützliche Sache ;-)</a:t>
+            </a:r>
+            <a:endParaRPr lang="de-DE" dirty="0"/>
+          </a:p>
+        </p:txBody>
+      </p:sp>
+      <p:sp>
+        <p:nvSpPr>
+          <p:cNvPr id="4" name="Foliennummernplatzhalter 3"/>
+          <p:cNvSpPr>
+            <a:spLocks noGrp="1"/>
+          </p:cNvSpPr>
+          <p:nvPr>
+            <p:ph type="sldNum" sz="quarter" idx="10"/>
+          </p:nvPr>
+        </p:nvSpPr>
+        <p:spPr/>
+        <p:txBody>
+          <a:bodyPr/>
+          <a:lstStyle/>
+          <a:p>
+            <a:fld id="{1215FA07-EE23-A948-A6ED-56C5FE5A7EE4}" type="slidenum">
+              <a:rPr lang="de-DE" smtClean="0"/>
+              <a:t>20</a:t>
+            </a:fld>
+            <a:endParaRPr lang="de-DE"/>
+          </a:p>
+        </p:txBody>
+      </p:sp>
+    </p:spTree>
+    <p:extLst>
+      <p:ext uri="{BB962C8B-B14F-4D97-AF65-F5344CB8AC3E}">
+        <p14:creationId xmlns:p14="http://schemas.microsoft.com/office/powerpoint/2010/main" val="1135353530"/>
+      </p:ext>
+    </p:extLst>
+  </p:cSld>
+  <p:clrMapOvr>
+    <a:masterClrMapping/>
+  </p:clrMapOvr>
+  <p:timing>
+    <p:tnLst>
+      <p:par>
+        <p:cTn id="1" dur="indefinite" restart="never" nodeType="tmRoot"/>
+      </p:par>
+    </p:tnLst>
+  </p:timing>
+</p:sld>
+</file>
+
+<file path=ppt/slides/slide21.xml><?xml version="1.0" encoding="utf-8"?>
+<p:sld xmlns:a="http://schemas.openxmlformats.org/drawingml/2006/main" xmlns:r="http://schemas.openxmlformats.org/officeDocument/2006/relationships" xmlns:p="http://schemas.openxmlformats.org/presentationml/2006/main">
+  <p:cSld>
+    <p:spTree>
+      <p:nvGrpSpPr>
+        <p:cNvPr id="1" name=""/>
+        <p:cNvGrpSpPr/>
+        <p:nvPr/>
+      </p:nvGrpSpPr>
+      <p:grpSpPr>
+        <a:xfrm>
+          <a:off x="0" y="0"/>
+          <a:ext cx="0" cy="0"/>
+          <a:chOff x="0" y="0"/>
+          <a:chExt cx="0" cy="0"/>
+        </a:xfrm>
+      </p:grpSpPr>
+      <p:sp>
+        <p:nvSpPr>
+          <p:cNvPr id="3" name="Titel 2"/>
+          <p:cNvSpPr>
+            <a:spLocks noGrp="1"/>
+          </p:cNvSpPr>
+          <p:nvPr>
+            <p:ph type="title"/>
+          </p:nvPr>
+        </p:nvSpPr>
+        <p:spPr/>
+        <p:txBody>
+          <a:bodyPr/>
+          <a:lstStyle/>
+          <a:p>
+            <a:r>
+              <a:rPr lang="de-DE" dirty="0" smtClean="0"/>
+              <a:t>Vielen Dank für die Aufmerksamkeit!</a:t>
+            </a:r>
+            <a:endParaRPr lang="de-DE" dirty="0"/>
+          </a:p>
+        </p:txBody>
+      </p:sp>
+    </p:spTree>
+    <p:extLst>
+      <p:ext uri="{BB962C8B-B14F-4D97-AF65-F5344CB8AC3E}">
+        <p14:creationId xmlns:p14="http://schemas.microsoft.com/office/powerpoint/2010/main" val="3593891134"/>
+      </p:ext>
+    </p:extLst>
+  </p:cSld>
+  <p:clrMapOvr>
+    <a:masterClrMapping/>
+  </p:clrMapOvr>
+  <p:timing>
+    <p:tnLst>
+      <p:par>
+        <p:cTn id="1" dur="indefinite" restart="never" nodeType="tmRoot"/>
       </p:par>
     </p:tnLst>
   </p:timing>
@@ -5507,7 +8035,7 @@
           <a:p>
             <a:r>
               <a:rPr lang="de-DE" dirty="0" smtClean="0"/>
-              <a:t>Metamodell</a:t>
+              <a:t>Projekt-Management</a:t>
             </a:r>
             <a:endParaRPr lang="de-DE" dirty="0"/>
           </a:p>
@@ -5516,25 +8044,25 @@
     </p:spTree>
     <p:extLst>
       <p:ext uri="{BB962C8B-B14F-4D97-AF65-F5344CB8AC3E}">
-        <p14:creationId xmlns:p14="http://schemas.microsoft.com/office/powerpoint/2010/main" val="4146247208"/>
+        <p14:creationId xmlns:p14="http://schemas.microsoft.com/office/powerpoint/2010/main" val="1640952797"/>
       </p:ext>
     </p:extLst>
   </p:cSld>
   <p:clrMapOvr>
     <a:masterClrMapping/>
   </p:clrMapOvr>
-  <mc:AlternateContent xmlns:mc="http://schemas.openxmlformats.org/markup-compatibility/2006" xmlns:p14="http://schemas.microsoft.com/office/powerpoint/2010/main">
-    <mc:Choice Requires="p14">
+  <mc:AlternateContent xmlns:mc="http://schemas.openxmlformats.org/markup-compatibility/2006">
+    <mc:Choice xmlns:p14="http://schemas.microsoft.com/office/powerpoint/2010/main" Requires="p14">
       <p:transition spd="slow" p14:dur="2000"/>
     </mc:Choice>
-    <mc:Fallback xmlns="">
-      <p:transition xmlns:p14="http://schemas.microsoft.com/office/powerpoint/2010/main" spd="slow"/>
+    <mc:Fallback>
+      <p:transition spd="slow"/>
     </mc:Fallback>
   </mc:AlternateContent>
   <p:timing>
     <p:tnLst>
       <p:par>
-        <p:cTn xmlns:p14="http://schemas.microsoft.com/office/powerpoint/2010/main" id="1" dur="indefinite" restart="never" nodeType="tmRoot"/>
+        <p:cTn id="1" dur="indefinite" restart="never" nodeType="tmRoot"/>
       </p:par>
     </p:tnLst>
   </p:timing>
@@ -5574,8 +8102,8 @@
           <a:lstStyle/>
           <a:p>
             <a:r>
-              <a:rPr lang="de-DE" dirty="0" err="1" smtClean="0"/>
-              <a:t>Xtext</a:t>
+              <a:rPr lang="de-DE" dirty="0" smtClean="0"/>
+              <a:t>Metamodell</a:t>
             </a:r>
             <a:endParaRPr lang="de-DE" dirty="0"/>
           </a:p>
@@ -5584,17 +8112,25 @@
     </p:spTree>
     <p:extLst>
       <p:ext uri="{BB962C8B-B14F-4D97-AF65-F5344CB8AC3E}">
-        <p14:creationId xmlns:p14="http://schemas.microsoft.com/office/powerpoint/2010/main" val="884237226"/>
+        <p14:creationId xmlns:p14="http://schemas.microsoft.com/office/powerpoint/2010/main" val="4146247208"/>
       </p:ext>
     </p:extLst>
   </p:cSld>
   <p:clrMapOvr>
     <a:masterClrMapping/>
   </p:clrMapOvr>
+  <mc:AlternateContent xmlns:mc="http://schemas.openxmlformats.org/markup-compatibility/2006" xmlns:p14="http://schemas.microsoft.com/office/powerpoint/2010/main">
+    <mc:Choice Requires="p14">
+      <p:transition spd="slow" p14:dur="2000"/>
+    </mc:Choice>
+    <mc:Fallback xmlns="">
+      <p:transition xmlns:p14="http://schemas.microsoft.com/office/powerpoint/2010/main" spd="slow"/>
+    </mc:Fallback>
+  </mc:AlternateContent>
   <p:timing>
     <p:tnLst>
       <p:par>
-        <p:cTn xmlns:p14="http://schemas.microsoft.com/office/powerpoint/2010/main" id="1" dur="indefinite" restart="never" nodeType="tmRoot"/>
+        <p:cTn id="1" dur="indefinite" restart="never" nodeType="tmRoot"/>
       </p:par>
     </p:tnLst>
   </p:timing>
@@ -5634,8 +8170,8 @@
           <a:lstStyle/>
           <a:p>
             <a:r>
-              <a:rPr lang="de-DE" dirty="0" smtClean="0"/>
-              <a:t>Modell-Transformation</a:t>
+              <a:rPr lang="de-DE" dirty="0" err="1" smtClean="0"/>
+              <a:t>Xtext</a:t>
             </a:r>
             <a:endParaRPr lang="de-DE" dirty="0"/>
           </a:p>
@@ -5644,7 +8180,7 @@
     </p:spTree>
     <p:extLst>
       <p:ext uri="{BB962C8B-B14F-4D97-AF65-F5344CB8AC3E}">
-        <p14:creationId xmlns:p14="http://schemas.microsoft.com/office/powerpoint/2010/main" val="697348440"/>
+        <p14:creationId xmlns:p14="http://schemas.microsoft.com/office/powerpoint/2010/main" val="884237226"/>
       </p:ext>
     </p:extLst>
   </p:cSld>
@@ -5654,7 +8190,7 @@
   <p:timing>
     <p:tnLst>
       <p:par>
-        <p:cTn xmlns:p14="http://schemas.microsoft.com/office/powerpoint/2010/main" id="1" dur="indefinite" restart="never" nodeType="tmRoot"/>
+        <p:cTn id="1" dur="indefinite" restart="never" nodeType="tmRoot"/>
       </p:par>
     </p:tnLst>
   </p:timing>
@@ -5662,6 +8198,226 @@
 </file>
 
 <file path=ppt/slides/slide6.xml><?xml version="1.0" encoding="utf-8"?>
+<p:sld xmlns:a="http://schemas.openxmlformats.org/drawingml/2006/main" xmlns:r="http://schemas.openxmlformats.org/officeDocument/2006/relationships" xmlns:p="http://schemas.openxmlformats.org/presentationml/2006/main">
+  <p:cSld>
+    <p:spTree>
+      <p:nvGrpSpPr>
+        <p:cNvPr id="1" name=""/>
+        <p:cNvGrpSpPr/>
+        <p:nvPr/>
+      </p:nvGrpSpPr>
+      <p:grpSpPr>
+        <a:xfrm>
+          <a:off x="0" y="0"/>
+          <a:ext cx="0" cy="0"/>
+          <a:chOff x="0" y="0"/>
+          <a:chExt cx="0" cy="0"/>
+        </a:xfrm>
+      </p:grpSpPr>
+      <p:sp>
+        <p:nvSpPr>
+          <p:cNvPr id="3" name="Titel 2"/>
+          <p:cNvSpPr>
+            <a:spLocks noGrp="1"/>
+          </p:cNvSpPr>
+          <p:nvPr>
+            <p:ph type="title"/>
+          </p:nvPr>
+        </p:nvSpPr>
+        <p:spPr/>
+        <p:txBody>
+          <a:bodyPr/>
+          <a:lstStyle/>
+          <a:p>
+            <a:r>
+              <a:rPr lang="de-DE" dirty="0" smtClean="0"/>
+              <a:t>Maßnahmen</a:t>
+            </a:r>
+            <a:endParaRPr lang="de-DE" dirty="0"/>
+          </a:p>
+        </p:txBody>
+      </p:sp>
+      <p:sp>
+        <p:nvSpPr>
+          <p:cNvPr id="4" name="Inhaltsplatzhalter 3"/>
+          <p:cNvSpPr>
+            <a:spLocks noGrp="1"/>
+          </p:cNvSpPr>
+          <p:nvPr>
+            <p:ph idx="1"/>
+          </p:nvPr>
+        </p:nvSpPr>
+        <p:spPr/>
+        <p:txBody>
+          <a:bodyPr vert="horz" lIns="91440" tIns="45720" rIns="91440" bIns="45720" rtlCol="0">
+            <a:normAutofit/>
+          </a:bodyPr>
+          <a:lstStyle/>
+          <a:p>
+            <a:pPr>
+              <a:lnSpc>
+                <a:spcPct val="120000"/>
+              </a:lnSpc>
+              <a:spcAft>
+                <a:spcPts val="600"/>
+              </a:spcAft>
+            </a:pPr>
+            <a:r>
+              <a:rPr lang="de-DE" dirty="0" smtClean="0"/>
+              <a:t>Root-Element im Metamodell</a:t>
+            </a:r>
+          </a:p>
+          <a:p>
+            <a:pPr lvl="1">
+              <a:lnSpc>
+                <a:spcPct val="120000"/>
+              </a:lnSpc>
+              <a:spcAft>
+                <a:spcPts val="600"/>
+              </a:spcAft>
+            </a:pPr>
+            <a:r>
+              <a:rPr lang="de-DE" dirty="0" smtClean="0">
+                <a:solidFill>
+                  <a:schemeClr val="bg1">
+                    <a:lumMod val="50000"/>
+                  </a:schemeClr>
+                </a:solidFill>
+              </a:rPr>
+              <a:t>Ein </a:t>
+            </a:r>
+            <a:r>
+              <a:rPr lang="de-DE" dirty="0" err="1" smtClean="0">
+                <a:solidFill>
+                  <a:schemeClr val="bg1">
+                    <a:lumMod val="50000"/>
+                  </a:schemeClr>
+                </a:solidFill>
+              </a:rPr>
+              <a:t>Xtext</a:t>
+            </a:r>
+            <a:r>
+              <a:rPr lang="de-DE" dirty="0" smtClean="0">
+                <a:solidFill>
+                  <a:schemeClr val="bg1">
+                    <a:lumMod val="50000"/>
+                  </a:schemeClr>
+                </a:solidFill>
+              </a:rPr>
+              <a:t>-Projekt</a:t>
+            </a:r>
+          </a:p>
+          <a:p>
+            <a:pPr>
+              <a:lnSpc>
+                <a:spcPct val="120000"/>
+              </a:lnSpc>
+              <a:spcAft>
+                <a:spcPts val="600"/>
+              </a:spcAft>
+            </a:pPr>
+            <a:r>
+              <a:rPr lang="de-DE" dirty="0" smtClean="0"/>
+              <a:t>Anpassen der import-Statements</a:t>
+            </a:r>
+          </a:p>
+          <a:p>
+            <a:pPr lvl="1">
+              <a:lnSpc>
+                <a:spcPct val="120000"/>
+              </a:lnSpc>
+              <a:spcAft>
+                <a:spcPts val="600"/>
+              </a:spcAft>
+            </a:pPr>
+            <a:r>
+              <a:rPr lang="de-DE" dirty="0" smtClean="0">
+                <a:solidFill>
+                  <a:schemeClr val="bg1">
+                    <a:lumMod val="50000"/>
+                  </a:schemeClr>
+                </a:solidFill>
+              </a:rPr>
+              <a:t>Plattform URIs verwendet</a:t>
+            </a:r>
+            <a:endParaRPr lang="de-DE" dirty="0" smtClean="0"/>
+          </a:p>
+          <a:p>
+            <a:pPr>
+              <a:lnSpc>
+                <a:spcPct val="120000"/>
+              </a:lnSpc>
+              <a:spcAft>
+                <a:spcPts val="600"/>
+              </a:spcAft>
+            </a:pPr>
+            <a:r>
+              <a:rPr lang="de-DE" dirty="0" smtClean="0"/>
+              <a:t>Anpassen des Workflows</a:t>
+            </a:r>
+          </a:p>
+          <a:p>
+            <a:pPr lvl="1">
+              <a:lnSpc>
+                <a:spcPct val="120000"/>
+              </a:lnSpc>
+              <a:spcAft>
+                <a:spcPts val="600"/>
+              </a:spcAft>
+            </a:pPr>
+            <a:r>
+              <a:rPr lang="de-DE" dirty="0" err="1" smtClean="0">
+                <a:solidFill>
+                  <a:schemeClr val="bg1">
+                    <a:lumMod val="50000"/>
+                  </a:schemeClr>
+                </a:solidFill>
+              </a:rPr>
+              <a:t>StandaloneSetup</a:t>
+            </a:r>
+            <a:endParaRPr lang="de-DE" dirty="0" smtClean="0"/>
+          </a:p>
+          <a:p>
+            <a:pPr marL="0" indent="0">
+              <a:lnSpc>
+                <a:spcPct val="120000"/>
+              </a:lnSpc>
+              <a:spcAft>
+                <a:spcPts val="600"/>
+              </a:spcAft>
+              <a:buNone/>
+            </a:pPr>
+            <a:endParaRPr lang="de-DE" dirty="0" smtClean="0">
+              <a:solidFill>
+                <a:schemeClr val="bg1">
+                  <a:lumMod val="50000"/>
+                </a:schemeClr>
+              </a:solidFill>
+            </a:endParaRPr>
+          </a:p>
+        </p:txBody>
+      </p:sp>
+    </p:spTree>
+    <p:extLst>
+      <p:ext uri="{BB962C8B-B14F-4D97-AF65-F5344CB8AC3E}">
+        <p14:creationId xmlns:p14="http://schemas.microsoft.com/office/powerpoint/2010/main" val="2765327020"/>
+      </p:ext>
+    </p:extLst>
+  </p:cSld>
+  <p:clrMapOvr>
+    <a:masterClrMapping/>
+  </p:clrMapOvr>
+  <p:timing>
+    <p:tnLst>
+      <p:par>
+        <p:cTn id="1" dur="indefinite" restart="never" nodeType="tmRoot"/>
+      </p:par>
+    </p:tnLst>
+  </p:timing>
+</p:sld>
+</file>
+
+<file path=ppt/slides/slide7.xml><?xml version="1.0" encoding="utf-8"?>
 <p:sld xmlns:a="http://schemas.openxmlformats.org/drawingml/2006/main" xmlns:r="http://schemas.openxmlformats.org/officeDocument/2006/relationships" xmlns:p="http://schemas.openxmlformats.org/presentationml/2006/main">
   <p:cSld>
     <p:spTree>
@@ -5695,7 +8451,7 @@
           <a:p>
             <a:r>
               <a:rPr lang="de-DE" dirty="0" smtClean="0"/>
-              <a:t>Code-Generierung</a:t>
+              <a:t>Modell-Transformation</a:t>
             </a:r>
             <a:endParaRPr lang="de-DE" dirty="0"/>
           </a:p>
@@ -5704,7 +8460,7 @@
     </p:spTree>
     <p:extLst>
       <p:ext uri="{BB962C8B-B14F-4D97-AF65-F5344CB8AC3E}">
-        <p14:creationId xmlns:p14="http://schemas.microsoft.com/office/powerpoint/2010/main" val="2641901798"/>
+        <p14:creationId xmlns:p14="http://schemas.microsoft.com/office/powerpoint/2010/main" val="697348440"/>
       </p:ext>
     </p:extLst>
   </p:cSld>
@@ -5714,14 +8470,14 @@
   <p:timing>
     <p:tnLst>
       <p:par>
-        <p:cTn xmlns:p14="http://schemas.microsoft.com/office/powerpoint/2010/main" id="1" dur="indefinite" restart="never" nodeType="tmRoot"/>
+        <p:cTn id="1" dur="indefinite" restart="never" nodeType="tmRoot"/>
       </p:par>
     </p:tnLst>
   </p:timing>
 </p:sld>
 </file>
 
-<file path=ppt/slides/slide7.xml><?xml version="1.0" encoding="utf-8"?>
+<file path=ppt/slides/slide8.xml><?xml version="1.0" encoding="utf-8"?>
 <p:sld xmlns:a="http://schemas.openxmlformats.org/drawingml/2006/main" xmlns:r="http://schemas.openxmlformats.org/officeDocument/2006/relationships" xmlns:p="http://schemas.openxmlformats.org/presentationml/2006/main">
   <p:cSld>
     <p:spTree>
@@ -5755,7 +8511,7 @@
           <a:p>
             <a:r>
               <a:rPr lang="de-DE" dirty="0" smtClean="0"/>
-              <a:t>Probleme mit MWE2-Workflow</a:t>
+              <a:t>Wahl der Technologie</a:t>
             </a:r>
             <a:endParaRPr lang="de-DE" dirty="0"/>
           </a:p>
@@ -5787,36 +8543,8 @@
               </a:spcAft>
             </a:pPr>
             <a:r>
-              <a:rPr lang="de-DE" dirty="0"/>
-              <a:t>OCL muss in </a:t>
-            </a:r>
-            <a:r>
-              <a:rPr lang="de-DE" dirty="0" err="1"/>
-              <a:t>Standalone</a:t>
-            </a:r>
-            <a:r>
-              <a:rPr lang="de-DE" dirty="0"/>
-              <a:t> Umgebung manuell initialisiert werden</a:t>
-            </a:r>
-          </a:p>
-          <a:p>
-            <a:pPr lvl="1">
-              <a:lnSpc>
-                <a:spcPct val="120000"/>
-              </a:lnSpc>
-              <a:spcAft>
-                <a:spcPts val="600"/>
-              </a:spcAft>
-            </a:pPr>
-            <a:r>
-              <a:rPr lang="de-DE" dirty="0">
-                <a:solidFill>
-                  <a:schemeClr val="bg1">
-                    <a:lumMod val="50000"/>
-                  </a:schemeClr>
-                </a:solidFill>
-              </a:rPr>
-              <a:t>Ort der Initialisierung geht aus Dokumentation nicht genau hervor</a:t>
+              <a:rPr lang="de-DE" dirty="0" smtClean="0"/>
+              <a:t>ATL mächtiger und komplexer</a:t>
             </a:r>
           </a:p>
           <a:p>
@@ -5829,12 +8557,12 @@
               </a:spcAft>
             </a:pPr>
             <a:r>
-              <a:rPr lang="de-DE" dirty="0"/>
-              <a:t>Workflow lässt sich nicht ausführen</a:t>
-            </a:r>
-          </a:p>
-          <a:p>
-            <a:pPr lvl="1">
+              <a:rPr lang="de-DE" dirty="0" smtClean="0"/>
+              <a:t>Hohe Einstiegshürde</a:t>
+            </a:r>
+          </a:p>
+          <a:p>
+            <a:pPr>
               <a:lnSpc>
                 <a:spcPct val="120000"/>
               </a:lnSpc>
@@ -5843,76 +8571,27 @@
               </a:spcAft>
             </a:pPr>
             <a:r>
-              <a:rPr lang="de-DE" dirty="0">
-                <a:solidFill>
-                  <a:schemeClr val="bg1">
-                    <a:lumMod val="50000"/>
-                  </a:schemeClr>
-                </a:solidFill>
-              </a:rPr>
-              <a:t>OCL </a:t>
-            </a:r>
-            <a:r>
-              <a:rPr lang="de-DE" dirty="0" err="1">
-                <a:solidFill>
-                  <a:schemeClr val="bg1">
-                    <a:lumMod val="50000"/>
-                  </a:schemeClr>
-                </a:solidFill>
-              </a:rPr>
-              <a:t>Constraints</a:t>
-            </a:r>
-            <a:r>
-              <a:rPr lang="de-DE" dirty="0">
-                <a:solidFill>
-                  <a:schemeClr val="bg1">
-                    <a:lumMod val="50000"/>
-                  </a:schemeClr>
-                </a:solidFill>
-              </a:rPr>
-              <a:t> im </a:t>
-            </a:r>
-            <a:r>
-              <a:rPr lang="de-DE" dirty="0">
-                <a:solidFill>
-                  <a:schemeClr val="bg1">
-                    <a:lumMod val="50000"/>
-                  </a:schemeClr>
-                </a:solidFill>
-                <a:latin typeface="Fira Mono OT"/>
-                <a:cs typeface="Fira Mono OT"/>
-              </a:rPr>
-              <a:t>.</a:t>
-            </a:r>
-            <a:r>
-              <a:rPr lang="de-DE" dirty="0" err="1">
-                <a:solidFill>
-                  <a:schemeClr val="bg1">
-                    <a:lumMod val="50000"/>
-                  </a:schemeClr>
-                </a:solidFill>
-                <a:latin typeface="Fira Mono OT"/>
-                <a:cs typeface="Fira Mono OT"/>
-              </a:rPr>
-              <a:t>ecore</a:t>
-            </a:r>
-            <a:r>
-              <a:rPr lang="de-DE" dirty="0">
-                <a:solidFill>
-                  <a:schemeClr val="bg1">
-                    <a:lumMod val="50000"/>
-                  </a:schemeClr>
-                </a:solidFill>
-              </a:rPr>
-              <a:t>-Modell können nicht interpretiert werden</a:t>
-            </a:r>
+              <a:rPr lang="de-DE" dirty="0" smtClean="0"/>
+              <a:t>Schnell Fortschritte mit </a:t>
+            </a:r>
+            <a:r>
+              <a:rPr lang="de-DE" dirty="0" err="1" smtClean="0"/>
+              <a:t>QVTo</a:t>
+            </a:r>
+            <a:endParaRPr lang="de-DE" dirty="0">
+              <a:solidFill>
+                <a:schemeClr val="bg1">
+                  <a:lumMod val="50000"/>
+                </a:schemeClr>
+              </a:solidFill>
+            </a:endParaRPr>
           </a:p>
         </p:txBody>
       </p:sp>
     </p:spTree>
     <p:extLst>
       <p:ext uri="{BB962C8B-B14F-4D97-AF65-F5344CB8AC3E}">
-        <p14:creationId xmlns:p14="http://schemas.microsoft.com/office/powerpoint/2010/main" val="2834062446"/>
+        <p14:creationId xmlns:p14="http://schemas.microsoft.com/office/powerpoint/2010/main" val="2354940546"/>
       </p:ext>
     </p:extLst>
   </p:cSld>
@@ -5922,618 +8601,7 @@
   <p:timing>
     <p:tnLst>
       <p:par>
-        <p:cTn xmlns:p14="http://schemas.microsoft.com/office/powerpoint/2010/main" id="1" dur="indefinite" restart="never" nodeType="tmRoot"/>
-      </p:par>
-    </p:tnLst>
-  </p:timing>
-</p:sld>
-</file>
-
-<file path=ppt/slides/slide8.xml><?xml version="1.0" encoding="utf-8"?>
-<p:sld xmlns:a="http://schemas.openxmlformats.org/drawingml/2006/main" xmlns:r="http://schemas.openxmlformats.org/officeDocument/2006/relationships" xmlns:p="http://schemas.openxmlformats.org/presentationml/2006/main">
-  <p:cSld>
-    <p:spTree>
-      <p:nvGrpSpPr>
-        <p:cNvPr id="1" name=""/>
-        <p:cNvGrpSpPr/>
-        <p:nvPr/>
-      </p:nvGrpSpPr>
-      <p:grpSpPr>
-        <a:xfrm>
-          <a:off x="0" y="0"/>
-          <a:ext cx="0" cy="0"/>
-          <a:chOff x="0" y="0"/>
-          <a:chExt cx="0" cy="0"/>
-        </a:xfrm>
-      </p:grpSpPr>
-      <p:sp>
-        <p:nvSpPr>
-          <p:cNvPr id="2" name="Titel 1"/>
-          <p:cNvSpPr>
-            <a:spLocks noGrp="1"/>
-          </p:cNvSpPr>
-          <p:nvPr>
-            <p:ph type="title"/>
-          </p:nvPr>
-        </p:nvSpPr>
-        <p:spPr/>
-        <p:txBody>
-          <a:bodyPr/>
-          <a:lstStyle/>
-          <a:p>
-            <a:r>
-              <a:rPr lang="de-DE" dirty="0" smtClean="0"/>
-              <a:t>Alternative</a:t>
-            </a:r>
-            <a:endParaRPr lang="de-DE" dirty="0"/>
-          </a:p>
-        </p:txBody>
-      </p:sp>
-      <p:sp>
-        <p:nvSpPr>
-          <p:cNvPr id="4" name="Foliennummernplatzhalter 3"/>
-          <p:cNvSpPr>
-            <a:spLocks noGrp="1"/>
-          </p:cNvSpPr>
-          <p:nvPr>
-            <p:ph type="sldNum" sz="quarter" idx="10"/>
-          </p:nvPr>
-        </p:nvSpPr>
-        <p:spPr/>
-        <p:txBody>
-          <a:bodyPr/>
-          <a:lstStyle/>
-          <a:p>
-            <a:fld id="{1215FA07-EE23-A948-A6ED-56C5FE5A7EE4}" type="slidenum">
-              <a:rPr lang="de-DE" smtClean="0"/>
-              <a:t>8</a:t>
-            </a:fld>
-            <a:endParaRPr lang="de-DE"/>
-          </a:p>
-        </p:txBody>
-      </p:sp>
-      <p:grpSp>
-        <p:nvGrpSpPr>
-          <p:cNvPr id="7" name="Gruppierung 6"/>
-          <p:cNvGrpSpPr/>
-          <p:nvPr/>
-        </p:nvGrpSpPr>
-        <p:grpSpPr>
-          <a:xfrm>
-            <a:off x="6574012" y="2034285"/>
-            <a:ext cx="1908213" cy="1174581"/>
-            <a:chOff x="6574012" y="2082800"/>
-            <a:chExt cx="1908213" cy="1174581"/>
-          </a:xfrm>
-        </p:grpSpPr>
-        <p:sp>
-          <p:nvSpPr>
-            <p:cNvPr id="5" name="Gefaltete Ecke 4"/>
-            <p:cNvSpPr/>
-            <p:nvPr/>
-          </p:nvSpPr>
-          <p:spPr>
-            <a:xfrm rot="10800000" flipH="1">
-              <a:off x="7213600" y="2082800"/>
-              <a:ext cx="660400" cy="829733"/>
-            </a:xfrm>
-            <a:prstGeom prst="foldedCorner">
-              <a:avLst>
-                <a:gd name="adj" fmla="val 29488"/>
-              </a:avLst>
-            </a:prstGeom>
-          </p:spPr>
-          <p:style>
-            <a:lnRef idx="1">
-              <a:schemeClr val="accent1"/>
-            </a:lnRef>
-            <a:fillRef idx="3">
-              <a:schemeClr val="accent1"/>
-            </a:fillRef>
-            <a:effectRef idx="2">
-              <a:schemeClr val="accent1"/>
-            </a:effectRef>
-            <a:fontRef idx="minor">
-              <a:schemeClr val="lt1"/>
-            </a:fontRef>
-          </p:style>
-          <p:txBody>
-            <a:bodyPr rtlCol="0" anchor="ctr"/>
-            <a:lstStyle/>
-            <a:p>
-              <a:pPr algn="ctr"/>
-              <a:endParaRPr lang="de-DE"/>
-            </a:p>
-          </p:txBody>
-        </p:sp>
-        <p:sp>
-          <p:nvSpPr>
-            <p:cNvPr id="6" name="Textfeld 5"/>
-            <p:cNvSpPr txBox="1"/>
-            <p:nvPr/>
-          </p:nvSpPr>
-          <p:spPr>
-            <a:xfrm>
-              <a:off x="6574012" y="2949604"/>
-              <a:ext cx="1908213" cy="307777"/>
-            </a:xfrm>
-            <a:prstGeom prst="rect">
-              <a:avLst/>
-            </a:prstGeom>
-            <a:noFill/>
-          </p:spPr>
-          <p:txBody>
-            <a:bodyPr wrap="none" rtlCol="0">
-              <a:spAutoFit/>
-            </a:bodyPr>
-            <a:lstStyle/>
-            <a:p>
-              <a:r>
-                <a:rPr lang="de-DE" sz="1400" dirty="0" err="1" smtClean="0">
-                  <a:solidFill>
-                    <a:srgbClr val="7F7F7F"/>
-                  </a:solidFill>
-                  <a:latin typeface="Fira Mono OT"/>
-                  <a:cs typeface="Fira Mono OT"/>
-                </a:rPr>
-                <a:t>Generation.xtend</a:t>
-              </a:r>
-              <a:endParaRPr lang="de-DE" sz="1400" dirty="0">
-                <a:solidFill>
-                  <a:srgbClr val="7F7F7F"/>
-                </a:solidFill>
-                <a:latin typeface="Fira Mono OT"/>
-                <a:cs typeface="Fira Mono OT"/>
-              </a:endParaRPr>
-            </a:p>
-          </p:txBody>
-        </p:sp>
-      </p:grpSp>
-      <p:grpSp>
-        <p:nvGrpSpPr>
-          <p:cNvPr id="8" name="Gruppierung 7"/>
-          <p:cNvGrpSpPr/>
-          <p:nvPr/>
-        </p:nvGrpSpPr>
-        <p:grpSpPr>
-          <a:xfrm>
-            <a:off x="6574012" y="3758509"/>
-            <a:ext cx="1800492" cy="1174581"/>
-            <a:chOff x="6574012" y="2082800"/>
-            <a:chExt cx="1800492" cy="1174581"/>
-          </a:xfrm>
-        </p:grpSpPr>
-        <p:sp>
-          <p:nvSpPr>
-            <p:cNvPr id="9" name="Gefaltete Ecke 8"/>
-            <p:cNvSpPr/>
-            <p:nvPr/>
-          </p:nvSpPr>
-          <p:spPr>
-            <a:xfrm rot="10800000" flipH="1">
-              <a:off x="7213600" y="2082800"/>
-              <a:ext cx="660400" cy="829733"/>
-            </a:xfrm>
-            <a:prstGeom prst="foldedCorner">
-              <a:avLst>
-                <a:gd name="adj" fmla="val 29488"/>
-              </a:avLst>
-            </a:prstGeom>
-          </p:spPr>
-          <p:style>
-            <a:lnRef idx="1">
-              <a:schemeClr val="accent1"/>
-            </a:lnRef>
-            <a:fillRef idx="3">
-              <a:schemeClr val="accent1"/>
-            </a:fillRef>
-            <a:effectRef idx="2">
-              <a:schemeClr val="accent1"/>
-            </a:effectRef>
-            <a:fontRef idx="minor">
-              <a:schemeClr val="lt1"/>
-            </a:fontRef>
-          </p:style>
-          <p:txBody>
-            <a:bodyPr rtlCol="0" anchor="ctr"/>
-            <a:lstStyle/>
-            <a:p>
-              <a:pPr algn="ctr"/>
-              <a:endParaRPr lang="de-DE"/>
-            </a:p>
-          </p:txBody>
-        </p:sp>
-        <p:sp>
-          <p:nvSpPr>
-            <p:cNvPr id="10" name="Textfeld 9"/>
-            <p:cNvSpPr txBox="1"/>
-            <p:nvPr/>
-          </p:nvSpPr>
-          <p:spPr>
-            <a:xfrm>
-              <a:off x="6574012" y="2949604"/>
-              <a:ext cx="1800492" cy="307777"/>
-            </a:xfrm>
-            <a:prstGeom prst="rect">
-              <a:avLst/>
-            </a:prstGeom>
-            <a:noFill/>
-          </p:spPr>
-          <p:txBody>
-            <a:bodyPr wrap="none" rtlCol="0">
-              <a:spAutoFit/>
-            </a:bodyPr>
-            <a:lstStyle/>
-            <a:p>
-              <a:r>
-                <a:rPr lang="de-DE" sz="1400" dirty="0" err="1" smtClean="0">
-                  <a:solidFill>
-                    <a:srgbClr val="7F7F7F"/>
-                  </a:solidFill>
-                  <a:latin typeface="Fira Mono OT"/>
-                  <a:cs typeface="Fira Mono OT"/>
-                </a:rPr>
-                <a:t>Generator.xtend</a:t>
-              </a:r>
-              <a:endParaRPr lang="de-DE" sz="1400" dirty="0">
-                <a:solidFill>
-                  <a:srgbClr val="7F7F7F"/>
-                </a:solidFill>
-                <a:latin typeface="Fira Mono OT"/>
-                <a:cs typeface="Fira Mono OT"/>
-              </a:endParaRPr>
-            </a:p>
-          </p:txBody>
-        </p:sp>
-      </p:grpSp>
-      <p:sp>
-        <p:nvSpPr>
-          <p:cNvPr id="11" name="Textfeld 10"/>
-          <p:cNvSpPr txBox="1"/>
-          <p:nvPr/>
-        </p:nvSpPr>
-        <p:spPr>
-          <a:xfrm>
-            <a:off x="314238" y="1856569"/>
-            <a:ext cx="6086562" cy="3440474"/>
-          </a:xfrm>
-          <a:prstGeom prst="rect">
-            <a:avLst/>
-          </a:prstGeom>
-        </p:spPr>
-        <p:txBody>
-          <a:bodyPr vert="horz" lIns="91440" tIns="45720" rIns="91440" bIns="45720" rtlCol="0">
-            <a:normAutofit/>
-          </a:bodyPr>
-          <a:lstStyle>
-            <a:lvl1pPr marL="342900" indent="-342900">
-              <a:lnSpc>
-                <a:spcPct val="120000"/>
-              </a:lnSpc>
-              <a:spcBef>
-                <a:spcPct val="20000"/>
-              </a:spcBef>
-              <a:spcAft>
-                <a:spcPts val="600"/>
-              </a:spcAft>
-              <a:buClr>
-                <a:schemeClr val="accent1"/>
-              </a:buClr>
-              <a:buFont typeface="Wingdings" charset="2"/>
-              <a:buChar char="§"/>
-              <a:defRPr sz="3200" b="0" i="0">
-                <a:latin typeface="Fira Sans"/>
-                <a:cs typeface="Fira Sans"/>
-              </a:defRPr>
-            </a:lvl1pPr>
-            <a:lvl2pPr marL="742950" indent="-285750">
-              <a:spcBef>
-                <a:spcPct val="20000"/>
-              </a:spcBef>
-              <a:buClr>
-                <a:schemeClr val="accent1"/>
-              </a:buClr>
-              <a:buFont typeface="Lucida Grande"/>
-              <a:buChar char="»"/>
-              <a:defRPr sz="2800" b="0" i="0">
-                <a:latin typeface="Fira Sans"/>
-                <a:cs typeface="Fira Sans"/>
-              </a:defRPr>
-            </a:lvl2pPr>
-            <a:lvl3pPr marL="1143000" indent="-228600">
-              <a:spcBef>
-                <a:spcPct val="20000"/>
-              </a:spcBef>
-              <a:buClr>
-                <a:schemeClr val="accent1"/>
-              </a:buClr>
-              <a:buFont typeface="Arial"/>
-              <a:buChar char="•"/>
-              <a:defRPr sz="2400" b="0" i="0">
-                <a:latin typeface="Fira Sans"/>
-                <a:cs typeface="Fira Sans"/>
-              </a:defRPr>
-            </a:lvl3pPr>
-            <a:lvl4pPr marL="1600200" indent="-228600">
-              <a:spcBef>
-                <a:spcPct val="20000"/>
-              </a:spcBef>
-              <a:buClr>
-                <a:schemeClr val="accent1"/>
-              </a:buClr>
-              <a:buFont typeface="Arial"/>
-              <a:buChar char="–"/>
-              <a:defRPr sz="2000" b="0" i="0">
-                <a:latin typeface="Fira Sans"/>
-                <a:cs typeface="Fira Sans"/>
-              </a:defRPr>
-            </a:lvl4pPr>
-            <a:lvl5pPr indent="0">
-              <a:spcBef>
-                <a:spcPct val="20000"/>
-              </a:spcBef>
-              <a:buClr>
-                <a:schemeClr val="accent1"/>
-              </a:buClr>
-              <a:buFontTx/>
-              <a:buNone/>
-              <a:defRPr sz="2000" b="0" i="0">
-                <a:latin typeface="Fira Sans"/>
-                <a:cs typeface="Fira Sans"/>
-              </a:defRPr>
-            </a:lvl5pPr>
-            <a:lvl6pPr marL="2514600" indent="-228600">
-              <a:spcBef>
-                <a:spcPct val="20000"/>
-              </a:spcBef>
-              <a:buFont typeface="Arial"/>
-              <a:buChar char="•"/>
-              <a:defRPr sz="2000"/>
-            </a:lvl6pPr>
-            <a:lvl7pPr marL="2971800" indent="-228600">
-              <a:spcBef>
-                <a:spcPct val="20000"/>
-              </a:spcBef>
-              <a:buFont typeface="Arial"/>
-              <a:buChar char="•"/>
-              <a:defRPr sz="2000"/>
-            </a:lvl7pPr>
-            <a:lvl8pPr marL="3429000" indent="-228600">
-              <a:spcBef>
-                <a:spcPct val="20000"/>
-              </a:spcBef>
-              <a:buFont typeface="Arial"/>
-              <a:buChar char="•"/>
-              <a:defRPr sz="2000"/>
-            </a:lvl8pPr>
-            <a:lvl9pPr marL="3886200" indent="-228600">
-              <a:spcBef>
-                <a:spcPct val="20000"/>
-              </a:spcBef>
-              <a:buFont typeface="Arial"/>
-              <a:buChar char="•"/>
-              <a:defRPr sz="2000"/>
-            </a:lvl9pPr>
-          </a:lstStyle>
-          <a:p>
-            <a:r>
-              <a:rPr lang="de-DE" dirty="0"/>
-              <a:t>Einlesen des Eingabemodells mit </a:t>
-            </a:r>
-            <a:r>
-              <a:rPr lang="de-DE" dirty="0" err="1" smtClean="0"/>
-              <a:t>Xtend</a:t>
-            </a:r>
-          </a:p>
-          <a:p>
-            <a:r>
-              <a:rPr lang="de-DE" dirty="0" smtClean="0"/>
-              <a:t>Ausführen des </a:t>
-            </a:r>
-            <a:r>
-              <a:rPr lang="de-DE" dirty="0" err="1" smtClean="0">
-                <a:latin typeface="Fira Mono OT"/>
-                <a:cs typeface="Fira Mono OT"/>
-              </a:rPr>
-              <a:t>IGenerator</a:t>
-            </a:r>
-            <a:r>
-              <a:rPr lang="de-DE" dirty="0" smtClean="0"/>
-              <a:t> mit der eigentlichen Code-Generierung</a:t>
-            </a:r>
-            <a:endParaRPr lang="de-DE" dirty="0"/>
-          </a:p>
-        </p:txBody>
-      </p:sp>
-    </p:spTree>
-    <p:extLst>
-      <p:ext uri="{BB962C8B-B14F-4D97-AF65-F5344CB8AC3E}">
-        <p14:creationId xmlns:p14="http://schemas.microsoft.com/office/powerpoint/2010/main" val="2150706580"/>
-      </p:ext>
-    </p:extLst>
-  </p:cSld>
-  <p:clrMapOvr>
-    <a:masterClrMapping/>
-  </p:clrMapOvr>
-  <p:timing>
-    <p:tnLst>
-      <p:par>
-        <p:cTn xmlns:p14="http://schemas.microsoft.com/office/powerpoint/2010/main" id="1" dur="indefinite" restart="never" nodeType="tmRoot">
-          <p:childTnLst>
-            <p:seq concurrent="1" nextAc="seek">
-              <p:cTn id="2" dur="indefinite" nodeType="mainSeq">
-                <p:childTnLst>
-                  <p:par>
-                    <p:cTn id="3" fill="hold">
-                      <p:stCondLst>
-                        <p:cond delay="indefinite"/>
-                      </p:stCondLst>
-                      <p:childTnLst>
-                        <p:par>
-                          <p:cTn id="4" fill="hold">
-                            <p:stCondLst>
-                              <p:cond delay="0"/>
-                            </p:stCondLst>
-                            <p:childTnLst>
-                              <p:par>
-                                <p:cTn id="5" presetID="1" presetClass="entr" presetSubtype="0" fill="hold" nodeType="clickEffect">
-                                  <p:stCondLst>
-                                    <p:cond delay="0"/>
-                                  </p:stCondLst>
-                                  <p:childTnLst>
-                                    <p:set>
-                                      <p:cBhvr>
-                                        <p:cTn id="6" dur="1" fill="hold">
-                                          <p:stCondLst>
-                                            <p:cond delay="0"/>
-                                          </p:stCondLst>
-                                        </p:cTn>
-                                        <p:tgtEl>
-                                          <p:spTgt spid="11">
-                                            <p:txEl>
-                                              <p:pRg st="0" end="0"/>
-                                            </p:txEl>
-                                          </p:spTgt>
-                                        </p:tgtEl>
-                                        <p:attrNameLst>
-                                          <p:attrName>style.visibility</p:attrName>
-                                        </p:attrNameLst>
-                                      </p:cBhvr>
-                                      <p:to>
-                                        <p:strVal val="visible"/>
-                                      </p:to>
-                                    </p:set>
-                                  </p:childTnLst>
-                                </p:cTn>
-                              </p:par>
-                              <p:par>
-                                <p:cTn id="7" presetID="1" presetClass="entr" presetSubtype="0" fill="hold" nodeType="withEffect">
-                                  <p:stCondLst>
-                                    <p:cond delay="0"/>
-                                  </p:stCondLst>
-                                  <p:childTnLst>
-                                    <p:set>
-                                      <p:cBhvr>
-                                        <p:cTn id="8" dur="1" fill="hold">
-                                          <p:stCondLst>
-                                            <p:cond delay="0"/>
-                                          </p:stCondLst>
-                                        </p:cTn>
-                                        <p:tgtEl>
-                                          <p:spTgt spid="7"/>
-                                        </p:tgtEl>
-                                        <p:attrNameLst>
-                                          <p:attrName>style.visibility</p:attrName>
-                                        </p:attrNameLst>
-                                      </p:cBhvr>
-                                      <p:to>
-                                        <p:strVal val="visible"/>
-                                      </p:to>
-                                    </p:set>
-                                  </p:childTnLst>
-                                </p:cTn>
-                              </p:par>
-                            </p:childTnLst>
-                          </p:cTn>
-                        </p:par>
-                      </p:childTnLst>
-                    </p:cTn>
-                  </p:par>
-                  <p:par>
-                    <p:cTn id="9" fill="hold">
-                      <p:stCondLst>
-                        <p:cond delay="indefinite"/>
-                      </p:stCondLst>
-                      <p:childTnLst>
-                        <p:par>
-                          <p:cTn id="10" fill="hold">
-                            <p:stCondLst>
-                              <p:cond delay="0"/>
-                            </p:stCondLst>
-                            <p:childTnLst>
-                              <p:par>
-                                <p:cTn id="11" presetID="1" presetClass="entr" presetSubtype="0" fill="hold" nodeType="clickEffect">
-                                  <p:stCondLst>
-                                    <p:cond delay="0"/>
-                                  </p:stCondLst>
-                                  <p:childTnLst>
-                                    <p:set>
-                                      <p:cBhvr>
-                                        <p:cTn id="12" dur="1" fill="hold">
-                                          <p:stCondLst>
-                                            <p:cond delay="0"/>
-                                          </p:stCondLst>
-                                        </p:cTn>
-                                        <p:tgtEl>
-                                          <p:spTgt spid="11">
-                                            <p:txEl>
-                                              <p:pRg st="1" end="1"/>
-                                            </p:txEl>
-                                          </p:spTgt>
-                                        </p:tgtEl>
-                                        <p:attrNameLst>
-                                          <p:attrName>style.visibility</p:attrName>
-                                        </p:attrNameLst>
-                                      </p:cBhvr>
-                                      <p:to>
-                                        <p:strVal val="visible"/>
-                                      </p:to>
-                                    </p:set>
-                                  </p:childTnLst>
-                                </p:cTn>
-                              </p:par>
-                              <p:par>
-                                <p:cTn id="13" presetID="1" presetClass="entr" presetSubtype="0" fill="hold" nodeType="withEffect">
-                                  <p:stCondLst>
-                                    <p:cond delay="0"/>
-                                  </p:stCondLst>
-                                  <p:childTnLst>
-                                    <p:set>
-                                      <p:cBhvr>
-                                        <p:cTn id="14" dur="1" fill="hold">
-                                          <p:stCondLst>
-                                            <p:cond delay="0"/>
-                                          </p:stCondLst>
-                                        </p:cTn>
-                                        <p:tgtEl>
-                                          <p:spTgt spid="8"/>
-                                        </p:tgtEl>
-                                        <p:attrNameLst>
-                                          <p:attrName>style.visibility</p:attrName>
-                                        </p:attrNameLst>
-                                      </p:cBhvr>
-                                      <p:to>
-                                        <p:strVal val="visible"/>
-                                      </p:to>
-                                    </p:set>
-                                  </p:childTnLst>
-                                </p:cTn>
-                              </p:par>
-                            </p:childTnLst>
-                          </p:cTn>
-                        </p:par>
-                      </p:childTnLst>
-                    </p:cTn>
-                  </p:par>
-                </p:childTnLst>
-              </p:cTn>
-              <p:prevCondLst>
-                <p:cond evt="onPrev" delay="0">
-                  <p:tgtEl>
-                    <p:sldTgt/>
-                  </p:tgtEl>
-                </p:cond>
-              </p:prevCondLst>
-              <p:nextCondLst>
-                <p:cond evt="onNext" delay="0">
-                  <p:tgtEl>
-                    <p:sldTgt/>
-                  </p:tgtEl>
-                </p:cond>
-              </p:nextCondLst>
-            </p:seq>
-          </p:childTnLst>
-        </p:cTn>
+        <p:cTn id="1" dur="indefinite" restart="never" nodeType="tmRoot"/>
       </p:par>
     </p:tnLst>
   </p:timing>
@@ -6559,7 +8627,7 @@
       </p:grpSpPr>
       <p:sp>
         <p:nvSpPr>
-          <p:cNvPr id="2" name="Titel 1"/>
+          <p:cNvPr id="3" name="Titel 2"/>
           <p:cNvSpPr>
             <a:spLocks noGrp="1"/>
           </p:cNvSpPr>
@@ -6573,8 +8641,12 @@
           <a:lstStyle/>
           <a:p>
             <a:r>
+              <a:rPr lang="de-DE" dirty="0" err="1" smtClean="0"/>
+              <a:t>QVTo</a:t>
+            </a:r>
+            <a:r>
               <a:rPr lang="de-DE" dirty="0" smtClean="0"/>
-              <a:t>Ablauf</a:t>
+              <a:t> Erkenntnisse</a:t>
             </a:r>
             <a:endParaRPr lang="de-DE" dirty="0"/>
           </a:p>
@@ -6582,1099 +8654,123 @@
       </p:sp>
       <p:sp>
         <p:nvSpPr>
-          <p:cNvPr id="4" name="Foliennummernplatzhalter 3"/>
+          <p:cNvPr id="4" name="Inhaltsplatzhalter 3"/>
           <p:cNvSpPr>
             <a:spLocks noGrp="1"/>
           </p:cNvSpPr>
           <p:nvPr>
-            <p:ph type="sldNum" sz="quarter" idx="10"/>
+            <p:ph idx="1"/>
           </p:nvPr>
         </p:nvSpPr>
         <p:spPr/>
         <p:txBody>
-          <a:bodyPr/>
+          <a:bodyPr vert="horz" lIns="91440" tIns="45720" rIns="91440" bIns="45720" rtlCol="0">
+            <a:normAutofit/>
+          </a:bodyPr>
           <a:lstStyle/>
           <a:p>
-            <a:fld id="{1215FA07-EE23-A948-A6ED-56C5FE5A7EE4}" type="slidenum">
-              <a:rPr lang="de-DE" smtClean="0"/>
-              <a:t>9</a:t>
-            </a:fld>
-            <a:endParaRPr lang="de-DE"/>
-          </a:p>
-        </p:txBody>
-      </p:sp>
-      <p:grpSp>
-        <p:nvGrpSpPr>
-          <p:cNvPr id="5" name="Gruppierung 4"/>
-          <p:cNvGrpSpPr/>
-          <p:nvPr/>
-        </p:nvGrpSpPr>
-        <p:grpSpPr>
-          <a:xfrm>
-            <a:off x="237069" y="1060485"/>
-            <a:ext cx="3093152" cy="864469"/>
-            <a:chOff x="6574012" y="2392912"/>
-            <a:chExt cx="3093152" cy="864469"/>
-          </a:xfrm>
-        </p:grpSpPr>
-        <p:sp>
-          <p:nvSpPr>
-            <p:cNvPr id="6" name="Gefaltete Ecke 5"/>
-            <p:cNvSpPr/>
-            <p:nvPr/>
-          </p:nvSpPr>
-          <p:spPr>
-            <a:xfrm rot="10800000" flipH="1">
-              <a:off x="7907864" y="2392912"/>
-              <a:ext cx="428976" cy="519620"/>
-            </a:xfrm>
-            <a:prstGeom prst="foldedCorner">
-              <a:avLst>
-                <a:gd name="adj" fmla="val 29488"/>
-              </a:avLst>
-            </a:prstGeom>
-          </p:spPr>
-          <p:style>
-            <a:lnRef idx="1">
-              <a:schemeClr val="accent4"/>
-            </a:lnRef>
-            <a:fillRef idx="3">
-              <a:schemeClr val="accent4"/>
-            </a:fillRef>
-            <a:effectRef idx="2">
-              <a:schemeClr val="accent4"/>
-            </a:effectRef>
-            <a:fontRef idx="minor">
-              <a:schemeClr val="lt1"/>
-            </a:fontRef>
-          </p:style>
-          <p:txBody>
-            <a:bodyPr rtlCol="0" anchor="ctr"/>
-            <a:lstStyle/>
-            <a:p>
-              <a:pPr algn="ctr"/>
-              <a:endParaRPr lang="de-DE"/>
-            </a:p>
-          </p:txBody>
-        </p:sp>
-        <p:sp>
-          <p:nvSpPr>
-            <p:cNvPr id="7" name="Textfeld 6"/>
-            <p:cNvSpPr txBox="1"/>
-            <p:nvPr/>
-          </p:nvSpPr>
-          <p:spPr>
-            <a:xfrm>
-              <a:off x="6574012" y="2949604"/>
-              <a:ext cx="3093152" cy="307777"/>
-            </a:xfrm>
-            <a:prstGeom prst="rect">
-              <a:avLst/>
-            </a:prstGeom>
-            <a:noFill/>
-          </p:spPr>
-          <p:txBody>
-            <a:bodyPr wrap="none" rtlCol="0">
-              <a:spAutoFit/>
-            </a:bodyPr>
-            <a:lstStyle/>
-            <a:p>
-              <a:r>
-                <a:rPr lang="de-DE" sz="1400" dirty="0" err="1" smtClean="0">
-                  <a:solidFill>
-                    <a:srgbClr val="7F7F7F"/>
-                  </a:solidFill>
-                  <a:latin typeface="Fira Mono OT"/>
-                  <a:cs typeface="Fira Mono OT"/>
-                </a:rPr>
-                <a:t>Modell.componentbasedsystem</a:t>
-              </a:r>
-              <a:endParaRPr lang="de-DE" sz="1400" dirty="0">
-                <a:solidFill>
-                  <a:srgbClr val="7F7F7F"/>
-                </a:solidFill>
-                <a:latin typeface="Fira Mono OT"/>
-                <a:cs typeface="Fira Mono OT"/>
-              </a:endParaRPr>
-            </a:p>
-          </p:txBody>
-        </p:sp>
-      </p:grpSp>
-      <p:sp>
-        <p:nvSpPr>
-          <p:cNvPr id="8" name="Pfeil nach unten 7"/>
-          <p:cNvSpPr/>
-          <p:nvPr/>
-        </p:nvSpPr>
-        <p:spPr>
-          <a:xfrm>
-            <a:off x="1486257" y="2087542"/>
-            <a:ext cx="660400" cy="457200"/>
-          </a:xfrm>
-          <a:prstGeom prst="downArrow">
-            <a:avLst/>
-          </a:prstGeom>
-        </p:spPr>
-        <p:style>
-          <a:lnRef idx="2">
-            <a:schemeClr val="dk1"/>
-          </a:lnRef>
-          <a:fillRef idx="1">
-            <a:schemeClr val="lt1"/>
-          </a:fillRef>
-          <a:effectRef idx="0">
-            <a:schemeClr val="dk1"/>
-          </a:effectRef>
-          <a:fontRef idx="minor">
-            <a:schemeClr val="dk1"/>
-          </a:fontRef>
-        </p:style>
-        <p:txBody>
-          <a:bodyPr rtlCol="0" anchor="ctr"/>
-          <a:lstStyle/>
-          <a:p>
-            <a:pPr algn="ctr"/>
-            <a:endParaRPr lang="de-DE"/>
-          </a:p>
-        </p:txBody>
-      </p:sp>
-      <p:grpSp>
-        <p:nvGrpSpPr>
-          <p:cNvPr id="9" name="Gruppierung 8"/>
-          <p:cNvGrpSpPr/>
-          <p:nvPr/>
-        </p:nvGrpSpPr>
-        <p:grpSpPr>
-          <a:xfrm>
-            <a:off x="863602" y="2753823"/>
-            <a:ext cx="1908213" cy="880535"/>
-            <a:chOff x="6574012" y="2376846"/>
-            <a:chExt cx="1908213" cy="880535"/>
-          </a:xfrm>
-        </p:grpSpPr>
-        <p:sp>
-          <p:nvSpPr>
-            <p:cNvPr id="10" name="Gefaltete Ecke 9"/>
-            <p:cNvSpPr/>
-            <p:nvPr/>
-          </p:nvSpPr>
-          <p:spPr>
-            <a:xfrm rot="10800000" flipH="1">
-              <a:off x="7349064" y="2376846"/>
-              <a:ext cx="395109" cy="535686"/>
-            </a:xfrm>
-            <a:prstGeom prst="foldedCorner">
-              <a:avLst>
-                <a:gd name="adj" fmla="val 29488"/>
-              </a:avLst>
-            </a:prstGeom>
-          </p:spPr>
-          <p:style>
-            <a:lnRef idx="1">
-              <a:schemeClr val="accent1"/>
-            </a:lnRef>
-            <a:fillRef idx="3">
-              <a:schemeClr val="accent1"/>
-            </a:fillRef>
-            <a:effectRef idx="2">
-              <a:schemeClr val="accent1"/>
-            </a:effectRef>
-            <a:fontRef idx="minor">
-              <a:schemeClr val="lt1"/>
-            </a:fontRef>
-          </p:style>
-          <p:txBody>
-            <a:bodyPr rtlCol="0" anchor="ctr"/>
-            <a:lstStyle/>
-            <a:p>
-              <a:pPr algn="ctr"/>
-              <a:endParaRPr lang="de-DE"/>
-            </a:p>
-          </p:txBody>
-        </p:sp>
-        <p:sp>
-          <p:nvSpPr>
-            <p:cNvPr id="11" name="Textfeld 10"/>
-            <p:cNvSpPr txBox="1"/>
-            <p:nvPr/>
-          </p:nvSpPr>
-          <p:spPr>
-            <a:xfrm>
-              <a:off x="6574012" y="2949604"/>
-              <a:ext cx="1908213" cy="307777"/>
-            </a:xfrm>
-            <a:prstGeom prst="rect">
-              <a:avLst/>
-            </a:prstGeom>
-            <a:noFill/>
-          </p:spPr>
-          <p:txBody>
-            <a:bodyPr wrap="none" rtlCol="0">
-              <a:spAutoFit/>
-            </a:bodyPr>
-            <a:lstStyle/>
-            <a:p>
-              <a:r>
-                <a:rPr lang="de-DE" sz="1400" dirty="0" err="1" smtClean="0">
-                  <a:solidFill>
-                    <a:srgbClr val="7F7F7F"/>
-                  </a:solidFill>
-                  <a:latin typeface="Fira Mono OT"/>
-                  <a:cs typeface="Fira Mono OT"/>
-                </a:rPr>
-                <a:t>Generation.xtend</a:t>
-              </a:r>
-              <a:endParaRPr lang="de-DE" sz="1400" dirty="0">
-                <a:solidFill>
-                  <a:srgbClr val="7F7F7F"/>
-                </a:solidFill>
-                <a:latin typeface="Fira Mono OT"/>
-                <a:cs typeface="Fira Mono OT"/>
-              </a:endParaRPr>
-            </a:p>
-          </p:txBody>
-        </p:sp>
-      </p:grpSp>
-      <p:sp>
-        <p:nvSpPr>
-          <p:cNvPr id="12" name="Pfeil nach unten 11"/>
-          <p:cNvSpPr/>
-          <p:nvPr/>
-        </p:nvSpPr>
-        <p:spPr>
-          <a:xfrm>
-            <a:off x="1486257" y="3786755"/>
-            <a:ext cx="660400" cy="457200"/>
-          </a:xfrm>
-          <a:prstGeom prst="downArrow">
-            <a:avLst/>
-          </a:prstGeom>
-        </p:spPr>
-        <p:style>
-          <a:lnRef idx="2">
-            <a:schemeClr val="dk1"/>
-          </a:lnRef>
-          <a:fillRef idx="1">
-            <a:schemeClr val="lt1"/>
-          </a:fillRef>
-          <a:effectRef idx="0">
-            <a:schemeClr val="dk1"/>
-          </a:effectRef>
-          <a:fontRef idx="minor">
-            <a:schemeClr val="dk1"/>
-          </a:fontRef>
-        </p:style>
-        <p:txBody>
-          <a:bodyPr rtlCol="0" anchor="ctr"/>
-          <a:lstStyle/>
-          <a:p>
-            <a:pPr algn="ctr"/>
-            <a:endParaRPr lang="de-DE"/>
-          </a:p>
-        </p:txBody>
-      </p:sp>
-      <p:grpSp>
-        <p:nvGrpSpPr>
-          <p:cNvPr id="13" name="Gruppierung 12"/>
-          <p:cNvGrpSpPr/>
-          <p:nvPr/>
-        </p:nvGrpSpPr>
-        <p:grpSpPr>
-          <a:xfrm>
-            <a:off x="931335" y="4494978"/>
-            <a:ext cx="1800492" cy="866807"/>
-            <a:chOff x="6574012" y="2390574"/>
-            <a:chExt cx="1800492" cy="866807"/>
-          </a:xfrm>
-        </p:grpSpPr>
-        <p:sp>
-          <p:nvSpPr>
-            <p:cNvPr id="14" name="Gefaltete Ecke 13"/>
-            <p:cNvSpPr/>
-            <p:nvPr/>
-          </p:nvSpPr>
-          <p:spPr>
-            <a:xfrm rot="10800000" flipH="1">
-              <a:off x="7281332" y="2390574"/>
-              <a:ext cx="395109" cy="521958"/>
-            </a:xfrm>
-            <a:prstGeom prst="foldedCorner">
-              <a:avLst>
-                <a:gd name="adj" fmla="val 29488"/>
-              </a:avLst>
-            </a:prstGeom>
-          </p:spPr>
-          <p:style>
-            <a:lnRef idx="1">
-              <a:schemeClr val="accent1"/>
-            </a:lnRef>
-            <a:fillRef idx="3">
-              <a:schemeClr val="accent1"/>
-            </a:fillRef>
-            <a:effectRef idx="2">
-              <a:schemeClr val="accent1"/>
-            </a:effectRef>
-            <a:fontRef idx="minor">
-              <a:schemeClr val="lt1"/>
-            </a:fontRef>
-          </p:style>
-          <p:txBody>
-            <a:bodyPr rtlCol="0" anchor="ctr"/>
-            <a:lstStyle/>
-            <a:p>
-              <a:pPr algn="ctr"/>
-              <a:endParaRPr lang="de-DE"/>
-            </a:p>
-          </p:txBody>
-        </p:sp>
-        <p:sp>
-          <p:nvSpPr>
-            <p:cNvPr id="15" name="Textfeld 14"/>
-            <p:cNvSpPr txBox="1"/>
-            <p:nvPr/>
-          </p:nvSpPr>
-          <p:spPr>
-            <a:xfrm>
-              <a:off x="6574012" y="2949604"/>
-              <a:ext cx="1800492" cy="307777"/>
-            </a:xfrm>
-            <a:prstGeom prst="rect">
-              <a:avLst/>
-            </a:prstGeom>
-            <a:noFill/>
-          </p:spPr>
-          <p:txBody>
-            <a:bodyPr wrap="none" rtlCol="0">
-              <a:spAutoFit/>
-            </a:bodyPr>
-            <a:lstStyle/>
-            <a:p>
-              <a:r>
-                <a:rPr lang="de-DE" sz="1400" dirty="0" err="1" smtClean="0">
-                  <a:solidFill>
-                    <a:srgbClr val="7F7F7F"/>
-                  </a:solidFill>
-                  <a:latin typeface="Fira Mono OT"/>
-                  <a:cs typeface="Fira Mono OT"/>
-                </a:rPr>
-                <a:t>Generator.xtend</a:t>
-              </a:r>
-              <a:endParaRPr lang="de-DE" sz="1400" dirty="0">
-                <a:solidFill>
-                  <a:srgbClr val="7F7F7F"/>
-                </a:solidFill>
-                <a:latin typeface="Fira Mono OT"/>
-                <a:cs typeface="Fira Mono OT"/>
-              </a:endParaRPr>
-            </a:p>
-          </p:txBody>
-        </p:sp>
-      </p:grpSp>
-      <p:sp>
-        <p:nvSpPr>
-          <p:cNvPr id="16" name="Pfeil nach unten 15"/>
-          <p:cNvSpPr/>
-          <p:nvPr/>
-        </p:nvSpPr>
-        <p:spPr>
-          <a:xfrm>
-            <a:off x="1486257" y="5522424"/>
-            <a:ext cx="660400" cy="457200"/>
-          </a:xfrm>
-          <a:prstGeom prst="downArrow">
-            <a:avLst/>
-          </a:prstGeom>
-        </p:spPr>
-        <p:style>
-          <a:lnRef idx="2">
-            <a:schemeClr val="dk1"/>
-          </a:lnRef>
-          <a:fillRef idx="1">
-            <a:schemeClr val="lt1"/>
-          </a:fillRef>
-          <a:effectRef idx="0">
-            <a:schemeClr val="dk1"/>
-          </a:effectRef>
-          <a:fontRef idx="minor">
-            <a:schemeClr val="dk1"/>
-          </a:fontRef>
-        </p:style>
-        <p:txBody>
-          <a:bodyPr rtlCol="0" anchor="ctr"/>
-          <a:lstStyle/>
-          <a:p>
-            <a:pPr algn="ctr"/>
-            <a:endParaRPr lang="de-DE"/>
-          </a:p>
-        </p:txBody>
-      </p:sp>
-      <p:grpSp>
-        <p:nvGrpSpPr>
-          <p:cNvPr id="21" name="Gruppierung 20"/>
-          <p:cNvGrpSpPr/>
-          <p:nvPr/>
-        </p:nvGrpSpPr>
-        <p:grpSpPr>
-          <a:xfrm>
-            <a:off x="558626" y="5808053"/>
-            <a:ext cx="2506559" cy="944528"/>
-            <a:chOff x="3322635" y="5723471"/>
-            <a:chExt cx="2506559" cy="944528"/>
-          </a:xfrm>
-        </p:grpSpPr>
-        <p:sp>
-          <p:nvSpPr>
-            <p:cNvPr id="19" name="Gefaltete Ecke 18"/>
-            <p:cNvSpPr/>
-            <p:nvPr/>
-          </p:nvSpPr>
-          <p:spPr>
-            <a:xfrm rot="10800000" flipH="1">
-              <a:off x="3475035" y="5723471"/>
-              <a:ext cx="449088" cy="546597"/>
-            </a:xfrm>
-            <a:prstGeom prst="foldedCorner">
-              <a:avLst>
-                <a:gd name="adj" fmla="val 29488"/>
-              </a:avLst>
-            </a:prstGeom>
-          </p:spPr>
-          <p:style>
-            <a:lnRef idx="1">
-              <a:schemeClr val="accent6"/>
-            </a:lnRef>
-            <a:fillRef idx="3">
-              <a:schemeClr val="accent6"/>
-            </a:fillRef>
-            <a:effectRef idx="2">
-              <a:schemeClr val="accent6"/>
-            </a:effectRef>
-            <a:fontRef idx="minor">
-              <a:schemeClr val="lt1"/>
-            </a:fontRef>
-          </p:style>
-          <p:txBody>
-            <a:bodyPr rtlCol="0" anchor="ctr"/>
-            <a:lstStyle/>
-            <a:p>
-              <a:pPr algn="ctr"/>
-              <a:endParaRPr lang="de-DE"/>
-            </a:p>
-          </p:txBody>
-        </p:sp>
-        <p:sp>
-          <p:nvSpPr>
-            <p:cNvPr id="18" name="Gefaltete Ecke 17"/>
-            <p:cNvSpPr/>
-            <p:nvPr/>
-          </p:nvSpPr>
-          <p:spPr>
-            <a:xfrm rot="10800000" flipH="1">
-              <a:off x="3699579" y="5977470"/>
-              <a:ext cx="449088" cy="546597"/>
-            </a:xfrm>
-            <a:prstGeom prst="foldedCorner">
-              <a:avLst>
-                <a:gd name="adj" fmla="val 29488"/>
-              </a:avLst>
-            </a:prstGeom>
-          </p:spPr>
-          <p:style>
-            <a:lnRef idx="1">
-              <a:schemeClr val="accent6"/>
-            </a:lnRef>
-            <a:fillRef idx="3">
-              <a:schemeClr val="accent6"/>
-            </a:fillRef>
-            <a:effectRef idx="2">
-              <a:schemeClr val="accent6"/>
-            </a:effectRef>
-            <a:fontRef idx="minor">
-              <a:schemeClr val="lt1"/>
-            </a:fontRef>
-          </p:style>
-          <p:txBody>
-            <a:bodyPr rtlCol="0" anchor="ctr"/>
-            <a:lstStyle/>
-            <a:p>
-              <a:pPr algn="ctr"/>
-              <a:endParaRPr lang="de-DE"/>
-            </a:p>
-          </p:txBody>
-        </p:sp>
-        <p:sp>
-          <p:nvSpPr>
-            <p:cNvPr id="17" name="Gefaltete Ecke 16"/>
-            <p:cNvSpPr/>
-            <p:nvPr/>
-          </p:nvSpPr>
-          <p:spPr>
-            <a:xfrm rot="10800000" flipH="1">
-              <a:off x="3322635" y="6121402"/>
-              <a:ext cx="449088" cy="546597"/>
-            </a:xfrm>
-            <a:prstGeom prst="foldedCorner">
-              <a:avLst>
-                <a:gd name="adj" fmla="val 29488"/>
-              </a:avLst>
-            </a:prstGeom>
-          </p:spPr>
-          <p:style>
-            <a:lnRef idx="1">
-              <a:schemeClr val="accent6"/>
-            </a:lnRef>
-            <a:fillRef idx="3">
-              <a:schemeClr val="accent6"/>
-            </a:fillRef>
-            <a:effectRef idx="2">
-              <a:schemeClr val="accent6"/>
-            </a:effectRef>
-            <a:fontRef idx="minor">
-              <a:schemeClr val="lt1"/>
-            </a:fontRef>
-          </p:style>
-          <p:txBody>
-            <a:bodyPr rtlCol="0" anchor="ctr"/>
-            <a:lstStyle/>
-            <a:p>
-              <a:pPr algn="ctr"/>
-              <a:endParaRPr lang="de-DE"/>
-            </a:p>
-          </p:txBody>
-        </p:sp>
-        <p:sp>
-          <p:nvSpPr>
-            <p:cNvPr id="20" name="Textfeld 19"/>
-            <p:cNvSpPr txBox="1"/>
-            <p:nvPr/>
-          </p:nvSpPr>
-          <p:spPr>
-            <a:xfrm>
-              <a:off x="4351867" y="6116179"/>
-              <a:ext cx="1477327" cy="307777"/>
-            </a:xfrm>
-            <a:prstGeom prst="rect">
-              <a:avLst/>
-            </a:prstGeom>
-            <a:noFill/>
-          </p:spPr>
-          <p:txBody>
-            <a:bodyPr wrap="none" rtlCol="0">
-              <a:spAutoFit/>
-            </a:bodyPr>
-            <a:lstStyle/>
-            <a:p>
-              <a:r>
-                <a:rPr lang="de-DE" sz="1400" dirty="0" smtClean="0">
-                  <a:solidFill>
-                    <a:srgbClr val="7F7F7F"/>
-                  </a:solidFill>
-                  <a:latin typeface="Fira Mono OT"/>
-                  <a:cs typeface="Fira Mono OT"/>
-                </a:rPr>
-                <a:t>Java-Klassen</a:t>
-              </a:r>
-              <a:endParaRPr lang="de-DE" sz="1400" dirty="0">
-                <a:solidFill>
-                  <a:srgbClr val="7F7F7F"/>
-                </a:solidFill>
-                <a:latin typeface="Fira Mono OT"/>
-                <a:cs typeface="Fira Mono OT"/>
-              </a:endParaRPr>
-            </a:p>
-          </p:txBody>
-        </p:sp>
-      </p:grpSp>
-      <p:sp>
-        <p:nvSpPr>
-          <p:cNvPr id="23" name="Textfeld 22"/>
-          <p:cNvSpPr txBox="1"/>
-          <p:nvPr/>
-        </p:nvSpPr>
-        <p:spPr>
-          <a:xfrm>
-            <a:off x="4392916" y="1141187"/>
-            <a:ext cx="4523366" cy="666849"/>
-          </a:xfrm>
-          <a:prstGeom prst="rect">
-            <a:avLst/>
-          </a:prstGeom>
-        </p:spPr>
-        <p:txBody>
-          <a:bodyPr vert="horz" lIns="91440" tIns="45720" rIns="91440" bIns="45720" rtlCol="0">
-            <a:normAutofit fontScale="62500" lnSpcReduction="20000"/>
-          </a:bodyPr>
-          <a:lstStyle>
-            <a:lvl1pPr marL="342900" indent="-342900">
+            <a:pPr>
               <a:lnSpc>
                 <a:spcPct val="120000"/>
               </a:lnSpc>
-              <a:spcBef>
-                <a:spcPct val="20000"/>
-              </a:spcBef>
               <a:spcAft>
                 <a:spcPts val="600"/>
               </a:spcAft>
-              <a:buClr>
-                <a:schemeClr val="accent1"/>
-              </a:buClr>
-              <a:buFont typeface="Wingdings" charset="2"/>
-              <a:buChar char="§"/>
-              <a:defRPr sz="3200" b="0" i="0">
-                <a:latin typeface="Fira Sans"/>
-                <a:cs typeface="Fira Sans"/>
-              </a:defRPr>
-            </a:lvl1pPr>
-            <a:lvl2pPr marL="742950" lvl="1" indent="-285750">
+            </a:pPr>
+            <a:r>
+              <a:rPr lang="de-DE" dirty="0" smtClean="0"/>
+              <a:t>Transformation - 2 Möglichkeiten</a:t>
+            </a:r>
+          </a:p>
+          <a:p>
+            <a:pPr lvl="1">
               <a:lnSpc>
                 <a:spcPct val="120000"/>
               </a:lnSpc>
-              <a:spcBef>
-                <a:spcPct val="20000"/>
-              </a:spcBef>
               <a:spcAft>
                 <a:spcPts val="600"/>
               </a:spcAft>
-              <a:buClr>
-                <a:schemeClr val="accent1"/>
-              </a:buClr>
-              <a:buFont typeface="Lucida Grande"/>
-              <a:buChar char="»"/>
-              <a:defRPr sz="2800" b="0" i="0">
+            </a:pPr>
+            <a:r>
+              <a:rPr lang="de-DE" dirty="0" smtClean="0">
                 <a:solidFill>
                   <a:schemeClr val="bg1">
                     <a:lumMod val="50000"/>
                   </a:schemeClr>
                 </a:solidFill>
-                <a:latin typeface="Fira Sans"/>
-                <a:cs typeface="Fira Sans"/>
-              </a:defRPr>
-            </a:lvl2pPr>
-            <a:lvl3pPr marL="1143000" indent="-228600">
-              <a:spcBef>
-                <a:spcPct val="20000"/>
-              </a:spcBef>
-              <a:buClr>
-                <a:schemeClr val="accent1"/>
-              </a:buClr>
-              <a:buFont typeface="Arial"/>
-              <a:buChar char="•"/>
-              <a:defRPr sz="2400" b="0" i="0">
-                <a:latin typeface="Fira Sans"/>
-                <a:cs typeface="Fira Sans"/>
-              </a:defRPr>
-            </a:lvl3pPr>
-            <a:lvl4pPr marL="1600200" indent="-228600">
-              <a:spcBef>
-                <a:spcPct val="20000"/>
-              </a:spcBef>
-              <a:buClr>
-                <a:schemeClr val="accent1"/>
-              </a:buClr>
-              <a:buFont typeface="Arial"/>
-              <a:buChar char="–"/>
-              <a:defRPr sz="2000" b="0" i="0">
-                <a:latin typeface="Fira Sans"/>
-                <a:cs typeface="Fira Sans"/>
-              </a:defRPr>
-            </a:lvl4pPr>
-            <a:lvl5pPr indent="0">
-              <a:spcBef>
-                <a:spcPct val="20000"/>
-              </a:spcBef>
-              <a:buClr>
-                <a:schemeClr val="accent1"/>
-              </a:buClr>
-              <a:buFontTx/>
-              <a:buNone/>
-              <a:defRPr sz="2000" b="0" i="0">
-                <a:latin typeface="Fira Sans"/>
-                <a:cs typeface="Fira Sans"/>
-              </a:defRPr>
-            </a:lvl5pPr>
-            <a:lvl6pPr marL="2514600" indent="-228600">
-              <a:spcBef>
-                <a:spcPct val="20000"/>
-              </a:spcBef>
-              <a:buFont typeface="Arial"/>
-              <a:buChar char="•"/>
-              <a:defRPr sz="2000"/>
-            </a:lvl6pPr>
-            <a:lvl7pPr marL="2971800" indent="-228600">
-              <a:spcBef>
-                <a:spcPct val="20000"/>
-              </a:spcBef>
-              <a:buFont typeface="Arial"/>
-              <a:buChar char="•"/>
-              <a:defRPr sz="2000"/>
-            </a:lvl7pPr>
-            <a:lvl8pPr marL="3429000" indent="-228600">
-              <a:spcBef>
-                <a:spcPct val="20000"/>
-              </a:spcBef>
-              <a:buFont typeface="Arial"/>
-              <a:buChar char="•"/>
-              <a:defRPr sz="2000"/>
-            </a:lvl8pPr>
-            <a:lvl9pPr marL="3886200" indent="-228600">
-              <a:spcBef>
-                <a:spcPct val="20000"/>
-              </a:spcBef>
-              <a:buFont typeface="Arial"/>
-              <a:buChar char="•"/>
-              <a:defRPr sz="2000"/>
-            </a:lvl9pPr>
-          </a:lstStyle>
-          <a:p>
-            <a:r>
-              <a:rPr lang="de-DE" dirty="0"/>
-              <a:t>Modell nach unserem Metamodell</a:t>
-            </a:r>
-          </a:p>
-        </p:txBody>
-      </p:sp>
-      <p:sp>
-        <p:nvSpPr>
-          <p:cNvPr id="25" name="Textfeld 24"/>
-          <p:cNvSpPr txBox="1"/>
-          <p:nvPr/>
-        </p:nvSpPr>
-        <p:spPr>
-          <a:xfrm>
-            <a:off x="4392916" y="2570398"/>
-            <a:ext cx="4523366" cy="1387977"/>
-          </a:xfrm>
-          <a:prstGeom prst="rect">
-            <a:avLst/>
-          </a:prstGeom>
-        </p:spPr>
-        <p:txBody>
-          <a:bodyPr vert="horz" lIns="91440" tIns="45720" rIns="91440" bIns="45720" rtlCol="0">
-            <a:normAutofit fontScale="55000" lnSpcReduction="20000"/>
-          </a:bodyPr>
-          <a:lstStyle>
-            <a:lvl1pPr marL="342900" indent="-342900">
-              <a:lnSpc>
-                <a:spcPct val="120000"/>
-              </a:lnSpc>
-              <a:spcBef>
-                <a:spcPct val="20000"/>
-              </a:spcBef>
-              <a:spcAft>
-                <a:spcPts val="600"/>
-              </a:spcAft>
-              <a:buClr>
-                <a:schemeClr val="accent1"/>
-              </a:buClr>
-              <a:buFont typeface="Wingdings" charset="2"/>
-              <a:buChar char="§"/>
-              <a:defRPr sz="3200" b="0" i="0">
-                <a:latin typeface="Fira Sans"/>
-                <a:cs typeface="Fira Sans"/>
-              </a:defRPr>
-            </a:lvl1pPr>
-            <a:lvl2pPr marL="742950" lvl="1" indent="-285750">
-              <a:lnSpc>
-                <a:spcPct val="120000"/>
-              </a:lnSpc>
-              <a:spcBef>
-                <a:spcPct val="20000"/>
-              </a:spcBef>
-              <a:spcAft>
-                <a:spcPts val="600"/>
-              </a:spcAft>
-              <a:buClr>
-                <a:schemeClr val="accent1"/>
-              </a:buClr>
-              <a:buFont typeface="Lucida Grande"/>
-              <a:buChar char="»"/>
-              <a:defRPr sz="2800" b="0" i="0">
+              </a:rPr>
+              <a:t>Plug-Ins vs. innere </a:t>
+            </a:r>
+            <a:r>
+              <a:rPr lang="de-DE" dirty="0" err="1" smtClean="0">
                 <a:solidFill>
                   <a:schemeClr val="bg1">
                     <a:lumMod val="50000"/>
                   </a:schemeClr>
                 </a:solidFill>
-                <a:latin typeface="Fira Sans"/>
-                <a:cs typeface="Fira Sans"/>
-              </a:defRPr>
-            </a:lvl2pPr>
-            <a:lvl3pPr marL="1143000" indent="-228600">
-              <a:spcBef>
-                <a:spcPct val="20000"/>
-              </a:spcBef>
-              <a:buClr>
-                <a:schemeClr val="accent1"/>
-              </a:buClr>
-              <a:buFont typeface="Arial"/>
-              <a:buChar char="•"/>
-              <a:defRPr sz="2400" b="0" i="0">
-                <a:latin typeface="Fira Sans"/>
-                <a:cs typeface="Fira Sans"/>
-              </a:defRPr>
-            </a:lvl3pPr>
-            <a:lvl4pPr marL="1600200" indent="-228600">
-              <a:spcBef>
-                <a:spcPct val="20000"/>
-              </a:spcBef>
-              <a:buClr>
-                <a:schemeClr val="accent1"/>
-              </a:buClr>
-              <a:buFont typeface="Arial"/>
-              <a:buChar char="–"/>
-              <a:defRPr sz="2000" b="0" i="0">
-                <a:latin typeface="Fira Sans"/>
-                <a:cs typeface="Fira Sans"/>
-              </a:defRPr>
-            </a:lvl4pPr>
-            <a:lvl5pPr indent="0">
-              <a:spcBef>
-                <a:spcPct val="20000"/>
-              </a:spcBef>
-              <a:buClr>
-                <a:schemeClr val="accent1"/>
-              </a:buClr>
-              <a:buFontTx/>
-              <a:buNone/>
-              <a:defRPr sz="2000" b="0" i="0">
-                <a:latin typeface="Fira Sans"/>
-                <a:cs typeface="Fira Sans"/>
-              </a:defRPr>
-            </a:lvl5pPr>
-            <a:lvl6pPr marL="2514600" indent="-228600">
-              <a:spcBef>
-                <a:spcPct val="20000"/>
-              </a:spcBef>
-              <a:buFont typeface="Arial"/>
-              <a:buChar char="•"/>
-              <a:defRPr sz="2000"/>
-            </a:lvl6pPr>
-            <a:lvl7pPr marL="2971800" indent="-228600">
-              <a:spcBef>
-                <a:spcPct val="20000"/>
-              </a:spcBef>
-              <a:buFont typeface="Arial"/>
-              <a:buChar char="•"/>
-              <a:defRPr sz="2000"/>
-            </a:lvl7pPr>
-            <a:lvl8pPr marL="3429000" indent="-228600">
-              <a:spcBef>
-                <a:spcPct val="20000"/>
-              </a:spcBef>
-              <a:buFont typeface="Arial"/>
-              <a:buChar char="•"/>
-              <a:defRPr sz="2000"/>
-            </a:lvl8pPr>
-            <a:lvl9pPr marL="3886200" indent="-228600">
-              <a:spcBef>
-                <a:spcPct val="20000"/>
-              </a:spcBef>
-              <a:buFont typeface="Arial"/>
-              <a:buChar char="•"/>
-              <a:defRPr sz="2000"/>
-            </a:lvl9pPr>
-          </a:lstStyle>
-          <a:p>
-            <a:r>
-              <a:rPr lang="de-DE" dirty="0" err="1" smtClean="0"/>
-              <a:t>ePackages</a:t>
-            </a:r>
-            <a:r>
-              <a:rPr lang="de-DE" dirty="0" smtClean="0"/>
-              <a:t> des </a:t>
+              </a:rPr>
+              <a:t>Eclipse</a:t>
             </a:r>
             <a:r>
               <a:rPr lang="de-DE" dirty="0" smtClean="0">
-                <a:latin typeface="Fira Mono OT"/>
-                <a:cs typeface="Fira Mono OT"/>
-              </a:rPr>
-              <a:t>.</a:t>
-            </a:r>
-            <a:r>
-              <a:rPr lang="de-DE" dirty="0" err="1" smtClean="0">
-                <a:latin typeface="Fira Mono OT"/>
-                <a:cs typeface="Fira Mono OT"/>
-              </a:rPr>
-              <a:t>ecore</a:t>
-            </a:r>
-            <a:r>
-              <a:rPr lang="de-DE" dirty="0" smtClean="0"/>
-              <a:t>-Modells laden</a:t>
-            </a:r>
-          </a:p>
-          <a:p>
-            <a:r>
-              <a:rPr lang="de-DE" dirty="0" smtClean="0"/>
-              <a:t>Modell einlesen</a:t>
-            </a:r>
-          </a:p>
-          <a:p>
-            <a:r>
-              <a:rPr lang="de-DE" dirty="0" smtClean="0"/>
-              <a:t>Code-Generator aufrufen</a:t>
-            </a:r>
-            <a:endParaRPr lang="de-DE" dirty="0"/>
-          </a:p>
-        </p:txBody>
-      </p:sp>
-      <p:sp>
-        <p:nvSpPr>
-          <p:cNvPr id="26" name="Textfeld 25"/>
-          <p:cNvSpPr txBox="1"/>
-          <p:nvPr/>
-        </p:nvSpPr>
-        <p:spPr>
-          <a:xfrm>
-            <a:off x="4392916" y="4600232"/>
-            <a:ext cx="4523366" cy="833408"/>
-          </a:xfrm>
-          <a:prstGeom prst="rect">
-            <a:avLst/>
-          </a:prstGeom>
-        </p:spPr>
-        <p:txBody>
-          <a:bodyPr vert="horz" lIns="91440" tIns="45720" rIns="91440" bIns="45720" rtlCol="0">
-            <a:normAutofit fontScale="55000" lnSpcReduction="20000"/>
-          </a:bodyPr>
-          <a:lstStyle>
-            <a:lvl1pPr marL="342900" indent="-342900">
-              <a:lnSpc>
-                <a:spcPct val="120000"/>
-              </a:lnSpc>
-              <a:spcBef>
-                <a:spcPct val="20000"/>
-              </a:spcBef>
-              <a:spcAft>
-                <a:spcPts val="600"/>
-              </a:spcAft>
-              <a:buClr>
-                <a:schemeClr val="accent1"/>
-              </a:buClr>
-              <a:buFont typeface="Wingdings" charset="2"/>
-              <a:buChar char="§"/>
-              <a:defRPr sz="3200" b="0" i="0">
-                <a:latin typeface="Fira Sans"/>
-                <a:cs typeface="Fira Sans"/>
-              </a:defRPr>
-            </a:lvl1pPr>
-            <a:lvl2pPr marL="742950" lvl="1" indent="-285750">
-              <a:lnSpc>
-                <a:spcPct val="120000"/>
-              </a:lnSpc>
-              <a:spcBef>
-                <a:spcPct val="20000"/>
-              </a:spcBef>
-              <a:spcAft>
-                <a:spcPts val="600"/>
-              </a:spcAft>
-              <a:buClr>
-                <a:schemeClr val="accent1"/>
-              </a:buClr>
-              <a:buFont typeface="Lucida Grande"/>
-              <a:buChar char="»"/>
-              <a:defRPr sz="2800" b="0" i="0">
                 <a:solidFill>
                   <a:schemeClr val="bg1">
                     <a:lumMod val="50000"/>
                   </a:schemeClr>
                 </a:solidFill>
-                <a:latin typeface="Fira Sans"/>
-                <a:cs typeface="Fira Sans"/>
-              </a:defRPr>
-            </a:lvl2pPr>
-            <a:lvl3pPr marL="1143000" indent="-228600">
-              <a:spcBef>
-                <a:spcPct val="20000"/>
-              </a:spcBef>
-              <a:buClr>
-                <a:schemeClr val="accent1"/>
-              </a:buClr>
-              <a:buFont typeface="Arial"/>
-              <a:buChar char="•"/>
-              <a:defRPr sz="2400" b="0" i="0">
-                <a:latin typeface="Fira Sans"/>
-                <a:cs typeface="Fira Sans"/>
-              </a:defRPr>
-            </a:lvl3pPr>
-            <a:lvl4pPr marL="1600200" indent="-228600">
-              <a:spcBef>
-                <a:spcPct val="20000"/>
-              </a:spcBef>
-              <a:buClr>
-                <a:schemeClr val="accent1"/>
-              </a:buClr>
-              <a:buFont typeface="Arial"/>
-              <a:buChar char="–"/>
-              <a:defRPr sz="2000" b="0" i="0">
-                <a:latin typeface="Fira Sans"/>
-                <a:cs typeface="Fira Sans"/>
-              </a:defRPr>
-            </a:lvl4pPr>
-            <a:lvl5pPr indent="0">
-              <a:spcBef>
-                <a:spcPct val="20000"/>
-              </a:spcBef>
-              <a:buClr>
-                <a:schemeClr val="accent1"/>
-              </a:buClr>
-              <a:buFontTx/>
-              <a:buNone/>
-              <a:defRPr sz="2000" b="0" i="0">
-                <a:latin typeface="Fira Sans"/>
-                <a:cs typeface="Fira Sans"/>
-              </a:defRPr>
-            </a:lvl5pPr>
-            <a:lvl6pPr marL="2514600" indent="-228600">
-              <a:spcBef>
-                <a:spcPct val="20000"/>
-              </a:spcBef>
-              <a:buFont typeface="Arial"/>
-              <a:buChar char="•"/>
-              <a:defRPr sz="2000"/>
-            </a:lvl6pPr>
-            <a:lvl7pPr marL="2971800" indent="-228600">
-              <a:spcBef>
-                <a:spcPct val="20000"/>
-              </a:spcBef>
-              <a:buFont typeface="Arial"/>
-              <a:buChar char="•"/>
-              <a:defRPr sz="2000"/>
-            </a:lvl7pPr>
-            <a:lvl8pPr marL="3429000" indent="-228600">
-              <a:spcBef>
-                <a:spcPct val="20000"/>
-              </a:spcBef>
-              <a:buFont typeface="Arial"/>
-              <a:buChar char="•"/>
-              <a:defRPr sz="2000"/>
-            </a:lvl8pPr>
-            <a:lvl9pPr marL="3886200" indent="-228600">
-              <a:spcBef>
-                <a:spcPct val="20000"/>
-              </a:spcBef>
-              <a:buFont typeface="Arial"/>
-              <a:buChar char="•"/>
-              <a:defRPr sz="2000"/>
-            </a:lvl9pPr>
-          </a:lstStyle>
-          <a:p>
+              </a:rPr>
+              <a:t>-Instanz</a:t>
+            </a:r>
+          </a:p>
+          <a:p>
+            <a:pPr>
+              <a:lnSpc>
+                <a:spcPct val="120000"/>
+              </a:lnSpc>
+              <a:spcAft>
+                <a:spcPts val="600"/>
+              </a:spcAft>
+            </a:pPr>
+            <a:r>
+              <a:rPr lang="de-DE" dirty="0" err="1" smtClean="0"/>
+              <a:t>QVTo</a:t>
+            </a:r>
             <a:r>
               <a:rPr lang="de-DE" dirty="0" smtClean="0"/>
-              <a:t>Code Templates</a:t>
-            </a:r>
-          </a:p>
-          <a:p>
+              <a:t>-Projekt in </a:t>
+            </a:r>
+            <a:r>
+              <a:rPr lang="de-DE" dirty="0" err="1" smtClean="0"/>
+              <a:t>Eclipse</a:t>
+            </a:r>
             <a:r>
               <a:rPr lang="de-DE" dirty="0" smtClean="0"/>
-              <a:t>Export in Java-Dateien</a:t>
-            </a:r>
-            <a:endParaRPr lang="de-DE" dirty="0"/>
+              <a:t> Workspace einbinden</a:t>
+            </a:r>
+          </a:p>
+          <a:p>
+            <a:pPr>
+              <a:lnSpc>
+                <a:spcPct val="120000"/>
+              </a:lnSpc>
+              <a:spcAft>
+                <a:spcPts val="600"/>
+              </a:spcAft>
+            </a:pPr>
+            <a:endParaRPr lang="de-DE" dirty="0">
+              <a:solidFill>
+                <a:schemeClr val="bg1">
+                  <a:lumMod val="50000"/>
+                </a:schemeClr>
+              </a:solidFill>
+            </a:endParaRPr>
           </a:p>
         </p:txBody>
       </p:sp>
     </p:spTree>
     <p:extLst>
       <p:ext uri="{BB962C8B-B14F-4D97-AF65-F5344CB8AC3E}">
-        <p14:creationId xmlns:p14="http://schemas.microsoft.com/office/powerpoint/2010/main" val="2077834166"/>
+        <p14:creationId xmlns:p14="http://schemas.microsoft.com/office/powerpoint/2010/main" val="3889762000"/>
       </p:ext>
     </p:extLst>
   </p:cSld>
@@ -7684,436 +8780,9 @@
   <p:timing>
     <p:tnLst>
       <p:par>
-        <p:cTn xmlns:p14="http://schemas.microsoft.com/office/powerpoint/2010/main" id="1" dur="indefinite" restart="never" nodeType="tmRoot">
-          <p:childTnLst>
-            <p:seq concurrent="1" nextAc="seek">
-              <p:cTn id="2" dur="indefinite" nodeType="mainSeq">
-                <p:childTnLst>
-                  <p:par>
-                    <p:cTn id="3" fill="hold">
-                      <p:stCondLst>
-                        <p:cond delay="indefinite"/>
-                      </p:stCondLst>
-                      <p:childTnLst>
-                        <p:par>
-                          <p:cTn id="4" fill="hold">
-                            <p:stCondLst>
-                              <p:cond delay="0"/>
-                            </p:stCondLst>
-                            <p:childTnLst>
-                              <p:par>
-                                <p:cTn id="5" presetID="1" presetClass="entr" presetSubtype="0" fill="hold" nodeType="clickEffect">
-                                  <p:stCondLst>
-                                    <p:cond delay="0"/>
-                                  </p:stCondLst>
-                                  <p:childTnLst>
-                                    <p:set>
-                                      <p:cBhvr>
-                                        <p:cTn id="6" dur="1" fill="hold">
-                                          <p:stCondLst>
-                                            <p:cond delay="0"/>
-                                          </p:stCondLst>
-                                        </p:cTn>
-                                        <p:tgtEl>
-                                          <p:spTgt spid="5"/>
-                                        </p:tgtEl>
-                                        <p:attrNameLst>
-                                          <p:attrName>style.visibility</p:attrName>
-                                        </p:attrNameLst>
-                                      </p:cBhvr>
-                                      <p:to>
-                                        <p:strVal val="visible"/>
-                                      </p:to>
-                                    </p:set>
-                                  </p:childTnLst>
-                                </p:cTn>
-                              </p:par>
-                            </p:childTnLst>
-                          </p:cTn>
-                        </p:par>
-                      </p:childTnLst>
-                    </p:cTn>
-                  </p:par>
-                  <p:par>
-                    <p:cTn id="7" fill="hold">
-                      <p:stCondLst>
-                        <p:cond delay="indefinite"/>
-                      </p:stCondLst>
-                      <p:childTnLst>
-                        <p:par>
-                          <p:cTn id="8" fill="hold">
-                            <p:stCondLst>
-                              <p:cond delay="0"/>
-                            </p:stCondLst>
-                            <p:childTnLst>
-                              <p:par>
-                                <p:cTn id="9" presetID="1" presetClass="entr" presetSubtype="0" fill="hold" grpId="0" nodeType="clickEffect">
-                                  <p:stCondLst>
-                                    <p:cond delay="0"/>
-                                  </p:stCondLst>
-                                  <p:childTnLst>
-                                    <p:set>
-                                      <p:cBhvr>
-                                        <p:cTn id="10" dur="1" fill="hold">
-                                          <p:stCondLst>
-                                            <p:cond delay="0"/>
-                                          </p:stCondLst>
-                                        </p:cTn>
-                                        <p:tgtEl>
-                                          <p:spTgt spid="23"/>
-                                        </p:tgtEl>
-                                        <p:attrNameLst>
-                                          <p:attrName>style.visibility</p:attrName>
-                                        </p:attrNameLst>
-                                      </p:cBhvr>
-                                      <p:to>
-                                        <p:strVal val="visible"/>
-                                      </p:to>
-                                    </p:set>
-                                  </p:childTnLst>
-                                </p:cTn>
-                              </p:par>
-                            </p:childTnLst>
-                          </p:cTn>
-                        </p:par>
-                      </p:childTnLst>
-                    </p:cTn>
-                  </p:par>
-                  <p:par>
-                    <p:cTn id="11" fill="hold">
-                      <p:stCondLst>
-                        <p:cond delay="indefinite"/>
-                      </p:stCondLst>
-                      <p:childTnLst>
-                        <p:par>
-                          <p:cTn id="12" fill="hold">
-                            <p:stCondLst>
-                              <p:cond delay="0"/>
-                            </p:stCondLst>
-                            <p:childTnLst>
-                              <p:par>
-                                <p:cTn id="13" presetID="1" presetClass="entr" presetSubtype="0" fill="hold" grpId="0" nodeType="clickEffect">
-                                  <p:stCondLst>
-                                    <p:cond delay="0"/>
-                                  </p:stCondLst>
-                                  <p:childTnLst>
-                                    <p:set>
-                                      <p:cBhvr>
-                                        <p:cTn id="14" dur="1" fill="hold">
-                                          <p:stCondLst>
-                                            <p:cond delay="0"/>
-                                          </p:stCondLst>
-                                        </p:cTn>
-                                        <p:tgtEl>
-                                          <p:spTgt spid="8"/>
-                                        </p:tgtEl>
-                                        <p:attrNameLst>
-                                          <p:attrName>style.visibility</p:attrName>
-                                        </p:attrNameLst>
-                                      </p:cBhvr>
-                                      <p:to>
-                                        <p:strVal val="visible"/>
-                                      </p:to>
-                                    </p:set>
-                                  </p:childTnLst>
-                                </p:cTn>
-                              </p:par>
-                              <p:par>
-                                <p:cTn id="15" presetID="1" presetClass="entr" presetSubtype="0" fill="hold" nodeType="withEffect">
-                                  <p:stCondLst>
-                                    <p:cond delay="0"/>
-                                  </p:stCondLst>
-                                  <p:childTnLst>
-                                    <p:set>
-                                      <p:cBhvr>
-                                        <p:cTn id="16" dur="1" fill="hold">
-                                          <p:stCondLst>
-                                            <p:cond delay="0"/>
-                                          </p:stCondLst>
-                                        </p:cTn>
-                                        <p:tgtEl>
-                                          <p:spTgt spid="9"/>
-                                        </p:tgtEl>
-                                        <p:attrNameLst>
-                                          <p:attrName>style.visibility</p:attrName>
-                                        </p:attrNameLst>
-                                      </p:cBhvr>
-                                      <p:to>
-                                        <p:strVal val="visible"/>
-                                      </p:to>
-                                    </p:set>
-                                  </p:childTnLst>
-                                </p:cTn>
-                              </p:par>
-                            </p:childTnLst>
-                          </p:cTn>
-                        </p:par>
-                      </p:childTnLst>
-                    </p:cTn>
-                  </p:par>
-                  <p:par>
-                    <p:cTn id="17" fill="hold">
-                      <p:stCondLst>
-                        <p:cond delay="indefinite"/>
-                      </p:stCondLst>
-                      <p:childTnLst>
-                        <p:par>
-                          <p:cTn id="18" fill="hold">
-                            <p:stCondLst>
-                              <p:cond delay="0"/>
-                            </p:stCondLst>
-                            <p:childTnLst>
-                              <p:par>
-                                <p:cTn id="19" presetID="1" presetClass="entr" presetSubtype="0" fill="hold" grpId="0" nodeType="clickEffect">
-                                  <p:stCondLst>
-                                    <p:cond delay="0"/>
-                                  </p:stCondLst>
-                                  <p:childTnLst>
-                                    <p:set>
-                                      <p:cBhvr>
-                                        <p:cTn id="20" dur="1" fill="hold">
-                                          <p:stCondLst>
-                                            <p:cond delay="0"/>
-                                          </p:stCondLst>
-                                        </p:cTn>
-                                        <p:tgtEl>
-                                          <p:spTgt spid="25"/>
-                                        </p:tgtEl>
-                                        <p:attrNameLst>
-                                          <p:attrName>style.visibility</p:attrName>
-                                        </p:attrNameLst>
-                                      </p:cBhvr>
-                                      <p:to>
-                                        <p:strVal val="visible"/>
-                                      </p:to>
-                                    </p:set>
-                                  </p:childTnLst>
-                                </p:cTn>
-                              </p:par>
-                            </p:childTnLst>
-                          </p:cTn>
-                        </p:par>
-                      </p:childTnLst>
-                    </p:cTn>
-                  </p:par>
-                  <p:par>
-                    <p:cTn id="21" fill="hold">
-                      <p:stCondLst>
-                        <p:cond delay="indefinite"/>
-                      </p:stCondLst>
-                      <p:childTnLst>
-                        <p:par>
-                          <p:cTn id="22" fill="hold">
-                            <p:stCondLst>
-                              <p:cond delay="0"/>
-                            </p:stCondLst>
-                            <p:childTnLst>
-                              <p:par>
-                                <p:cTn id="23" presetID="1" presetClass="entr" presetSubtype="0" fill="hold" grpId="0" nodeType="clickEffect">
-                                  <p:stCondLst>
-                                    <p:cond delay="0"/>
-                                  </p:stCondLst>
-                                  <p:childTnLst>
-                                    <p:set>
-                                      <p:cBhvr>
-                                        <p:cTn id="24" dur="1" fill="hold">
-                                          <p:stCondLst>
-                                            <p:cond delay="0"/>
-                                          </p:stCondLst>
-                                        </p:cTn>
-                                        <p:tgtEl>
-                                          <p:spTgt spid="12"/>
-                                        </p:tgtEl>
-                                        <p:attrNameLst>
-                                          <p:attrName>style.visibility</p:attrName>
-                                        </p:attrNameLst>
-                                      </p:cBhvr>
-                                      <p:to>
-                                        <p:strVal val="visible"/>
-                                      </p:to>
-                                    </p:set>
-                                  </p:childTnLst>
-                                </p:cTn>
-                              </p:par>
-                              <p:par>
-                                <p:cTn id="25" presetID="1" presetClass="entr" presetSubtype="0" fill="hold" nodeType="withEffect">
-                                  <p:stCondLst>
-                                    <p:cond delay="0"/>
-                                  </p:stCondLst>
-                                  <p:childTnLst>
-                                    <p:set>
-                                      <p:cBhvr>
-                                        <p:cTn id="26" dur="1" fill="hold">
-                                          <p:stCondLst>
-                                            <p:cond delay="0"/>
-                                          </p:stCondLst>
-                                        </p:cTn>
-                                        <p:tgtEl>
-                                          <p:spTgt spid="13"/>
-                                        </p:tgtEl>
-                                        <p:attrNameLst>
-                                          <p:attrName>style.visibility</p:attrName>
-                                        </p:attrNameLst>
-                                      </p:cBhvr>
-                                      <p:to>
-                                        <p:strVal val="visible"/>
-                                      </p:to>
-                                    </p:set>
-                                  </p:childTnLst>
-                                </p:cTn>
-                              </p:par>
-                            </p:childTnLst>
-                          </p:cTn>
-                        </p:par>
-                      </p:childTnLst>
-                    </p:cTn>
-                  </p:par>
-                  <p:par>
-                    <p:cTn id="27" fill="hold">
-                      <p:stCondLst>
-                        <p:cond delay="indefinite"/>
-                      </p:stCondLst>
-                      <p:childTnLst>
-                        <p:par>
-                          <p:cTn id="28" fill="hold">
-                            <p:stCondLst>
-                              <p:cond delay="0"/>
-                            </p:stCondLst>
-                            <p:childTnLst>
-                              <p:par>
-                                <p:cTn id="29" presetID="1" presetClass="entr" presetSubtype="0" fill="hold" grpId="0" nodeType="clickEffect">
-                                  <p:stCondLst>
-                                    <p:cond delay="0"/>
-                                  </p:stCondLst>
-                                  <p:childTnLst>
-                                    <p:set>
-                                      <p:cBhvr>
-                                        <p:cTn id="30" dur="1" fill="hold">
-                                          <p:stCondLst>
-                                            <p:cond delay="0"/>
-                                          </p:stCondLst>
-                                        </p:cTn>
-                                        <p:tgtEl>
-                                          <p:spTgt spid="26"/>
-                                        </p:tgtEl>
-                                        <p:attrNameLst>
-                                          <p:attrName>style.visibility</p:attrName>
-                                        </p:attrNameLst>
-                                      </p:cBhvr>
-                                      <p:to>
-                                        <p:strVal val="visible"/>
-                                      </p:to>
-                                    </p:set>
-                                  </p:childTnLst>
-                                </p:cTn>
-                              </p:par>
-                            </p:childTnLst>
-                          </p:cTn>
-                        </p:par>
-                      </p:childTnLst>
-                    </p:cTn>
-                  </p:par>
-                  <p:par>
-                    <p:cTn id="31" fill="hold">
-                      <p:stCondLst>
-                        <p:cond delay="indefinite"/>
-                      </p:stCondLst>
-                      <p:childTnLst>
-                        <p:par>
-                          <p:cTn id="32" fill="hold">
-                            <p:stCondLst>
-                              <p:cond delay="0"/>
-                            </p:stCondLst>
-                            <p:childTnLst>
-                              <p:par>
-                                <p:cTn id="33" presetID="1" presetClass="entr" presetSubtype="0" fill="hold" grpId="0" nodeType="clickEffect">
-                                  <p:stCondLst>
-                                    <p:cond delay="0"/>
-                                  </p:stCondLst>
-                                  <p:childTnLst>
-                                    <p:set>
-                                      <p:cBhvr>
-                                        <p:cTn id="34" dur="1" fill="hold">
-                                          <p:stCondLst>
-                                            <p:cond delay="0"/>
-                                          </p:stCondLst>
-                                        </p:cTn>
-                                        <p:tgtEl>
-                                          <p:spTgt spid="16"/>
-                                        </p:tgtEl>
-                                        <p:attrNameLst>
-                                          <p:attrName>style.visibility</p:attrName>
-                                        </p:attrNameLst>
-                                      </p:cBhvr>
-                                      <p:to>
-                                        <p:strVal val="visible"/>
-                                      </p:to>
-                                    </p:set>
-                                  </p:childTnLst>
-                                </p:cTn>
-                              </p:par>
-                              <p:par>
-                                <p:cTn id="35" presetID="1" presetClass="entr" presetSubtype="0" fill="hold" nodeType="withEffect">
-                                  <p:stCondLst>
-                                    <p:cond delay="0"/>
-                                  </p:stCondLst>
-                                  <p:childTnLst>
-                                    <p:set>
-                                      <p:cBhvr>
-                                        <p:cTn id="36" dur="1" fill="hold">
-                                          <p:stCondLst>
-                                            <p:cond delay="0"/>
-                                          </p:stCondLst>
-                                        </p:cTn>
-                                        <p:tgtEl>
-                                          <p:spTgt spid="21"/>
-                                        </p:tgtEl>
-                                        <p:attrNameLst>
-                                          <p:attrName>style.visibility</p:attrName>
-                                        </p:attrNameLst>
-                                      </p:cBhvr>
-                                      <p:to>
-                                        <p:strVal val="visible"/>
-                                      </p:to>
-                                    </p:set>
-                                  </p:childTnLst>
-                                </p:cTn>
-                              </p:par>
-                            </p:childTnLst>
-                          </p:cTn>
-                        </p:par>
-                      </p:childTnLst>
-                    </p:cTn>
-                  </p:par>
-                </p:childTnLst>
-              </p:cTn>
-              <p:prevCondLst>
-                <p:cond evt="onPrev" delay="0">
-                  <p:tgtEl>
-                    <p:sldTgt/>
-                  </p:tgtEl>
-                </p:cond>
-              </p:prevCondLst>
-              <p:nextCondLst>
-                <p:cond evt="onNext" delay="0">
-                  <p:tgtEl>
-                    <p:sldTgt/>
-                  </p:tgtEl>
-                </p:cond>
-              </p:nextCondLst>
-            </p:seq>
-          </p:childTnLst>
-        </p:cTn>
+        <p:cTn id="1" dur="indefinite" restart="never" nodeType="tmRoot"/>
       </p:par>
     </p:tnLst>
-    <p:bldLst>
-      <p:bldP spid="8" grpId="0" animBg="1"/>
-      <p:bldP spid="12" grpId="0" animBg="1"/>
-      <p:bldP spid="16" grpId="0" animBg="1"/>
-      <p:bldP spid="23" grpId="0"/>
-      <p:bldP spid="25" grpId="0"/>
-      <p:bldP spid="26" grpId="0"/>
-    </p:bldLst>
   </p:timing>
 </p:sld>
 </file>

--- a/presentation/MDSD-Abschlusspraesentation.pptx
+++ b/presentation/MDSD-Abschlusspraesentation.pptx
@@ -5,33 +5,42 @@
     <p:sldMasterId id="2147483648" r:id="rId1"/>
   </p:sldMasterIdLst>
   <p:notesMasterIdLst>
-    <p:notesMasterId r:id="rId23"/>
+    <p:notesMasterId r:id="rId32"/>
   </p:notesMasterIdLst>
   <p:handoutMasterIdLst>
-    <p:handoutMasterId r:id="rId24"/>
+    <p:handoutMasterId r:id="rId33"/>
   </p:handoutMasterIdLst>
   <p:sldIdLst>
     <p:sldId id="314" r:id="rId2"/>
     <p:sldId id="315" r:id="rId3"/>
     <p:sldId id="316" r:id="rId4"/>
     <p:sldId id="298" r:id="rId5"/>
-    <p:sldId id="300" r:id="rId6"/>
-    <p:sldId id="317" r:id="rId7"/>
-    <p:sldId id="301" r:id="rId8"/>
-    <p:sldId id="318" r:id="rId9"/>
-    <p:sldId id="319" r:id="rId10"/>
-    <p:sldId id="302" r:id="rId11"/>
-    <p:sldId id="309" r:id="rId12"/>
-    <p:sldId id="310" r:id="rId13"/>
-    <p:sldId id="312" r:id="rId14"/>
-    <p:sldId id="311" r:id="rId15"/>
-    <p:sldId id="303" r:id="rId16"/>
-    <p:sldId id="305" r:id="rId17"/>
-    <p:sldId id="306" r:id="rId18"/>
-    <p:sldId id="307" r:id="rId19"/>
-    <p:sldId id="313" r:id="rId20"/>
-    <p:sldId id="308" r:id="rId21"/>
-    <p:sldId id="304" r:id="rId22"/>
+    <p:sldId id="320" r:id="rId6"/>
+    <p:sldId id="321" r:id="rId7"/>
+    <p:sldId id="322" r:id="rId8"/>
+    <p:sldId id="323" r:id="rId9"/>
+    <p:sldId id="324" r:id="rId10"/>
+    <p:sldId id="325" r:id="rId11"/>
+    <p:sldId id="326" r:id="rId12"/>
+    <p:sldId id="327" r:id="rId13"/>
+    <p:sldId id="328" r:id="rId14"/>
+    <p:sldId id="300" r:id="rId15"/>
+    <p:sldId id="317" r:id="rId16"/>
+    <p:sldId id="301" r:id="rId17"/>
+    <p:sldId id="318" r:id="rId18"/>
+    <p:sldId id="319" r:id="rId19"/>
+    <p:sldId id="302" r:id="rId20"/>
+    <p:sldId id="309" r:id="rId21"/>
+    <p:sldId id="310" r:id="rId22"/>
+    <p:sldId id="312" r:id="rId23"/>
+    <p:sldId id="311" r:id="rId24"/>
+    <p:sldId id="303" r:id="rId25"/>
+    <p:sldId id="305" r:id="rId26"/>
+    <p:sldId id="306" r:id="rId27"/>
+    <p:sldId id="307" r:id="rId28"/>
+    <p:sldId id="313" r:id="rId29"/>
+    <p:sldId id="308" r:id="rId30"/>
+    <p:sldId id="304" r:id="rId31"/>
   </p:sldIdLst>
   <p:sldSz cx="9144000" cy="6858000" type="screen4x3"/>
   <p:notesSz cx="6858000" cy="9144000"/>
@@ -139,6 +148,15 @@
             <p14:sldId id="315"/>
             <p14:sldId id="316"/>
             <p14:sldId id="298"/>
+            <p14:sldId id="320"/>
+            <p14:sldId id="321"/>
+            <p14:sldId id="322"/>
+            <p14:sldId id="323"/>
+            <p14:sldId id="324"/>
+            <p14:sldId id="325"/>
+            <p14:sldId id="326"/>
+            <p14:sldId id="327"/>
+            <p14:sldId id="328"/>
             <p14:sldId id="300"/>
             <p14:sldId id="317"/>
             <p14:sldId id="301"/>
@@ -326,7 +344,7 @@
           <a:p>
             <a:fld id="{FC3561E9-12F4-CE44-B729-2A9FCB5D4B69}" type="slidenum">
               <a:rPr lang="de-DE" smtClean="0"/>
-              <a:t>‹Nr.›</a:t>
+              <a:t>‹#›</a:t>
             </a:fld>
             <a:endParaRPr lang="de-DE"/>
           </a:p>
@@ -490,38 +508,37 @@
           <a:p>
             <a:pPr lvl="0"/>
             <a:r>
-              <a:rPr lang="de-DE" smtClean="0"/>
+              <a:rPr lang="de-DE"/>
               <a:t>Mastertextformat bearbeiten</a:t>
             </a:r>
           </a:p>
           <a:p>
             <a:pPr lvl="1"/>
             <a:r>
-              <a:rPr lang="de-DE" smtClean="0"/>
+              <a:rPr lang="de-DE"/>
               <a:t>Zweite Ebene</a:t>
             </a:r>
           </a:p>
           <a:p>
             <a:pPr lvl="2"/>
             <a:r>
-              <a:rPr lang="de-DE" smtClean="0"/>
+              <a:rPr lang="de-DE"/>
               <a:t>Dritte Ebene</a:t>
             </a:r>
           </a:p>
           <a:p>
             <a:pPr lvl="3"/>
             <a:r>
-              <a:rPr lang="de-DE" smtClean="0"/>
+              <a:rPr lang="de-DE"/>
               <a:t>Vierte Ebene</a:t>
             </a:r>
           </a:p>
           <a:p>
             <a:pPr lvl="4"/>
             <a:r>
-              <a:rPr lang="de-DE" smtClean="0"/>
+              <a:rPr lang="de-DE"/>
               <a:t>Fünfte Ebene</a:t>
             </a:r>
-            <a:endParaRPr lang="de-DE"/>
           </a:p>
         </p:txBody>
       </p:sp>
@@ -585,7 +602,7 @@
           <a:p>
             <a:fld id="{8C316AC7-D06D-8C4C-BFBD-71FECF497B92}" type="slidenum">
               <a:rPr lang="de-DE" smtClean="0"/>
-              <a:t>‹Nr.›</a:t>
+              <a:t>‹#›</a:t>
             </a:fld>
             <a:endParaRPr lang="de-DE"/>
           </a:p>
@@ -695,6 +712,698 @@
 </p:notesMaster>
 </file>
 
+<file path=ppt/notesSlides/notesSlide1.xml><?xml version="1.0" encoding="utf-8"?>
+<p:notes xmlns:a="http://schemas.openxmlformats.org/drawingml/2006/main" xmlns:r="http://schemas.openxmlformats.org/officeDocument/2006/relationships" xmlns:p="http://schemas.openxmlformats.org/presentationml/2006/main">
+  <p:cSld>
+    <p:spTree>
+      <p:nvGrpSpPr>
+        <p:cNvPr id="1" name=""/>
+        <p:cNvGrpSpPr/>
+        <p:nvPr/>
+      </p:nvGrpSpPr>
+      <p:grpSpPr>
+        <a:xfrm>
+          <a:off x="0" y="0"/>
+          <a:ext cx="0" cy="0"/>
+          <a:chOff x="0" y="0"/>
+          <a:chExt cx="0" cy="0"/>
+        </a:xfrm>
+      </p:grpSpPr>
+      <p:sp>
+        <p:nvSpPr>
+          <p:cNvPr id="2" name="Slide Image Placeholder 1"/>
+          <p:cNvSpPr>
+            <a:spLocks noGrp="1" noRot="1" noChangeAspect="1"/>
+          </p:cNvSpPr>
+          <p:nvPr>
+            <p:ph type="sldImg"/>
+          </p:nvPr>
+        </p:nvSpPr>
+        <p:spPr/>
+      </p:sp>
+      <p:sp>
+        <p:nvSpPr>
+          <p:cNvPr id="3" name="Notes Placeholder 2"/>
+          <p:cNvSpPr>
+            <a:spLocks noGrp="1"/>
+          </p:cNvSpPr>
+          <p:nvPr>
+            <p:ph type="body" idx="1"/>
+          </p:nvPr>
+        </p:nvSpPr>
+        <p:spPr/>
+        <p:txBody>
+          <a:bodyPr/>
+          <a:lstStyle/>
+          <a:p>
+            <a:endParaRPr lang="en-US" dirty="0"/>
+          </a:p>
+        </p:txBody>
+      </p:sp>
+      <p:sp>
+        <p:nvSpPr>
+          <p:cNvPr id="4" name="Slide Number Placeholder 3"/>
+          <p:cNvSpPr>
+            <a:spLocks noGrp="1"/>
+          </p:cNvSpPr>
+          <p:nvPr>
+            <p:ph type="sldNum" sz="quarter" idx="10"/>
+          </p:nvPr>
+        </p:nvSpPr>
+        <p:spPr/>
+        <p:txBody>
+          <a:bodyPr/>
+          <a:lstStyle/>
+          <a:p>
+            <a:fld id="{8C316AC7-D06D-8C4C-BFBD-71FECF497B92}" type="slidenum">
+              <a:rPr lang="de-DE" smtClean="0"/>
+              <a:t>8</a:t>
+            </a:fld>
+            <a:endParaRPr lang="de-DE"/>
+          </a:p>
+        </p:txBody>
+      </p:sp>
+    </p:spTree>
+    <p:extLst>
+      <p:ext uri="{BB962C8B-B14F-4D97-AF65-F5344CB8AC3E}">
+        <p14:creationId xmlns:p14="http://schemas.microsoft.com/office/powerpoint/2010/main" val="3989658235"/>
+      </p:ext>
+    </p:extLst>
+  </p:cSld>
+  <p:clrMapOvr>
+    <a:masterClrMapping/>
+  </p:clrMapOvr>
+</p:notes>
+</file>
+
+<file path=ppt/notesSlides/notesSlide2.xml><?xml version="1.0" encoding="utf-8"?>
+<p:notes xmlns:a="http://schemas.openxmlformats.org/drawingml/2006/main" xmlns:r="http://schemas.openxmlformats.org/officeDocument/2006/relationships" xmlns:p="http://schemas.openxmlformats.org/presentationml/2006/main">
+  <p:cSld>
+    <p:spTree>
+      <p:nvGrpSpPr>
+        <p:cNvPr id="1" name=""/>
+        <p:cNvGrpSpPr/>
+        <p:nvPr/>
+      </p:nvGrpSpPr>
+      <p:grpSpPr>
+        <a:xfrm>
+          <a:off x="0" y="0"/>
+          <a:ext cx="0" cy="0"/>
+          <a:chOff x="0" y="0"/>
+          <a:chExt cx="0" cy="0"/>
+        </a:xfrm>
+      </p:grpSpPr>
+      <p:sp>
+        <p:nvSpPr>
+          <p:cNvPr id="2" name="Slide Image Placeholder 1"/>
+          <p:cNvSpPr>
+            <a:spLocks noGrp="1" noRot="1" noChangeAspect="1"/>
+          </p:cNvSpPr>
+          <p:nvPr>
+            <p:ph type="sldImg"/>
+          </p:nvPr>
+        </p:nvSpPr>
+        <p:spPr/>
+      </p:sp>
+      <p:sp>
+        <p:nvSpPr>
+          <p:cNvPr id="3" name="Notes Placeholder 2"/>
+          <p:cNvSpPr>
+            <a:spLocks noGrp="1"/>
+          </p:cNvSpPr>
+          <p:nvPr>
+            <p:ph type="body" idx="1"/>
+          </p:nvPr>
+        </p:nvSpPr>
+        <p:spPr/>
+        <p:txBody>
+          <a:bodyPr/>
+          <a:lstStyle/>
+          <a:p>
+            <a:endParaRPr lang="en-US" dirty="0"/>
+          </a:p>
+        </p:txBody>
+      </p:sp>
+      <p:sp>
+        <p:nvSpPr>
+          <p:cNvPr id="4" name="Slide Number Placeholder 3"/>
+          <p:cNvSpPr>
+            <a:spLocks noGrp="1"/>
+          </p:cNvSpPr>
+          <p:nvPr>
+            <p:ph type="sldNum" sz="quarter" idx="10"/>
+          </p:nvPr>
+        </p:nvSpPr>
+        <p:spPr/>
+        <p:txBody>
+          <a:bodyPr/>
+          <a:lstStyle/>
+          <a:p>
+            <a:fld id="{8C316AC7-D06D-8C4C-BFBD-71FECF497B92}" type="slidenum">
+              <a:rPr lang="de-DE" smtClean="0"/>
+              <a:t>9</a:t>
+            </a:fld>
+            <a:endParaRPr lang="de-DE"/>
+          </a:p>
+        </p:txBody>
+      </p:sp>
+    </p:spTree>
+    <p:extLst>
+      <p:ext uri="{BB962C8B-B14F-4D97-AF65-F5344CB8AC3E}">
+        <p14:creationId xmlns:p14="http://schemas.microsoft.com/office/powerpoint/2010/main" val="1470239933"/>
+      </p:ext>
+    </p:extLst>
+  </p:cSld>
+  <p:clrMapOvr>
+    <a:masterClrMapping/>
+  </p:clrMapOvr>
+</p:notes>
+</file>
+
+<file path=ppt/notesSlides/notesSlide3.xml><?xml version="1.0" encoding="utf-8"?>
+<p:notes xmlns:a="http://schemas.openxmlformats.org/drawingml/2006/main" xmlns:r="http://schemas.openxmlformats.org/officeDocument/2006/relationships" xmlns:p="http://schemas.openxmlformats.org/presentationml/2006/main">
+  <p:cSld>
+    <p:spTree>
+      <p:nvGrpSpPr>
+        <p:cNvPr id="1" name=""/>
+        <p:cNvGrpSpPr/>
+        <p:nvPr/>
+      </p:nvGrpSpPr>
+      <p:grpSpPr>
+        <a:xfrm>
+          <a:off x="0" y="0"/>
+          <a:ext cx="0" cy="0"/>
+          <a:chOff x="0" y="0"/>
+          <a:chExt cx="0" cy="0"/>
+        </a:xfrm>
+      </p:grpSpPr>
+      <p:sp>
+        <p:nvSpPr>
+          <p:cNvPr id="2" name="Slide Image Placeholder 1"/>
+          <p:cNvSpPr>
+            <a:spLocks noGrp="1" noRot="1" noChangeAspect="1"/>
+          </p:cNvSpPr>
+          <p:nvPr>
+            <p:ph type="sldImg"/>
+          </p:nvPr>
+        </p:nvSpPr>
+        <p:spPr/>
+      </p:sp>
+      <p:sp>
+        <p:nvSpPr>
+          <p:cNvPr id="3" name="Notes Placeholder 2"/>
+          <p:cNvSpPr>
+            <a:spLocks noGrp="1"/>
+          </p:cNvSpPr>
+          <p:nvPr>
+            <p:ph type="body" idx="1"/>
+          </p:nvPr>
+        </p:nvSpPr>
+        <p:spPr/>
+        <p:txBody>
+          <a:bodyPr/>
+          <a:lstStyle/>
+          <a:p>
+            <a:r>
+              <a:rPr lang="en-US" sz="1200" b="0" i="0" kern="1200" dirty="0">
+                <a:solidFill>
+                  <a:schemeClr val="tx1"/>
+                </a:solidFill>
+                <a:effectLst/>
+                <a:latin typeface="+mn-lt"/>
+                <a:ea typeface="+mn-ea"/>
+                <a:cs typeface="+mn-cs"/>
+              </a:rPr>
+              <a:t> </a:t>
+            </a:r>
+            <a:r>
+              <a:rPr lang="en-US" dirty="0" err="1"/>
+              <a:t>AssemblyContexts</a:t>
+            </a:r>
+            <a:r>
+              <a:rPr lang="en-US" dirty="0"/>
+              <a:t> </a:t>
+            </a:r>
+            <a:r>
+              <a:rPr lang="en-US" sz="1200" b="0" i="0" kern="1200" dirty="0" err="1">
+                <a:solidFill>
+                  <a:schemeClr val="tx1"/>
+                </a:solidFill>
+                <a:effectLst/>
+                <a:latin typeface="+mn-lt"/>
+                <a:ea typeface="+mn-ea"/>
+                <a:cs typeface="+mn-cs"/>
+              </a:rPr>
+              <a:t>eines</a:t>
+            </a:r>
+            <a:r>
+              <a:rPr lang="en-US" sz="1200" b="0" i="0" kern="1200" dirty="0">
+                <a:solidFill>
+                  <a:schemeClr val="tx1"/>
+                </a:solidFill>
+                <a:effectLst/>
+                <a:latin typeface="+mn-lt"/>
+                <a:ea typeface="+mn-ea"/>
+                <a:cs typeface="+mn-cs"/>
+              </a:rPr>
+              <a:t> </a:t>
+            </a:r>
+            <a:r>
+              <a:rPr lang="en-US" dirty="0" err="1"/>
+              <a:t>AssemblyConnectors</a:t>
+            </a:r>
+            <a:r>
+              <a:rPr lang="en-US" sz="1200" b="0" i="0" kern="1200" dirty="0">
+                <a:solidFill>
+                  <a:schemeClr val="tx1"/>
+                </a:solidFill>
+                <a:effectLst/>
+                <a:latin typeface="+mn-lt"/>
+                <a:ea typeface="+mn-ea"/>
+                <a:cs typeface="+mn-cs"/>
+              </a:rPr>
+              <a:t> </a:t>
+            </a:r>
+            <a:r>
+              <a:rPr lang="en-US" sz="1200" b="0" i="0" kern="1200" dirty="0" err="1">
+                <a:solidFill>
+                  <a:schemeClr val="tx1"/>
+                </a:solidFill>
+                <a:effectLst/>
+                <a:latin typeface="+mn-lt"/>
+                <a:ea typeface="+mn-ea"/>
+                <a:cs typeface="+mn-cs"/>
+              </a:rPr>
+              <a:t>entweder</a:t>
+            </a:r>
+            <a:r>
+              <a:rPr lang="en-US" sz="1200" b="0" i="0" kern="1200" dirty="0">
+                <a:solidFill>
+                  <a:schemeClr val="tx1"/>
+                </a:solidFill>
+                <a:effectLst/>
+                <a:latin typeface="+mn-lt"/>
+                <a:ea typeface="+mn-ea"/>
+                <a:cs typeface="+mn-cs"/>
+              </a:rPr>
+              <a:t> auf </a:t>
+            </a:r>
+            <a:r>
+              <a:rPr lang="en-US" sz="1200" b="0" i="0" kern="1200" dirty="0" err="1">
+                <a:solidFill>
+                  <a:schemeClr val="tx1"/>
+                </a:solidFill>
+                <a:effectLst/>
+                <a:latin typeface="+mn-lt"/>
+                <a:ea typeface="+mn-ea"/>
+                <a:cs typeface="+mn-cs"/>
+              </a:rPr>
+              <a:t>demselben</a:t>
+            </a:r>
+            <a:r>
+              <a:rPr lang="en-US" dirty="0" err="1"/>
+              <a:t>Container</a:t>
+            </a:r>
+            <a:r>
+              <a:rPr lang="en-US" sz="1200" b="0" i="0" kern="1200" dirty="0">
+                <a:solidFill>
+                  <a:schemeClr val="tx1"/>
+                </a:solidFill>
+                <a:effectLst/>
+                <a:latin typeface="+mn-lt"/>
+                <a:ea typeface="+mn-ea"/>
+                <a:cs typeface="+mn-cs"/>
+              </a:rPr>
+              <a:t> </a:t>
+            </a:r>
+            <a:r>
+              <a:rPr lang="en-US" sz="1200" b="0" i="0" kern="1200" dirty="0" err="1">
+                <a:solidFill>
+                  <a:schemeClr val="tx1"/>
+                </a:solidFill>
+                <a:effectLst/>
+                <a:latin typeface="+mn-lt"/>
+                <a:ea typeface="+mn-ea"/>
+                <a:cs typeface="+mn-cs"/>
+              </a:rPr>
+              <a:t>allokiert</a:t>
+            </a:r>
+            <a:r>
+              <a:rPr lang="en-US" sz="1200" b="0" i="0" kern="1200" dirty="0">
+                <a:solidFill>
+                  <a:schemeClr val="tx1"/>
+                </a:solidFill>
+                <a:effectLst/>
+                <a:latin typeface="+mn-lt"/>
+                <a:ea typeface="+mn-ea"/>
+                <a:cs typeface="+mn-cs"/>
+              </a:rPr>
+              <a:t>, </a:t>
+            </a:r>
+            <a:r>
+              <a:rPr lang="en-US" sz="1200" b="0" i="0" kern="1200" dirty="0" err="1">
+                <a:solidFill>
+                  <a:schemeClr val="tx1"/>
+                </a:solidFill>
+                <a:effectLst/>
+                <a:latin typeface="+mn-lt"/>
+                <a:ea typeface="+mn-ea"/>
+                <a:cs typeface="+mn-cs"/>
+              </a:rPr>
+              <a:t>oder</a:t>
+            </a:r>
+            <a:r>
+              <a:rPr lang="en-US" sz="1200" b="0" i="0" kern="1200" dirty="0">
+                <a:solidFill>
+                  <a:schemeClr val="tx1"/>
+                </a:solidFill>
+                <a:effectLst/>
+                <a:latin typeface="+mn-lt"/>
+                <a:ea typeface="+mn-ea"/>
+                <a:cs typeface="+mn-cs"/>
+              </a:rPr>
+              <a:t> </a:t>
+            </a:r>
+            <a:r>
+              <a:rPr lang="en-US" sz="1200" b="0" i="0" kern="1200" dirty="0" err="1">
+                <a:solidFill>
+                  <a:schemeClr val="tx1"/>
+                </a:solidFill>
+                <a:effectLst/>
+                <a:latin typeface="+mn-lt"/>
+                <a:ea typeface="+mn-ea"/>
+                <a:cs typeface="+mn-cs"/>
+              </a:rPr>
+              <a:t>deren</a:t>
+            </a:r>
+            <a:r>
+              <a:rPr lang="en-US" sz="1200" b="0" i="0" kern="1200" dirty="0">
+                <a:solidFill>
+                  <a:schemeClr val="tx1"/>
+                </a:solidFill>
+                <a:effectLst/>
+                <a:latin typeface="+mn-lt"/>
+                <a:ea typeface="+mn-ea"/>
+                <a:cs typeface="+mn-cs"/>
+              </a:rPr>
+              <a:t> Container </a:t>
+            </a:r>
+            <a:r>
+              <a:rPr lang="en-US" sz="1200" b="0" i="0" kern="1200" dirty="0" err="1">
+                <a:solidFill>
+                  <a:schemeClr val="tx1"/>
+                </a:solidFill>
+                <a:effectLst/>
+                <a:latin typeface="+mn-lt"/>
+                <a:ea typeface="+mn-ea"/>
+                <a:cs typeface="+mn-cs"/>
+              </a:rPr>
+              <a:t>durch</a:t>
+            </a:r>
+            <a:r>
+              <a:rPr lang="en-US" sz="1200" b="0" i="0" kern="1200" dirty="0">
+                <a:solidFill>
+                  <a:schemeClr val="tx1"/>
+                </a:solidFill>
+                <a:effectLst/>
+                <a:latin typeface="+mn-lt"/>
+                <a:ea typeface="+mn-ea"/>
+                <a:cs typeface="+mn-cs"/>
+              </a:rPr>
+              <a:t> </a:t>
+            </a:r>
+            <a:r>
+              <a:rPr lang="en-US" sz="1200" b="0" i="0" kern="1200" dirty="0" err="1">
+                <a:solidFill>
+                  <a:schemeClr val="tx1"/>
+                </a:solidFill>
+                <a:effectLst/>
+                <a:latin typeface="+mn-lt"/>
+                <a:ea typeface="+mn-ea"/>
+                <a:cs typeface="+mn-cs"/>
+              </a:rPr>
+              <a:t>einen</a:t>
+            </a:r>
+            <a:r>
+              <a:rPr lang="en-US" sz="1200" b="0" i="0" kern="1200" dirty="0">
+                <a:solidFill>
+                  <a:schemeClr val="tx1"/>
+                </a:solidFill>
+                <a:effectLst/>
+                <a:latin typeface="+mn-lt"/>
+                <a:ea typeface="+mn-ea"/>
+                <a:cs typeface="+mn-cs"/>
+              </a:rPr>
+              <a:t> </a:t>
+            </a:r>
+            <a:r>
+              <a:rPr lang="en-US" dirty="0"/>
+              <a:t>Link</a:t>
+            </a:r>
+            <a:r>
+              <a:rPr lang="en-US" sz="1200" b="0" i="0" kern="1200" dirty="0">
+                <a:solidFill>
+                  <a:schemeClr val="tx1"/>
+                </a:solidFill>
+                <a:effectLst/>
+                <a:latin typeface="+mn-lt"/>
+                <a:ea typeface="+mn-ea"/>
+                <a:cs typeface="+mn-cs"/>
+              </a:rPr>
+              <a:t> </a:t>
+            </a:r>
+            <a:r>
+              <a:rPr lang="en-US" sz="1200" b="0" i="0" kern="1200" dirty="0" err="1">
+                <a:solidFill>
+                  <a:schemeClr val="tx1"/>
+                </a:solidFill>
+                <a:effectLst/>
+                <a:latin typeface="+mn-lt"/>
+                <a:ea typeface="+mn-ea"/>
+                <a:cs typeface="+mn-cs"/>
+              </a:rPr>
+              <a:t>verbunden</a:t>
+            </a:r>
+            <a:r>
+              <a:rPr lang="en-US" sz="1200" b="0" i="0" kern="1200" dirty="0">
+                <a:solidFill>
+                  <a:schemeClr val="tx1"/>
+                </a:solidFill>
+                <a:effectLst/>
+                <a:latin typeface="+mn-lt"/>
+                <a:ea typeface="+mn-ea"/>
+                <a:cs typeface="+mn-cs"/>
+              </a:rPr>
+              <a:t> </a:t>
+            </a:r>
+            <a:r>
+              <a:rPr lang="en-US" sz="1200" b="0" i="0" kern="1200" dirty="0" err="1">
+                <a:solidFill>
+                  <a:schemeClr val="tx1"/>
+                </a:solidFill>
+                <a:effectLst/>
+                <a:latin typeface="+mn-lt"/>
+                <a:ea typeface="+mn-ea"/>
+                <a:cs typeface="+mn-cs"/>
+              </a:rPr>
+              <a:t>sind</a:t>
+            </a:r>
+            <a:r>
+              <a:rPr lang="en-US" sz="1200" b="0" i="0" kern="1200" dirty="0">
+                <a:solidFill>
+                  <a:schemeClr val="tx1"/>
+                </a:solidFill>
+                <a:effectLst/>
+                <a:latin typeface="+mn-lt"/>
+                <a:ea typeface="+mn-ea"/>
+                <a:cs typeface="+mn-cs"/>
+              </a:rPr>
+              <a:t> .</a:t>
+            </a:r>
+          </a:p>
+          <a:p>
+            <a:endParaRPr lang="en-US" sz="1200" b="0" i="0" kern="1200" dirty="0">
+              <a:solidFill>
+                <a:schemeClr val="tx1"/>
+              </a:solidFill>
+              <a:effectLst/>
+              <a:latin typeface="+mn-lt"/>
+              <a:ea typeface="+mn-ea"/>
+              <a:cs typeface="+mn-cs"/>
+            </a:endParaRPr>
+          </a:p>
+          <a:p>
+            <a:r>
+              <a:rPr lang="de-DE" sz="1200" b="0" i="0" kern="1200" dirty="0">
+                <a:solidFill>
+                  <a:schemeClr val="tx1"/>
+                </a:solidFill>
+                <a:effectLst/>
+                <a:latin typeface="+mn-lt"/>
+                <a:ea typeface="+mn-ea"/>
+                <a:cs typeface="+mn-cs"/>
+              </a:rPr>
+              <a:t>Die Anzahl der Rollen einer </a:t>
+            </a:r>
+            <a:r>
+              <a:rPr lang="de-DE" dirty="0" err="1"/>
+              <a:t>CompositeComponent</a:t>
+            </a:r>
+            <a:r>
+              <a:rPr lang="de-DE" sz="1200" b="0" i="0" kern="1200" dirty="0">
+                <a:solidFill>
+                  <a:schemeClr val="tx1"/>
+                </a:solidFill>
+                <a:effectLst/>
+                <a:latin typeface="+mn-lt"/>
+                <a:ea typeface="+mn-ea"/>
+                <a:cs typeface="+mn-cs"/>
+              </a:rPr>
+              <a:t> muss gleich der Anzahl der </a:t>
+            </a:r>
+            <a:r>
+              <a:rPr lang="de-DE" dirty="0" err="1"/>
+              <a:t>DelegationConnectors</a:t>
+            </a:r>
+            <a:r>
+              <a:rPr lang="de-DE" dirty="0"/>
+              <a:t> </a:t>
+            </a:r>
+            <a:r>
+              <a:rPr lang="de-DE" sz="1200" b="0" i="0" kern="1200" dirty="0">
+                <a:solidFill>
+                  <a:schemeClr val="tx1"/>
+                </a:solidFill>
+                <a:effectLst/>
+                <a:latin typeface="+mn-lt"/>
+                <a:ea typeface="+mn-ea"/>
+                <a:cs typeface="+mn-cs"/>
+              </a:rPr>
+              <a:t>sein</a:t>
+            </a:r>
+            <a:endParaRPr lang="en-US" sz="1200" b="0" i="0" kern="1200" dirty="0">
+              <a:solidFill>
+                <a:schemeClr val="tx1"/>
+              </a:solidFill>
+              <a:effectLst/>
+              <a:latin typeface="+mn-lt"/>
+              <a:ea typeface="+mn-ea"/>
+              <a:cs typeface="+mn-cs"/>
+            </a:endParaRPr>
+          </a:p>
+          <a:p>
+            <a:endParaRPr lang="de-DE" sz="1200" b="0" i="0" kern="1200" dirty="0">
+              <a:solidFill>
+                <a:schemeClr val="tx1"/>
+              </a:solidFill>
+              <a:effectLst/>
+              <a:latin typeface="+mn-lt"/>
+              <a:ea typeface="+mn-ea"/>
+              <a:cs typeface="+mn-cs"/>
+            </a:endParaRPr>
+          </a:p>
+          <a:p>
+            <a:r>
+              <a:rPr lang="de-DE" sz="1200" b="0" i="0" kern="1200" dirty="0">
+                <a:solidFill>
+                  <a:schemeClr val="tx1"/>
+                </a:solidFill>
+                <a:effectLst/>
+                <a:latin typeface="+mn-lt"/>
+                <a:ea typeface="+mn-ea"/>
+                <a:cs typeface="+mn-cs"/>
+              </a:rPr>
+              <a:t>Ein </a:t>
+            </a:r>
+            <a:r>
+              <a:rPr lang="de-DE" dirty="0" err="1"/>
+              <a:t>AssemblyContext</a:t>
+            </a:r>
+            <a:r>
+              <a:rPr lang="de-DE" sz="1200" b="0" i="0" kern="1200" dirty="0">
+                <a:solidFill>
+                  <a:schemeClr val="tx1"/>
+                </a:solidFill>
+                <a:effectLst/>
+                <a:latin typeface="+mn-lt"/>
+                <a:ea typeface="+mn-ea"/>
+                <a:cs typeface="+mn-cs"/>
+              </a:rPr>
+              <a:t> darf nicht allokiert werden, wenn es sich in einer </a:t>
+            </a:r>
+            <a:r>
+              <a:rPr lang="de-DE" dirty="0" err="1"/>
+              <a:t>CompositeComponent</a:t>
+            </a:r>
+            <a:r>
+              <a:rPr lang="de-DE" baseline="0" dirty="0"/>
+              <a:t> </a:t>
+            </a:r>
+            <a:r>
+              <a:rPr lang="de-DE" sz="1200" b="0" i="0" kern="1200" dirty="0">
+                <a:solidFill>
+                  <a:schemeClr val="tx1"/>
+                </a:solidFill>
+                <a:effectLst/>
+                <a:latin typeface="+mn-lt"/>
+                <a:ea typeface="+mn-ea"/>
+                <a:cs typeface="+mn-cs"/>
+              </a:rPr>
+              <a:t>befindet</a:t>
+            </a:r>
+          </a:p>
+          <a:p>
+            <a:endParaRPr lang="de-DE" sz="1200" b="0" i="0" kern="1200" dirty="0">
+              <a:solidFill>
+                <a:schemeClr val="tx1"/>
+              </a:solidFill>
+              <a:effectLst/>
+              <a:latin typeface="+mn-lt"/>
+              <a:ea typeface="+mn-ea"/>
+              <a:cs typeface="+mn-cs"/>
+            </a:endParaRPr>
+          </a:p>
+          <a:p>
+            <a:endParaRPr lang="en-US" dirty="0"/>
+          </a:p>
+        </p:txBody>
+      </p:sp>
+      <p:sp>
+        <p:nvSpPr>
+          <p:cNvPr id="4" name="Slide Number Placeholder 3"/>
+          <p:cNvSpPr>
+            <a:spLocks noGrp="1"/>
+          </p:cNvSpPr>
+          <p:nvPr>
+            <p:ph type="sldNum" sz="quarter" idx="10"/>
+          </p:nvPr>
+        </p:nvSpPr>
+        <p:spPr/>
+        <p:txBody>
+          <a:bodyPr/>
+          <a:lstStyle/>
+          <a:p>
+            <a:fld id="{8C316AC7-D06D-8C4C-BFBD-71FECF497B92}" type="slidenum">
+              <a:rPr lang="de-DE" smtClean="0"/>
+              <a:t>10</a:t>
+            </a:fld>
+            <a:endParaRPr lang="de-DE"/>
+          </a:p>
+        </p:txBody>
+      </p:sp>
+    </p:spTree>
+    <p:extLst>
+      <p:ext uri="{BB962C8B-B14F-4D97-AF65-F5344CB8AC3E}">
+        <p14:creationId xmlns:p14="http://schemas.microsoft.com/office/powerpoint/2010/main" val="1943004750"/>
+      </p:ext>
+    </p:extLst>
+  </p:cSld>
+  <p:clrMapOvr>
+    <a:masterClrMapping/>
+  </p:clrMapOvr>
+</p:notes>
+</file>
+
 <file path=ppt/slideLayouts/slideLayout1.xml><?xml version="1.0" encoding="utf-8"?>
 <p:sldLayout xmlns:a="http://schemas.openxmlformats.org/drawingml/2006/main" xmlns:r="http://schemas.openxmlformats.org/officeDocument/2006/relationships" xmlns:p="http://schemas.openxmlformats.org/presentationml/2006/main" preserve="1" userDrawn="1">
   <p:cSld name="Titelfolie">
@@ -742,10 +1451,9 @@
           </a:lstStyle>
           <a:p>
             <a:r>
-              <a:rPr lang="de-DE" dirty="0" smtClean="0"/>
+              <a:rPr lang="de-DE" dirty="0"/>
               <a:t>Der Präsentationstitel in zwei Zeilen.</a:t>
             </a:r>
-            <a:endParaRPr lang="de-DE" dirty="0"/>
           </a:p>
         </p:txBody>
       </p:sp>
@@ -861,10 +1569,9 @@
           </a:lstStyle>
           <a:p>
             <a:r>
-              <a:rPr lang="de-DE" dirty="0" smtClean="0"/>
+              <a:rPr lang="de-DE" dirty="0"/>
               <a:t>Ein entsprechender Untertitel hat hier Platz.</a:t>
             </a:r>
-            <a:endParaRPr lang="de-DE" dirty="0"/>
           </a:p>
         </p:txBody>
       </p:sp>
@@ -986,13 +1693,6 @@
   <p:clrMapOvr>
     <a:masterClrMapping/>
   </p:clrMapOvr>
-  <p:timing>
-    <p:tnLst>
-      <p:par>
-        <p:cTn id="1" dur="indefinite" restart="never" nodeType="tmRoot"/>
-      </p:par>
-    </p:tnLst>
-  </p:timing>
 </p:sldLayout>
 </file>
 
@@ -1029,10 +1729,9 @@
           <a:lstStyle/>
           <a:p>
             <a:r>
-              <a:rPr lang="de-DE" smtClean="0"/>
+              <a:rPr lang="de-DE"/>
               <a:t>Mastertitelformat bearbeiten</a:t>
             </a:r>
-            <a:endParaRPr lang="de-DE"/>
           </a:p>
         </p:txBody>
       </p:sp>
@@ -1084,35 +1783,35 @@
           <a:p>
             <a:pPr lvl="0"/>
             <a:r>
-              <a:rPr lang="de-DE" smtClean="0"/>
+              <a:rPr lang="de-DE"/>
               <a:t>Mastertextformat bearbeiten</a:t>
             </a:r>
           </a:p>
           <a:p>
             <a:pPr lvl="1"/>
             <a:r>
-              <a:rPr lang="de-DE" smtClean="0"/>
+              <a:rPr lang="de-DE"/>
               <a:t>Zweite Ebene</a:t>
             </a:r>
           </a:p>
           <a:p>
             <a:pPr lvl="2"/>
             <a:r>
-              <a:rPr lang="de-DE" smtClean="0"/>
+              <a:rPr lang="de-DE"/>
               <a:t>Dritte Ebene</a:t>
             </a:r>
           </a:p>
           <a:p>
             <a:pPr lvl="3"/>
             <a:r>
-              <a:rPr lang="de-DE" smtClean="0"/>
+              <a:rPr lang="de-DE"/>
               <a:t>Vierte Ebene</a:t>
             </a:r>
           </a:p>
           <a:p>
             <a:pPr lvl="4"/>
             <a:r>
-              <a:rPr lang="de-DE" smtClean="0"/>
+              <a:rPr lang="de-DE"/>
               <a:t>Fünfte Ebene</a:t>
             </a:r>
             <a:endParaRPr lang="de-DE" dirty="0"/>
@@ -1136,7 +1835,7 @@
           <a:p>
             <a:fld id="{1215FA07-EE23-A948-A6ED-56C5FE5A7EE4}" type="slidenum">
               <a:rPr lang="de-DE" smtClean="0"/>
-              <a:t>‹Nr.›</a:t>
+              <a:t>‹#›</a:t>
             </a:fld>
             <a:endParaRPr lang="de-DE"/>
           </a:p>
@@ -1597,10 +2296,9 @@
           </a:lstStyle>
           <a:p>
             <a:r>
-              <a:rPr lang="de-DE" dirty="0" smtClean="0"/>
+              <a:rPr lang="de-DE" dirty="0"/>
               <a:t>Name für Unterkapitel hier eintragen.</a:t>
             </a:r>
-            <a:endParaRPr lang="de-DE" dirty="0"/>
           </a:p>
         </p:txBody>
       </p:sp>
@@ -1650,10 +2348,9 @@
           <a:lstStyle/>
           <a:p>
             <a:r>
-              <a:rPr lang="de-DE" smtClean="0"/>
+              <a:rPr lang="de-DE"/>
               <a:t>Mastertitelformat bearbeiten</a:t>
             </a:r>
-            <a:endParaRPr lang="de-DE"/>
           </a:p>
         </p:txBody>
       </p:sp>
@@ -1722,38 +2419,37 @@
           <a:p>
             <a:pPr lvl="0"/>
             <a:r>
-              <a:rPr lang="de-DE" smtClean="0"/>
+              <a:rPr lang="de-DE"/>
               <a:t>Mastertextformat bearbeiten</a:t>
             </a:r>
           </a:p>
           <a:p>
             <a:pPr lvl="1"/>
             <a:r>
-              <a:rPr lang="de-DE" smtClean="0"/>
+              <a:rPr lang="de-DE"/>
               <a:t>Zweite Ebene</a:t>
             </a:r>
           </a:p>
           <a:p>
             <a:pPr lvl="2"/>
             <a:r>
-              <a:rPr lang="de-DE" smtClean="0"/>
+              <a:rPr lang="de-DE"/>
               <a:t>Dritte Ebene</a:t>
             </a:r>
           </a:p>
           <a:p>
             <a:pPr lvl="3"/>
             <a:r>
-              <a:rPr lang="de-DE" smtClean="0"/>
+              <a:rPr lang="de-DE"/>
               <a:t>Vierte Ebene</a:t>
             </a:r>
           </a:p>
           <a:p>
             <a:pPr lvl="4"/>
             <a:r>
-              <a:rPr lang="de-DE" smtClean="0"/>
+              <a:rPr lang="de-DE"/>
               <a:t>Fünfte Ebene</a:t>
             </a:r>
-            <a:endParaRPr lang="de-DE"/>
           </a:p>
         </p:txBody>
       </p:sp>
@@ -1822,38 +2518,37 @@
           <a:p>
             <a:pPr lvl="0"/>
             <a:r>
-              <a:rPr lang="de-DE" smtClean="0"/>
+              <a:rPr lang="de-DE"/>
               <a:t>Mastertextformat bearbeiten</a:t>
             </a:r>
           </a:p>
           <a:p>
             <a:pPr lvl="1"/>
             <a:r>
-              <a:rPr lang="de-DE" smtClean="0"/>
+              <a:rPr lang="de-DE"/>
               <a:t>Zweite Ebene</a:t>
             </a:r>
           </a:p>
           <a:p>
             <a:pPr lvl="2"/>
             <a:r>
-              <a:rPr lang="de-DE" smtClean="0"/>
+              <a:rPr lang="de-DE"/>
               <a:t>Dritte Ebene</a:t>
             </a:r>
           </a:p>
           <a:p>
             <a:pPr lvl="3"/>
             <a:r>
-              <a:rPr lang="de-DE" smtClean="0"/>
+              <a:rPr lang="de-DE"/>
               <a:t>Vierte Ebene</a:t>
             </a:r>
           </a:p>
           <a:p>
             <a:pPr lvl="4"/>
             <a:r>
-              <a:rPr lang="de-DE" smtClean="0"/>
+              <a:rPr lang="de-DE"/>
               <a:t>Fünfte Ebene</a:t>
             </a:r>
-            <a:endParaRPr lang="de-DE"/>
           </a:p>
         </p:txBody>
       </p:sp>
@@ -1875,7 +2570,7 @@
             <a:fld id="{1215FA07-EE23-A948-A6ED-56C5FE5A7EE4}" type="slidenum">
               <a:rPr lang="de-DE" smtClean="0"/>
               <a:pPr/>
-              <a:t>‹Nr.›</a:t>
+              <a:t>‹#›</a:t>
             </a:fld>
             <a:endParaRPr lang="de-DE" dirty="0"/>
           </a:p>
@@ -1927,10 +2622,9 @@
           <a:lstStyle/>
           <a:p>
             <a:r>
-              <a:rPr lang="de-DE" smtClean="0"/>
+              <a:rPr lang="de-DE"/>
               <a:t>Mastertitelformat bearbeiten</a:t>
             </a:r>
-            <a:endParaRPr lang="de-DE"/>
           </a:p>
         </p:txBody>
       </p:sp>
@@ -1952,7 +2646,7 @@
             <a:fld id="{1215FA07-EE23-A948-A6ED-56C5FE5A7EE4}" type="slidenum">
               <a:rPr lang="de-DE" smtClean="0"/>
               <a:pPr/>
-              <a:t>‹Nr.›</a:t>
+              <a:t>‹#›</a:t>
             </a:fld>
             <a:endParaRPr lang="de-DE" dirty="0"/>
           </a:p>
@@ -2004,10 +2698,9 @@
           <a:lstStyle/>
           <a:p>
             <a:r>
-              <a:rPr lang="de-DE" smtClean="0"/>
+              <a:rPr lang="de-DE"/>
               <a:t>Mastertitelformat bearbeiten</a:t>
             </a:r>
-            <a:endParaRPr lang="de-DE"/>
           </a:p>
         </p:txBody>
       </p:sp>
@@ -2029,7 +2722,7 @@
             <a:fld id="{1215FA07-EE23-A948-A6ED-56C5FE5A7EE4}" type="slidenum">
               <a:rPr lang="de-DE" smtClean="0"/>
               <a:pPr/>
-              <a:t>‹Nr.›</a:t>
+              <a:t>‹#›</a:t>
             </a:fld>
             <a:endParaRPr lang="de-DE" dirty="0"/>
           </a:p>
@@ -2062,10 +2755,9 @@
           <a:p>
             <a:pPr lvl="0"/>
             <a:r>
-              <a:rPr lang="de-DE" dirty="0" smtClean="0"/>
+              <a:rPr lang="de-DE" dirty="0"/>
               <a:t>Zitat hier einfügen.</a:t>
             </a:r>
-            <a:endParaRPr lang="de-DE" dirty="0"/>
           </a:p>
         </p:txBody>
       </p:sp>
@@ -2092,7 +2784,7 @@
           <a:lstStyle/>
           <a:p>
             <a:r>
-              <a:rPr lang="de-DE" sz="10000" dirty="0" smtClean="0">
+              <a:rPr lang="de-DE" sz="10000" dirty="0">
                 <a:solidFill>
                   <a:schemeClr val="accent1"/>
                 </a:solidFill>
@@ -2136,10 +2828,9 @@
           <a:p>
             <a:pPr lvl="0"/>
             <a:r>
-              <a:rPr lang="de-DE" dirty="0" smtClean="0"/>
+              <a:rPr lang="de-DE" dirty="0"/>
               <a:t>Autor hier Eintragen.</a:t>
             </a:r>
-            <a:endParaRPr lang="de-DE" dirty="0"/>
           </a:p>
         </p:txBody>
       </p:sp>
@@ -2217,10 +2908,9 @@
           </a:lstStyle>
           <a:p>
             <a:r>
-              <a:rPr lang="de-DE" dirty="0" smtClean="0"/>
+              <a:rPr lang="de-DE" dirty="0"/>
               <a:t>Schlusswort bitte hier eintragen.</a:t>
             </a:r>
-            <a:endParaRPr lang="de-DE" dirty="0"/>
           </a:p>
         </p:txBody>
       </p:sp>
@@ -2275,7 +2965,7 @@
               <a:lstStyle/>
               <a:p>
                 <a:r>
-                  <a:rPr lang="de-DE" sz="6000" dirty="0" smtClean="0">
+                  <a:rPr lang="de-DE" sz="6000" dirty="0">
                     <a:solidFill>
                       <a:srgbClr val="FFFFFF"/>
                     </a:solidFill>
@@ -2315,7 +3005,7 @@
                   </a:lnSpc>
                 </a:pPr>
                 <a:r>
-                  <a:rPr lang="de-DE" sz="2400" dirty="0" smtClean="0">
+                  <a:rPr lang="de-DE" sz="2400" dirty="0">
                     <a:solidFill>
                       <a:srgbClr val="FFFFFF"/>
                     </a:solidFill>
@@ -2332,7 +3022,7 @@
                   </a:lnSpc>
                 </a:pPr>
                 <a:r>
-                  <a:rPr lang="de-DE" sz="1800" dirty="0" err="1" smtClean="0">
+                  <a:rPr lang="de-DE" sz="1800" dirty="0" err="1">
                     <a:solidFill>
                       <a:srgbClr val="FFFFFF"/>
                     </a:solidFill>
@@ -2342,7 +3032,7 @@
                   <a:t>github.com</a:t>
                 </a:r>
                 <a:r>
-                  <a:rPr lang="de-DE" sz="1800" dirty="0" smtClean="0">
+                  <a:rPr lang="de-DE" sz="1800" dirty="0">
                     <a:solidFill>
                       <a:srgbClr val="FFFFFF"/>
                     </a:solidFill>
@@ -2352,7 +3042,7 @@
                   <a:t>/</a:t>
                 </a:r>
                 <a:r>
-                  <a:rPr lang="de-DE" sz="1800" dirty="0" err="1" smtClean="0">
+                  <a:rPr lang="de-DE" sz="1800" dirty="0" err="1">
                     <a:solidFill>
                       <a:srgbClr val="FFFFFF"/>
                     </a:solidFill>
@@ -2362,7 +3052,7 @@
                   <a:t>uwecl</a:t>
                 </a:r>
                 <a:r>
-                  <a:rPr lang="de-DE" sz="1800" dirty="0" smtClean="0">
+                  <a:rPr lang="de-DE" sz="1800" dirty="0">
                     <a:solidFill>
                       <a:srgbClr val="FFFFFF"/>
                     </a:solidFill>
@@ -2371,13 +3061,6 @@
                   </a:rPr>
                   <a:t>/MDSD-Praktikum</a:t>
                 </a:r>
-                <a:endParaRPr lang="de-DE" sz="1800" dirty="0">
-                  <a:solidFill>
-                    <a:srgbClr val="FFFFFF"/>
-                  </a:solidFill>
-                  <a:latin typeface="Fira Mono OT"/>
-                  <a:cs typeface="Fira Mono OT"/>
-                </a:endParaRPr>
               </a:p>
             </p:txBody>
           </p:sp>
@@ -2444,7 +3127,7 @@
           <a:lstStyle/>
           <a:p>
             <a:r>
-              <a:rPr lang="de-DE" sz="800" dirty="0" smtClean="0">
+              <a:rPr lang="de-DE" sz="800" dirty="0">
                 <a:solidFill>
                   <a:schemeClr val="tx1"/>
                 </a:solidFill>
@@ -2454,7 +3137,7 @@
               <a:t>Icon </a:t>
             </a:r>
             <a:r>
-              <a:rPr lang="de-DE" sz="800" dirty="0" err="1" smtClean="0">
+              <a:rPr lang="de-DE" sz="800" dirty="0" err="1">
                 <a:solidFill>
                   <a:schemeClr val="tx1"/>
                 </a:solidFill>
@@ -2464,7 +3147,7 @@
               <a:t>made</a:t>
             </a:r>
             <a:r>
-              <a:rPr lang="de-DE" sz="800" dirty="0" smtClean="0">
+              <a:rPr lang="de-DE" sz="800" dirty="0">
                 <a:solidFill>
                   <a:schemeClr val="tx1"/>
                 </a:solidFill>
@@ -2474,7 +3157,7 @@
               <a:t> </a:t>
             </a:r>
             <a:r>
-              <a:rPr lang="de-DE" sz="800" dirty="0" err="1" smtClean="0">
+              <a:rPr lang="de-DE" sz="800" dirty="0" err="1">
                 <a:solidFill>
                   <a:schemeClr val="tx1"/>
                 </a:solidFill>
@@ -2484,7 +3167,7 @@
               <a:t>by</a:t>
             </a:r>
             <a:r>
-              <a:rPr lang="de-DE" sz="800" dirty="0" smtClean="0">
+              <a:rPr lang="de-DE" sz="800" dirty="0">
                 <a:solidFill>
                   <a:schemeClr val="tx1"/>
                 </a:solidFill>
@@ -2494,7 +3177,7 @@
               <a:t> </a:t>
             </a:r>
             <a:r>
-              <a:rPr lang="de-DE" sz="800" dirty="0" err="1" smtClean="0">
+              <a:rPr lang="de-DE" sz="800" dirty="0" err="1">
                 <a:solidFill>
                   <a:schemeClr val="tx1"/>
                 </a:solidFill>
@@ -2504,7 +3187,7 @@
               <a:t>Freepik</a:t>
             </a:r>
             <a:r>
-              <a:rPr lang="de-DE" sz="800" dirty="0" smtClean="0">
+              <a:rPr lang="de-DE" sz="800" dirty="0">
                 <a:solidFill>
                   <a:schemeClr val="tx1"/>
                 </a:solidFill>
@@ -2514,7 +3197,7 @@
               <a:t> </a:t>
             </a:r>
             <a:r>
-              <a:rPr lang="de-DE" sz="800" dirty="0" err="1" smtClean="0">
+              <a:rPr lang="de-DE" sz="800" dirty="0" err="1">
                 <a:solidFill>
                   <a:schemeClr val="tx1"/>
                 </a:solidFill>
@@ -2524,7 +3207,7 @@
               <a:t>from</a:t>
             </a:r>
             <a:r>
-              <a:rPr lang="de-DE" sz="800" dirty="0" smtClean="0">
+              <a:rPr lang="de-DE" sz="800" dirty="0">
                 <a:solidFill>
                   <a:schemeClr val="tx1"/>
                 </a:solidFill>
@@ -2534,7 +3217,7 @@
               <a:t> </a:t>
             </a:r>
             <a:r>
-              <a:rPr lang="de-DE" sz="800" dirty="0" smtClean="0">
+              <a:rPr lang="de-DE" sz="800" dirty="0">
                 <a:solidFill>
                   <a:schemeClr val="tx1"/>
                 </a:solidFill>
@@ -2545,7 +3228,7 @@
               <a:t>www.flaticon.com</a:t>
             </a:r>
             <a:r>
-              <a:rPr lang="de-DE" sz="800" baseline="0" dirty="0" smtClean="0">
+              <a:rPr lang="de-DE" sz="800" baseline="0" dirty="0">
                 <a:solidFill>
                   <a:schemeClr val="tx1"/>
                 </a:solidFill>
@@ -2555,7 +3238,7 @@
               <a:t> </a:t>
             </a:r>
             <a:r>
-              <a:rPr lang="de-DE" sz="800" dirty="0" err="1" smtClean="0">
+              <a:rPr lang="de-DE" sz="800" dirty="0" err="1">
                 <a:solidFill>
                   <a:schemeClr val="tx1"/>
                 </a:solidFill>
@@ -2565,7 +3248,7 @@
               <a:t>is</a:t>
             </a:r>
             <a:r>
-              <a:rPr lang="de-DE" sz="800" dirty="0" smtClean="0">
+              <a:rPr lang="de-DE" sz="800" dirty="0">
                 <a:solidFill>
                   <a:schemeClr val="tx1"/>
                 </a:solidFill>
@@ -2575,7 +3258,7 @@
               <a:t> </a:t>
             </a:r>
             <a:r>
-              <a:rPr lang="de-DE" sz="800" dirty="0" err="1" smtClean="0">
+              <a:rPr lang="de-DE" sz="800" dirty="0" err="1">
                 <a:solidFill>
                   <a:schemeClr val="tx1"/>
                 </a:solidFill>
@@ -2585,7 +3268,7 @@
               <a:t>licensed</a:t>
             </a:r>
             <a:r>
-              <a:rPr lang="de-DE" sz="800" dirty="0" smtClean="0">
+              <a:rPr lang="de-DE" sz="800" dirty="0">
                 <a:solidFill>
                   <a:schemeClr val="tx1"/>
                 </a:solidFill>
@@ -2595,7 +3278,7 @@
               <a:t> </a:t>
             </a:r>
             <a:r>
-              <a:rPr lang="de-DE" sz="800" dirty="0" err="1" smtClean="0">
+              <a:rPr lang="de-DE" sz="800" dirty="0" err="1">
                 <a:solidFill>
                   <a:schemeClr val="tx1"/>
                 </a:solidFill>
@@ -2605,7 +3288,7 @@
               <a:t>under</a:t>
             </a:r>
             <a:r>
-              <a:rPr lang="de-DE" sz="800" dirty="0" smtClean="0">
+              <a:rPr lang="de-DE" sz="800" dirty="0">
                 <a:solidFill>
                   <a:schemeClr val="tx1"/>
                 </a:solidFill>
@@ -2615,7 +3298,7 @@
               <a:t> </a:t>
             </a:r>
             <a:r>
-              <a:rPr lang="de-DE" sz="800" dirty="0" smtClean="0">
+              <a:rPr lang="de-DE" sz="800" dirty="0">
                 <a:solidFill>
                   <a:schemeClr val="tx1"/>
                 </a:solidFill>
@@ -2782,10 +3465,9 @@
           <a:lstStyle/>
           <a:p>
             <a:r>
-              <a:rPr lang="de-DE" dirty="0" smtClean="0"/>
+              <a:rPr lang="de-DE" dirty="0"/>
               <a:t>Mastertitelformat bearbeiten</a:t>
             </a:r>
-            <a:endParaRPr lang="de-DE" dirty="0"/>
           </a:p>
         </p:txBody>
       </p:sp>
@@ -2816,38 +3498,37 @@
           <a:p>
             <a:pPr lvl="0"/>
             <a:r>
-              <a:rPr lang="de-DE" dirty="0" smtClean="0"/>
+              <a:rPr lang="de-DE" dirty="0"/>
               <a:t>Mastertextformat bearbeiten</a:t>
             </a:r>
           </a:p>
           <a:p>
             <a:pPr lvl="1"/>
             <a:r>
-              <a:rPr lang="de-DE" dirty="0" smtClean="0"/>
+              <a:rPr lang="de-DE" dirty="0"/>
               <a:t>Zweite Ebene</a:t>
             </a:r>
           </a:p>
           <a:p>
             <a:pPr lvl="2"/>
             <a:r>
-              <a:rPr lang="de-DE" dirty="0" smtClean="0"/>
+              <a:rPr lang="de-DE" dirty="0"/>
               <a:t>Dritte Ebene</a:t>
             </a:r>
           </a:p>
           <a:p>
             <a:pPr lvl="3"/>
             <a:r>
-              <a:rPr lang="de-DE" dirty="0" smtClean="0"/>
+              <a:rPr lang="de-DE" dirty="0"/>
               <a:t>Vierte Ebene</a:t>
             </a:r>
           </a:p>
           <a:p>
             <a:pPr lvl="4"/>
             <a:r>
-              <a:rPr lang="de-DE" dirty="0" smtClean="0"/>
+              <a:rPr lang="de-DE" dirty="0"/>
               <a:t>Fünfte Ebene</a:t>
             </a:r>
-            <a:endParaRPr lang="de-DE" dirty="0"/>
           </a:p>
         </p:txBody>
       </p:sp>
@@ -2903,7 +3584,7 @@
             <a:fld id="{1215FA07-EE23-A948-A6ED-56C5FE5A7EE4}" type="slidenum">
               <a:rPr lang="de-DE" smtClean="0"/>
               <a:pPr/>
-              <a:t>‹Nr.›</a:t>
+              <a:t>‹#›</a:t>
             </a:fld>
             <a:endParaRPr lang="de-DE" dirty="0"/>
           </a:p>
@@ -2926,13 +3607,6 @@
     <p:sldLayoutId id="2147483663" r:id="rId6"/>
     <p:sldLayoutId id="2147483662" r:id="rId7"/>
   </p:sldLayoutIdLst>
-  <p:timing>
-    <p:tnLst>
-      <p:par>
-        <p:cTn id="1" dur="indefinite" restart="never" nodeType="tmRoot"/>
-      </p:par>
-    </p:tnLst>
-  </p:timing>
   <p:hf hdr="0" ftr="0" dt="0"/>
   <p:txStyles>
     <p:titleStyle>
@@ -3235,10 +3909,9 @@
           <a:lstStyle/>
           <a:p>
             <a:r>
-              <a:rPr lang="de-DE" dirty="0" smtClean="0"/>
+              <a:rPr lang="de-DE" dirty="0"/>
               <a:t>MDSD-Abschlusspräsentation</a:t>
             </a:r>
-            <a:endParaRPr lang="de-DE" dirty="0"/>
           </a:p>
         </p:txBody>
       </p:sp>
@@ -3258,10 +3931,9 @@
           <a:lstStyle/>
           <a:p>
             <a:r>
-              <a:rPr lang="de-DE" dirty="0" smtClean="0"/>
+              <a:rPr lang="de-DE" dirty="0"/>
               <a:t>Was wir gelernt haben!</a:t>
             </a:r>
-            <a:endParaRPr lang="de-DE" dirty="0"/>
           </a:p>
         </p:txBody>
       </p:sp>
@@ -3288,16 +3960,12 @@
           <a:lstStyle/>
           <a:p>
             <a:r>
-              <a:rPr lang="de-DE" dirty="0" smtClean="0">
+              <a:rPr lang="de-DE" dirty="0">
                 <a:latin typeface="Fira Sans" panose="020B0503050000020004" pitchFamily="34" charset="0"/>
                 <a:ea typeface="Fira Sans" panose="020B0503050000020004" pitchFamily="34" charset="0"/>
               </a:rPr>
               <a:t>Benjamin, Daniel &amp; Marc</a:t>
             </a:r>
-            <a:endParaRPr lang="de-DE" dirty="0">
-              <a:latin typeface="Fira Sans" panose="020B0503050000020004" pitchFamily="34" charset="0"/>
-              <a:ea typeface="Fira Sans" panose="020B0503050000020004" pitchFamily="34" charset="0"/>
-            </a:endParaRPr>
           </a:p>
         </p:txBody>
       </p:sp>
@@ -3311,25 +3979,746 @@
   <p:clrMapOvr>
     <a:masterClrMapping/>
   </p:clrMapOvr>
-  <mc:AlternateContent xmlns:mc="http://schemas.openxmlformats.org/markup-compatibility/2006">
-    <mc:Choice xmlns:p14="http://schemas.microsoft.com/office/powerpoint/2010/main" Requires="p14">
-      <p:transition spd="slow" p14:dur="2000"/>
-    </mc:Choice>
-    <mc:Fallback>
-      <p:transition spd="slow"/>
-    </mc:Fallback>
-  </mc:AlternateContent>
-  <p:timing>
-    <p:tnLst>
-      <p:par>
-        <p:cTn id="1" dur="indefinite" restart="never" nodeType="tmRoot"/>
-      </p:par>
-    </p:tnLst>
-  </p:timing>
 </p:sld>
 </file>
 
 <file path=ppt/slides/slide10.xml><?xml version="1.0" encoding="utf-8"?>
+<p:sld xmlns:a="http://schemas.openxmlformats.org/drawingml/2006/main" xmlns:r="http://schemas.openxmlformats.org/officeDocument/2006/relationships" xmlns:p="http://schemas.openxmlformats.org/presentationml/2006/main">
+  <p:cSld>
+    <p:spTree>
+      <p:nvGrpSpPr>
+        <p:cNvPr id="1" name=""/>
+        <p:cNvGrpSpPr/>
+        <p:nvPr/>
+      </p:nvGrpSpPr>
+      <p:grpSpPr>
+        <a:xfrm>
+          <a:off x="0" y="0"/>
+          <a:ext cx="0" cy="0"/>
+          <a:chOff x="0" y="0"/>
+          <a:chExt cx="0" cy="0"/>
+        </a:xfrm>
+      </p:grpSpPr>
+      <p:sp>
+        <p:nvSpPr>
+          <p:cNvPr id="2" name="Title 1"/>
+          <p:cNvSpPr>
+            <a:spLocks noGrp="1"/>
+          </p:cNvSpPr>
+          <p:nvPr>
+            <p:ph type="title"/>
+          </p:nvPr>
+        </p:nvSpPr>
+        <p:spPr/>
+        <p:txBody>
+          <a:bodyPr/>
+          <a:lstStyle/>
+          <a:p>
+            <a:r>
+              <a:rPr lang="en-US" dirty="0"/>
+              <a:t>OCL Constraints	</a:t>
+            </a:r>
+          </a:p>
+        </p:txBody>
+      </p:sp>
+      <p:sp>
+        <p:nvSpPr>
+          <p:cNvPr id="3" name="Content Placeholder 2"/>
+          <p:cNvSpPr>
+            <a:spLocks noGrp="1"/>
+          </p:cNvSpPr>
+          <p:nvPr>
+            <p:ph idx="1"/>
+          </p:nvPr>
+        </p:nvSpPr>
+        <p:spPr/>
+        <p:txBody>
+          <a:bodyPr/>
+          <a:lstStyle/>
+          <a:p>
+            <a:r>
+              <a:rPr lang="en-US" dirty="0" err="1"/>
+              <a:t>Zur</a:t>
+            </a:r>
+            <a:r>
+              <a:rPr lang="en-US" dirty="0"/>
+              <a:t> </a:t>
+            </a:r>
+            <a:r>
+              <a:rPr lang="en-US" dirty="0" err="1"/>
+              <a:t>Vervollständigung</a:t>
+            </a:r>
+            <a:endParaRPr lang="en-US" dirty="0"/>
+          </a:p>
+          <a:p>
+            <a:pPr lvl="1"/>
+            <a:r>
+              <a:rPr lang="en-US" dirty="0" err="1"/>
+              <a:t>Rollen</a:t>
+            </a:r>
+            <a:r>
+              <a:rPr lang="en-US" dirty="0"/>
+              <a:t>, die </a:t>
+            </a:r>
+            <a:r>
+              <a:rPr lang="en-US" dirty="0" err="1"/>
+              <a:t>durch</a:t>
+            </a:r>
+            <a:r>
+              <a:rPr lang="en-US" dirty="0"/>
+              <a:t> </a:t>
+            </a:r>
+            <a:r>
+              <a:rPr lang="en-US" dirty="0" err="1"/>
+              <a:t>einen</a:t>
+            </a:r>
+            <a:r>
+              <a:rPr lang="en-US" dirty="0"/>
+              <a:t> </a:t>
+            </a:r>
+            <a:r>
+              <a:rPr lang="en-US" dirty="0" err="1"/>
+              <a:t>AssemblyConnector</a:t>
+            </a:r>
+            <a:r>
+              <a:rPr lang="en-US" dirty="0"/>
+              <a:t> </a:t>
+            </a:r>
+            <a:r>
+              <a:rPr lang="en-US" dirty="0" err="1"/>
+              <a:t>verbunden</a:t>
+            </a:r>
+            <a:r>
+              <a:rPr lang="en-US" dirty="0"/>
+              <a:t> </a:t>
+            </a:r>
+            <a:r>
+              <a:rPr lang="en-US" dirty="0" err="1"/>
+              <a:t>sind</a:t>
+            </a:r>
+            <a:r>
+              <a:rPr lang="en-US" dirty="0"/>
+              <a:t>, </a:t>
+            </a:r>
+            <a:r>
+              <a:rPr lang="en-US" dirty="0" err="1"/>
+              <a:t>müssen</a:t>
+            </a:r>
+            <a:r>
+              <a:rPr lang="en-US" dirty="0"/>
+              <a:t> </a:t>
+            </a:r>
+            <a:r>
+              <a:rPr lang="en-US" dirty="0" err="1"/>
+              <a:t>richtig</a:t>
+            </a:r>
+            <a:r>
+              <a:rPr lang="en-US" dirty="0"/>
+              <a:t> </a:t>
+            </a:r>
+            <a:r>
+              <a:rPr lang="en-US" dirty="0" err="1"/>
+              <a:t>allokiert</a:t>
+            </a:r>
+            <a:r>
+              <a:rPr lang="en-US" dirty="0"/>
+              <a:t> </a:t>
+            </a:r>
+            <a:r>
+              <a:rPr lang="en-US" dirty="0" err="1"/>
+              <a:t>werden</a:t>
+            </a:r>
+            <a:r>
+              <a:rPr lang="en-US" dirty="0"/>
+              <a:t>.</a:t>
+            </a:r>
+          </a:p>
+          <a:p>
+            <a:pPr lvl="1"/>
+            <a:r>
+              <a:rPr lang="en-US" dirty="0" err="1"/>
+              <a:t>Anzahl</a:t>
+            </a:r>
+            <a:r>
+              <a:rPr lang="en-US" dirty="0"/>
+              <a:t> der </a:t>
+            </a:r>
+            <a:r>
+              <a:rPr lang="en-US" dirty="0" err="1"/>
+              <a:t>Rollen</a:t>
+            </a:r>
+            <a:endParaRPr lang="en-US" dirty="0"/>
+          </a:p>
+          <a:p>
+            <a:pPr lvl="1"/>
+            <a:r>
+              <a:rPr lang="en-US" dirty="0" err="1"/>
+              <a:t>Verschachtelte</a:t>
+            </a:r>
+            <a:r>
+              <a:rPr lang="en-US" dirty="0"/>
+              <a:t> </a:t>
+            </a:r>
+            <a:r>
+              <a:rPr lang="en-US" dirty="0" err="1"/>
+              <a:t>Komponenten</a:t>
+            </a:r>
+            <a:r>
+              <a:rPr lang="en-US" dirty="0"/>
+              <a:t>-Allocation</a:t>
+            </a:r>
+          </a:p>
+          <a:p>
+            <a:r>
+              <a:rPr lang="de-DE" dirty="0" err="1"/>
+              <a:t>Operations</a:t>
+            </a:r>
+            <a:r>
+              <a:rPr lang="de-DE" dirty="0"/>
+              <a:t>, </a:t>
+            </a:r>
+            <a:r>
+              <a:rPr lang="de-DE" dirty="0" err="1"/>
+              <a:t>Definitions</a:t>
+            </a:r>
+            <a:r>
+              <a:rPr lang="de-DE" dirty="0"/>
+              <a:t>, </a:t>
+            </a:r>
+            <a:r>
+              <a:rPr lang="de-DE" dirty="0" err="1"/>
+              <a:t>if-else</a:t>
+            </a:r>
+            <a:r>
+              <a:rPr lang="de-DE" dirty="0"/>
+              <a:t> …</a:t>
+            </a:r>
+            <a:endParaRPr lang="en-US" dirty="0"/>
+          </a:p>
+        </p:txBody>
+      </p:sp>
+      <p:sp>
+        <p:nvSpPr>
+          <p:cNvPr id="4" name="Slide Number Placeholder 3"/>
+          <p:cNvSpPr>
+            <a:spLocks noGrp="1"/>
+          </p:cNvSpPr>
+          <p:nvPr>
+            <p:ph type="sldNum" sz="quarter" idx="10"/>
+          </p:nvPr>
+        </p:nvSpPr>
+        <p:spPr/>
+        <p:txBody>
+          <a:bodyPr/>
+          <a:lstStyle/>
+          <a:p>
+            <a:fld id="{1215FA07-EE23-A948-A6ED-56C5FE5A7EE4}" type="slidenum">
+              <a:rPr lang="de-DE" smtClean="0"/>
+              <a:t>10</a:t>
+            </a:fld>
+            <a:endParaRPr lang="de-DE"/>
+          </a:p>
+        </p:txBody>
+      </p:sp>
+    </p:spTree>
+    <p:extLst>
+      <p:ext uri="{BB962C8B-B14F-4D97-AF65-F5344CB8AC3E}">
+        <p14:creationId xmlns:p14="http://schemas.microsoft.com/office/powerpoint/2010/main" val="3157334049"/>
+      </p:ext>
+    </p:extLst>
+  </p:cSld>
+  <p:clrMapOvr>
+    <a:masterClrMapping/>
+  </p:clrMapOvr>
+</p:sld>
+</file>
+
+<file path=ppt/slides/slide11.xml><?xml version="1.0" encoding="utf-8"?>
+<p:sld xmlns:a="http://schemas.openxmlformats.org/drawingml/2006/main" xmlns:r="http://schemas.openxmlformats.org/officeDocument/2006/relationships" xmlns:p="http://schemas.openxmlformats.org/presentationml/2006/main">
+  <p:cSld>
+    <p:spTree>
+      <p:nvGrpSpPr>
+        <p:cNvPr id="1" name=""/>
+        <p:cNvGrpSpPr/>
+        <p:nvPr/>
+      </p:nvGrpSpPr>
+      <p:grpSpPr>
+        <a:xfrm>
+          <a:off x="0" y="0"/>
+          <a:ext cx="0" cy="0"/>
+          <a:chOff x="0" y="0"/>
+          <a:chExt cx="0" cy="0"/>
+        </a:xfrm>
+      </p:grpSpPr>
+      <p:sp>
+        <p:nvSpPr>
+          <p:cNvPr id="2" name="Title 1"/>
+          <p:cNvSpPr>
+            <a:spLocks noGrp="1"/>
+          </p:cNvSpPr>
+          <p:nvPr>
+            <p:ph type="title"/>
+          </p:nvPr>
+        </p:nvSpPr>
+        <p:spPr/>
+        <p:txBody>
+          <a:bodyPr/>
+          <a:lstStyle/>
+          <a:p>
+            <a:r>
+              <a:rPr lang="en-US" dirty="0" err="1"/>
+              <a:t>Probleme</a:t>
+            </a:r>
+            <a:r>
+              <a:rPr lang="en-US" dirty="0"/>
+              <a:t> </a:t>
+            </a:r>
+            <a:r>
+              <a:rPr lang="en-US" dirty="0" err="1"/>
+              <a:t>mit</a:t>
+            </a:r>
+            <a:r>
+              <a:rPr lang="en-US" dirty="0"/>
+              <a:t> OCL	</a:t>
+            </a:r>
+          </a:p>
+        </p:txBody>
+      </p:sp>
+      <p:sp>
+        <p:nvSpPr>
+          <p:cNvPr id="3" name="Content Placeholder 2"/>
+          <p:cNvSpPr>
+            <a:spLocks noGrp="1"/>
+          </p:cNvSpPr>
+          <p:nvPr>
+            <p:ph idx="1"/>
+          </p:nvPr>
+        </p:nvSpPr>
+        <p:spPr/>
+        <p:txBody>
+          <a:bodyPr/>
+          <a:lstStyle/>
+          <a:p>
+            <a:r>
+              <a:rPr lang="en-US" dirty="0" err="1"/>
+              <a:t>Unterschiedliche</a:t>
+            </a:r>
+            <a:r>
+              <a:rPr lang="en-US" dirty="0"/>
+              <a:t> </a:t>
+            </a:r>
+            <a:r>
+              <a:rPr lang="en-US" dirty="0" err="1"/>
+              <a:t>Versionen</a:t>
+            </a:r>
+            <a:endParaRPr lang="en-US" dirty="0"/>
+          </a:p>
+          <a:p>
+            <a:pPr lvl="1"/>
+            <a:r>
+              <a:rPr lang="en-US" dirty="0" err="1"/>
+              <a:t>andere</a:t>
+            </a:r>
+            <a:r>
+              <a:rPr lang="en-US" dirty="0"/>
+              <a:t> Syntax/</a:t>
+            </a:r>
+            <a:r>
+              <a:rPr lang="en-US" dirty="0" err="1"/>
+              <a:t>Befehle</a:t>
+            </a:r>
+            <a:r>
+              <a:rPr lang="en-US" dirty="0"/>
+              <a:t> in </a:t>
+            </a:r>
+            <a:r>
+              <a:rPr lang="en-US" dirty="0" err="1"/>
+              <a:t>Dokumentationen</a:t>
+            </a:r>
+            <a:r>
+              <a:rPr lang="en-US" dirty="0"/>
+              <a:t> </a:t>
+            </a:r>
+          </a:p>
+          <a:p>
+            <a:pPr lvl="1"/>
+            <a:r>
+              <a:rPr lang="en-US" dirty="0" err="1"/>
+              <a:t>Diskrepanz</a:t>
+            </a:r>
+            <a:r>
+              <a:rPr lang="en-US" dirty="0"/>
+              <a:t> </a:t>
+            </a:r>
+            <a:r>
+              <a:rPr lang="en-US" dirty="0" err="1"/>
+              <a:t>zwischen</a:t>
+            </a:r>
+            <a:r>
+              <a:rPr lang="en-US" dirty="0"/>
+              <a:t> </a:t>
+            </a:r>
+            <a:r>
+              <a:rPr lang="en-US" dirty="0" err="1"/>
+              <a:t>Konsole</a:t>
+            </a:r>
+            <a:r>
+              <a:rPr lang="en-US" dirty="0"/>
+              <a:t>/.</a:t>
+            </a:r>
+            <a:r>
+              <a:rPr lang="en-US" dirty="0" err="1"/>
+              <a:t>ecore</a:t>
+            </a:r>
+            <a:endParaRPr lang="en-US" dirty="0"/>
+          </a:p>
+          <a:p>
+            <a:r>
+              <a:rPr lang="en-US" dirty="0" err="1"/>
+              <a:t>Fehlerausgabe</a:t>
+            </a:r>
+            <a:r>
+              <a:rPr lang="en-US" dirty="0"/>
+              <a:t>, Debugging</a:t>
+            </a:r>
+          </a:p>
+          <a:p>
+            <a:pPr marL="457200" lvl="1" indent="0">
+              <a:buNone/>
+            </a:pPr>
+            <a:endParaRPr lang="en-US" dirty="0"/>
+          </a:p>
+        </p:txBody>
+      </p:sp>
+      <p:sp>
+        <p:nvSpPr>
+          <p:cNvPr id="4" name="Slide Number Placeholder 3"/>
+          <p:cNvSpPr>
+            <a:spLocks noGrp="1"/>
+          </p:cNvSpPr>
+          <p:nvPr>
+            <p:ph type="sldNum" sz="quarter" idx="10"/>
+          </p:nvPr>
+        </p:nvSpPr>
+        <p:spPr/>
+        <p:txBody>
+          <a:bodyPr/>
+          <a:lstStyle/>
+          <a:p>
+            <a:fld id="{1215FA07-EE23-A948-A6ED-56C5FE5A7EE4}" type="slidenum">
+              <a:rPr lang="de-DE" smtClean="0"/>
+              <a:t>11</a:t>
+            </a:fld>
+            <a:endParaRPr lang="de-DE"/>
+          </a:p>
+        </p:txBody>
+      </p:sp>
+    </p:spTree>
+    <p:extLst>
+      <p:ext uri="{BB962C8B-B14F-4D97-AF65-F5344CB8AC3E}">
+        <p14:creationId xmlns:p14="http://schemas.microsoft.com/office/powerpoint/2010/main" val="3270323460"/>
+      </p:ext>
+    </p:extLst>
+  </p:cSld>
+  <p:clrMapOvr>
+    <a:masterClrMapping/>
+  </p:clrMapOvr>
+</p:sld>
+</file>
+
+<file path=ppt/slides/slide12.xml><?xml version="1.0" encoding="utf-8"?>
+<p:sld xmlns:a="http://schemas.openxmlformats.org/drawingml/2006/main" xmlns:r="http://schemas.openxmlformats.org/officeDocument/2006/relationships" xmlns:p="http://schemas.openxmlformats.org/presentationml/2006/main">
+  <p:cSld>
+    <p:spTree>
+      <p:nvGrpSpPr>
+        <p:cNvPr id="1" name=""/>
+        <p:cNvGrpSpPr/>
+        <p:nvPr/>
+      </p:nvGrpSpPr>
+      <p:grpSpPr>
+        <a:xfrm>
+          <a:off x="0" y="0"/>
+          <a:ext cx="0" cy="0"/>
+          <a:chOff x="0" y="0"/>
+          <a:chExt cx="0" cy="0"/>
+        </a:xfrm>
+      </p:grpSpPr>
+      <p:sp>
+        <p:nvSpPr>
+          <p:cNvPr id="2" name="Title 1"/>
+          <p:cNvSpPr>
+            <a:spLocks noGrp="1"/>
+          </p:cNvSpPr>
+          <p:nvPr>
+            <p:ph type="title"/>
+          </p:nvPr>
+        </p:nvSpPr>
+        <p:spPr/>
+        <p:txBody>
+          <a:bodyPr/>
+          <a:lstStyle/>
+          <a:p>
+            <a:r>
+              <a:rPr lang="en-US" dirty="0" err="1"/>
+              <a:t>Änderungen</a:t>
+            </a:r>
+            <a:r>
+              <a:rPr lang="en-US" dirty="0"/>
+              <a:t> </a:t>
+            </a:r>
+            <a:r>
+              <a:rPr lang="en-US" dirty="0" err="1"/>
+              <a:t>im</a:t>
+            </a:r>
+            <a:r>
+              <a:rPr lang="en-US" dirty="0"/>
+              <a:t> </a:t>
+            </a:r>
+            <a:r>
+              <a:rPr lang="en-US"/>
+              <a:t>Metamodell</a:t>
+            </a:r>
+            <a:r>
+              <a:rPr lang="en-US" dirty="0"/>
+              <a:t>		</a:t>
+            </a:r>
+          </a:p>
+        </p:txBody>
+      </p:sp>
+      <p:sp>
+        <p:nvSpPr>
+          <p:cNvPr id="3" name="Content Placeholder 2"/>
+          <p:cNvSpPr>
+            <a:spLocks noGrp="1"/>
+          </p:cNvSpPr>
+          <p:nvPr>
+            <p:ph idx="1"/>
+          </p:nvPr>
+        </p:nvSpPr>
+        <p:spPr/>
+        <p:txBody>
+          <a:bodyPr/>
+          <a:lstStyle/>
+          <a:p>
+            <a:r>
+              <a:rPr lang="de-DE" dirty="0" err="1"/>
+              <a:t>AssemblyConnector</a:t>
+            </a:r>
+            <a:r>
+              <a:rPr lang="de-DE" dirty="0"/>
+              <a:t> Referenzen</a:t>
+            </a:r>
+          </a:p>
+          <a:p>
+            <a:r>
+              <a:rPr lang="de-DE" dirty="0" err="1"/>
+              <a:t>ProvidedRole</a:t>
+            </a:r>
+            <a:r>
+              <a:rPr lang="de-DE" dirty="0"/>
+              <a:t> und </a:t>
+            </a:r>
+            <a:r>
+              <a:rPr lang="de-DE" dirty="0" err="1"/>
+              <a:t>RequiredRole</a:t>
+            </a:r>
+            <a:r>
+              <a:rPr lang="de-DE" dirty="0"/>
+              <a:t> des Systems durch Referenzen</a:t>
+            </a:r>
+          </a:p>
+          <a:p>
+            <a:r>
+              <a:rPr lang="de-DE" dirty="0"/>
+              <a:t>Name für Identifizierung</a:t>
+            </a:r>
+          </a:p>
+          <a:p>
+            <a:pPr marL="0" indent="0">
+              <a:buNone/>
+            </a:pPr>
+            <a:endParaRPr lang="de-DE" dirty="0"/>
+          </a:p>
+          <a:p>
+            <a:endParaRPr lang="de-DE" dirty="0"/>
+          </a:p>
+          <a:p>
+            <a:endParaRPr lang="de-DE" dirty="0"/>
+          </a:p>
+          <a:p>
+            <a:endParaRPr lang="en-US" dirty="0"/>
+          </a:p>
+        </p:txBody>
+      </p:sp>
+      <p:sp>
+        <p:nvSpPr>
+          <p:cNvPr id="4" name="Slide Number Placeholder 3"/>
+          <p:cNvSpPr>
+            <a:spLocks noGrp="1"/>
+          </p:cNvSpPr>
+          <p:nvPr>
+            <p:ph type="sldNum" sz="quarter" idx="10"/>
+          </p:nvPr>
+        </p:nvSpPr>
+        <p:spPr/>
+        <p:txBody>
+          <a:bodyPr/>
+          <a:lstStyle/>
+          <a:p>
+            <a:fld id="{1215FA07-EE23-A948-A6ED-56C5FE5A7EE4}" type="slidenum">
+              <a:rPr lang="de-DE" smtClean="0"/>
+              <a:t>12</a:t>
+            </a:fld>
+            <a:endParaRPr lang="de-DE"/>
+          </a:p>
+        </p:txBody>
+      </p:sp>
+    </p:spTree>
+    <p:extLst>
+      <p:ext uri="{BB962C8B-B14F-4D97-AF65-F5344CB8AC3E}">
+        <p14:creationId xmlns:p14="http://schemas.microsoft.com/office/powerpoint/2010/main" val="3680632355"/>
+      </p:ext>
+    </p:extLst>
+  </p:cSld>
+  <p:clrMapOvr>
+    <a:masterClrMapping/>
+  </p:clrMapOvr>
+</p:sld>
+</file>
+
+<file path=ppt/slides/slide13.xml><?xml version="1.0" encoding="utf-8"?>
+<p:sld xmlns:a="http://schemas.openxmlformats.org/drawingml/2006/main" xmlns:r="http://schemas.openxmlformats.org/officeDocument/2006/relationships" xmlns:p="http://schemas.openxmlformats.org/presentationml/2006/main">
+  <p:cSld>
+    <p:spTree>
+      <p:nvGrpSpPr>
+        <p:cNvPr id="1" name=""/>
+        <p:cNvGrpSpPr/>
+        <p:nvPr/>
+      </p:nvGrpSpPr>
+      <p:grpSpPr>
+        <a:xfrm>
+          <a:off x="0" y="0"/>
+          <a:ext cx="0" cy="0"/>
+          <a:chOff x="0" y="0"/>
+          <a:chExt cx="0" cy="0"/>
+        </a:xfrm>
+      </p:grpSpPr>
+      <p:sp>
+        <p:nvSpPr>
+          <p:cNvPr id="2" name="Title 1"/>
+          <p:cNvSpPr>
+            <a:spLocks noGrp="1"/>
+          </p:cNvSpPr>
+          <p:nvPr>
+            <p:ph type="title"/>
+          </p:nvPr>
+        </p:nvSpPr>
+        <p:spPr/>
+        <p:txBody>
+          <a:bodyPr/>
+          <a:lstStyle/>
+          <a:p>
+            <a:r>
+              <a:rPr lang="de-DE" dirty="0" err="1"/>
+              <a:t>Lessons</a:t>
+            </a:r>
+            <a:r>
+              <a:rPr lang="de-DE" dirty="0"/>
+              <a:t> </a:t>
+            </a:r>
+            <a:r>
+              <a:rPr lang="de-DE" dirty="0" err="1"/>
+              <a:t>learned</a:t>
+            </a:r>
+            <a:endParaRPr lang="en-US" dirty="0"/>
+          </a:p>
+        </p:txBody>
+      </p:sp>
+      <p:sp>
+        <p:nvSpPr>
+          <p:cNvPr id="3" name="Content Placeholder 2"/>
+          <p:cNvSpPr>
+            <a:spLocks noGrp="1"/>
+          </p:cNvSpPr>
+          <p:nvPr>
+            <p:ph idx="1"/>
+          </p:nvPr>
+        </p:nvSpPr>
+        <p:spPr/>
+        <p:txBody>
+          <a:bodyPr/>
+          <a:lstStyle/>
+          <a:p>
+            <a:r>
+              <a:rPr lang="de-DE" dirty="0"/>
+              <a:t>Metamodell ist ‚nie‘ fertig</a:t>
+            </a:r>
+          </a:p>
+          <a:p>
+            <a:r>
+              <a:rPr lang="de-DE" dirty="0"/>
+              <a:t>Möglichst viel im Model selber beschreiben</a:t>
+            </a:r>
+          </a:p>
+          <a:p>
+            <a:r>
+              <a:rPr lang="de-DE" dirty="0"/>
+              <a:t>OCL </a:t>
+            </a:r>
+            <a:r>
+              <a:rPr lang="de-DE" dirty="0" err="1"/>
+              <a:t>Constraints</a:t>
+            </a:r>
+            <a:r>
+              <a:rPr lang="de-DE" dirty="0"/>
+              <a:t> immer in unterster Ebene definieren</a:t>
+            </a:r>
+          </a:p>
+          <a:p>
+            <a:r>
+              <a:rPr lang="de-DE" dirty="0"/>
+              <a:t>Versionen in OCL entscheidend</a:t>
+            </a:r>
+          </a:p>
+        </p:txBody>
+      </p:sp>
+      <p:sp>
+        <p:nvSpPr>
+          <p:cNvPr id="4" name="Slide Number Placeholder 3"/>
+          <p:cNvSpPr>
+            <a:spLocks noGrp="1"/>
+          </p:cNvSpPr>
+          <p:nvPr>
+            <p:ph type="sldNum" sz="quarter" idx="10"/>
+          </p:nvPr>
+        </p:nvSpPr>
+        <p:spPr/>
+        <p:txBody>
+          <a:bodyPr/>
+          <a:lstStyle/>
+          <a:p>
+            <a:fld id="{1215FA07-EE23-A948-A6ED-56C5FE5A7EE4}" type="slidenum">
+              <a:rPr lang="de-DE" smtClean="0"/>
+              <a:t>13</a:t>
+            </a:fld>
+            <a:endParaRPr lang="de-DE"/>
+          </a:p>
+        </p:txBody>
+      </p:sp>
+    </p:spTree>
+    <p:extLst>
+      <p:ext uri="{BB962C8B-B14F-4D97-AF65-F5344CB8AC3E}">
+        <p14:creationId xmlns:p14="http://schemas.microsoft.com/office/powerpoint/2010/main" val="4022084426"/>
+      </p:ext>
+    </p:extLst>
+  </p:cSld>
+  <p:clrMapOvr>
+    <a:masterClrMapping/>
+  </p:clrMapOvr>
+</p:sld>
+</file>
+
+<file path=ppt/slides/slide14.xml><?xml version="1.0" encoding="utf-8"?>
 <p:sld xmlns:a="http://schemas.openxmlformats.org/drawingml/2006/main" xmlns:r="http://schemas.openxmlformats.org/officeDocument/2006/relationships" xmlns:p="http://schemas.openxmlformats.org/presentationml/2006/main">
   <p:cSld>
     <p:spTree>
@@ -3362,8 +4751,8 @@
           <a:lstStyle/>
           <a:p>
             <a:r>
-              <a:rPr lang="de-DE" dirty="0" smtClean="0"/>
-              <a:t>Code-Generierung</a:t>
+              <a:rPr lang="de-DE" dirty="0" err="1"/>
+              <a:t>Xtext</a:t>
             </a:r>
             <a:endParaRPr lang="de-DE" dirty="0"/>
           </a:p>
@@ -3372,24 +4761,17 @@
     </p:spTree>
     <p:extLst>
       <p:ext uri="{BB962C8B-B14F-4D97-AF65-F5344CB8AC3E}">
-        <p14:creationId xmlns:p14="http://schemas.microsoft.com/office/powerpoint/2010/main" val="2641901798"/>
+        <p14:creationId xmlns:p14="http://schemas.microsoft.com/office/powerpoint/2010/main" val="884237226"/>
       </p:ext>
     </p:extLst>
   </p:cSld>
   <p:clrMapOvr>
     <a:masterClrMapping/>
   </p:clrMapOvr>
-  <p:timing>
-    <p:tnLst>
-      <p:par>
-        <p:cTn id="1" dur="indefinite" restart="never" nodeType="tmRoot"/>
-      </p:par>
-    </p:tnLst>
-  </p:timing>
 </p:sld>
 </file>
 
-<file path=ppt/slides/slide11.xml><?xml version="1.0" encoding="utf-8"?>
+<file path=ppt/slides/slide15.xml><?xml version="1.0" encoding="utf-8"?>
 <p:sld xmlns:a="http://schemas.openxmlformats.org/drawingml/2006/main" xmlns:r="http://schemas.openxmlformats.org/officeDocument/2006/relationships" xmlns:p="http://schemas.openxmlformats.org/presentationml/2006/main">
   <p:cSld>
     <p:spTree>
@@ -3422,10 +4804,9 @@
           <a:lstStyle/>
           <a:p>
             <a:r>
-              <a:rPr lang="de-DE" dirty="0" smtClean="0"/>
-              <a:t>Probleme mit MWE2-Workflow</a:t>
-            </a:r>
-            <a:endParaRPr lang="de-DE" dirty="0"/>
+              <a:rPr lang="de-DE" dirty="0"/>
+              <a:t>Maßnahmen</a:t>
+            </a:r>
           </a:p>
         </p:txBody>
       </p:sp>
@@ -3456,15 +4837,7 @@
             </a:pPr>
             <a:r>
               <a:rPr lang="de-DE" dirty="0"/>
-              <a:t>OCL muss in </a:t>
-            </a:r>
-            <a:r>
-              <a:rPr lang="de-DE" dirty="0" err="1"/>
-              <a:t>Standalone</a:t>
-            </a:r>
-            <a:r>
-              <a:rPr lang="de-DE" dirty="0"/>
-              <a:t> Umgebung manuell initialisiert werden</a:t>
+              <a:t>Root-Element im Metamodell</a:t>
             </a:r>
           </a:p>
           <a:p>
@@ -3484,7 +4857,27 @@
                   </a:schemeClr>
                 </a:solidFill>
               </a:rPr>
-              <a:t>Ort der Initialisierung geht aus Dokumentation nicht genau hervor</a:t>
+              <a:t>Ein </a:t>
+            </a:r>
+            <a:r>
+              <a:rPr lang="de-DE" dirty="0" err="1">
+                <a:solidFill>
+                  <a:schemeClr val="bg1">
+                    <a:lumMod val="50000"/>
+                  </a:schemeClr>
+                </a:solidFill>
+              </a:rPr>
+              <a:t>Xtext</a:t>
+            </a:r>
+            <a:r>
+              <a:rPr lang="de-DE" dirty="0">
+                <a:solidFill>
+                  <a:schemeClr val="bg1">
+                    <a:lumMod val="50000"/>
+                  </a:schemeClr>
+                </a:solidFill>
+              </a:rPr>
+              <a:t>-Projekt</a:t>
             </a:r>
           </a:p>
           <a:p>
@@ -3498,7 +4891,7 @@
             </a:pPr>
             <a:r>
               <a:rPr lang="de-DE" dirty="0"/>
-              <a:t>Workflow lässt sich nicht ausführen</a:t>
+              <a:t>Anpassen der import-Statements</a:t>
             </a:r>
           </a:p>
           <a:p>
@@ -3518,8 +4911,33 @@
                   </a:schemeClr>
                 </a:solidFill>
               </a:rPr>
-              <a:t>OCL </a:t>
-            </a:r>
+              <a:t>Plattform URIs verwendet</a:t>
+            </a:r>
+            <a:endParaRPr lang="de-DE" dirty="0"/>
+          </a:p>
+          <a:p>
+            <a:pPr>
+              <a:lnSpc>
+                <a:spcPct val="120000"/>
+              </a:lnSpc>
+              <a:spcAft>
+                <a:spcPts val="600"/>
+              </a:spcAft>
+            </a:pPr>
+            <a:r>
+              <a:rPr lang="de-DE" dirty="0"/>
+              <a:t>Anpassen des Workflows</a:t>
+            </a:r>
+          </a:p>
+          <a:p>
+            <a:pPr lvl="1">
+              <a:lnSpc>
+                <a:spcPct val="120000"/>
+              </a:lnSpc>
+              <a:spcAft>
+                <a:spcPts val="600"/>
+              </a:spcAft>
+            </a:pPr>
             <a:r>
               <a:rPr lang="de-DE" dirty="0" err="1">
                 <a:solidFill>
@@ -3528,76 +4946,44 @@
                   </a:schemeClr>
                 </a:solidFill>
               </a:rPr>
-              <a:t>Constraints</a:t>
-            </a:r>
-            <a:r>
-              <a:rPr lang="de-DE" dirty="0">
-                <a:solidFill>
-                  <a:schemeClr val="bg1">
-                    <a:lumMod val="50000"/>
-                  </a:schemeClr>
-                </a:solidFill>
-              </a:rPr>
-              <a:t> im </a:t>
-            </a:r>
-            <a:r>
-              <a:rPr lang="de-DE" dirty="0">
-                <a:solidFill>
-                  <a:schemeClr val="bg1">
-                    <a:lumMod val="50000"/>
-                  </a:schemeClr>
-                </a:solidFill>
-                <a:latin typeface="Fira Mono OT"/>
-                <a:cs typeface="Fira Mono OT"/>
-              </a:rPr>
-              <a:t>.</a:t>
-            </a:r>
-            <a:r>
-              <a:rPr lang="de-DE" dirty="0" err="1">
-                <a:solidFill>
-                  <a:schemeClr val="bg1">
-                    <a:lumMod val="50000"/>
-                  </a:schemeClr>
-                </a:solidFill>
-                <a:latin typeface="Fira Mono OT"/>
-                <a:cs typeface="Fira Mono OT"/>
-              </a:rPr>
-              <a:t>ecore</a:t>
-            </a:r>
-            <a:r>
-              <a:rPr lang="de-DE" dirty="0">
-                <a:solidFill>
-                  <a:schemeClr val="bg1">
-                    <a:lumMod val="50000"/>
-                  </a:schemeClr>
-                </a:solidFill>
-              </a:rPr>
-              <a:t>-Modell können nicht interpretiert werden</a:t>
-            </a:r>
+              <a:t>StandaloneSetup</a:t>
+            </a:r>
+            <a:endParaRPr lang="de-DE" dirty="0"/>
+          </a:p>
+          <a:p>
+            <a:pPr marL="0" indent="0">
+              <a:lnSpc>
+                <a:spcPct val="120000"/>
+              </a:lnSpc>
+              <a:spcAft>
+                <a:spcPts val="600"/>
+              </a:spcAft>
+              <a:buNone/>
+            </a:pPr>
+            <a:endParaRPr lang="de-DE" dirty="0">
+              <a:solidFill>
+                <a:schemeClr val="bg1">
+                  <a:lumMod val="50000"/>
+                </a:schemeClr>
+              </a:solidFill>
+            </a:endParaRPr>
           </a:p>
         </p:txBody>
       </p:sp>
     </p:spTree>
     <p:extLst>
       <p:ext uri="{BB962C8B-B14F-4D97-AF65-F5344CB8AC3E}">
-        <p14:creationId xmlns:p14="http://schemas.microsoft.com/office/powerpoint/2010/main" val="2834062446"/>
+        <p14:creationId xmlns:p14="http://schemas.microsoft.com/office/powerpoint/2010/main" val="2765327020"/>
       </p:ext>
     </p:extLst>
   </p:cSld>
   <p:clrMapOvr>
     <a:masterClrMapping/>
   </p:clrMapOvr>
-  <p:timing>
-    <p:tnLst>
-      <p:par>
-        <p:cTn id="1" dur="indefinite" restart="never" nodeType="tmRoot"/>
-      </p:par>
-    </p:tnLst>
-  </p:timing>
 </p:sld>
 </file>
 
-<file path=ppt/slides/slide12.xml><?xml version="1.0" encoding="utf-8"?>
+<file path=ppt/slides/slide16.xml><?xml version="1.0" encoding="utf-8"?>
 <p:sld xmlns:a="http://schemas.openxmlformats.org/drawingml/2006/main" xmlns:r="http://schemas.openxmlformats.org/officeDocument/2006/relationships" xmlns:p="http://schemas.openxmlformats.org/presentationml/2006/main">
   <p:cSld>
     <p:spTree>
@@ -3630,10 +5016,502 @@
           <a:lstStyle/>
           <a:p>
             <a:r>
-              <a:rPr lang="de-DE" dirty="0" smtClean="0"/>
-              <a:t>Alternative</a:t>
+              <a:rPr lang="de-DE" dirty="0"/>
+              <a:t>Modell-Transformation</a:t>
+            </a:r>
+          </a:p>
+        </p:txBody>
+      </p:sp>
+    </p:spTree>
+    <p:extLst>
+      <p:ext uri="{BB962C8B-B14F-4D97-AF65-F5344CB8AC3E}">
+        <p14:creationId xmlns:p14="http://schemas.microsoft.com/office/powerpoint/2010/main" val="697348440"/>
+      </p:ext>
+    </p:extLst>
+  </p:cSld>
+  <p:clrMapOvr>
+    <a:masterClrMapping/>
+  </p:clrMapOvr>
+</p:sld>
+</file>
+
+<file path=ppt/slides/slide17.xml><?xml version="1.0" encoding="utf-8"?>
+<p:sld xmlns:a="http://schemas.openxmlformats.org/drawingml/2006/main" xmlns:r="http://schemas.openxmlformats.org/officeDocument/2006/relationships" xmlns:p="http://schemas.openxmlformats.org/presentationml/2006/main">
+  <p:cSld>
+    <p:spTree>
+      <p:nvGrpSpPr>
+        <p:cNvPr id="1" name=""/>
+        <p:cNvGrpSpPr/>
+        <p:nvPr/>
+      </p:nvGrpSpPr>
+      <p:grpSpPr>
+        <a:xfrm>
+          <a:off x="0" y="0"/>
+          <a:ext cx="0" cy="0"/>
+          <a:chOff x="0" y="0"/>
+          <a:chExt cx="0" cy="0"/>
+        </a:xfrm>
+      </p:grpSpPr>
+      <p:sp>
+        <p:nvSpPr>
+          <p:cNvPr id="3" name="Titel 2"/>
+          <p:cNvSpPr>
+            <a:spLocks noGrp="1"/>
+          </p:cNvSpPr>
+          <p:nvPr>
+            <p:ph type="title"/>
+          </p:nvPr>
+        </p:nvSpPr>
+        <p:spPr/>
+        <p:txBody>
+          <a:bodyPr/>
+          <a:lstStyle/>
+          <a:p>
+            <a:r>
+              <a:rPr lang="de-DE" dirty="0"/>
+              <a:t>Wahl der Technologie</a:t>
+            </a:r>
+          </a:p>
+        </p:txBody>
+      </p:sp>
+      <p:sp>
+        <p:nvSpPr>
+          <p:cNvPr id="4" name="Inhaltsplatzhalter 3"/>
+          <p:cNvSpPr>
+            <a:spLocks noGrp="1"/>
+          </p:cNvSpPr>
+          <p:nvPr>
+            <p:ph idx="1"/>
+          </p:nvPr>
+        </p:nvSpPr>
+        <p:spPr/>
+        <p:txBody>
+          <a:bodyPr vert="horz" lIns="91440" tIns="45720" rIns="91440" bIns="45720" rtlCol="0">
+            <a:normAutofit/>
+          </a:bodyPr>
+          <a:lstStyle/>
+          <a:p>
+            <a:pPr>
+              <a:lnSpc>
+                <a:spcPct val="120000"/>
+              </a:lnSpc>
+              <a:spcAft>
+                <a:spcPts val="600"/>
+              </a:spcAft>
+            </a:pPr>
+            <a:r>
+              <a:rPr lang="de-DE" dirty="0"/>
+              <a:t>ATL mächtiger und komplexer</a:t>
+            </a:r>
+          </a:p>
+          <a:p>
+            <a:pPr>
+              <a:lnSpc>
+                <a:spcPct val="120000"/>
+              </a:lnSpc>
+              <a:spcAft>
+                <a:spcPts val="600"/>
+              </a:spcAft>
+            </a:pPr>
+            <a:r>
+              <a:rPr lang="de-DE" dirty="0"/>
+              <a:t>Hohe Einstiegshürde</a:t>
+            </a:r>
+          </a:p>
+          <a:p>
+            <a:pPr>
+              <a:lnSpc>
+                <a:spcPct val="120000"/>
+              </a:lnSpc>
+              <a:spcAft>
+                <a:spcPts val="600"/>
+              </a:spcAft>
+            </a:pPr>
+            <a:r>
+              <a:rPr lang="de-DE" dirty="0"/>
+              <a:t>Schnell Fortschritte mit </a:t>
+            </a:r>
+            <a:r>
+              <a:rPr lang="de-DE" dirty="0" err="1"/>
+              <a:t>QVTo</a:t>
+            </a:r>
+            <a:endParaRPr lang="de-DE" dirty="0">
+              <a:solidFill>
+                <a:schemeClr val="bg1">
+                  <a:lumMod val="50000"/>
+                </a:schemeClr>
+              </a:solidFill>
+            </a:endParaRPr>
+          </a:p>
+        </p:txBody>
+      </p:sp>
+    </p:spTree>
+    <p:extLst>
+      <p:ext uri="{BB962C8B-B14F-4D97-AF65-F5344CB8AC3E}">
+        <p14:creationId xmlns:p14="http://schemas.microsoft.com/office/powerpoint/2010/main" val="2354940546"/>
+      </p:ext>
+    </p:extLst>
+  </p:cSld>
+  <p:clrMapOvr>
+    <a:masterClrMapping/>
+  </p:clrMapOvr>
+</p:sld>
+</file>
+
+<file path=ppt/slides/slide18.xml><?xml version="1.0" encoding="utf-8"?>
+<p:sld xmlns:a="http://schemas.openxmlformats.org/drawingml/2006/main" xmlns:r="http://schemas.openxmlformats.org/officeDocument/2006/relationships" xmlns:p="http://schemas.openxmlformats.org/presentationml/2006/main">
+  <p:cSld>
+    <p:spTree>
+      <p:nvGrpSpPr>
+        <p:cNvPr id="1" name=""/>
+        <p:cNvGrpSpPr/>
+        <p:nvPr/>
+      </p:nvGrpSpPr>
+      <p:grpSpPr>
+        <a:xfrm>
+          <a:off x="0" y="0"/>
+          <a:ext cx="0" cy="0"/>
+          <a:chOff x="0" y="0"/>
+          <a:chExt cx="0" cy="0"/>
+        </a:xfrm>
+      </p:grpSpPr>
+      <p:sp>
+        <p:nvSpPr>
+          <p:cNvPr id="3" name="Titel 2"/>
+          <p:cNvSpPr>
+            <a:spLocks noGrp="1"/>
+          </p:cNvSpPr>
+          <p:nvPr>
+            <p:ph type="title"/>
+          </p:nvPr>
+        </p:nvSpPr>
+        <p:spPr/>
+        <p:txBody>
+          <a:bodyPr/>
+          <a:lstStyle/>
+          <a:p>
+            <a:r>
+              <a:rPr lang="de-DE" dirty="0" err="1"/>
+              <a:t>Lessons</a:t>
+            </a:r>
+            <a:r>
+              <a:rPr lang="de-DE" dirty="0"/>
+              <a:t> </a:t>
+            </a:r>
+            <a:r>
+              <a:rPr lang="de-DE" dirty="0" err="1"/>
+              <a:t>learned</a:t>
             </a:r>
             <a:endParaRPr lang="de-DE" dirty="0"/>
+          </a:p>
+        </p:txBody>
+      </p:sp>
+      <p:sp>
+        <p:nvSpPr>
+          <p:cNvPr id="4" name="Inhaltsplatzhalter 3"/>
+          <p:cNvSpPr>
+            <a:spLocks noGrp="1"/>
+          </p:cNvSpPr>
+          <p:nvPr>
+            <p:ph idx="1"/>
+          </p:nvPr>
+        </p:nvSpPr>
+        <p:spPr/>
+        <p:txBody>
+          <a:bodyPr vert="horz" lIns="91440" tIns="45720" rIns="91440" bIns="45720" rtlCol="0">
+            <a:normAutofit/>
+          </a:bodyPr>
+          <a:lstStyle/>
+          <a:p>
+            <a:pPr>
+              <a:lnSpc>
+                <a:spcPct val="120000"/>
+              </a:lnSpc>
+              <a:spcAft>
+                <a:spcPts val="600"/>
+              </a:spcAft>
+            </a:pPr>
+            <a:r>
+              <a:rPr lang="de-DE" dirty="0"/>
+              <a:t>Transformation - 2 Möglichkeiten</a:t>
+            </a:r>
+          </a:p>
+          <a:p>
+            <a:pPr lvl="1">
+              <a:lnSpc>
+                <a:spcPct val="120000"/>
+              </a:lnSpc>
+              <a:spcAft>
+                <a:spcPts val="600"/>
+              </a:spcAft>
+            </a:pPr>
+            <a:r>
+              <a:rPr lang="de-DE" dirty="0">
+                <a:solidFill>
+                  <a:schemeClr val="bg1">
+                    <a:lumMod val="50000"/>
+                  </a:schemeClr>
+                </a:solidFill>
+              </a:rPr>
+              <a:t>Plug-Ins vs. innere </a:t>
+            </a:r>
+            <a:r>
+              <a:rPr lang="de-DE" dirty="0" err="1">
+                <a:solidFill>
+                  <a:schemeClr val="bg1">
+                    <a:lumMod val="50000"/>
+                  </a:schemeClr>
+                </a:solidFill>
+              </a:rPr>
+              <a:t>Eclipse</a:t>
+            </a:r>
+            <a:r>
+              <a:rPr lang="de-DE" dirty="0">
+                <a:solidFill>
+                  <a:schemeClr val="bg1">
+                    <a:lumMod val="50000"/>
+                  </a:schemeClr>
+                </a:solidFill>
+              </a:rPr>
+              <a:t>-Instanz</a:t>
+            </a:r>
+          </a:p>
+          <a:p>
+            <a:pPr>
+              <a:lnSpc>
+                <a:spcPct val="120000"/>
+              </a:lnSpc>
+              <a:spcAft>
+                <a:spcPts val="600"/>
+              </a:spcAft>
+            </a:pPr>
+            <a:r>
+              <a:rPr lang="de-DE" dirty="0" err="1"/>
+              <a:t>QVTo</a:t>
+            </a:r>
+            <a:r>
+              <a:rPr lang="de-DE" dirty="0"/>
+              <a:t>-Projekt in </a:t>
+            </a:r>
+            <a:r>
+              <a:rPr lang="de-DE" dirty="0" err="1"/>
+              <a:t>Eclipse</a:t>
+            </a:r>
+            <a:r>
+              <a:rPr lang="de-DE" dirty="0"/>
+              <a:t> Workspace einbinden</a:t>
+            </a:r>
+          </a:p>
+          <a:p>
+            <a:pPr>
+              <a:lnSpc>
+                <a:spcPct val="120000"/>
+              </a:lnSpc>
+              <a:spcAft>
+                <a:spcPts val="600"/>
+              </a:spcAft>
+            </a:pPr>
+            <a:endParaRPr lang="de-DE" dirty="0">
+              <a:solidFill>
+                <a:schemeClr val="bg1">
+                  <a:lumMod val="50000"/>
+                </a:schemeClr>
+              </a:solidFill>
+            </a:endParaRPr>
+          </a:p>
+        </p:txBody>
+      </p:sp>
+    </p:spTree>
+    <p:extLst>
+      <p:ext uri="{BB962C8B-B14F-4D97-AF65-F5344CB8AC3E}">
+        <p14:creationId xmlns:p14="http://schemas.microsoft.com/office/powerpoint/2010/main" val="3889762000"/>
+      </p:ext>
+    </p:extLst>
+  </p:cSld>
+  <p:clrMapOvr>
+    <a:masterClrMapping/>
+  </p:clrMapOvr>
+</p:sld>
+</file>
+
+<file path=ppt/slides/slide19.xml><?xml version="1.0" encoding="utf-8"?>
+<p:sld xmlns:a="http://schemas.openxmlformats.org/drawingml/2006/main" xmlns:r="http://schemas.openxmlformats.org/officeDocument/2006/relationships" xmlns:p="http://schemas.openxmlformats.org/presentationml/2006/main">
+  <p:cSld>
+    <p:spTree>
+      <p:nvGrpSpPr>
+        <p:cNvPr id="1" name=""/>
+        <p:cNvGrpSpPr/>
+        <p:nvPr/>
+      </p:nvGrpSpPr>
+      <p:grpSpPr>
+        <a:xfrm>
+          <a:off x="0" y="0"/>
+          <a:ext cx="0" cy="0"/>
+          <a:chOff x="0" y="0"/>
+          <a:chExt cx="0" cy="0"/>
+        </a:xfrm>
+      </p:grpSpPr>
+      <p:sp>
+        <p:nvSpPr>
+          <p:cNvPr id="2" name="Titel 1"/>
+          <p:cNvSpPr>
+            <a:spLocks noGrp="1"/>
+          </p:cNvSpPr>
+          <p:nvPr>
+            <p:ph type="title"/>
+          </p:nvPr>
+        </p:nvSpPr>
+        <p:spPr/>
+        <p:txBody>
+          <a:bodyPr/>
+          <a:lstStyle/>
+          <a:p>
+            <a:r>
+              <a:rPr lang="de-DE" dirty="0"/>
+              <a:t>Code-Generierung</a:t>
+            </a:r>
+          </a:p>
+        </p:txBody>
+      </p:sp>
+    </p:spTree>
+    <p:extLst>
+      <p:ext uri="{BB962C8B-B14F-4D97-AF65-F5344CB8AC3E}">
+        <p14:creationId xmlns:p14="http://schemas.microsoft.com/office/powerpoint/2010/main" val="2641901798"/>
+      </p:ext>
+    </p:extLst>
+  </p:cSld>
+  <p:clrMapOvr>
+    <a:masterClrMapping/>
+  </p:clrMapOvr>
+</p:sld>
+</file>
+
+<file path=ppt/slides/slide2.xml><?xml version="1.0" encoding="utf-8"?>
+<p:sld xmlns:a="http://schemas.openxmlformats.org/drawingml/2006/main" xmlns:r="http://schemas.openxmlformats.org/officeDocument/2006/relationships" xmlns:p="http://schemas.openxmlformats.org/presentationml/2006/main">
+  <p:cSld>
+    <p:spTree>
+      <p:nvGrpSpPr>
+        <p:cNvPr id="1" name=""/>
+        <p:cNvGrpSpPr/>
+        <p:nvPr/>
+      </p:nvGrpSpPr>
+      <p:grpSpPr>
+        <a:xfrm>
+          <a:off x="0" y="0"/>
+          <a:ext cx="0" cy="0"/>
+          <a:chOff x="0" y="0"/>
+          <a:chExt cx="0" cy="0"/>
+        </a:xfrm>
+      </p:grpSpPr>
+      <p:sp>
+        <p:nvSpPr>
+          <p:cNvPr id="5" name="Titel 4"/>
+          <p:cNvSpPr>
+            <a:spLocks noGrp="1"/>
+          </p:cNvSpPr>
+          <p:nvPr>
+            <p:ph type="title"/>
+          </p:nvPr>
+        </p:nvSpPr>
+        <p:spPr/>
+        <p:txBody>
+          <a:bodyPr/>
+          <a:lstStyle/>
+          <a:p>
+            <a:r>
+              <a:rPr lang="de-DE" dirty="0"/>
+              <a:t>Gliederung</a:t>
+            </a:r>
+          </a:p>
+        </p:txBody>
+      </p:sp>
+      <p:sp>
+        <p:nvSpPr>
+          <p:cNvPr id="6" name="Inhaltsplatzhalter 5"/>
+          <p:cNvSpPr>
+            <a:spLocks noGrp="1"/>
+          </p:cNvSpPr>
+          <p:nvPr>
+            <p:ph idx="1"/>
+          </p:nvPr>
+        </p:nvSpPr>
+        <p:spPr>
+          <a:xfrm>
+            <a:off x="693942" y="1600200"/>
+            <a:ext cx="7992858" cy="4525963"/>
+          </a:xfrm>
+        </p:spPr>
+        <p:txBody>
+          <a:bodyPr>
+            <a:normAutofit fontScale="92500" lnSpcReduction="10000"/>
+          </a:bodyPr>
+          <a:lstStyle/>
+          <a:p>
+            <a:pPr>
+              <a:lnSpc>
+                <a:spcPct val="150000"/>
+              </a:lnSpc>
+            </a:pPr>
+            <a:r>
+              <a:rPr lang="de-DE" dirty="0"/>
+              <a:t>Projekt-Management</a:t>
+            </a:r>
+          </a:p>
+          <a:p>
+            <a:pPr>
+              <a:lnSpc>
+                <a:spcPct val="150000"/>
+              </a:lnSpc>
+            </a:pPr>
+            <a:r>
+              <a:rPr lang="de-DE" dirty="0"/>
+              <a:t>Metamodell</a:t>
+            </a:r>
+          </a:p>
+          <a:p>
+            <a:pPr>
+              <a:lnSpc>
+                <a:spcPct val="150000"/>
+              </a:lnSpc>
+            </a:pPr>
+            <a:r>
+              <a:rPr lang="de-DE" dirty="0" err="1"/>
+              <a:t>Xtext</a:t>
+            </a:r>
+            <a:endParaRPr lang="de-DE" dirty="0"/>
+          </a:p>
+          <a:p>
+            <a:pPr>
+              <a:lnSpc>
+                <a:spcPct val="150000"/>
+              </a:lnSpc>
+            </a:pPr>
+            <a:r>
+              <a:rPr lang="de-DE" dirty="0"/>
+              <a:t>Modell-Transformation</a:t>
+            </a:r>
+          </a:p>
+          <a:p>
+            <a:pPr>
+              <a:lnSpc>
+                <a:spcPct val="150000"/>
+              </a:lnSpc>
+            </a:pPr>
+            <a:r>
+              <a:rPr lang="de-DE" dirty="0"/>
+              <a:t>Code-Generierung</a:t>
+            </a:r>
+          </a:p>
+          <a:p>
+            <a:pPr>
+              <a:lnSpc>
+                <a:spcPct val="150000"/>
+              </a:lnSpc>
+            </a:pPr>
+            <a:r>
+              <a:rPr lang="de-DE" dirty="0"/>
+              <a:t>grafischer Editor (Sirius)</a:t>
+            </a:r>
           </a:p>
         </p:txBody>
       </p:sp>
@@ -3654,7 +5532,282 @@
           <a:p>
             <a:fld id="{1215FA07-EE23-A948-A6ED-56C5FE5A7EE4}" type="slidenum">
               <a:rPr lang="de-DE" smtClean="0"/>
-              <a:t>12</a:t>
+              <a:t>2</a:t>
+            </a:fld>
+            <a:endParaRPr lang="de-DE"/>
+          </a:p>
+        </p:txBody>
+      </p:sp>
+    </p:spTree>
+    <p:extLst>
+      <p:ext uri="{BB962C8B-B14F-4D97-AF65-F5344CB8AC3E}">
+        <p14:creationId xmlns:p14="http://schemas.microsoft.com/office/powerpoint/2010/main" val="1998392040"/>
+      </p:ext>
+    </p:extLst>
+  </p:cSld>
+  <p:clrMapOvr>
+    <a:masterClrMapping/>
+  </p:clrMapOvr>
+</p:sld>
+</file>
+
+<file path=ppt/slides/slide20.xml><?xml version="1.0" encoding="utf-8"?>
+<p:sld xmlns:a="http://schemas.openxmlformats.org/drawingml/2006/main" xmlns:r="http://schemas.openxmlformats.org/officeDocument/2006/relationships" xmlns:p="http://schemas.openxmlformats.org/presentationml/2006/main">
+  <p:cSld>
+    <p:spTree>
+      <p:nvGrpSpPr>
+        <p:cNvPr id="1" name=""/>
+        <p:cNvGrpSpPr/>
+        <p:nvPr/>
+      </p:nvGrpSpPr>
+      <p:grpSpPr>
+        <a:xfrm>
+          <a:off x="0" y="0"/>
+          <a:ext cx="0" cy="0"/>
+          <a:chOff x="0" y="0"/>
+          <a:chExt cx="0" cy="0"/>
+        </a:xfrm>
+      </p:grpSpPr>
+      <p:sp>
+        <p:nvSpPr>
+          <p:cNvPr id="3" name="Titel 2"/>
+          <p:cNvSpPr>
+            <a:spLocks noGrp="1"/>
+          </p:cNvSpPr>
+          <p:nvPr>
+            <p:ph type="title"/>
+          </p:nvPr>
+        </p:nvSpPr>
+        <p:spPr/>
+        <p:txBody>
+          <a:bodyPr/>
+          <a:lstStyle/>
+          <a:p>
+            <a:r>
+              <a:rPr lang="de-DE" dirty="0"/>
+              <a:t>Probleme mit MWE2-Workflow</a:t>
+            </a:r>
+          </a:p>
+        </p:txBody>
+      </p:sp>
+      <p:sp>
+        <p:nvSpPr>
+          <p:cNvPr id="4" name="Inhaltsplatzhalter 3"/>
+          <p:cNvSpPr>
+            <a:spLocks noGrp="1"/>
+          </p:cNvSpPr>
+          <p:nvPr>
+            <p:ph idx="1"/>
+          </p:nvPr>
+        </p:nvSpPr>
+        <p:spPr/>
+        <p:txBody>
+          <a:bodyPr vert="horz" lIns="91440" tIns="45720" rIns="91440" bIns="45720" rtlCol="0">
+            <a:normAutofit/>
+          </a:bodyPr>
+          <a:lstStyle/>
+          <a:p>
+            <a:pPr>
+              <a:lnSpc>
+                <a:spcPct val="120000"/>
+              </a:lnSpc>
+              <a:spcAft>
+                <a:spcPts val="600"/>
+              </a:spcAft>
+            </a:pPr>
+            <a:r>
+              <a:rPr lang="de-DE" dirty="0"/>
+              <a:t>OCL muss in </a:t>
+            </a:r>
+            <a:r>
+              <a:rPr lang="de-DE" dirty="0" err="1"/>
+              <a:t>Standalone</a:t>
+            </a:r>
+            <a:r>
+              <a:rPr lang="de-DE" dirty="0"/>
+              <a:t> Umgebung manuell initialisiert werden</a:t>
+            </a:r>
+          </a:p>
+          <a:p>
+            <a:pPr lvl="1">
+              <a:lnSpc>
+                <a:spcPct val="120000"/>
+              </a:lnSpc>
+              <a:spcAft>
+                <a:spcPts val="600"/>
+              </a:spcAft>
+            </a:pPr>
+            <a:r>
+              <a:rPr lang="de-DE" dirty="0">
+                <a:solidFill>
+                  <a:schemeClr val="bg1">
+                    <a:lumMod val="50000"/>
+                  </a:schemeClr>
+                </a:solidFill>
+              </a:rPr>
+              <a:t>Ort der Initialisierung geht aus Dokumentation nicht genau hervor</a:t>
+            </a:r>
+          </a:p>
+          <a:p>
+            <a:pPr>
+              <a:lnSpc>
+                <a:spcPct val="120000"/>
+              </a:lnSpc>
+              <a:spcAft>
+                <a:spcPts val="600"/>
+              </a:spcAft>
+            </a:pPr>
+            <a:r>
+              <a:rPr lang="de-DE" dirty="0"/>
+              <a:t>Workflow lässt sich nicht ausführen</a:t>
+            </a:r>
+          </a:p>
+          <a:p>
+            <a:pPr lvl="1">
+              <a:lnSpc>
+                <a:spcPct val="120000"/>
+              </a:lnSpc>
+              <a:spcAft>
+                <a:spcPts val="600"/>
+              </a:spcAft>
+            </a:pPr>
+            <a:r>
+              <a:rPr lang="de-DE" dirty="0">
+                <a:solidFill>
+                  <a:schemeClr val="bg1">
+                    <a:lumMod val="50000"/>
+                  </a:schemeClr>
+                </a:solidFill>
+              </a:rPr>
+              <a:t>OCL </a:t>
+            </a:r>
+            <a:r>
+              <a:rPr lang="de-DE" dirty="0" err="1">
+                <a:solidFill>
+                  <a:schemeClr val="bg1">
+                    <a:lumMod val="50000"/>
+                  </a:schemeClr>
+                </a:solidFill>
+              </a:rPr>
+              <a:t>Constraints</a:t>
+            </a:r>
+            <a:r>
+              <a:rPr lang="de-DE" dirty="0">
+                <a:solidFill>
+                  <a:schemeClr val="bg1">
+                    <a:lumMod val="50000"/>
+                  </a:schemeClr>
+                </a:solidFill>
+              </a:rPr>
+              <a:t> im </a:t>
+            </a:r>
+            <a:r>
+              <a:rPr lang="de-DE" dirty="0">
+                <a:solidFill>
+                  <a:schemeClr val="bg1">
+                    <a:lumMod val="50000"/>
+                  </a:schemeClr>
+                </a:solidFill>
+                <a:latin typeface="Fira Mono OT"/>
+                <a:cs typeface="Fira Mono OT"/>
+              </a:rPr>
+              <a:t>.</a:t>
+            </a:r>
+            <a:r>
+              <a:rPr lang="de-DE" dirty="0" err="1">
+                <a:solidFill>
+                  <a:schemeClr val="bg1">
+                    <a:lumMod val="50000"/>
+                  </a:schemeClr>
+                </a:solidFill>
+                <a:latin typeface="Fira Mono OT"/>
+                <a:cs typeface="Fira Mono OT"/>
+              </a:rPr>
+              <a:t>ecore</a:t>
+            </a:r>
+            <a:r>
+              <a:rPr lang="de-DE" dirty="0">
+                <a:solidFill>
+                  <a:schemeClr val="bg1">
+                    <a:lumMod val="50000"/>
+                  </a:schemeClr>
+                </a:solidFill>
+              </a:rPr>
+              <a:t>-Modell können nicht interpretiert werden</a:t>
+            </a:r>
+          </a:p>
+        </p:txBody>
+      </p:sp>
+    </p:spTree>
+    <p:extLst>
+      <p:ext uri="{BB962C8B-B14F-4D97-AF65-F5344CB8AC3E}">
+        <p14:creationId xmlns:p14="http://schemas.microsoft.com/office/powerpoint/2010/main" val="2834062446"/>
+      </p:ext>
+    </p:extLst>
+  </p:cSld>
+  <p:clrMapOvr>
+    <a:masterClrMapping/>
+  </p:clrMapOvr>
+</p:sld>
+</file>
+
+<file path=ppt/slides/slide21.xml><?xml version="1.0" encoding="utf-8"?>
+<p:sld xmlns:a="http://schemas.openxmlformats.org/drawingml/2006/main" xmlns:r="http://schemas.openxmlformats.org/officeDocument/2006/relationships" xmlns:p="http://schemas.openxmlformats.org/presentationml/2006/main">
+  <p:cSld>
+    <p:spTree>
+      <p:nvGrpSpPr>
+        <p:cNvPr id="1" name=""/>
+        <p:cNvGrpSpPr/>
+        <p:nvPr/>
+      </p:nvGrpSpPr>
+      <p:grpSpPr>
+        <a:xfrm>
+          <a:off x="0" y="0"/>
+          <a:ext cx="0" cy="0"/>
+          <a:chOff x="0" y="0"/>
+          <a:chExt cx="0" cy="0"/>
+        </a:xfrm>
+      </p:grpSpPr>
+      <p:sp>
+        <p:nvSpPr>
+          <p:cNvPr id="2" name="Titel 1"/>
+          <p:cNvSpPr>
+            <a:spLocks noGrp="1"/>
+          </p:cNvSpPr>
+          <p:nvPr>
+            <p:ph type="title"/>
+          </p:nvPr>
+        </p:nvSpPr>
+        <p:spPr/>
+        <p:txBody>
+          <a:bodyPr/>
+          <a:lstStyle/>
+          <a:p>
+            <a:r>
+              <a:rPr lang="de-DE" dirty="0"/>
+              <a:t>Alternative</a:t>
+            </a:r>
+          </a:p>
+        </p:txBody>
+      </p:sp>
+      <p:sp>
+        <p:nvSpPr>
+          <p:cNvPr id="4" name="Foliennummernplatzhalter 3"/>
+          <p:cNvSpPr>
+            <a:spLocks noGrp="1"/>
+          </p:cNvSpPr>
+          <p:nvPr>
+            <p:ph type="sldNum" sz="quarter" idx="10"/>
+          </p:nvPr>
+        </p:nvSpPr>
+        <p:spPr/>
+        <p:txBody>
+          <a:bodyPr/>
+          <a:lstStyle/>
+          <a:p>
+            <a:fld id="{1215FA07-EE23-A948-A6ED-56C5FE5A7EE4}" type="slidenum">
+              <a:rPr lang="de-DE" smtClean="0"/>
+              <a:t>21</a:t>
             </a:fld>
             <a:endParaRPr lang="de-DE"/>
           </a:p>
@@ -3737,7 +5890,7 @@
             <a:lstStyle/>
             <a:p>
               <a:r>
-                <a:rPr lang="de-DE" sz="1400" dirty="0" err="1" smtClean="0">
+                <a:rPr lang="de-DE" sz="1400" dirty="0" err="1">
                   <a:solidFill>
                     <a:srgbClr val="7F7F7F"/>
                   </a:solidFill>
@@ -3834,7 +5987,7 @@
             <a:lstStyle/>
             <a:p>
               <a:r>
-                <a:rPr lang="de-DE" sz="1400" dirty="0" err="1" smtClean="0">
+                <a:rPr lang="de-DE" sz="1400" dirty="0" err="1">
                   <a:solidFill>
                     <a:srgbClr val="7F7F7F"/>
                   </a:solidFill>
@@ -3989,27 +6142,26 @@
               <a:t>Einlesen des Eingabemodells mit </a:t>
             </a:r>
             <a:r>
-              <a:rPr lang="de-DE" dirty="0" err="1" smtClean="0"/>
+              <a:rPr lang="de-DE" dirty="0" err="1"/>
               <a:t>Xtend</a:t>
             </a:r>
           </a:p>
           <a:p>
             <a:r>
-              <a:rPr lang="de-DE" dirty="0" smtClean="0"/>
+              <a:rPr lang="de-DE" dirty="0"/>
               <a:t>Ausführen des </a:t>
             </a:r>
             <a:r>
-              <a:rPr lang="de-DE" dirty="0" err="1" smtClean="0">
+              <a:rPr lang="de-DE" dirty="0" err="1">
                 <a:latin typeface="Fira Mono OT"/>
                 <a:cs typeface="Fira Mono OT"/>
               </a:rPr>
               <a:t>IGenerator</a:t>
             </a:r>
             <a:r>
-              <a:rPr lang="de-DE" dirty="0" smtClean="0"/>
+              <a:rPr lang="de-DE" dirty="0"/>
               <a:t> mit der eigentlichen Code-Generierung</a:t>
             </a:r>
-            <a:endParaRPr lang="de-DE" dirty="0"/>
           </a:p>
         </p:txBody>
       </p:sp>
@@ -4208,7 +6360,7 @@
 </p:sld>
 </file>
 
-<file path=ppt/slides/slide13.xml><?xml version="1.0" encoding="utf-8"?>
+<file path=ppt/slides/slide22.xml><?xml version="1.0" encoding="utf-8"?>
 <p:sld xmlns:a="http://schemas.openxmlformats.org/drawingml/2006/main" xmlns:r="http://schemas.openxmlformats.org/officeDocument/2006/relationships" xmlns:p="http://schemas.openxmlformats.org/presentationml/2006/main">
   <p:cSld>
     <p:spTree>
@@ -4241,10 +6393,9 @@
           <a:lstStyle/>
           <a:p>
             <a:r>
-              <a:rPr lang="de-DE" dirty="0" smtClean="0"/>
+              <a:rPr lang="de-DE" dirty="0"/>
               <a:t>Ablauf</a:t>
             </a:r>
-            <a:endParaRPr lang="de-DE" dirty="0"/>
           </a:p>
         </p:txBody>
       </p:sp>
@@ -4265,7 +6416,7 @@
           <a:p>
             <a:fld id="{1215FA07-EE23-A948-A6ED-56C5FE5A7EE4}" type="slidenum">
               <a:rPr lang="de-DE" smtClean="0"/>
-              <a:t>13</a:t>
+              <a:t>22</a:t>
             </a:fld>
             <a:endParaRPr lang="de-DE"/>
           </a:p>
@@ -4348,7 +6499,7 @@
             <a:lstStyle/>
             <a:p>
               <a:r>
-                <a:rPr lang="de-DE" sz="1400" dirty="0" err="1" smtClean="0">
+                <a:rPr lang="de-DE" sz="1400" dirty="0" err="1">
                   <a:solidFill>
                     <a:srgbClr val="7F7F7F"/>
                   </a:solidFill>
@@ -4483,7 +6634,7 @@
             <a:lstStyle/>
             <a:p>
               <a:r>
-                <a:rPr lang="de-DE" sz="1400" dirty="0" err="1" smtClean="0">
+                <a:rPr lang="de-DE" sz="1400" dirty="0" err="1">
                   <a:solidFill>
                     <a:srgbClr val="7F7F7F"/>
                   </a:solidFill>
@@ -4618,7 +6769,7 @@
             <a:lstStyle/>
             <a:p>
               <a:r>
-                <a:rPr lang="de-DE" sz="1400" dirty="0" err="1" smtClean="0">
+                <a:rPr lang="de-DE" sz="1400" dirty="0" err="1">
                   <a:solidFill>
                     <a:srgbClr val="7F7F7F"/>
                   </a:solidFill>
@@ -4833,7 +6984,7 @@
             <a:lstStyle/>
             <a:p>
               <a:r>
-                <a:rPr lang="de-DE" sz="1400" dirty="0" smtClean="0">
+                <a:rPr lang="de-DE" sz="1400" dirty="0">
                   <a:solidFill>
                     <a:srgbClr val="7F7F7F"/>
                   </a:solidFill>
@@ -4842,13 +6993,6 @@
                 </a:rPr>
                 <a:t>Java-Klassen</a:t>
               </a:r>
-              <a:endParaRPr lang="de-DE" sz="1400" dirty="0">
-                <a:solidFill>
-                  <a:srgbClr val="7F7F7F"/>
-                </a:solidFill>
-                <a:latin typeface="Fira Mono OT"/>
-                <a:cs typeface="Fira Mono OT"/>
-              </a:endParaRPr>
             </a:p>
           </p:txBody>
         </p:sp>
@@ -5143,44 +7287,43 @@
           </a:lstStyle>
           <a:p>
             <a:r>
-              <a:rPr lang="de-DE" dirty="0" err="1" smtClean="0"/>
+              <a:rPr lang="de-DE" dirty="0" err="1"/>
               <a:t>ePackages</a:t>
             </a:r>
             <a:r>
-              <a:rPr lang="de-DE" dirty="0" smtClean="0"/>
+              <a:rPr lang="de-DE" dirty="0"/>
               <a:t> des </a:t>
             </a:r>
             <a:r>
-              <a:rPr lang="de-DE" dirty="0" smtClean="0">
+              <a:rPr lang="de-DE" dirty="0">
                 <a:latin typeface="Fira Mono OT"/>
                 <a:cs typeface="Fira Mono OT"/>
               </a:rPr>
               <a:t>.</a:t>
             </a:r>
             <a:r>
-              <a:rPr lang="de-DE" dirty="0" err="1" smtClean="0">
+              <a:rPr lang="de-DE" dirty="0" err="1">
                 <a:latin typeface="Fira Mono OT"/>
                 <a:cs typeface="Fira Mono OT"/>
               </a:rPr>
               <a:t>ecore</a:t>
             </a:r>
             <a:r>
-              <a:rPr lang="de-DE" dirty="0" smtClean="0"/>
+              <a:rPr lang="de-DE" dirty="0"/>
               <a:t>-Modells laden</a:t>
             </a:r>
           </a:p>
           <a:p>
             <a:r>
-              <a:rPr lang="de-DE" dirty="0" smtClean="0"/>
+              <a:rPr lang="de-DE" dirty="0"/>
               <a:t>Modell einlesen</a:t>
             </a:r>
           </a:p>
           <a:p>
             <a:r>
-              <a:rPr lang="de-DE" dirty="0" smtClean="0"/>
+              <a:rPr lang="de-DE" dirty="0"/>
               <a:t>Code-Generator aufrufen</a:t>
             </a:r>
-            <a:endParaRPr lang="de-DE" dirty="0"/>
           </a:p>
         </p:txBody>
       </p:sp>
@@ -5326,16 +7469,15 @@
           </a:lstStyle>
           <a:p>
             <a:r>
-              <a:rPr lang="de-DE" dirty="0" smtClean="0"/>
+              <a:rPr lang="de-DE" dirty="0"/>
               <a:t>Code Templates</a:t>
             </a:r>
           </a:p>
           <a:p>
             <a:r>
-              <a:rPr lang="de-DE" dirty="0" smtClean="0"/>
+              <a:rPr lang="de-DE" dirty="0"/>
               <a:t>Export in Java-Dateien</a:t>
             </a:r>
-            <a:endParaRPr lang="de-DE" dirty="0"/>
           </a:p>
         </p:txBody>
       </p:sp>
@@ -5786,7 +7928,7 @@
 </p:sld>
 </file>
 
-<file path=ppt/slides/slide14.xml><?xml version="1.0" encoding="utf-8"?>
+<file path=ppt/slides/slide23.xml><?xml version="1.0" encoding="utf-8"?>
 <p:sld xmlns:a="http://schemas.openxmlformats.org/drawingml/2006/main" xmlns:r="http://schemas.openxmlformats.org/officeDocument/2006/relationships" xmlns:p="http://schemas.openxmlformats.org/presentationml/2006/main">
   <p:cSld>
     <p:spTree>
@@ -5819,20 +7961,16 @@
           <a:lstStyle/>
           <a:p>
             <a:r>
-              <a:rPr lang="de-DE" dirty="0" err="1" smtClean="0"/>
+              <a:rPr lang="de-DE" dirty="0" err="1"/>
               <a:t>Lessons</a:t>
             </a:r>
             <a:r>
-              <a:rPr lang="de-DE" dirty="0" smtClean="0"/>
+              <a:rPr lang="de-DE" dirty="0"/>
               <a:t> </a:t>
             </a:r>
             <a:r>
               <a:rPr lang="de-DE" dirty="0" err="1"/>
-              <a:t>L</a:t>
-            </a:r>
-            <a:r>
-              <a:rPr lang="de-DE" dirty="0" err="1" smtClean="0"/>
-              <a:t>earned</a:t>
+              <a:t>Learned</a:t>
             </a:r>
             <a:endParaRPr lang="de-DE" dirty="0"/>
           </a:p>
@@ -5869,7 +8007,7 @@
               </a:spcAft>
             </a:pPr>
             <a:r>
-              <a:rPr lang="de-DE" dirty="0" smtClean="0"/>
+              <a:rPr lang="de-DE" dirty="0"/>
               <a:t>Dokumentation zeigt oft nur „einfache“ Beispiele ohne Eingabemodelle</a:t>
             </a:r>
           </a:p>
@@ -5883,7 +8021,7 @@
               </a:spcAft>
             </a:pPr>
             <a:r>
-              <a:rPr lang="de-DE" dirty="0" smtClean="0"/>
+              <a:rPr lang="de-DE" dirty="0"/>
               <a:t>lange Fehlersuche</a:t>
             </a:r>
           </a:p>
@@ -5897,7 +8035,7 @@
               </a:spcAft>
             </a:pPr>
             <a:r>
-              <a:rPr lang="de-DE" dirty="0" smtClean="0"/>
+              <a:rPr lang="de-DE" dirty="0"/>
               <a:t>viel „Ausprobieren“</a:t>
             </a:r>
           </a:p>
@@ -5911,15 +8049,15 @@
               </a:spcAft>
             </a:pPr>
             <a:r>
-              <a:rPr lang="de-DE" dirty="0" smtClean="0"/>
+              <a:rPr lang="de-DE" dirty="0"/>
               <a:t>Handhabung von Zeilenumbrüchen mit </a:t>
             </a:r>
             <a:r>
-              <a:rPr lang="de-DE" dirty="0" err="1" smtClean="0"/>
+              <a:rPr lang="de-DE" dirty="0" err="1"/>
               <a:t>Xtend</a:t>
             </a:r>
             <a:r>
-              <a:rPr lang="de-DE" dirty="0" smtClean="0"/>
+              <a:rPr lang="de-DE" dirty="0"/>
               <a:t> recht aufwendig</a:t>
             </a:r>
           </a:p>
@@ -5933,7 +8071,7 @@
               </a:spcAft>
             </a:pPr>
             <a:r>
-              <a:rPr lang="de-DE" dirty="0" smtClean="0"/>
+              <a:rPr lang="de-DE" dirty="0"/>
               <a:t>einige unschöne Workarounds</a:t>
             </a:r>
           </a:p>
@@ -5947,7 +8085,7 @@
               </a:spcAft>
             </a:pPr>
             <a:r>
-              <a:rPr lang="de-DE" dirty="0" smtClean="0"/>
+              <a:rPr lang="de-DE" dirty="0"/>
               <a:t>Templates sind eine gute Sache</a:t>
             </a:r>
           </a:p>
@@ -5970,7 +8108,7 @@
           <a:p>
             <a:fld id="{1215FA07-EE23-A948-A6ED-56C5FE5A7EE4}" type="slidenum">
               <a:rPr lang="de-DE" smtClean="0"/>
-              <a:t>14</a:t>
+              <a:t>23</a:t>
             </a:fld>
             <a:endParaRPr lang="de-DE"/>
           </a:p>
@@ -5986,17 +8124,10 @@
   <p:clrMapOvr>
     <a:masterClrMapping/>
   </p:clrMapOvr>
-  <p:timing>
-    <p:tnLst>
-      <p:par>
-        <p:cTn id="1" dur="indefinite" restart="never" nodeType="tmRoot"/>
-      </p:par>
-    </p:tnLst>
-  </p:timing>
 </p:sld>
 </file>
 
-<file path=ppt/slides/slide15.xml><?xml version="1.0" encoding="utf-8"?>
+<file path=ppt/slides/slide24.xml><?xml version="1.0" encoding="utf-8"?>
 <p:sld xmlns:a="http://schemas.openxmlformats.org/drawingml/2006/main" xmlns:r="http://schemas.openxmlformats.org/officeDocument/2006/relationships" xmlns:p="http://schemas.openxmlformats.org/presentationml/2006/main">
   <p:cSld>
     <p:spTree>
@@ -6029,10 +8160,9 @@
           <a:lstStyle/>
           <a:p>
             <a:r>
-              <a:rPr lang="de-DE" dirty="0" smtClean="0"/>
+              <a:rPr lang="de-DE" dirty="0"/>
               <a:t>grafischer Editor (Sirius)</a:t>
             </a:r>
-            <a:endParaRPr lang="de-DE" dirty="0"/>
           </a:p>
         </p:txBody>
       </p:sp>
@@ -6046,17 +8176,10 @@
   <p:clrMapOvr>
     <a:masterClrMapping/>
   </p:clrMapOvr>
-  <p:timing>
-    <p:tnLst>
-      <p:par>
-        <p:cTn id="1" dur="indefinite" restart="never" nodeType="tmRoot"/>
-      </p:par>
-    </p:tnLst>
-  </p:timing>
 </p:sld>
 </file>
 
-<file path=ppt/slides/slide16.xml><?xml version="1.0" encoding="utf-8"?>
+<file path=ppt/slides/slide25.xml><?xml version="1.0" encoding="utf-8"?>
 <p:sld xmlns:a="http://schemas.openxmlformats.org/drawingml/2006/main" xmlns:r="http://schemas.openxmlformats.org/officeDocument/2006/relationships" xmlns:p="http://schemas.openxmlformats.org/presentationml/2006/main">
   <p:cSld>
     <p:spTree>
@@ -6090,13 +8213,8 @@
           <a:p>
             <a:r>
               <a:rPr lang="de-DE" dirty="0"/>
-              <a:t>g</a:t>
-            </a:r>
-            <a:r>
-              <a:rPr lang="de-DE" dirty="0" smtClean="0"/>
-              <a:t>rafische Darstellung</a:t>
-            </a:r>
-            <a:endParaRPr lang="de-DE" dirty="0"/>
+              <a:t>grafische Darstellung</a:t>
+            </a:r>
           </a:p>
         </p:txBody>
       </p:sp>
@@ -6140,17 +8258,10 @@
   <p:clrMapOvr>
     <a:masterClrMapping/>
   </p:clrMapOvr>
-  <p:timing>
-    <p:tnLst>
-      <p:par>
-        <p:cTn id="1" dur="indefinite" restart="never" nodeType="tmRoot"/>
-      </p:par>
-    </p:tnLst>
-  </p:timing>
 </p:sld>
 </file>
 
-<file path=ppt/slides/slide17.xml><?xml version="1.0" encoding="utf-8"?>
+<file path=ppt/slides/slide26.xml><?xml version="1.0" encoding="utf-8"?>
 <p:sld xmlns:a="http://schemas.openxmlformats.org/drawingml/2006/main" xmlns:r="http://schemas.openxmlformats.org/officeDocument/2006/relationships" xmlns:p="http://schemas.openxmlformats.org/presentationml/2006/main">
   <p:cSld>
     <p:spTree>
@@ -6183,10 +8294,9 @@
           <a:lstStyle/>
           <a:p>
             <a:r>
-              <a:rPr lang="de-DE" dirty="0" smtClean="0"/>
+              <a:rPr lang="de-DE" dirty="0"/>
               <a:t>Darstellung der Signaturen</a:t>
             </a:r>
-            <a:endParaRPr lang="de-DE" dirty="0"/>
           </a:p>
         </p:txBody>
       </p:sp>
@@ -6207,7 +8317,7 @@
           <a:p>
             <a:fld id="{1215FA07-EE23-A948-A6ED-56C5FE5A7EE4}" type="slidenum">
               <a:rPr lang="de-DE" smtClean="0"/>
-              <a:t>17</a:t>
+              <a:t>26</a:t>
             </a:fld>
             <a:endParaRPr lang="de-DE"/>
           </a:p>
@@ -6388,7 +8498,7 @@
             </a:lstStyle>
             <a:p>
               <a:r>
-                <a:rPr lang="de-DE" dirty="0" smtClean="0"/>
+                <a:rPr lang="de-DE" dirty="0"/>
                 <a:t>Signatur-</a:t>
               </a:r>
               <a:r>
@@ -6487,7 +8597,7 @@
             </a:lstStyle>
             <a:p>
               <a:r>
-                <a:rPr lang="de-DE" dirty="0" smtClean="0"/>
+                <a:rPr lang="de-DE" dirty="0"/>
                 <a:t>Signatur-</a:t>
               </a:r>
               <a:r>
@@ -6586,20 +8696,16 @@
             </a:lstStyle>
             <a:p>
               <a:r>
-                <a:rPr lang="de-DE" dirty="0" smtClean="0"/>
+                <a:rPr lang="de-DE" dirty="0"/>
                 <a:t>Parameter-</a:t>
               </a:r>
               <a:r>
-                <a:rPr lang="de-DE" dirty="0" smtClean="0">
+                <a:rPr lang="de-DE" dirty="0">
                   <a:latin typeface="Fira Mono OT"/>
                   <a:cs typeface="Fira Mono OT"/>
                 </a:rPr>
                 <a:t>Nodes</a:t>
               </a:r>
-              <a:endParaRPr lang="de-DE" dirty="0">
-                <a:latin typeface="Fira Mono OT"/>
-                <a:cs typeface="Fira Mono OT"/>
-              </a:endParaRPr>
             </a:p>
           </p:txBody>
         </p:sp>
@@ -6847,7 +8953,7 @@
 </p:sld>
 </file>
 
-<file path=ppt/slides/slide18.xml><?xml version="1.0" encoding="utf-8"?>
+<file path=ppt/slides/slide27.xml><?xml version="1.0" encoding="utf-8"?>
 <p:sld xmlns:a="http://schemas.openxmlformats.org/drawingml/2006/main" xmlns:r="http://schemas.openxmlformats.org/officeDocument/2006/relationships" xmlns:p="http://schemas.openxmlformats.org/presentationml/2006/main">
   <p:cSld>
     <p:spTree>
@@ -6880,56 +8986,55 @@
           <a:lstStyle/>
           <a:p>
             <a:r>
-              <a:rPr lang="de-DE" dirty="0" smtClean="0">
+              <a:rPr lang="de-DE" dirty="0">
                 <a:latin typeface="Fira Mono OT"/>
                 <a:cs typeface="Fira Mono OT"/>
               </a:rPr>
               <a:t>«</a:t>
             </a:r>
             <a:r>
-              <a:rPr lang="de-DE" dirty="0" err="1" smtClean="0">
+              <a:rPr lang="de-DE" dirty="0" err="1">
                 <a:latin typeface="Fira Mono OT"/>
                 <a:cs typeface="Fira Mono OT"/>
               </a:rPr>
               <a:t>requires</a:t>
             </a:r>
             <a:r>
-              <a:rPr lang="de-DE" dirty="0" smtClean="0">
+              <a:rPr lang="de-DE" dirty="0">
                 <a:latin typeface="Fira Mono OT"/>
                 <a:cs typeface="Fira Mono OT"/>
               </a:rPr>
               <a:t>» </a:t>
             </a:r>
             <a:r>
-              <a:rPr lang="de-DE" dirty="0" smtClean="0"/>
+              <a:rPr lang="de-DE" dirty="0"/>
               <a:t>und </a:t>
             </a:r>
             <a:r>
-              <a:rPr lang="de-DE" dirty="0" smtClean="0">
+              <a:rPr lang="de-DE" dirty="0">
                 <a:latin typeface="Fira Mono OT"/>
                 <a:cs typeface="Fira Mono OT"/>
               </a:rPr>
               <a:t>«</a:t>
             </a:r>
             <a:r>
-              <a:rPr lang="de-DE" dirty="0" err="1" smtClean="0">
+              <a:rPr lang="de-DE" dirty="0" err="1">
                 <a:latin typeface="Fira Mono OT"/>
                 <a:cs typeface="Fira Mono OT"/>
               </a:rPr>
               <a:t>provides</a:t>
             </a:r>
             <a:r>
-              <a:rPr lang="de-DE" dirty="0" smtClean="0">
+              <a:rPr lang="de-DE" dirty="0">
                 <a:latin typeface="Fira Mono OT"/>
                 <a:cs typeface="Fira Mono OT"/>
               </a:rPr>
               <a:t>» </a:t>
             </a:r>
             <a:r>
-              <a:rPr lang="de-DE" dirty="0" smtClean="0"/>
+              <a:rPr lang="de-DE" dirty="0"/>
               <a:t>Beziehungen</a:t>
             </a:r>
-            <a:endParaRPr lang="de-DE" dirty="0"/>
           </a:p>
         </p:txBody>
       </p:sp>
@@ -6950,7 +9055,7 @@
           <a:p>
             <a:fld id="{1215FA07-EE23-A948-A6ED-56C5FE5A7EE4}" type="slidenum">
               <a:rPr lang="de-DE" smtClean="0"/>
-              <a:t>18</a:t>
+              <a:t>27</a:t>
             </a:fld>
             <a:endParaRPr lang="de-DE"/>
           </a:p>
@@ -7062,7 +9167,7 @@
             <a:p>
               <a:pPr algn="r"/>
               <a:r>
-                <a:rPr lang="de-DE" dirty="0" smtClean="0">
+                <a:rPr lang="de-DE" dirty="0">
                   <a:solidFill>
                     <a:schemeClr val="bg1">
                       <a:lumMod val="50000"/>
@@ -7073,15 +9178,6 @@
                 </a:rPr>
                 <a:t>Metamodell</a:t>
               </a:r>
-              <a:endParaRPr lang="de-DE" dirty="0">
-                <a:solidFill>
-                  <a:schemeClr val="bg1">
-                    <a:lumMod val="50000"/>
-                  </a:schemeClr>
-                </a:solidFill>
-                <a:latin typeface="Fira Mono OT"/>
-                <a:cs typeface="Fira Mono OT"/>
-              </a:endParaRPr>
             </a:p>
           </p:txBody>
         </p:sp>
@@ -7300,7 +9396,7 @@
 </p:sld>
 </file>
 
-<file path=ppt/slides/slide19.xml><?xml version="1.0" encoding="utf-8"?>
+<file path=ppt/slides/slide28.xml><?xml version="1.0" encoding="utf-8"?>
 <p:sld xmlns:a="http://schemas.openxmlformats.org/drawingml/2006/main" xmlns:r="http://schemas.openxmlformats.org/officeDocument/2006/relationships" xmlns:p="http://schemas.openxmlformats.org/presentationml/2006/main">
   <p:cSld>
     <p:spTree>
@@ -7333,10 +9429,9 @@
           <a:lstStyle/>
           <a:p>
             <a:r>
-              <a:rPr lang="de-DE" dirty="0" smtClean="0"/>
+              <a:rPr lang="de-DE" dirty="0"/>
               <a:t>Vererbung für Interfaces</a:t>
             </a:r>
-            <a:endParaRPr lang="de-DE" dirty="0"/>
           </a:p>
         </p:txBody>
       </p:sp>
@@ -7487,7 +9582,7 @@
           <a:p>
             <a:fld id="{1215FA07-EE23-A948-A6ED-56C5FE5A7EE4}" type="slidenum">
               <a:rPr lang="de-DE" smtClean="0"/>
-              <a:t>19</a:t>
+              <a:t>28</a:t>
             </a:fld>
             <a:endParaRPr lang="de-DE"/>
           </a:p>
@@ -7503,190 +9598,10 @@
   <p:clrMapOvr>
     <a:masterClrMapping/>
   </p:clrMapOvr>
-  <p:timing>
-    <p:tnLst>
-      <p:par>
-        <p:cTn id="1" dur="indefinite" restart="never" nodeType="tmRoot"/>
-      </p:par>
-    </p:tnLst>
-  </p:timing>
 </p:sld>
 </file>
 
-<file path=ppt/slides/slide2.xml><?xml version="1.0" encoding="utf-8"?>
-<p:sld xmlns:a="http://schemas.openxmlformats.org/drawingml/2006/main" xmlns:r="http://schemas.openxmlformats.org/officeDocument/2006/relationships" xmlns:p="http://schemas.openxmlformats.org/presentationml/2006/main">
-  <p:cSld>
-    <p:spTree>
-      <p:nvGrpSpPr>
-        <p:cNvPr id="1" name=""/>
-        <p:cNvGrpSpPr/>
-        <p:nvPr/>
-      </p:nvGrpSpPr>
-      <p:grpSpPr>
-        <a:xfrm>
-          <a:off x="0" y="0"/>
-          <a:ext cx="0" cy="0"/>
-          <a:chOff x="0" y="0"/>
-          <a:chExt cx="0" cy="0"/>
-        </a:xfrm>
-      </p:grpSpPr>
-      <p:sp>
-        <p:nvSpPr>
-          <p:cNvPr id="5" name="Titel 4"/>
-          <p:cNvSpPr>
-            <a:spLocks noGrp="1"/>
-          </p:cNvSpPr>
-          <p:nvPr>
-            <p:ph type="title"/>
-          </p:nvPr>
-        </p:nvSpPr>
-        <p:spPr/>
-        <p:txBody>
-          <a:bodyPr/>
-          <a:lstStyle/>
-          <a:p>
-            <a:r>
-              <a:rPr lang="de-DE" dirty="0" smtClean="0"/>
-              <a:t>Gliederung</a:t>
-            </a:r>
-            <a:endParaRPr lang="de-DE" dirty="0"/>
-          </a:p>
-        </p:txBody>
-      </p:sp>
-      <p:sp>
-        <p:nvSpPr>
-          <p:cNvPr id="6" name="Inhaltsplatzhalter 5"/>
-          <p:cNvSpPr>
-            <a:spLocks noGrp="1"/>
-          </p:cNvSpPr>
-          <p:nvPr>
-            <p:ph idx="1"/>
-          </p:nvPr>
-        </p:nvSpPr>
-        <p:spPr>
-          <a:xfrm>
-            <a:off x="693942" y="1600200"/>
-            <a:ext cx="7992858" cy="4525963"/>
-          </a:xfrm>
-        </p:spPr>
-        <p:txBody>
-          <a:bodyPr>
-            <a:normAutofit fontScale="92500" lnSpcReduction="10000"/>
-          </a:bodyPr>
-          <a:lstStyle/>
-          <a:p>
-            <a:pPr>
-              <a:lnSpc>
-                <a:spcPct val="150000"/>
-              </a:lnSpc>
-            </a:pPr>
-            <a:r>
-              <a:rPr lang="de-DE" dirty="0" smtClean="0"/>
-              <a:t>Projekt-Management</a:t>
-            </a:r>
-          </a:p>
-          <a:p>
-            <a:pPr>
-              <a:lnSpc>
-                <a:spcPct val="150000"/>
-              </a:lnSpc>
-            </a:pPr>
-            <a:r>
-              <a:rPr lang="de-DE" dirty="0" smtClean="0"/>
-              <a:t>Metamodell</a:t>
-            </a:r>
-          </a:p>
-          <a:p>
-            <a:pPr>
-              <a:lnSpc>
-                <a:spcPct val="150000"/>
-              </a:lnSpc>
-            </a:pPr>
-            <a:r>
-              <a:rPr lang="de-DE" dirty="0" err="1" smtClean="0"/>
-              <a:t>Xtext</a:t>
-            </a:r>
-            <a:endParaRPr lang="de-DE" dirty="0" smtClean="0"/>
-          </a:p>
-          <a:p>
-            <a:pPr>
-              <a:lnSpc>
-                <a:spcPct val="150000"/>
-              </a:lnSpc>
-            </a:pPr>
-            <a:r>
-              <a:rPr lang="de-DE" dirty="0" smtClean="0"/>
-              <a:t>Modell-Transformation</a:t>
-            </a:r>
-          </a:p>
-          <a:p>
-            <a:pPr>
-              <a:lnSpc>
-                <a:spcPct val="150000"/>
-              </a:lnSpc>
-            </a:pPr>
-            <a:r>
-              <a:rPr lang="de-DE" dirty="0" smtClean="0"/>
-              <a:t>Code-Generierung</a:t>
-            </a:r>
-          </a:p>
-          <a:p>
-            <a:pPr>
-              <a:lnSpc>
-                <a:spcPct val="150000"/>
-              </a:lnSpc>
-            </a:pPr>
-            <a:r>
-              <a:rPr lang="de-DE" dirty="0" smtClean="0"/>
-              <a:t>grafischer Editor (Sirius)</a:t>
-            </a:r>
-          </a:p>
-        </p:txBody>
-      </p:sp>
-      <p:sp>
-        <p:nvSpPr>
-          <p:cNvPr id="4" name="Foliennummernplatzhalter 3"/>
-          <p:cNvSpPr>
-            <a:spLocks noGrp="1"/>
-          </p:cNvSpPr>
-          <p:nvPr>
-            <p:ph type="sldNum" sz="quarter" idx="10"/>
-          </p:nvPr>
-        </p:nvSpPr>
-        <p:spPr/>
-        <p:txBody>
-          <a:bodyPr/>
-          <a:lstStyle/>
-          <a:p>
-            <a:fld id="{1215FA07-EE23-A948-A6ED-56C5FE5A7EE4}" type="slidenum">
-              <a:rPr lang="de-DE" smtClean="0"/>
-              <a:t>2</a:t>
-            </a:fld>
-            <a:endParaRPr lang="de-DE"/>
-          </a:p>
-        </p:txBody>
-      </p:sp>
-    </p:spTree>
-    <p:extLst>
-      <p:ext uri="{BB962C8B-B14F-4D97-AF65-F5344CB8AC3E}">
-        <p14:creationId xmlns:p14="http://schemas.microsoft.com/office/powerpoint/2010/main" val="1998392040"/>
-      </p:ext>
-    </p:extLst>
-  </p:cSld>
-  <p:clrMapOvr>
-    <a:masterClrMapping/>
-  </p:clrMapOvr>
-  <p:timing>
-    <p:tnLst>
-      <p:par>
-        <p:cTn id="1" dur="indefinite" restart="never" nodeType="tmRoot"/>
-      </p:par>
-    </p:tnLst>
-  </p:timing>
-</p:sld>
-</file>
-
-<file path=ppt/slides/slide20.xml><?xml version="1.0" encoding="utf-8"?>
+<file path=ppt/slides/slide29.xml><?xml version="1.0" encoding="utf-8"?>
 <p:sld xmlns:a="http://schemas.openxmlformats.org/drawingml/2006/main" xmlns:r="http://schemas.openxmlformats.org/officeDocument/2006/relationships" xmlns:p="http://schemas.openxmlformats.org/presentationml/2006/main">
   <p:cSld>
     <p:spTree>
@@ -7719,15 +9634,15 @@
           <a:lstStyle/>
           <a:p>
             <a:r>
-              <a:rPr lang="de-DE" dirty="0" err="1" smtClean="0"/>
+              <a:rPr lang="de-DE" dirty="0" err="1"/>
               <a:t>Lessons</a:t>
             </a:r>
             <a:r>
-              <a:rPr lang="de-DE" dirty="0" smtClean="0"/>
+              <a:rPr lang="de-DE" dirty="0"/>
               <a:t> </a:t>
             </a:r>
             <a:r>
-              <a:rPr lang="de-DE" dirty="0" err="1" smtClean="0"/>
+              <a:rPr lang="de-DE" dirty="0" err="1"/>
               <a:t>Learned</a:t>
             </a:r>
             <a:endParaRPr lang="de-DE" dirty="0"/>
@@ -7766,11 +9681,7 @@
             </a:pPr>
             <a:r>
               <a:rPr lang="de-DE" dirty="0"/>
-              <a:t>e</a:t>
-            </a:r>
-            <a:r>
-              <a:rPr lang="de-DE" dirty="0" smtClean="0"/>
-              <a:t>igenes Layout der Elemente innerhalb eines Containers nur sehr schwer möglich</a:t>
+              <a:t>eigenes Layout der Elemente innerhalb eines Containers nur sehr schwer möglich</a:t>
             </a:r>
           </a:p>
           <a:p>
@@ -7783,7 +9694,7 @@
               </a:spcAft>
             </a:pPr>
             <a:r>
-              <a:rPr lang="de-DE" dirty="0" smtClean="0">
+              <a:rPr lang="de-DE" dirty="0">
                 <a:solidFill>
                   <a:schemeClr val="bg1">
                     <a:lumMod val="50000"/>
@@ -7803,7 +9714,7 @@
               </a:spcAft>
             </a:pPr>
             <a:r>
-              <a:rPr lang="de-DE" dirty="0" smtClean="0"/>
+              <a:rPr lang="de-DE" dirty="0"/>
               <a:t>Auswählen des richtigen Kontexts / der richtigen Elemente oft schwer</a:t>
             </a:r>
           </a:p>
@@ -7817,7 +9728,7 @@
               </a:spcAft>
             </a:pPr>
             <a:r>
-              <a:rPr lang="de-DE" dirty="0" err="1" smtClean="0">
+              <a:rPr lang="de-DE" dirty="0" err="1">
                 <a:solidFill>
                   <a:srgbClr val="7F7F7F"/>
                 </a:solidFill>
@@ -7825,7 +9736,7 @@
               <a:t>Semantic</a:t>
             </a:r>
             <a:r>
-              <a:rPr lang="de-DE" dirty="0" smtClean="0">
+              <a:rPr lang="de-DE" dirty="0">
                 <a:solidFill>
                   <a:srgbClr val="7F7F7F"/>
                 </a:solidFill>
@@ -7833,7 +9744,7 @@
               <a:t> </a:t>
             </a:r>
             <a:r>
-              <a:rPr lang="de-DE" dirty="0" err="1" smtClean="0">
+              <a:rPr lang="de-DE" dirty="0" err="1">
                 <a:solidFill>
                   <a:srgbClr val="7F7F7F"/>
                 </a:solidFill>
@@ -7841,7 +9752,7 @@
               <a:t>Candidates</a:t>
             </a:r>
             <a:r>
-              <a:rPr lang="de-DE" dirty="0" smtClean="0">
+              <a:rPr lang="de-DE" dirty="0">
                 <a:solidFill>
                   <a:srgbClr val="7F7F7F"/>
                 </a:solidFill>
@@ -7859,7 +9770,7 @@
               </a:spcAft>
             </a:pPr>
             <a:r>
-              <a:rPr lang="de-DE" dirty="0" smtClean="0">
+              <a:rPr lang="de-DE" dirty="0">
                 <a:solidFill>
                   <a:srgbClr val="7F7F7F"/>
                 </a:solidFill>
@@ -7877,7 +9788,7 @@
               </a:spcAft>
             </a:pPr>
             <a:r>
-              <a:rPr lang="de-DE" dirty="0" smtClean="0"/>
+              <a:rPr lang="de-DE" dirty="0"/>
               <a:t>Dokumentation nicht sehr umfangreich</a:t>
             </a:r>
           </a:p>
@@ -7891,10 +9802,9 @@
               </a:spcAft>
             </a:pPr>
             <a:r>
-              <a:rPr lang="de-DE" dirty="0" smtClean="0"/>
+              <a:rPr lang="de-DE" dirty="0"/>
               <a:t>Wie so oft: Wenn es funktioniert eine nützliche Sache ;-)</a:t>
             </a:r>
-            <a:endParaRPr lang="de-DE" dirty="0"/>
           </a:p>
         </p:txBody>
       </p:sp>
@@ -7915,7 +9825,7 @@
           <a:p>
             <a:fld id="{1215FA07-EE23-A948-A6ED-56C5FE5A7EE4}" type="slidenum">
               <a:rPr lang="de-DE" smtClean="0"/>
-              <a:t>20</a:t>
+              <a:t>29</a:t>
             </a:fld>
             <a:endParaRPr lang="de-DE"/>
           </a:p>
@@ -7931,73 +9841,6 @@
   <p:clrMapOvr>
     <a:masterClrMapping/>
   </p:clrMapOvr>
-  <p:timing>
-    <p:tnLst>
-      <p:par>
-        <p:cTn id="1" dur="indefinite" restart="never" nodeType="tmRoot"/>
-      </p:par>
-    </p:tnLst>
-  </p:timing>
-</p:sld>
-</file>
-
-<file path=ppt/slides/slide21.xml><?xml version="1.0" encoding="utf-8"?>
-<p:sld xmlns:a="http://schemas.openxmlformats.org/drawingml/2006/main" xmlns:r="http://schemas.openxmlformats.org/officeDocument/2006/relationships" xmlns:p="http://schemas.openxmlformats.org/presentationml/2006/main">
-  <p:cSld>
-    <p:spTree>
-      <p:nvGrpSpPr>
-        <p:cNvPr id="1" name=""/>
-        <p:cNvGrpSpPr/>
-        <p:nvPr/>
-      </p:nvGrpSpPr>
-      <p:grpSpPr>
-        <a:xfrm>
-          <a:off x="0" y="0"/>
-          <a:ext cx="0" cy="0"/>
-          <a:chOff x="0" y="0"/>
-          <a:chExt cx="0" cy="0"/>
-        </a:xfrm>
-      </p:grpSpPr>
-      <p:sp>
-        <p:nvSpPr>
-          <p:cNvPr id="3" name="Titel 2"/>
-          <p:cNvSpPr>
-            <a:spLocks noGrp="1"/>
-          </p:cNvSpPr>
-          <p:nvPr>
-            <p:ph type="title"/>
-          </p:nvPr>
-        </p:nvSpPr>
-        <p:spPr/>
-        <p:txBody>
-          <a:bodyPr/>
-          <a:lstStyle/>
-          <a:p>
-            <a:r>
-              <a:rPr lang="de-DE" dirty="0" smtClean="0"/>
-              <a:t>Vielen Dank für die Aufmerksamkeit!</a:t>
-            </a:r>
-            <a:endParaRPr lang="de-DE" dirty="0"/>
-          </a:p>
-        </p:txBody>
-      </p:sp>
-    </p:spTree>
-    <p:extLst>
-      <p:ext uri="{BB962C8B-B14F-4D97-AF65-F5344CB8AC3E}">
-        <p14:creationId xmlns:p14="http://schemas.microsoft.com/office/powerpoint/2010/main" val="3593891134"/>
-      </p:ext>
-    </p:extLst>
-  </p:cSld>
-  <p:clrMapOvr>
-    <a:masterClrMapping/>
-  </p:clrMapOvr>
-  <p:timing>
-    <p:tnLst>
-      <p:par>
-        <p:cTn id="1" dur="indefinite" restart="never" nodeType="tmRoot"/>
-      </p:par>
-    </p:tnLst>
-  </p:timing>
 </p:sld>
 </file>
 
@@ -8034,10 +9877,9 @@
           <a:lstStyle/>
           <a:p>
             <a:r>
-              <a:rPr lang="de-DE" dirty="0" smtClean="0"/>
+              <a:rPr lang="de-DE" dirty="0"/>
               <a:t>Projekt-Management</a:t>
             </a:r>
-            <a:endParaRPr lang="de-DE" dirty="0"/>
           </a:p>
         </p:txBody>
       </p:sp>
@@ -8051,21 +9893,58 @@
   <p:clrMapOvr>
     <a:masterClrMapping/>
   </p:clrMapOvr>
-  <mc:AlternateContent xmlns:mc="http://schemas.openxmlformats.org/markup-compatibility/2006">
-    <mc:Choice xmlns:p14="http://schemas.microsoft.com/office/powerpoint/2010/main" Requires="p14">
-      <p:transition spd="slow" p14:dur="2000"/>
-    </mc:Choice>
-    <mc:Fallback>
-      <p:transition spd="slow"/>
-    </mc:Fallback>
-  </mc:AlternateContent>
-  <p:timing>
-    <p:tnLst>
-      <p:par>
-        <p:cTn id="1" dur="indefinite" restart="never" nodeType="tmRoot"/>
-      </p:par>
-    </p:tnLst>
-  </p:timing>
+</p:sld>
+</file>
+
+<file path=ppt/slides/slide30.xml><?xml version="1.0" encoding="utf-8"?>
+<p:sld xmlns:a="http://schemas.openxmlformats.org/drawingml/2006/main" xmlns:r="http://schemas.openxmlformats.org/officeDocument/2006/relationships" xmlns:p="http://schemas.openxmlformats.org/presentationml/2006/main">
+  <p:cSld>
+    <p:spTree>
+      <p:nvGrpSpPr>
+        <p:cNvPr id="1" name=""/>
+        <p:cNvGrpSpPr/>
+        <p:nvPr/>
+      </p:nvGrpSpPr>
+      <p:grpSpPr>
+        <a:xfrm>
+          <a:off x="0" y="0"/>
+          <a:ext cx="0" cy="0"/>
+          <a:chOff x="0" y="0"/>
+          <a:chExt cx="0" cy="0"/>
+        </a:xfrm>
+      </p:grpSpPr>
+      <p:sp>
+        <p:nvSpPr>
+          <p:cNvPr id="3" name="Titel 2"/>
+          <p:cNvSpPr>
+            <a:spLocks noGrp="1"/>
+          </p:cNvSpPr>
+          <p:nvPr>
+            <p:ph type="title"/>
+          </p:nvPr>
+        </p:nvSpPr>
+        <p:spPr/>
+        <p:txBody>
+          <a:bodyPr/>
+          <a:lstStyle/>
+          <a:p>
+            <a:r>
+              <a:rPr lang="de-DE" dirty="0"/>
+              <a:t>Vielen Dank für die Aufmerksamkeit!</a:t>
+            </a:r>
+          </a:p>
+        </p:txBody>
+      </p:sp>
+    </p:spTree>
+    <p:extLst>
+      <p:ext uri="{BB962C8B-B14F-4D97-AF65-F5344CB8AC3E}">
+        <p14:creationId xmlns:p14="http://schemas.microsoft.com/office/powerpoint/2010/main" val="3593891134"/>
+      </p:ext>
+    </p:extLst>
+  </p:cSld>
+  <p:clrMapOvr>
+    <a:masterClrMapping/>
+  </p:clrMapOvr>
 </p:sld>
 </file>
 
@@ -8102,10 +9981,9 @@
           <a:lstStyle/>
           <a:p>
             <a:r>
-              <a:rPr lang="de-DE" dirty="0" smtClean="0"/>
+              <a:rPr lang="de-DE" dirty="0"/>
               <a:t>Metamodell</a:t>
             </a:r>
-            <a:endParaRPr lang="de-DE" dirty="0"/>
           </a:p>
         </p:txBody>
       </p:sp>
@@ -8119,21 +9997,6 @@
   <p:clrMapOvr>
     <a:masterClrMapping/>
   </p:clrMapOvr>
-  <mc:AlternateContent xmlns:mc="http://schemas.openxmlformats.org/markup-compatibility/2006" xmlns:p14="http://schemas.microsoft.com/office/powerpoint/2010/main">
-    <mc:Choice Requires="p14">
-      <p:transition spd="slow" p14:dur="2000"/>
-    </mc:Choice>
-    <mc:Fallback xmlns="">
-      <p:transition xmlns:p14="http://schemas.microsoft.com/office/powerpoint/2010/main" spd="slow"/>
-    </mc:Fallback>
-  </mc:AlternateContent>
-  <p:timing>
-    <p:tnLst>
-      <p:par>
-        <p:cTn id="1" dur="indefinite" restart="never" nodeType="tmRoot"/>
-      </p:par>
-    </p:tnLst>
-  </p:timing>
 </p:sld>
 </file>
 
@@ -8156,7 +10019,7 @@
       </p:grpSpPr>
       <p:sp>
         <p:nvSpPr>
-          <p:cNvPr id="2" name="Titel 1"/>
+          <p:cNvPr id="2" name="Title 1"/>
           <p:cNvSpPr>
             <a:spLocks noGrp="1"/>
           </p:cNvSpPr>
@@ -8170,30 +10033,138 @@
           <a:lstStyle/>
           <a:p>
             <a:r>
-              <a:rPr lang="de-DE" dirty="0" err="1" smtClean="0"/>
-              <a:t>Xtext</a:t>
-            </a:r>
-            <a:endParaRPr lang="de-DE" dirty="0"/>
+              <a:rPr lang="en-US" dirty="0" err="1"/>
+              <a:t>Erstellung</a:t>
+            </a:r>
+            <a:endParaRPr lang="en-US" dirty="0"/>
+          </a:p>
+        </p:txBody>
+      </p:sp>
+      <p:sp>
+        <p:nvSpPr>
+          <p:cNvPr id="3" name="Content Placeholder 2"/>
+          <p:cNvSpPr>
+            <a:spLocks noGrp="1"/>
+          </p:cNvSpPr>
+          <p:nvPr>
+            <p:ph idx="1"/>
+          </p:nvPr>
+        </p:nvSpPr>
+        <p:spPr/>
+        <p:txBody>
+          <a:bodyPr/>
+          <a:lstStyle/>
+          <a:p>
+            <a:r>
+              <a:rPr lang="en-US" dirty="0" err="1"/>
+              <a:t>Grafisch</a:t>
+            </a:r>
+            <a:r>
+              <a:rPr lang="en-US" dirty="0"/>
+              <a:t> Klassen, </a:t>
+            </a:r>
+            <a:r>
+              <a:rPr lang="en-US" dirty="0" err="1"/>
+              <a:t>Beziehungen</a:t>
+            </a:r>
+            <a:r>
+              <a:rPr lang="en-US" dirty="0"/>
+              <a:t>, </a:t>
+            </a:r>
+            <a:r>
+              <a:rPr lang="en-US" dirty="0" err="1"/>
+              <a:t>Kardinalitäten</a:t>
+            </a:r>
+            <a:r>
+              <a:rPr lang="en-US" dirty="0"/>
+              <a:t> </a:t>
+            </a:r>
+            <a:r>
+              <a:rPr lang="en-US" dirty="0" err="1"/>
+              <a:t>einzeichnen</a:t>
+            </a:r>
+            <a:endParaRPr lang="en-US" dirty="0"/>
+          </a:p>
+          <a:p>
+            <a:r>
+              <a:rPr lang="en-US" dirty="0"/>
+              <a:t>Constraints in OCL </a:t>
+            </a:r>
+            <a:r>
+              <a:rPr lang="en-US" dirty="0" err="1"/>
+              <a:t>festlegen</a:t>
+            </a:r>
+            <a:endParaRPr lang="en-US" dirty="0"/>
+          </a:p>
+          <a:p>
+            <a:r>
+              <a:rPr lang="en-US" dirty="0" err="1"/>
+              <a:t>Instanz</a:t>
+            </a:r>
+            <a:r>
+              <a:rPr lang="en-US" dirty="0"/>
+              <a:t> </a:t>
+            </a:r>
+            <a:r>
+              <a:rPr lang="en-US" dirty="0" err="1"/>
+              <a:t>erstellen</a:t>
+            </a:r>
+            <a:r>
+              <a:rPr lang="en-US" dirty="0"/>
+              <a:t> &amp; </a:t>
+            </a:r>
+            <a:r>
+              <a:rPr lang="en-US" dirty="0" err="1"/>
+              <a:t>validieren</a:t>
+            </a:r>
+            <a:endParaRPr lang="en-US" dirty="0"/>
+          </a:p>
+          <a:p>
+            <a:r>
+              <a:rPr lang="en-US" dirty="0"/>
+              <a:t>Modell </a:t>
+            </a:r>
+            <a:r>
+              <a:rPr lang="en-US" dirty="0" err="1"/>
+              <a:t>überarbeiten</a:t>
+            </a:r>
+            <a:endParaRPr lang="en-US" dirty="0"/>
+          </a:p>
+        </p:txBody>
+      </p:sp>
+      <p:sp>
+        <p:nvSpPr>
+          <p:cNvPr id="4" name="Slide Number Placeholder 3"/>
+          <p:cNvSpPr>
+            <a:spLocks noGrp="1"/>
+          </p:cNvSpPr>
+          <p:nvPr>
+            <p:ph type="sldNum" sz="quarter" idx="10"/>
+          </p:nvPr>
+        </p:nvSpPr>
+        <p:spPr/>
+        <p:txBody>
+          <a:bodyPr/>
+          <a:lstStyle/>
+          <a:p>
+            <a:fld id="{1215FA07-EE23-A948-A6ED-56C5FE5A7EE4}" type="slidenum">
+              <a:rPr lang="de-DE" smtClean="0"/>
+              <a:t>5</a:t>
+            </a:fld>
+            <a:endParaRPr lang="de-DE"/>
           </a:p>
         </p:txBody>
       </p:sp>
     </p:spTree>
     <p:extLst>
       <p:ext uri="{BB962C8B-B14F-4D97-AF65-F5344CB8AC3E}">
-        <p14:creationId xmlns:p14="http://schemas.microsoft.com/office/powerpoint/2010/main" val="884237226"/>
+        <p14:creationId xmlns:p14="http://schemas.microsoft.com/office/powerpoint/2010/main" val="1331817945"/>
       </p:ext>
     </p:extLst>
   </p:cSld>
   <p:clrMapOvr>
     <a:masterClrMapping/>
   </p:clrMapOvr>
-  <p:timing>
-    <p:tnLst>
-      <p:par>
-        <p:cTn id="1" dur="indefinite" restart="never" nodeType="tmRoot"/>
-      </p:par>
-    </p:tnLst>
-  </p:timing>
 </p:sld>
 </file>
 
@@ -8216,12 +10187,12 @@
       </p:grpSpPr>
       <p:sp>
         <p:nvSpPr>
-          <p:cNvPr id="3" name="Titel 2"/>
+          <p:cNvPr id="4" name="Slide Number Placeholder 3"/>
           <p:cNvSpPr>
             <a:spLocks noGrp="1"/>
           </p:cNvSpPr>
           <p:nvPr>
-            <p:ph type="title"/>
+            <p:ph type="sldNum" sz="quarter" idx="10"/>
           </p:nvPr>
         </p:nvSpPr>
         <p:spPr/>
@@ -8229,17 +10200,17 @@
           <a:bodyPr/>
           <a:lstStyle/>
           <a:p>
-            <a:r>
-              <a:rPr lang="de-DE" dirty="0" smtClean="0"/>
-              <a:t>Maßnahmen</a:t>
-            </a:r>
-            <a:endParaRPr lang="de-DE" dirty="0"/>
+            <a:fld id="{1215FA07-EE23-A948-A6ED-56C5FE5A7EE4}" type="slidenum">
+              <a:rPr lang="de-DE" smtClean="0"/>
+              <a:t>6</a:t>
+            </a:fld>
+            <a:endParaRPr lang="de-DE"/>
           </a:p>
         </p:txBody>
       </p:sp>
       <p:sp>
         <p:nvSpPr>
-          <p:cNvPr id="4" name="Inhaltsplatzhalter 3"/>
+          <p:cNvPr id="2" name="Content Placeholder 1"/>
           <p:cNvSpPr>
             <a:spLocks noGrp="1"/>
           </p:cNvSpPr>
@@ -8249,176 +10220,52 @@
         </p:nvSpPr>
         <p:spPr/>
         <p:txBody>
-          <a:bodyPr vert="horz" lIns="91440" tIns="45720" rIns="91440" bIns="45720" rtlCol="0">
-            <a:normAutofit/>
-          </a:bodyPr>
+          <a:bodyPr/>
           <a:lstStyle/>
           <a:p>
-            <a:pPr>
-              <a:lnSpc>
-                <a:spcPct val="120000"/>
-              </a:lnSpc>
-              <a:spcAft>
-                <a:spcPts val="600"/>
-              </a:spcAft>
-            </a:pPr>
-            <a:r>
-              <a:rPr lang="de-DE" dirty="0" smtClean="0"/>
-              <a:t>Root-Element im Metamodell</a:t>
-            </a:r>
-          </a:p>
-          <a:p>
-            <a:pPr lvl="1">
-              <a:lnSpc>
-                <a:spcPct val="120000"/>
-              </a:lnSpc>
-              <a:spcAft>
-                <a:spcPts val="600"/>
-              </a:spcAft>
-            </a:pPr>
-            <a:r>
-              <a:rPr lang="de-DE" dirty="0" smtClean="0">
-                <a:solidFill>
-                  <a:schemeClr val="bg1">
-                    <a:lumMod val="50000"/>
-                  </a:schemeClr>
-                </a:solidFill>
-              </a:rPr>
-              <a:t>Ein </a:t>
-            </a:r>
-            <a:r>
-              <a:rPr lang="de-DE" dirty="0" err="1" smtClean="0">
-                <a:solidFill>
-                  <a:schemeClr val="bg1">
-                    <a:lumMod val="50000"/>
-                  </a:schemeClr>
-                </a:solidFill>
-              </a:rPr>
-              <a:t>Xtext</a:t>
-            </a:r>
-            <a:r>
-              <a:rPr lang="de-DE" dirty="0" smtClean="0">
-                <a:solidFill>
-                  <a:schemeClr val="bg1">
-                    <a:lumMod val="50000"/>
-                  </a:schemeClr>
-                </a:solidFill>
-              </a:rPr>
-              <a:t>-Projekt</a:t>
-            </a:r>
-          </a:p>
-          <a:p>
-            <a:pPr>
-              <a:lnSpc>
-                <a:spcPct val="120000"/>
-              </a:lnSpc>
-              <a:spcAft>
-                <a:spcPts val="600"/>
-              </a:spcAft>
-            </a:pPr>
-            <a:r>
-              <a:rPr lang="de-DE" dirty="0" smtClean="0"/>
-              <a:t>Anpassen der import-Statements</a:t>
-            </a:r>
-          </a:p>
-          <a:p>
-            <a:pPr lvl="1">
-              <a:lnSpc>
-                <a:spcPct val="120000"/>
-              </a:lnSpc>
-              <a:spcAft>
-                <a:spcPts val="600"/>
-              </a:spcAft>
-            </a:pPr>
-            <a:r>
-              <a:rPr lang="de-DE" dirty="0" smtClean="0">
-                <a:solidFill>
-                  <a:schemeClr val="bg1">
-                    <a:lumMod val="50000"/>
-                  </a:schemeClr>
-                </a:solidFill>
-              </a:rPr>
-              <a:t>Plattform URIs verwendet</a:t>
-            </a:r>
-            <a:endParaRPr lang="de-DE" dirty="0" smtClean="0"/>
-          </a:p>
-          <a:p>
-            <a:pPr>
-              <a:lnSpc>
-                <a:spcPct val="120000"/>
-              </a:lnSpc>
-              <a:spcAft>
-                <a:spcPts val="600"/>
-              </a:spcAft>
-            </a:pPr>
-            <a:r>
-              <a:rPr lang="de-DE" dirty="0" smtClean="0"/>
-              <a:t>Anpassen des Workflows</a:t>
-            </a:r>
-          </a:p>
-          <a:p>
-            <a:pPr lvl="1">
-              <a:lnSpc>
-                <a:spcPct val="120000"/>
-              </a:lnSpc>
-              <a:spcAft>
-                <a:spcPts val="600"/>
-              </a:spcAft>
-            </a:pPr>
-            <a:r>
-              <a:rPr lang="de-DE" dirty="0" err="1" smtClean="0">
-                <a:solidFill>
-                  <a:schemeClr val="bg1">
-                    <a:lumMod val="50000"/>
-                  </a:schemeClr>
-                </a:solidFill>
-              </a:rPr>
-              <a:t>StandaloneSetup</a:t>
-            </a:r>
-            <a:endParaRPr lang="de-DE" dirty="0" smtClean="0"/>
-          </a:p>
-          <a:p>
-            <a:pPr marL="0" indent="0">
-              <a:lnSpc>
-                <a:spcPct val="120000"/>
-              </a:lnSpc>
-              <a:spcAft>
-                <a:spcPts val="600"/>
-              </a:spcAft>
-              <a:buNone/>
-            </a:pPr>
-            <a:endParaRPr lang="de-DE" dirty="0" smtClean="0">
-              <a:solidFill>
-                <a:schemeClr val="bg1">
-                  <a:lumMod val="50000"/>
-                </a:schemeClr>
-              </a:solidFill>
-            </a:endParaRPr>
+            <a:endParaRPr lang="en-US"/>
           </a:p>
         </p:txBody>
       </p:sp>
+      <p:pic>
+        <p:nvPicPr>
+          <p:cNvPr id="6" name="Content Placeholder 4"/>
+          <p:cNvPicPr>
+            <a:picLocks noChangeAspect="1"/>
+          </p:cNvPicPr>
+          <p:nvPr/>
+        </p:nvPicPr>
+        <p:blipFill>
+          <a:blip r:embed="rId2"/>
+          <a:stretch>
+            <a:fillRect/>
+          </a:stretch>
+        </p:blipFill>
+        <p:spPr>
+          <a:xfrm>
+            <a:off x="722269" y="0"/>
+            <a:ext cx="7556500" cy="6785866"/>
+          </a:xfrm>
+          <a:prstGeom prst="rect">
+            <a:avLst/>
+          </a:prstGeom>
+        </p:spPr>
+      </p:pic>
     </p:spTree>
     <p:extLst>
       <p:ext uri="{BB962C8B-B14F-4D97-AF65-F5344CB8AC3E}">
-        <p14:creationId xmlns:p14="http://schemas.microsoft.com/office/powerpoint/2010/main" val="2765327020"/>
+        <p14:creationId xmlns:p14="http://schemas.microsoft.com/office/powerpoint/2010/main" val="523122615"/>
       </p:ext>
     </p:extLst>
   </p:cSld>
   <p:clrMapOvr>
     <a:masterClrMapping/>
   </p:clrMapOvr>
-  <p:timing>
-    <p:tnLst>
-      <p:par>
-        <p:cTn id="1" dur="indefinite" restart="never" nodeType="tmRoot"/>
-      </p:par>
-    </p:tnLst>
-  </p:timing>
 </p:sld>
 </file>
 
 <file path=ppt/slides/slide7.xml><?xml version="1.0" encoding="utf-8"?>
-<p:sld xmlns:a="http://schemas.openxmlformats.org/drawingml/2006/main" xmlns:r="http://schemas.openxmlformats.org/officeDocument/2006/relationships" xmlns:p="http://schemas.openxmlformats.org/presentationml/2006/main">
+<p:sld xmlns:a="http://schemas.openxmlformats.org/drawingml/2006/main" xmlns:r="http://schemas.openxmlformats.org/officeDocument/2006/relationships" xmlns:p="http://schemas.openxmlformats.org/presentationml/2006/main" showMasterPhAnim="0">
   <p:cSld>
     <p:spTree>
       <p:nvGrpSpPr>
@@ -8436,7 +10283,7 @@
       </p:grpSpPr>
       <p:sp>
         <p:nvSpPr>
-          <p:cNvPr id="2" name="Titel 1"/>
+          <p:cNvPr id="2" name="Title 1"/>
           <p:cNvSpPr>
             <a:spLocks noGrp="1"/>
           </p:cNvSpPr>
@@ -8450,17 +10297,158 @@
           <a:lstStyle/>
           <a:p>
             <a:r>
-              <a:rPr lang="de-DE" dirty="0" smtClean="0"/>
-              <a:t>Modell-Transformation</a:t>
-            </a:r>
-            <a:endParaRPr lang="de-DE" dirty="0"/>
+              <a:rPr lang="en-US" dirty="0" err="1"/>
+              <a:t>Struktur</a:t>
+            </a:r>
+            <a:endParaRPr lang="en-US" dirty="0"/>
           </a:p>
         </p:txBody>
       </p:sp>
+      <p:sp>
+        <p:nvSpPr>
+          <p:cNvPr id="3" name="Content Placeholder 2"/>
+          <p:cNvSpPr>
+            <a:spLocks noGrp="1"/>
+          </p:cNvSpPr>
+          <p:nvPr>
+            <p:ph idx="1"/>
+          </p:nvPr>
+        </p:nvSpPr>
+        <p:spPr/>
+        <p:txBody>
+          <a:bodyPr/>
+          <a:lstStyle/>
+          <a:p>
+            <a:r>
+              <a:rPr lang="en-US" dirty="0"/>
+              <a:t>1 </a:t>
+            </a:r>
+            <a:r>
+              <a:rPr lang="en-US" dirty="0" err="1"/>
+              <a:t>Rootelement</a:t>
+            </a:r>
+            <a:endParaRPr lang="en-US" dirty="0"/>
+          </a:p>
+          <a:p>
+            <a:r>
+              <a:rPr lang="en-US" dirty="0" err="1"/>
+              <a:t>Eigenständige</a:t>
+            </a:r>
+            <a:r>
+              <a:rPr lang="en-US" dirty="0"/>
+              <a:t> </a:t>
+            </a:r>
+            <a:r>
+              <a:rPr lang="en-US" dirty="0" err="1"/>
+              <a:t>Bereiche</a:t>
+            </a:r>
+            <a:r>
+              <a:rPr lang="en-US" dirty="0"/>
+              <a:t> in Packages</a:t>
+            </a:r>
+          </a:p>
+          <a:p>
+            <a:pPr lvl="1"/>
+            <a:r>
+              <a:rPr lang="en-US" dirty="0" err="1"/>
+              <a:t>Rollen</a:t>
+            </a:r>
+            <a:endParaRPr lang="en-US" dirty="0"/>
+          </a:p>
+          <a:p>
+            <a:pPr lvl="1"/>
+            <a:r>
+              <a:rPr lang="en-US" dirty="0" err="1"/>
+              <a:t>DataTypes</a:t>
+            </a:r>
+            <a:endParaRPr lang="en-US" dirty="0"/>
+          </a:p>
+          <a:p>
+            <a:pPr lvl="1"/>
+            <a:r>
+              <a:rPr lang="en-US" dirty="0" err="1"/>
+              <a:t>BehaviourDescription</a:t>
+            </a:r>
+            <a:endParaRPr lang="en-US" dirty="0"/>
+          </a:p>
+          <a:p>
+            <a:endParaRPr lang="en-US" dirty="0"/>
+          </a:p>
+        </p:txBody>
+      </p:sp>
+      <p:sp>
+        <p:nvSpPr>
+          <p:cNvPr id="4" name="Slide Number Placeholder 3"/>
+          <p:cNvSpPr>
+            <a:spLocks noGrp="1"/>
+          </p:cNvSpPr>
+          <p:nvPr>
+            <p:ph type="sldNum" sz="quarter" idx="10"/>
+          </p:nvPr>
+        </p:nvSpPr>
+        <p:spPr/>
+        <p:txBody>
+          <a:bodyPr/>
+          <a:lstStyle/>
+          <a:p>
+            <a:fld id="{1215FA07-EE23-A948-A6ED-56C5FE5A7EE4}" type="slidenum">
+              <a:rPr lang="de-DE" smtClean="0"/>
+              <a:t>7</a:t>
+            </a:fld>
+            <a:endParaRPr lang="de-DE"/>
+          </a:p>
+        </p:txBody>
+      </p:sp>
+      <p:pic>
+        <p:nvPicPr>
+          <p:cNvPr id="6" name="Picture 5" descr="Screen Clipping"/>
+          <p:cNvPicPr>
+            <a:picLocks noChangeAspect="1"/>
+          </p:cNvPicPr>
+          <p:nvPr/>
+        </p:nvPicPr>
+        <p:blipFill>
+          <a:blip r:embed="rId2">
+            <a:extLst>
+              <a:ext uri="{BEBA8EAE-BF5A-486C-A8C5-ECC9F3942E4B}">
+                <a14:imgProps xmlns:a14="http://schemas.microsoft.com/office/drawing/2010/main">
+                  <a14:imgLayer r:embed="rId3">
+                    <a14:imgEffect>
+                      <a14:backgroundRemoval t="0" b="100000" l="0" r="98873">
+                        <a14:foregroundMark x1="423" y1="3309" x2="88310" y2="93382"/>
+                        <a14:foregroundMark x1="82394" y1="93382" x2="4225" y2="62132"/>
+                        <a14:foregroundMark x1="1972" y1="79779" x2="54225" y2="92647"/>
+                        <a14:foregroundMark x1="81268" y1="61029" x2="62394" y2="3309"/>
+                        <a14:foregroundMark x1="83803" y1="72794" x2="95915" y2="38603"/>
+                        <a14:foregroundMark x1="84648" y1="75000" x2="98169" y2="56250"/>
+                        <a14:foregroundMark x1="62817" y1="10294" x2="98873" y2="9191"/>
+                        <a14:backgroundMark x1="94366" y1="91544" x2="98169" y2="97426"/>
+                        <a14:backgroundMark x1="96620" y1="83824" x2="91690" y2="99265"/>
+                      </a14:backgroundRemoval>
+                    </a14:imgEffect>
+                  </a14:imgLayer>
+                </a14:imgProps>
+              </a:ext>
+            </a:extLst>
+          </a:blip>
+          <a:stretch>
+            <a:fillRect/>
+          </a:stretch>
+        </p:blipFill>
+        <p:spPr>
+          <a:xfrm>
+            <a:off x="2380306" y="4257980"/>
+            <a:ext cx="6763694" cy="2591162"/>
+          </a:xfrm>
+          <a:prstGeom prst="rect">
+            <a:avLst/>
+          </a:prstGeom>
+        </p:spPr>
+      </p:pic>
     </p:spTree>
     <p:extLst>
       <p:ext uri="{BB962C8B-B14F-4D97-AF65-F5344CB8AC3E}">
-        <p14:creationId xmlns:p14="http://schemas.microsoft.com/office/powerpoint/2010/main" val="697348440"/>
+        <p14:creationId xmlns:p14="http://schemas.microsoft.com/office/powerpoint/2010/main" val="829401565"/>
       </p:ext>
     </p:extLst>
   </p:cSld>
@@ -8470,9 +10458,253 @@
   <p:timing>
     <p:tnLst>
       <p:par>
-        <p:cTn id="1" dur="indefinite" restart="never" nodeType="tmRoot"/>
+        <p:cTn id="1" dur="indefinite" restart="never" nodeType="tmRoot">
+          <p:childTnLst>
+            <p:seq concurrent="1" nextAc="seek">
+              <p:cTn id="2" dur="indefinite" nodeType="mainSeq">
+                <p:childTnLst>
+                  <p:par>
+                    <p:cTn id="3" fill="hold">
+                      <p:stCondLst>
+                        <p:cond delay="indefinite"/>
+                      </p:stCondLst>
+                      <p:childTnLst>
+                        <p:par>
+                          <p:cTn id="4" fill="hold">
+                            <p:stCondLst>
+                              <p:cond delay="0"/>
+                            </p:stCondLst>
+                            <p:childTnLst>
+                              <p:par>
+                                <p:cTn id="5" presetID="1" presetClass="entr" presetSubtype="0" fill="hold" grpId="0" nodeType="clickEffect">
+                                  <p:stCondLst>
+                                    <p:cond delay="0"/>
+                                  </p:stCondLst>
+                                  <p:childTnLst>
+                                    <p:set>
+                                      <p:cBhvr>
+                                        <p:cTn id="6" dur="1" fill="hold">
+                                          <p:stCondLst>
+                                            <p:cond delay="0"/>
+                                          </p:stCondLst>
+                                        </p:cTn>
+                                        <p:tgtEl>
+                                          <p:spTgt spid="3">
+                                            <p:txEl>
+                                              <p:pRg st="0" end="0"/>
+                                            </p:txEl>
+                                          </p:spTgt>
+                                        </p:tgtEl>
+                                        <p:attrNameLst>
+                                          <p:attrName>style.visibility</p:attrName>
+                                        </p:attrNameLst>
+                                      </p:cBhvr>
+                                      <p:to>
+                                        <p:strVal val="visible"/>
+                                      </p:to>
+                                    </p:set>
+                                  </p:childTnLst>
+                                </p:cTn>
+                              </p:par>
+                              <p:par>
+                                <p:cTn id="7" presetID="1" presetClass="entr" presetSubtype="0" fill="hold" nodeType="withEffect">
+                                  <p:stCondLst>
+                                    <p:cond delay="0"/>
+                                  </p:stCondLst>
+                                  <p:childTnLst>
+                                    <p:set>
+                                      <p:cBhvr>
+                                        <p:cTn id="8" dur="1" fill="hold">
+                                          <p:stCondLst>
+                                            <p:cond delay="0"/>
+                                          </p:stCondLst>
+                                        </p:cTn>
+                                        <p:tgtEl>
+                                          <p:spTgt spid="6"/>
+                                        </p:tgtEl>
+                                        <p:attrNameLst>
+                                          <p:attrName>style.visibility</p:attrName>
+                                        </p:attrNameLst>
+                                      </p:cBhvr>
+                                      <p:to>
+                                        <p:strVal val="visible"/>
+                                      </p:to>
+                                    </p:set>
+                                  </p:childTnLst>
+                                </p:cTn>
+                              </p:par>
+                            </p:childTnLst>
+                          </p:cTn>
+                        </p:par>
+                      </p:childTnLst>
+                    </p:cTn>
+                  </p:par>
+                  <p:par>
+                    <p:cTn id="9" fill="hold">
+                      <p:stCondLst>
+                        <p:cond delay="indefinite"/>
+                      </p:stCondLst>
+                      <p:childTnLst>
+                        <p:par>
+                          <p:cTn id="10" fill="hold">
+                            <p:stCondLst>
+                              <p:cond delay="0"/>
+                            </p:stCondLst>
+                            <p:childTnLst>
+                              <p:par>
+                                <p:cTn id="11" presetID="1" presetClass="entr" presetSubtype="0" fill="hold" grpId="0" nodeType="clickEffect">
+                                  <p:stCondLst>
+                                    <p:cond delay="0"/>
+                                  </p:stCondLst>
+                                  <p:childTnLst>
+                                    <p:set>
+                                      <p:cBhvr>
+                                        <p:cTn id="12" dur="1" fill="hold">
+                                          <p:stCondLst>
+                                            <p:cond delay="0"/>
+                                          </p:stCondLst>
+                                        </p:cTn>
+                                        <p:tgtEl>
+                                          <p:spTgt spid="3">
+                                            <p:txEl>
+                                              <p:pRg st="1" end="1"/>
+                                            </p:txEl>
+                                          </p:spTgt>
+                                        </p:tgtEl>
+                                        <p:attrNameLst>
+                                          <p:attrName>style.visibility</p:attrName>
+                                        </p:attrNameLst>
+                                      </p:cBhvr>
+                                      <p:to>
+                                        <p:strVal val="visible"/>
+                                      </p:to>
+                                    </p:set>
+                                  </p:childTnLst>
+                                </p:cTn>
+                              </p:par>
+                              <p:par>
+                                <p:cTn id="13" presetID="1" presetClass="entr" presetSubtype="0" fill="hold" grpId="0" nodeType="withEffect">
+                                  <p:stCondLst>
+                                    <p:cond delay="0"/>
+                                  </p:stCondLst>
+                                  <p:childTnLst>
+                                    <p:set>
+                                      <p:cBhvr>
+                                        <p:cTn id="14" dur="1" fill="hold">
+                                          <p:stCondLst>
+                                            <p:cond delay="0"/>
+                                          </p:stCondLst>
+                                        </p:cTn>
+                                        <p:tgtEl>
+                                          <p:spTgt spid="3">
+                                            <p:txEl>
+                                              <p:pRg st="2" end="2"/>
+                                            </p:txEl>
+                                          </p:spTgt>
+                                        </p:tgtEl>
+                                        <p:attrNameLst>
+                                          <p:attrName>style.visibility</p:attrName>
+                                        </p:attrNameLst>
+                                      </p:cBhvr>
+                                      <p:to>
+                                        <p:strVal val="visible"/>
+                                      </p:to>
+                                    </p:set>
+                                  </p:childTnLst>
+                                </p:cTn>
+                              </p:par>
+                              <p:par>
+                                <p:cTn id="15" presetID="1" presetClass="entr" presetSubtype="0" fill="hold" grpId="0" nodeType="withEffect">
+                                  <p:stCondLst>
+                                    <p:cond delay="0"/>
+                                  </p:stCondLst>
+                                  <p:childTnLst>
+                                    <p:set>
+                                      <p:cBhvr>
+                                        <p:cTn id="16" dur="1" fill="hold">
+                                          <p:stCondLst>
+                                            <p:cond delay="0"/>
+                                          </p:stCondLst>
+                                        </p:cTn>
+                                        <p:tgtEl>
+                                          <p:spTgt spid="3">
+                                            <p:txEl>
+                                              <p:pRg st="3" end="3"/>
+                                            </p:txEl>
+                                          </p:spTgt>
+                                        </p:tgtEl>
+                                        <p:attrNameLst>
+                                          <p:attrName>style.visibility</p:attrName>
+                                        </p:attrNameLst>
+                                      </p:cBhvr>
+                                      <p:to>
+                                        <p:strVal val="visible"/>
+                                      </p:to>
+                                    </p:set>
+                                  </p:childTnLst>
+                                </p:cTn>
+                              </p:par>
+                              <p:par>
+                                <p:cTn id="17" presetID="1" presetClass="entr" presetSubtype="0" fill="hold" grpId="0" nodeType="withEffect">
+                                  <p:stCondLst>
+                                    <p:cond delay="0"/>
+                                  </p:stCondLst>
+                                  <p:childTnLst>
+                                    <p:set>
+                                      <p:cBhvr>
+                                        <p:cTn id="18" dur="1" fill="hold">
+                                          <p:stCondLst>
+                                            <p:cond delay="0"/>
+                                          </p:stCondLst>
+                                        </p:cTn>
+                                        <p:tgtEl>
+                                          <p:spTgt spid="3">
+                                            <p:txEl>
+                                              <p:pRg st="4" end="4"/>
+                                            </p:txEl>
+                                          </p:spTgt>
+                                        </p:tgtEl>
+                                        <p:attrNameLst>
+                                          <p:attrName>style.visibility</p:attrName>
+                                        </p:attrNameLst>
+                                      </p:cBhvr>
+                                      <p:to>
+                                        <p:strVal val="visible"/>
+                                      </p:to>
+                                    </p:set>
+                                  </p:childTnLst>
+                                </p:cTn>
+                              </p:par>
+                            </p:childTnLst>
+                          </p:cTn>
+                        </p:par>
+                      </p:childTnLst>
+                    </p:cTn>
+                  </p:par>
+                </p:childTnLst>
+              </p:cTn>
+              <p:prevCondLst>
+                <p:cond evt="onPrev" delay="0">
+                  <p:tgtEl>
+                    <p:sldTgt/>
+                  </p:tgtEl>
+                </p:cond>
+              </p:prevCondLst>
+              <p:nextCondLst>
+                <p:cond evt="onNext" delay="0">
+                  <p:tgtEl>
+                    <p:sldTgt/>
+                  </p:tgtEl>
+                </p:cond>
+              </p:nextCondLst>
+            </p:seq>
+          </p:childTnLst>
+        </p:cTn>
       </p:par>
     </p:tnLst>
+    <p:bldLst>
+      <p:bldP spid="3" grpId="0" uiExpand="1" build="p"/>
+    </p:bldLst>
   </p:timing>
 </p:sld>
 </file>
@@ -8494,14 +10726,38 @@
           <a:chExt cx="0" cy="0"/>
         </a:xfrm>
       </p:grpSpPr>
+      <p:pic>
+        <p:nvPicPr>
+          <p:cNvPr id="12" name="Content Placeholder 4"/>
+          <p:cNvPicPr>
+            <a:picLocks noChangeAspect="1"/>
+          </p:cNvPicPr>
+          <p:nvPr/>
+        </p:nvPicPr>
+        <p:blipFill>
+          <a:blip r:embed="rId3"/>
+          <a:stretch>
+            <a:fillRect/>
+          </a:stretch>
+        </p:blipFill>
+        <p:spPr>
+          <a:xfrm>
+            <a:off x="722269" y="-12700"/>
+            <a:ext cx="7556500" cy="6785866"/>
+          </a:xfrm>
+          <a:prstGeom prst="rect">
+            <a:avLst/>
+          </a:prstGeom>
+        </p:spPr>
+      </p:pic>
       <p:sp>
         <p:nvSpPr>
-          <p:cNvPr id="3" name="Titel 2"/>
+          <p:cNvPr id="4" name="Slide Number Placeholder 3"/>
           <p:cNvSpPr>
             <a:spLocks noGrp="1"/>
           </p:cNvSpPr>
           <p:nvPr>
-            <p:ph type="title"/>
+            <p:ph type="sldNum" sz="quarter" idx="10"/>
           </p:nvPr>
         </p:nvSpPr>
         <p:spPr/>
@@ -8509,89 +10765,198 @@
           <a:bodyPr/>
           <a:lstStyle/>
           <a:p>
-            <a:r>
-              <a:rPr lang="de-DE" dirty="0" smtClean="0"/>
-              <a:t>Wahl der Technologie</a:t>
-            </a:r>
-            <a:endParaRPr lang="de-DE" dirty="0"/>
+            <a:fld id="{1215FA07-EE23-A948-A6ED-56C5FE5A7EE4}" type="slidenum">
+              <a:rPr lang="de-DE" smtClean="0"/>
+              <a:t>8</a:t>
+            </a:fld>
+            <a:endParaRPr lang="de-DE"/>
           </a:p>
         </p:txBody>
       </p:sp>
       <p:sp>
         <p:nvSpPr>
-          <p:cNvPr id="4" name="Inhaltsplatzhalter 3"/>
-          <p:cNvSpPr>
-            <a:spLocks noGrp="1"/>
-          </p:cNvSpPr>
-          <p:nvPr>
-            <p:ph idx="1"/>
-          </p:nvPr>
+          <p:cNvPr id="2" name="Rectangle 1"/>
+          <p:cNvSpPr/>
+          <p:nvPr/>
         </p:nvSpPr>
-        <p:spPr/>
+        <p:spPr>
+          <a:xfrm>
+            <a:off x="838200" y="1409700"/>
+            <a:ext cx="2413000" cy="1397000"/>
+          </a:xfrm>
+          <a:prstGeom prst="rect">
+            <a:avLst/>
+          </a:prstGeom>
+          <a:noFill/>
+          <a:ln w="38100">
+            <a:solidFill>
+              <a:srgbClr val="C00000"/>
+            </a:solidFill>
+          </a:ln>
+          <a:effectLst/>
+        </p:spPr>
+        <p:style>
+          <a:lnRef idx="1">
+            <a:schemeClr val="accent1"/>
+          </a:lnRef>
+          <a:fillRef idx="3">
+            <a:schemeClr val="accent1"/>
+          </a:fillRef>
+          <a:effectRef idx="2">
+            <a:schemeClr val="accent1"/>
+          </a:effectRef>
+          <a:fontRef idx="minor">
+            <a:schemeClr val="lt1"/>
+          </a:fontRef>
+        </p:style>
         <p:txBody>
-          <a:bodyPr vert="horz" lIns="91440" tIns="45720" rIns="91440" bIns="45720" rtlCol="0">
-            <a:normAutofit/>
-          </a:bodyPr>
+          <a:bodyPr rtlCol="0" anchor="ctr"/>
           <a:lstStyle/>
           <a:p>
-            <a:pPr>
-              <a:lnSpc>
-                <a:spcPct val="120000"/>
-              </a:lnSpc>
-              <a:spcAft>
-                <a:spcPts val="600"/>
-              </a:spcAft>
-            </a:pPr>
-            <a:r>
-              <a:rPr lang="de-DE" dirty="0" smtClean="0"/>
-              <a:t>ATL mächtiger und komplexer</a:t>
-            </a:r>
-          </a:p>
-          <a:p>
-            <a:pPr>
-              <a:lnSpc>
-                <a:spcPct val="120000"/>
-              </a:lnSpc>
-              <a:spcAft>
-                <a:spcPts val="600"/>
-              </a:spcAft>
-            </a:pPr>
-            <a:r>
-              <a:rPr lang="de-DE" dirty="0" smtClean="0"/>
-              <a:t>Hohe Einstiegshürde</a:t>
-            </a:r>
-          </a:p>
-          <a:p>
-            <a:pPr>
-              <a:lnSpc>
-                <a:spcPct val="120000"/>
-              </a:lnSpc>
-              <a:spcAft>
-                <a:spcPts val="600"/>
-              </a:spcAft>
-            </a:pPr>
-            <a:r>
-              <a:rPr lang="de-DE" dirty="0" smtClean="0"/>
-              <a:t>Schnell Fortschritte mit </a:t>
-            </a:r>
-            <a:r>
-              <a:rPr lang="de-DE" dirty="0" err="1" smtClean="0"/>
-              <a:t>QVTo</a:t>
-            </a:r>
-            <a:endParaRPr lang="de-DE" dirty="0">
-              <a:solidFill>
-                <a:schemeClr val="bg1">
-                  <a:lumMod val="50000"/>
-                </a:schemeClr>
-              </a:solidFill>
-            </a:endParaRPr>
+            <a:pPr algn="ctr"/>
+            <a:endParaRPr lang="en-US"/>
+          </a:p>
+        </p:txBody>
+      </p:sp>
+      <p:sp>
+        <p:nvSpPr>
+          <p:cNvPr id="6" name="Rectangle 5"/>
+          <p:cNvSpPr/>
+          <p:nvPr/>
+        </p:nvSpPr>
+        <p:spPr>
+          <a:xfrm>
+            <a:off x="1028700" y="5638800"/>
+            <a:ext cx="2819400" cy="1079500"/>
+          </a:xfrm>
+          <a:prstGeom prst="rect">
+            <a:avLst/>
+          </a:prstGeom>
+          <a:noFill/>
+          <a:ln w="38100">
+            <a:solidFill>
+              <a:srgbClr val="C00000"/>
+            </a:solidFill>
+          </a:ln>
+          <a:effectLst/>
+        </p:spPr>
+        <p:style>
+          <a:lnRef idx="1">
+            <a:schemeClr val="accent1"/>
+          </a:lnRef>
+          <a:fillRef idx="3">
+            <a:schemeClr val="accent1"/>
+          </a:fillRef>
+          <a:effectRef idx="2">
+            <a:schemeClr val="accent1"/>
+          </a:effectRef>
+          <a:fontRef idx="minor">
+            <a:schemeClr val="lt1"/>
+          </a:fontRef>
+        </p:style>
+        <p:txBody>
+          <a:bodyPr rtlCol="0" anchor="ctr"/>
+          <a:lstStyle/>
+          <a:p>
+            <a:pPr algn="ctr"/>
+            <a:endParaRPr lang="en-US"/>
+          </a:p>
+        </p:txBody>
+      </p:sp>
+      <p:sp>
+        <p:nvSpPr>
+          <p:cNvPr id="7" name="Rectangle 6"/>
+          <p:cNvSpPr/>
+          <p:nvPr/>
+        </p:nvSpPr>
+        <p:spPr>
+          <a:xfrm>
+            <a:off x="3979462" y="4743450"/>
+            <a:ext cx="1591477" cy="1079500"/>
+          </a:xfrm>
+          <a:prstGeom prst="rect">
+            <a:avLst/>
+          </a:prstGeom>
+          <a:noFill/>
+          <a:ln w="38100">
+            <a:solidFill>
+              <a:srgbClr val="C00000"/>
+            </a:solidFill>
+          </a:ln>
+          <a:effectLst/>
+        </p:spPr>
+        <p:style>
+          <a:lnRef idx="1">
+            <a:schemeClr val="accent1"/>
+          </a:lnRef>
+          <a:fillRef idx="3">
+            <a:schemeClr val="accent1"/>
+          </a:fillRef>
+          <a:effectRef idx="2">
+            <a:schemeClr val="accent1"/>
+          </a:effectRef>
+          <a:fontRef idx="minor">
+            <a:schemeClr val="lt1"/>
+          </a:fontRef>
+        </p:style>
+        <p:txBody>
+          <a:bodyPr rtlCol="0" anchor="ctr"/>
+          <a:lstStyle/>
+          <a:p>
+            <a:pPr algn="ctr"/>
+            <a:endParaRPr lang="en-US"/>
+          </a:p>
+        </p:txBody>
+      </p:sp>
+      <p:sp>
+        <p:nvSpPr>
+          <p:cNvPr id="8" name="Rectangle 7"/>
+          <p:cNvSpPr/>
+          <p:nvPr/>
+        </p:nvSpPr>
+        <p:spPr>
+          <a:xfrm>
+            <a:off x="3433014" y="359200"/>
+            <a:ext cx="1217521" cy="655499"/>
+          </a:xfrm>
+          <a:prstGeom prst="rect">
+            <a:avLst/>
+          </a:prstGeom>
+          <a:noFill/>
+          <a:ln w="38100">
+            <a:solidFill>
+              <a:schemeClr val="bg2"/>
+            </a:solidFill>
+          </a:ln>
+          <a:effectLst/>
+        </p:spPr>
+        <p:style>
+          <a:lnRef idx="1">
+            <a:schemeClr val="accent1"/>
+          </a:lnRef>
+          <a:fillRef idx="3">
+            <a:schemeClr val="accent1"/>
+          </a:fillRef>
+          <a:effectRef idx="2">
+            <a:schemeClr val="accent1"/>
+          </a:effectRef>
+          <a:fontRef idx="minor">
+            <a:schemeClr val="lt1"/>
+          </a:fontRef>
+        </p:style>
+        <p:txBody>
+          <a:bodyPr rtlCol="0" anchor="ctr"/>
+          <a:lstStyle/>
+          <a:p>
+            <a:pPr algn="ctr"/>
+            <a:endParaRPr lang="en-US"/>
           </a:p>
         </p:txBody>
       </p:sp>
     </p:spTree>
     <p:extLst>
       <p:ext uri="{BB962C8B-B14F-4D97-AF65-F5344CB8AC3E}">
-        <p14:creationId xmlns:p14="http://schemas.microsoft.com/office/powerpoint/2010/main" val="2354940546"/>
+        <p14:creationId xmlns:p14="http://schemas.microsoft.com/office/powerpoint/2010/main" val="2243125894"/>
       </p:ext>
     </p:extLst>
   </p:cSld>
@@ -8601,9 +10966,182 @@
   <p:timing>
     <p:tnLst>
       <p:par>
-        <p:cTn id="1" dur="indefinite" restart="never" nodeType="tmRoot"/>
+        <p:cTn id="1" dur="indefinite" restart="never" nodeType="tmRoot">
+          <p:childTnLst>
+            <p:seq concurrent="1" nextAc="seek">
+              <p:cTn id="2" dur="indefinite" nodeType="mainSeq">
+                <p:childTnLst>
+                  <p:par>
+                    <p:cTn id="3" fill="hold">
+                      <p:stCondLst>
+                        <p:cond delay="indefinite"/>
+                      </p:stCondLst>
+                      <p:childTnLst>
+                        <p:par>
+                          <p:cTn id="4" fill="hold">
+                            <p:stCondLst>
+                              <p:cond delay="0"/>
+                            </p:stCondLst>
+                            <p:childTnLst>
+                              <p:par>
+                                <p:cTn id="5" presetID="1" presetClass="entr" presetSubtype="0" fill="hold" grpId="0" nodeType="clickEffect">
+                                  <p:stCondLst>
+                                    <p:cond delay="0"/>
+                                  </p:stCondLst>
+                                  <p:childTnLst>
+                                    <p:set>
+                                      <p:cBhvr>
+                                        <p:cTn id="6" dur="1" fill="hold">
+                                          <p:stCondLst>
+                                            <p:cond delay="0"/>
+                                          </p:stCondLst>
+                                        </p:cTn>
+                                        <p:tgtEl>
+                                          <p:spTgt spid="8"/>
+                                        </p:tgtEl>
+                                        <p:attrNameLst>
+                                          <p:attrName>style.visibility</p:attrName>
+                                        </p:attrNameLst>
+                                      </p:cBhvr>
+                                      <p:to>
+                                        <p:strVal val="visible"/>
+                                      </p:to>
+                                    </p:set>
+                                  </p:childTnLst>
+                                </p:cTn>
+                              </p:par>
+                            </p:childTnLst>
+                          </p:cTn>
+                        </p:par>
+                      </p:childTnLst>
+                    </p:cTn>
+                  </p:par>
+                  <p:par>
+                    <p:cTn id="7" fill="hold">
+                      <p:stCondLst>
+                        <p:cond delay="indefinite"/>
+                      </p:stCondLst>
+                      <p:childTnLst>
+                        <p:par>
+                          <p:cTn id="8" fill="hold">
+                            <p:stCondLst>
+                              <p:cond delay="0"/>
+                            </p:stCondLst>
+                            <p:childTnLst>
+                              <p:par>
+                                <p:cTn id="9" presetID="1" presetClass="entr" presetSubtype="0" fill="hold" grpId="0" nodeType="clickEffect">
+                                  <p:stCondLst>
+                                    <p:cond delay="0"/>
+                                  </p:stCondLst>
+                                  <p:childTnLst>
+                                    <p:set>
+                                      <p:cBhvr>
+                                        <p:cTn id="10" dur="1" fill="hold">
+                                          <p:stCondLst>
+                                            <p:cond delay="0"/>
+                                          </p:stCondLst>
+                                        </p:cTn>
+                                        <p:tgtEl>
+                                          <p:spTgt spid="2"/>
+                                        </p:tgtEl>
+                                        <p:attrNameLst>
+                                          <p:attrName>style.visibility</p:attrName>
+                                        </p:attrNameLst>
+                                      </p:cBhvr>
+                                      <p:to>
+                                        <p:strVal val="visible"/>
+                                      </p:to>
+                                    </p:set>
+                                  </p:childTnLst>
+                                </p:cTn>
+                              </p:par>
+                              <p:par>
+                                <p:cTn id="11" presetID="1" presetClass="entr" presetSubtype="0" fill="hold" grpId="0" nodeType="withEffect">
+                                  <p:stCondLst>
+                                    <p:cond delay="0"/>
+                                  </p:stCondLst>
+                                  <p:childTnLst>
+                                    <p:set>
+                                      <p:cBhvr>
+                                        <p:cTn id="12" dur="1" fill="hold">
+                                          <p:stCondLst>
+                                            <p:cond delay="0"/>
+                                          </p:stCondLst>
+                                        </p:cTn>
+                                        <p:tgtEl>
+                                          <p:spTgt spid="7"/>
+                                        </p:tgtEl>
+                                        <p:attrNameLst>
+                                          <p:attrName>style.visibility</p:attrName>
+                                        </p:attrNameLst>
+                                      </p:cBhvr>
+                                      <p:to>
+                                        <p:strVal val="visible"/>
+                                      </p:to>
+                                    </p:set>
+                                  </p:childTnLst>
+                                </p:cTn>
+                              </p:par>
+                              <p:par>
+                                <p:cTn id="13" presetID="1" presetClass="entr" presetSubtype="0" fill="hold" grpId="0" nodeType="withEffect">
+                                  <p:stCondLst>
+                                    <p:cond delay="0"/>
+                                  </p:stCondLst>
+                                  <p:childTnLst>
+                                    <p:set>
+                                      <p:cBhvr>
+                                        <p:cTn id="14" dur="1" fill="hold">
+                                          <p:stCondLst>
+                                            <p:cond delay="0"/>
+                                          </p:stCondLst>
+                                        </p:cTn>
+                                        <p:tgtEl>
+                                          <p:spTgt spid="6"/>
+                                        </p:tgtEl>
+                                        <p:attrNameLst>
+                                          <p:attrName>style.visibility</p:attrName>
+                                        </p:attrNameLst>
+                                      </p:cBhvr>
+                                      <p:to>
+                                        <p:strVal val="visible"/>
+                                      </p:to>
+                                    </p:set>
+                                  </p:childTnLst>
+                                </p:cTn>
+                              </p:par>
+                            </p:childTnLst>
+                          </p:cTn>
+                        </p:par>
+                      </p:childTnLst>
+                    </p:cTn>
+                  </p:par>
+                </p:childTnLst>
+              </p:cTn>
+              <p:prevCondLst>
+                <p:cond evt="onPrev" delay="0">
+                  <p:tgtEl>
+                    <p:sldTgt/>
+                  </p:tgtEl>
+                </p:cond>
+              </p:prevCondLst>
+              <p:nextCondLst>
+                <p:cond evt="onNext" delay="0">
+                  <p:tgtEl>
+                    <p:sldTgt/>
+                  </p:tgtEl>
+                </p:cond>
+              </p:nextCondLst>
+            </p:seq>
+          </p:childTnLst>
+        </p:cTn>
       </p:par>
     </p:tnLst>
+    <p:bldLst>
+      <p:bldP spid="2" grpId="0" animBg="1"/>
+      <p:bldP spid="6" grpId="0" animBg="1"/>
+      <p:bldP spid="7" grpId="0" animBg="1"/>
+      <p:bldP spid="8" grpId="0" animBg="1"/>
+    </p:bldLst>
   </p:timing>
 </p:sld>
 </file>
@@ -8627,12 +11165,12 @@
       </p:grpSpPr>
       <p:sp>
         <p:nvSpPr>
-          <p:cNvPr id="3" name="Titel 2"/>
+          <p:cNvPr id="4" name="Slide Number Placeholder 3"/>
           <p:cNvSpPr>
             <a:spLocks noGrp="1"/>
           </p:cNvSpPr>
           <p:nvPr>
-            <p:ph type="title"/>
+            <p:ph type="sldNum" sz="quarter" idx="10"/>
           </p:nvPr>
         </p:nvSpPr>
         <p:spPr/>
@@ -8640,21 +11178,17 @@
           <a:bodyPr/>
           <a:lstStyle/>
           <a:p>
-            <a:r>
-              <a:rPr lang="de-DE" dirty="0" err="1" smtClean="0"/>
-              <a:t>QVTo</a:t>
-            </a:r>
-            <a:r>
-              <a:rPr lang="de-DE" dirty="0" smtClean="0"/>
-              <a:t> Erkenntnisse</a:t>
-            </a:r>
-            <a:endParaRPr lang="de-DE" dirty="0"/>
+            <a:fld id="{1215FA07-EE23-A948-A6ED-56C5FE5A7EE4}" type="slidenum">
+              <a:rPr lang="de-DE" smtClean="0"/>
+              <a:t>9</a:t>
+            </a:fld>
+            <a:endParaRPr lang="de-DE"/>
           </a:p>
         </p:txBody>
       </p:sp>
       <p:sp>
         <p:nvSpPr>
-          <p:cNvPr id="4" name="Inhaltsplatzhalter 3"/>
+          <p:cNvPr id="2" name="Content Placeholder 1"/>
           <p:cNvSpPr>
             <a:spLocks noGrp="1"/>
           </p:cNvSpPr>
@@ -8664,126 +11198,46 @@
         </p:nvSpPr>
         <p:spPr/>
         <p:txBody>
-          <a:bodyPr vert="horz" lIns="91440" tIns="45720" rIns="91440" bIns="45720" rtlCol="0">
-            <a:normAutofit/>
-          </a:bodyPr>
+          <a:bodyPr/>
           <a:lstStyle/>
           <a:p>
-            <a:pPr>
-              <a:lnSpc>
-                <a:spcPct val="120000"/>
-              </a:lnSpc>
-              <a:spcAft>
-                <a:spcPts val="600"/>
-              </a:spcAft>
-            </a:pPr>
-            <a:r>
-              <a:rPr lang="de-DE" dirty="0" smtClean="0"/>
-              <a:t>Transformation - 2 Möglichkeiten</a:t>
-            </a:r>
-          </a:p>
-          <a:p>
-            <a:pPr lvl="1">
-              <a:lnSpc>
-                <a:spcPct val="120000"/>
-              </a:lnSpc>
-              <a:spcAft>
-                <a:spcPts val="600"/>
-              </a:spcAft>
-            </a:pPr>
-            <a:r>
-              <a:rPr lang="de-DE" dirty="0" smtClean="0">
-                <a:solidFill>
-                  <a:schemeClr val="bg1">
-                    <a:lumMod val="50000"/>
-                  </a:schemeClr>
-                </a:solidFill>
-              </a:rPr>
-              <a:t>Plug-Ins vs. innere </a:t>
-            </a:r>
-            <a:r>
-              <a:rPr lang="de-DE" dirty="0" err="1" smtClean="0">
-                <a:solidFill>
-                  <a:schemeClr val="bg1">
-                    <a:lumMod val="50000"/>
-                  </a:schemeClr>
-                </a:solidFill>
-              </a:rPr>
-              <a:t>Eclipse</a:t>
-            </a:r>
-            <a:r>
-              <a:rPr lang="de-DE" dirty="0" smtClean="0">
-                <a:solidFill>
-                  <a:schemeClr val="bg1">
-                    <a:lumMod val="50000"/>
-                  </a:schemeClr>
-                </a:solidFill>
-              </a:rPr>
-              <a:t>-Instanz</a:t>
-            </a:r>
-          </a:p>
-          <a:p>
-            <a:pPr>
-              <a:lnSpc>
-                <a:spcPct val="120000"/>
-              </a:lnSpc>
-              <a:spcAft>
-                <a:spcPts val="600"/>
-              </a:spcAft>
-            </a:pPr>
-            <a:r>
-              <a:rPr lang="de-DE" dirty="0" err="1" smtClean="0"/>
-              <a:t>QVTo</a:t>
-            </a:r>
-            <a:r>
-              <a:rPr lang="de-DE" dirty="0" smtClean="0"/>
-              <a:t>-Projekt in </a:t>
-            </a:r>
-            <a:r>
-              <a:rPr lang="de-DE" dirty="0" err="1" smtClean="0"/>
-              <a:t>Eclipse</a:t>
-            </a:r>
-            <a:r>
-              <a:rPr lang="de-DE" dirty="0" smtClean="0"/>
-              <a:t> Workspace einbinden</a:t>
-            </a:r>
-          </a:p>
-          <a:p>
-            <a:pPr>
-              <a:lnSpc>
-                <a:spcPct val="120000"/>
-              </a:lnSpc>
-              <a:spcAft>
-                <a:spcPts val="600"/>
-              </a:spcAft>
-            </a:pPr>
-            <a:endParaRPr lang="de-DE" dirty="0">
-              <a:solidFill>
-                <a:schemeClr val="bg1">
-                  <a:lumMod val="50000"/>
-                </a:schemeClr>
-              </a:solidFill>
-            </a:endParaRPr>
+            <a:endParaRPr lang="en-US"/>
           </a:p>
         </p:txBody>
       </p:sp>
+      <p:pic>
+        <p:nvPicPr>
+          <p:cNvPr id="5" name="Content Placeholder 5" descr="Screen Clipping"/>
+          <p:cNvPicPr>
+            <a:picLocks noChangeAspect="1"/>
+          </p:cNvPicPr>
+          <p:nvPr/>
+        </p:nvPicPr>
+        <p:blipFill rotWithShape="1">
+          <a:blip r:embed="rId3"/>
+          <a:srcRect l="3134"/>
+          <a:stretch/>
+        </p:blipFill>
+        <p:spPr>
+          <a:xfrm>
+            <a:off x="0" y="457200"/>
+            <a:ext cx="9144000" cy="5359400"/>
+          </a:xfrm>
+          <a:prstGeom prst="rect">
+            <a:avLst/>
+          </a:prstGeom>
+        </p:spPr>
+      </p:pic>
     </p:spTree>
     <p:extLst>
       <p:ext uri="{BB962C8B-B14F-4D97-AF65-F5344CB8AC3E}">
-        <p14:creationId xmlns:p14="http://schemas.microsoft.com/office/powerpoint/2010/main" val="3889762000"/>
+        <p14:creationId xmlns:p14="http://schemas.microsoft.com/office/powerpoint/2010/main" val="1069921111"/>
       </p:ext>
     </p:extLst>
   </p:cSld>
   <p:clrMapOvr>
     <a:masterClrMapping/>
   </p:clrMapOvr>
-  <p:timing>
-    <p:tnLst>
-      <p:par>
-        <p:cTn id="1" dur="indefinite" restart="never" nodeType="tmRoot"/>
-      </p:par>
-    </p:tnLst>
-  </p:timing>
 </p:sld>
 </file>
 
